--- a/documentation/Hubfx Presentation.pptx
+++ b/documentation/Hubfx Presentation.pptx
@@ -13,6 +13,7 @@
     <p:sldId id="261" r:id="rId7"/>
     <p:sldId id="262" r:id="rId8"/>
     <p:sldId id="263" r:id="rId9"/>
+    <p:sldId id="264" r:id="rId10"/>
   </p:sldIdLst>
   <p:sldSz cx="12192000" cy="6858000"/>
   <p:notesSz cx="6858000" cy="9144000"/>
@@ -1794,7 +1795,7 @@
           <a:p>
             <a:fld id="{154F4BC5-C275-4A59-82DC-6AFC02DFC54D}" type="datetimeFigureOut">
               <a:rPr lang="en-CA" smtClean="0"/>
-              <a:t>2023-09-20</a:t>
+              <a:t>2023-09-24</a:t>
             </a:fld>
             <a:endParaRPr lang="en-CA"/>
           </a:p>
@@ -1994,7 +1995,7 @@
           <a:p>
             <a:fld id="{154F4BC5-C275-4A59-82DC-6AFC02DFC54D}" type="datetimeFigureOut">
               <a:rPr lang="en-CA" smtClean="0"/>
-              <a:t>2023-09-20</a:t>
+              <a:t>2023-09-24</a:t>
             </a:fld>
             <a:endParaRPr lang="en-CA"/>
           </a:p>
@@ -2204,7 +2205,7 @@
           <a:p>
             <a:fld id="{154F4BC5-C275-4A59-82DC-6AFC02DFC54D}" type="datetimeFigureOut">
               <a:rPr lang="en-CA" smtClean="0"/>
-              <a:t>2023-09-20</a:t>
+              <a:t>2023-09-24</a:t>
             </a:fld>
             <a:endParaRPr lang="en-CA"/>
           </a:p>
@@ -2404,7 +2405,7 @@
           <a:p>
             <a:fld id="{154F4BC5-C275-4A59-82DC-6AFC02DFC54D}" type="datetimeFigureOut">
               <a:rPr lang="en-CA" smtClean="0"/>
-              <a:t>2023-09-20</a:t>
+              <a:t>2023-09-24</a:t>
             </a:fld>
             <a:endParaRPr lang="en-CA"/>
           </a:p>
@@ -2680,7 +2681,7 @@
           <a:p>
             <a:fld id="{154F4BC5-C275-4A59-82DC-6AFC02DFC54D}" type="datetimeFigureOut">
               <a:rPr lang="en-CA" smtClean="0"/>
-              <a:t>2023-09-20</a:t>
+              <a:t>2023-09-24</a:t>
             </a:fld>
             <a:endParaRPr lang="en-CA"/>
           </a:p>
@@ -2948,7 +2949,7 @@
           <a:p>
             <a:fld id="{154F4BC5-C275-4A59-82DC-6AFC02DFC54D}" type="datetimeFigureOut">
               <a:rPr lang="en-CA" smtClean="0"/>
-              <a:t>2023-09-20</a:t>
+              <a:t>2023-09-24</a:t>
             </a:fld>
             <a:endParaRPr lang="en-CA"/>
           </a:p>
@@ -3363,7 +3364,7 @@
           <a:p>
             <a:fld id="{154F4BC5-C275-4A59-82DC-6AFC02DFC54D}" type="datetimeFigureOut">
               <a:rPr lang="en-CA" smtClean="0"/>
-              <a:t>2023-09-20</a:t>
+              <a:t>2023-09-24</a:t>
             </a:fld>
             <a:endParaRPr lang="en-CA"/>
           </a:p>
@@ -3505,7 +3506,7 @@
           <a:p>
             <a:fld id="{154F4BC5-C275-4A59-82DC-6AFC02DFC54D}" type="datetimeFigureOut">
               <a:rPr lang="en-CA" smtClean="0"/>
-              <a:t>2023-09-20</a:t>
+              <a:t>2023-09-24</a:t>
             </a:fld>
             <a:endParaRPr lang="en-CA"/>
           </a:p>
@@ -3618,7 +3619,7 @@
           <a:p>
             <a:fld id="{154F4BC5-C275-4A59-82DC-6AFC02DFC54D}" type="datetimeFigureOut">
               <a:rPr lang="en-CA" smtClean="0"/>
-              <a:t>2023-09-20</a:t>
+              <a:t>2023-09-24</a:t>
             </a:fld>
             <a:endParaRPr lang="en-CA"/>
           </a:p>
@@ -3931,7 +3932,7 @@
           <a:p>
             <a:fld id="{154F4BC5-C275-4A59-82DC-6AFC02DFC54D}" type="datetimeFigureOut">
               <a:rPr lang="en-CA" smtClean="0"/>
-              <a:t>2023-09-20</a:t>
+              <a:t>2023-09-24</a:t>
             </a:fld>
             <a:endParaRPr lang="en-CA"/>
           </a:p>
@@ -4220,7 +4221,7 @@
           <a:p>
             <a:fld id="{154F4BC5-C275-4A59-82DC-6AFC02DFC54D}" type="datetimeFigureOut">
               <a:rPr lang="en-CA" smtClean="0"/>
-              <a:t>2023-09-20</a:t>
+              <a:t>2023-09-24</a:t>
             </a:fld>
             <a:endParaRPr lang="en-CA"/>
           </a:p>
@@ -4463,7 +4464,7 @@
           <a:p>
             <a:fld id="{154F4BC5-C275-4A59-82DC-6AFC02DFC54D}" type="datetimeFigureOut">
               <a:rPr lang="en-CA" smtClean="0"/>
-              <a:t>2023-09-20</a:t>
+              <a:t>2023-09-24</a:t>
             </a:fld>
             <a:endParaRPr lang="en-CA"/>
           </a:p>
@@ -16283,6 +16284,680 @@
 </p:sld>
 </file>
 
+<file path=ppt/slides/slide9.xml><?xml version="1.0" encoding="utf-8"?>
+<p:sld xmlns:a="http://schemas.openxmlformats.org/drawingml/2006/main" xmlns:r="http://schemas.openxmlformats.org/officeDocument/2006/relationships" xmlns:p="http://schemas.openxmlformats.org/presentationml/2006/main">
+  <p:cSld>
+    <p:spTree>
+      <p:nvGrpSpPr>
+        <p:cNvPr id="1" name=""/>
+        <p:cNvGrpSpPr/>
+        <p:nvPr/>
+      </p:nvGrpSpPr>
+      <p:grpSpPr>
+        <a:xfrm>
+          <a:off x="0" y="0"/>
+          <a:ext cx="0" cy="0"/>
+          <a:chOff x="0" y="0"/>
+          <a:chExt cx="0" cy="0"/>
+        </a:xfrm>
+      </p:grpSpPr>
+      <p:graphicFrame>
+        <p:nvGraphicFramePr>
+          <p:cNvPr id="3" name="Table 3">
+            <a:extLst>
+              <a:ext uri="{FF2B5EF4-FFF2-40B4-BE49-F238E27FC236}">
+                <a16:creationId xmlns:a16="http://schemas.microsoft.com/office/drawing/2014/main" id="{8AB95FB7-22DA-F36A-2177-5575872A34AB}"/>
+              </a:ext>
+            </a:extLst>
+          </p:cNvPr>
+          <p:cNvGraphicFramePr>
+            <a:graphicFrameLocks noGrp="1"/>
+          </p:cNvGraphicFramePr>
+          <p:nvPr>
+            <p:extLst>
+              <p:ext uri="{D42A27DB-BD31-4B8C-83A1-F6EECF244321}">
+                <p14:modId xmlns:p14="http://schemas.microsoft.com/office/powerpoint/2010/main" val="3436286586"/>
+              </p:ext>
+            </p:extLst>
+          </p:nvPr>
+        </p:nvGraphicFramePr>
+        <p:xfrm>
+          <a:off x="98927" y="1433538"/>
+          <a:ext cx="5331326" cy="3783099"/>
+        </p:xfrm>
+        <a:graphic>
+          <a:graphicData uri="http://schemas.openxmlformats.org/drawingml/2006/table">
+            <a:tbl>
+              <a:tblPr firstRow="1" bandRow="1">
+                <a:tableStyleId>{5C22544A-7EE6-4342-B048-85BDC9FD1C3A}</a:tableStyleId>
+              </a:tblPr>
+              <a:tblGrid>
+                <a:gridCol w="1777109">
+                  <a:extLst>
+                    <a:ext uri="{9D8B030D-6E8A-4147-A177-3AD203B41FA5}">
+                      <a16:colId xmlns:a16="http://schemas.microsoft.com/office/drawing/2014/main" val="734180390"/>
+                    </a:ext>
+                  </a:extLst>
+                </a:gridCol>
+                <a:gridCol w="2007491">
+                  <a:extLst>
+                    <a:ext uri="{9D8B030D-6E8A-4147-A177-3AD203B41FA5}">
+                      <a16:colId xmlns:a16="http://schemas.microsoft.com/office/drawing/2014/main" val="2286615271"/>
+                    </a:ext>
+                  </a:extLst>
+                </a:gridCol>
+                <a:gridCol w="1546726">
+                  <a:extLst>
+                    <a:ext uri="{9D8B030D-6E8A-4147-A177-3AD203B41FA5}">
+                      <a16:colId xmlns:a16="http://schemas.microsoft.com/office/drawing/2014/main" val="633070246"/>
+                    </a:ext>
+                  </a:extLst>
+                </a:gridCol>
+              </a:tblGrid>
+              <a:tr h="688462">
+                <a:tc>
+                  <a:txBody>
+                    <a:bodyPr/>
+                    <a:lstStyle/>
+                    <a:p>
+                      <a:r>
+                        <a:rPr lang="en-CA" dirty="0"/>
+                        <a:t>Frontend Framework</a:t>
+                      </a:r>
+                    </a:p>
+                  </a:txBody>
+                  <a:tcPr/>
+                </a:tc>
+                <a:tc>
+                  <a:txBody>
+                    <a:bodyPr/>
+                    <a:lstStyle/>
+                    <a:p>
+                      <a:r>
+                        <a:rPr lang="en-CA" dirty="0"/>
+                        <a:t>Application (global) State</a:t>
+                      </a:r>
+                    </a:p>
+                  </a:txBody>
+                  <a:tcPr/>
+                </a:tc>
+                <a:tc>
+                  <a:txBody>
+                    <a:bodyPr/>
+                    <a:lstStyle/>
+                    <a:p>
+                      <a:r>
+                        <a:rPr lang="en-CA" dirty="0"/>
+                        <a:t>Component (local) state</a:t>
+                      </a:r>
+                    </a:p>
+                  </a:txBody>
+                  <a:tcPr/>
+                </a:tc>
+                <a:extLst>
+                  <a:ext uri="{0D108BD9-81ED-4DB2-BD59-A6C34878D82A}">
+                    <a16:rowId xmlns:a16="http://schemas.microsoft.com/office/drawing/2014/main" val="3383211534"/>
+                  </a:ext>
+                </a:extLst>
+              </a:tr>
+              <a:tr h="688462">
+                <a:tc>
+                  <a:txBody>
+                    <a:bodyPr/>
+                    <a:lstStyle/>
+                    <a:p>
+                      <a:r>
+                        <a:rPr lang="en-CA" dirty="0"/>
+                        <a:t>React</a:t>
+                      </a:r>
+                    </a:p>
+                  </a:txBody>
+                  <a:tcPr/>
+                </a:tc>
+                <a:tc>
+                  <a:txBody>
+                    <a:bodyPr/>
+                    <a:lstStyle/>
+                    <a:p>
+                      <a:pPr marL="285750" indent="-285750">
+                        <a:buFont typeface="Arial" panose="020B0604020202020204" pitchFamily="34" charset="0"/>
+                        <a:buChar char="•"/>
+                      </a:pPr>
+                      <a:r>
+                        <a:rPr lang="en-CA" sz="1400" dirty="0"/>
+                        <a:t>Redux</a:t>
+                      </a:r>
+                    </a:p>
+                    <a:p>
+                      <a:pPr marL="285750" indent="-285750">
+                        <a:buFont typeface="Arial" panose="020B0604020202020204" pitchFamily="34" charset="0"/>
+                        <a:buChar char="•"/>
+                      </a:pPr>
+                      <a:r>
+                        <a:rPr lang="en-CA" sz="1400" dirty="0"/>
+                        <a:t>Context API</a:t>
+                      </a:r>
+                    </a:p>
+                  </a:txBody>
+                  <a:tcPr/>
+                </a:tc>
+                <a:tc>
+                  <a:txBody>
+                    <a:bodyPr/>
+                    <a:lstStyle/>
+                    <a:p>
+                      <a:pPr marL="285750" indent="-285750">
+                        <a:buFont typeface="Arial" panose="020B0604020202020204" pitchFamily="34" charset="0"/>
+                        <a:buChar char="•"/>
+                      </a:pPr>
+                      <a:r>
+                        <a:rPr lang="en-CA" sz="1400" dirty="0"/>
+                        <a:t>useState</a:t>
+                      </a:r>
+                    </a:p>
+                    <a:p>
+                      <a:pPr marL="285750" indent="-285750">
+                        <a:buFont typeface="Arial" panose="020B0604020202020204" pitchFamily="34" charset="0"/>
+                        <a:buChar char="•"/>
+                      </a:pPr>
+                      <a:r>
+                        <a:rPr lang="en-CA" sz="1400" dirty="0"/>
+                        <a:t>useReducer</a:t>
+                      </a:r>
+                    </a:p>
+                  </a:txBody>
+                  <a:tcPr/>
+                </a:tc>
+                <a:extLst>
+                  <a:ext uri="{0D108BD9-81ED-4DB2-BD59-A6C34878D82A}">
+                    <a16:rowId xmlns:a16="http://schemas.microsoft.com/office/drawing/2014/main" val="2316131968"/>
+                  </a:ext>
+                </a:extLst>
+              </a:tr>
+              <a:tr h="1674655">
+                <a:tc>
+                  <a:txBody>
+                    <a:bodyPr/>
+                    <a:lstStyle/>
+                    <a:p>
+                      <a:r>
+                        <a:rPr lang="en-CA" dirty="0"/>
+                        <a:t>Angular</a:t>
+                      </a:r>
+                    </a:p>
+                  </a:txBody>
+                  <a:tcPr/>
+                </a:tc>
+                <a:tc>
+                  <a:txBody>
+                    <a:bodyPr/>
+                    <a:lstStyle/>
+                    <a:p>
+                      <a:pPr marL="285750" indent="-285750">
+                        <a:buFont typeface="Arial" panose="020B0604020202020204" pitchFamily="34" charset="0"/>
+                        <a:buChar char="•"/>
+                      </a:pPr>
+                      <a:r>
+                        <a:rPr lang="en-CA" sz="1400" dirty="0"/>
+                        <a:t>NgRx</a:t>
+                      </a:r>
+                    </a:p>
+                    <a:p>
+                      <a:pPr marL="285750" indent="-285750">
+                        <a:buFont typeface="Arial" panose="020B0604020202020204" pitchFamily="34" charset="0"/>
+                        <a:buChar char="•"/>
+                      </a:pPr>
+                      <a:r>
+                        <a:rPr lang="en-CA" sz="1400" dirty="0"/>
+                        <a:t>Angular Services</a:t>
+                      </a:r>
+                    </a:p>
+                  </a:txBody>
+                  <a:tcPr/>
+                </a:tc>
+                <a:tc>
+                  <a:txBody>
+                    <a:bodyPr/>
+                    <a:lstStyle/>
+                    <a:p>
+                      <a:pPr marL="285750" indent="-285750">
+                        <a:buFont typeface="Arial" panose="020B0604020202020204" pitchFamily="34" charset="0"/>
+                        <a:buChar char="•"/>
+                      </a:pPr>
+                      <a:r>
+                        <a:rPr lang="en-CA" sz="1400" dirty="0"/>
+                        <a:t>Signals</a:t>
+                      </a:r>
+                    </a:p>
+                    <a:p>
+                      <a:pPr marL="285750" indent="-285750">
+                        <a:buFont typeface="Arial" panose="020B0604020202020204" pitchFamily="34" charset="0"/>
+                        <a:buChar char="•"/>
+                      </a:pPr>
+                      <a:r>
+                        <a:rPr lang="en-CA" sz="1400" dirty="0"/>
+                        <a:t>RxJS Observables</a:t>
+                      </a:r>
+                    </a:p>
+                    <a:p>
+                      <a:pPr marL="285750" indent="-285750">
+                        <a:buFont typeface="Arial" panose="020B0604020202020204" pitchFamily="34" charset="0"/>
+                        <a:buChar char="•"/>
+                      </a:pPr>
+                      <a:r>
+                        <a:rPr lang="en-CA" sz="1400" dirty="0"/>
+                        <a:t>Component class properties</a:t>
+                      </a:r>
+                    </a:p>
+                  </a:txBody>
+                  <a:tcPr/>
+                </a:tc>
+                <a:extLst>
+                  <a:ext uri="{0D108BD9-81ED-4DB2-BD59-A6C34878D82A}">
+                    <a16:rowId xmlns:a16="http://schemas.microsoft.com/office/drawing/2014/main" val="631243619"/>
+                  </a:ext>
+                </a:extLst>
+              </a:tr>
+              <a:tr h="688462">
+                <a:tc>
+                  <a:txBody>
+                    <a:bodyPr/>
+                    <a:lstStyle/>
+                    <a:p>
+                      <a:r>
+                        <a:rPr lang="en-CA" dirty="0"/>
+                        <a:t>Vue</a:t>
+                      </a:r>
+                    </a:p>
+                  </a:txBody>
+                  <a:tcPr/>
+                </a:tc>
+                <a:tc>
+                  <a:txBody>
+                    <a:bodyPr/>
+                    <a:lstStyle/>
+                    <a:p>
+                      <a:pPr marL="285750" indent="-285750">
+                        <a:buFont typeface="Arial" panose="020B0604020202020204" pitchFamily="34" charset="0"/>
+                        <a:buChar char="•"/>
+                      </a:pPr>
+                      <a:r>
+                        <a:rPr lang="en-CA" sz="1400" dirty="0"/>
+                        <a:t>Pinia</a:t>
+                      </a:r>
+                    </a:p>
+                    <a:p>
+                      <a:pPr marL="285750" indent="-285750">
+                        <a:buFont typeface="Arial" panose="020B0604020202020204" pitchFamily="34" charset="0"/>
+                        <a:buChar char="•"/>
+                      </a:pPr>
+                      <a:r>
+                        <a:rPr lang="en-CA" sz="1400" dirty="0"/>
+                        <a:t>Reactivity API</a:t>
+                      </a:r>
+                    </a:p>
+                    <a:p>
+                      <a:pPr marL="285750" indent="-285750">
+                        <a:buFont typeface="Arial" panose="020B0604020202020204" pitchFamily="34" charset="0"/>
+                        <a:buChar char="•"/>
+                      </a:pPr>
+                      <a:r>
+                        <a:rPr lang="en-CA" sz="1400" dirty="0"/>
+                        <a:t>Vuex</a:t>
+                      </a:r>
+                    </a:p>
+                  </a:txBody>
+                  <a:tcPr/>
+                </a:tc>
+                <a:tc>
+                  <a:txBody>
+                    <a:bodyPr/>
+                    <a:lstStyle/>
+                    <a:p>
+                      <a:pPr marL="285750" indent="-285750">
+                        <a:buFont typeface="Arial" panose="020B0604020202020204" pitchFamily="34" charset="0"/>
+                        <a:buChar char="•"/>
+                      </a:pPr>
+                      <a:r>
+                        <a:rPr lang="en-CA" sz="1400" dirty="0"/>
+                        <a:t>ref</a:t>
+                      </a:r>
+                    </a:p>
+                  </a:txBody>
+                  <a:tcPr/>
+                </a:tc>
+                <a:extLst>
+                  <a:ext uri="{0D108BD9-81ED-4DB2-BD59-A6C34878D82A}">
+                    <a16:rowId xmlns:a16="http://schemas.microsoft.com/office/drawing/2014/main" val="2410763806"/>
+                  </a:ext>
+                </a:extLst>
+              </a:tr>
+            </a:tbl>
+          </a:graphicData>
+        </a:graphic>
+      </p:graphicFrame>
+      <p:graphicFrame>
+        <p:nvGraphicFramePr>
+          <p:cNvPr id="4" name="Table 3">
+            <a:extLst>
+              <a:ext uri="{FF2B5EF4-FFF2-40B4-BE49-F238E27FC236}">
+                <a16:creationId xmlns:a16="http://schemas.microsoft.com/office/drawing/2014/main" id="{62A31E3E-A3F5-F3E3-46A5-585FD89C8464}"/>
+              </a:ext>
+            </a:extLst>
+          </p:cNvPr>
+          <p:cNvGraphicFramePr>
+            <a:graphicFrameLocks noGrp="1"/>
+          </p:cNvGraphicFramePr>
+          <p:nvPr>
+            <p:extLst>
+              <p:ext uri="{D42A27DB-BD31-4B8C-83A1-F6EECF244321}">
+                <p14:modId xmlns:p14="http://schemas.microsoft.com/office/powerpoint/2010/main" val="3927356613"/>
+              </p:ext>
+            </p:extLst>
+          </p:nvPr>
+        </p:nvGraphicFramePr>
+        <p:xfrm>
+          <a:off x="6809876" y="1431308"/>
+          <a:ext cx="5114757" cy="3747198"/>
+        </p:xfrm>
+        <a:graphic>
+          <a:graphicData uri="http://schemas.openxmlformats.org/drawingml/2006/table">
+            <a:tbl>
+              <a:tblPr firstRow="1" bandRow="1">
+                <a:tableStyleId>{5C22544A-7EE6-4342-B048-85BDC9FD1C3A}</a:tableStyleId>
+              </a:tblPr>
+              <a:tblGrid>
+                <a:gridCol w="1704919">
+                  <a:extLst>
+                    <a:ext uri="{9D8B030D-6E8A-4147-A177-3AD203B41FA5}">
+                      <a16:colId xmlns:a16="http://schemas.microsoft.com/office/drawing/2014/main" val="734180390"/>
+                    </a:ext>
+                  </a:extLst>
+                </a:gridCol>
+                <a:gridCol w="1704919">
+                  <a:extLst>
+                    <a:ext uri="{9D8B030D-6E8A-4147-A177-3AD203B41FA5}">
+                      <a16:colId xmlns:a16="http://schemas.microsoft.com/office/drawing/2014/main" val="2286615271"/>
+                    </a:ext>
+                  </a:extLst>
+                </a:gridCol>
+                <a:gridCol w="1704919">
+                  <a:extLst>
+                    <a:ext uri="{9D8B030D-6E8A-4147-A177-3AD203B41FA5}">
+                      <a16:colId xmlns:a16="http://schemas.microsoft.com/office/drawing/2014/main" val="633070246"/>
+                    </a:ext>
+                  </a:extLst>
+                </a:gridCol>
+              </a:tblGrid>
+              <a:tr h="688462">
+                <a:tc>
+                  <a:txBody>
+                    <a:bodyPr/>
+                    <a:lstStyle/>
+                    <a:p>
+                      <a:r>
+                        <a:rPr lang="en-CA" dirty="0"/>
+                        <a:t>Frontend Framework</a:t>
+                      </a:r>
+                    </a:p>
+                  </a:txBody>
+                  <a:tcPr/>
+                </a:tc>
+                <a:tc>
+                  <a:txBody>
+                    <a:bodyPr/>
+                    <a:lstStyle/>
+                    <a:p>
+                      <a:r>
+                        <a:rPr lang="en-CA" dirty="0"/>
+                        <a:t>Application (global) State</a:t>
+                      </a:r>
+                    </a:p>
+                  </a:txBody>
+                  <a:tcPr/>
+                </a:tc>
+                <a:tc>
+                  <a:txBody>
+                    <a:bodyPr/>
+                    <a:lstStyle/>
+                    <a:p>
+                      <a:r>
+                        <a:rPr lang="en-CA" dirty="0"/>
+                        <a:t>Component (local) state</a:t>
+                      </a:r>
+                    </a:p>
+                  </a:txBody>
+                  <a:tcPr/>
+                </a:tc>
+                <a:extLst>
+                  <a:ext uri="{0D108BD9-81ED-4DB2-BD59-A6C34878D82A}">
+                    <a16:rowId xmlns:a16="http://schemas.microsoft.com/office/drawing/2014/main" val="3383211534"/>
+                  </a:ext>
+                </a:extLst>
+              </a:tr>
+              <a:tr h="695619">
+                <a:tc>
+                  <a:txBody>
+                    <a:bodyPr/>
+                    <a:lstStyle/>
+                    <a:p>
+                      <a:r>
+                        <a:rPr lang="en-CA" dirty="0"/>
+                        <a:t>React</a:t>
+                      </a:r>
+                    </a:p>
+                  </a:txBody>
+                  <a:tcPr/>
+                </a:tc>
+                <a:tc rowSpan="3" gridSpan="2">
+                  <a:txBody>
+                    <a:bodyPr/>
+                    <a:lstStyle/>
+                    <a:p>
+                      <a:pPr algn="ctr"/>
+                      <a:r>
+                        <a:rPr lang="en-CA" sz="3600" dirty="0"/>
+                        <a:t>Hubfx</a:t>
+                      </a:r>
+                    </a:p>
+                  </a:txBody>
+                  <a:tcPr anchor="ctr"/>
+                </a:tc>
+                <a:tc rowSpan="3" hMerge="1">
+                  <a:txBody>
+                    <a:bodyPr/>
+                    <a:lstStyle/>
+                    <a:p>
+                      <a:endParaRPr lang="en-CA" dirty="0"/>
+                    </a:p>
+                  </a:txBody>
+                  <a:tcPr/>
+                </a:tc>
+                <a:extLst>
+                  <a:ext uri="{0D108BD9-81ED-4DB2-BD59-A6C34878D82A}">
+                    <a16:rowId xmlns:a16="http://schemas.microsoft.com/office/drawing/2014/main" val="2316131968"/>
+                  </a:ext>
+                </a:extLst>
+              </a:tr>
+              <a:tr h="1674655">
+                <a:tc>
+                  <a:txBody>
+                    <a:bodyPr/>
+                    <a:lstStyle/>
+                    <a:p>
+                      <a:r>
+                        <a:rPr lang="en-CA" dirty="0"/>
+                        <a:t>Angular</a:t>
+                      </a:r>
+                    </a:p>
+                  </a:txBody>
+                  <a:tcPr/>
+                </a:tc>
+                <a:tc gridSpan="2" vMerge="1">
+                  <a:txBody>
+                    <a:bodyPr/>
+                    <a:lstStyle/>
+                    <a:p>
+                      <a:endParaRPr lang="en-CA" dirty="0"/>
+                    </a:p>
+                  </a:txBody>
+                  <a:tcPr/>
+                </a:tc>
+                <a:tc hMerge="1" vMerge="1">
+                  <a:txBody>
+                    <a:bodyPr/>
+                    <a:lstStyle/>
+                    <a:p>
+                      <a:endParaRPr lang="en-CA" dirty="0"/>
+                    </a:p>
+                  </a:txBody>
+                  <a:tcPr/>
+                </a:tc>
+                <a:extLst>
+                  <a:ext uri="{0D108BD9-81ED-4DB2-BD59-A6C34878D82A}">
+                    <a16:rowId xmlns:a16="http://schemas.microsoft.com/office/drawing/2014/main" val="631243619"/>
+                  </a:ext>
+                </a:extLst>
+              </a:tr>
+              <a:tr h="688462">
+                <a:tc>
+                  <a:txBody>
+                    <a:bodyPr/>
+                    <a:lstStyle/>
+                    <a:p>
+                      <a:r>
+                        <a:rPr lang="en-CA" dirty="0"/>
+                        <a:t>Vue</a:t>
+                      </a:r>
+                    </a:p>
+                  </a:txBody>
+                  <a:tcPr/>
+                </a:tc>
+                <a:tc gridSpan="2" vMerge="1">
+                  <a:txBody>
+                    <a:bodyPr/>
+                    <a:lstStyle/>
+                    <a:p>
+                      <a:endParaRPr lang="en-CA" dirty="0"/>
+                    </a:p>
+                  </a:txBody>
+                  <a:tcPr/>
+                </a:tc>
+                <a:tc hMerge="1" vMerge="1">
+                  <a:txBody>
+                    <a:bodyPr/>
+                    <a:lstStyle/>
+                    <a:p>
+                      <a:endParaRPr lang="en-CA" dirty="0"/>
+                    </a:p>
+                  </a:txBody>
+                  <a:tcPr/>
+                </a:tc>
+                <a:extLst>
+                  <a:ext uri="{0D108BD9-81ED-4DB2-BD59-A6C34878D82A}">
+                    <a16:rowId xmlns:a16="http://schemas.microsoft.com/office/drawing/2014/main" val="2410763806"/>
+                  </a:ext>
+                </a:extLst>
+              </a:tr>
+            </a:tbl>
+          </a:graphicData>
+        </a:graphic>
+      </p:graphicFrame>
+      <p:sp>
+        <p:nvSpPr>
+          <p:cNvPr id="5" name="Arrow: Right 4">
+            <a:extLst>
+              <a:ext uri="{FF2B5EF4-FFF2-40B4-BE49-F238E27FC236}">
+                <a16:creationId xmlns:a16="http://schemas.microsoft.com/office/drawing/2014/main" id="{CA6FAA0F-2DAD-3D23-9FB5-42966977B89C}"/>
+              </a:ext>
+            </a:extLst>
+          </p:cNvPr>
+          <p:cNvSpPr/>
+          <p:nvPr/>
+        </p:nvSpPr>
+        <p:spPr>
+          <a:xfrm>
+            <a:off x="5542549" y="2923907"/>
+            <a:ext cx="1155031" cy="381000"/>
+          </a:xfrm>
+          <a:prstGeom prst="rightArrow">
+            <a:avLst/>
+          </a:prstGeom>
+        </p:spPr>
+        <p:style>
+          <a:lnRef idx="2">
+            <a:schemeClr val="accent1">
+              <a:shade val="15000"/>
+            </a:schemeClr>
+          </a:lnRef>
+          <a:fillRef idx="1">
+            <a:schemeClr val="accent1"/>
+          </a:fillRef>
+          <a:effectRef idx="0">
+            <a:schemeClr val="accent1"/>
+          </a:effectRef>
+          <a:fontRef idx="minor">
+            <a:schemeClr val="lt1"/>
+          </a:fontRef>
+        </p:style>
+        <p:txBody>
+          <a:bodyPr rtlCol="0" anchor="ctr"/>
+          <a:lstStyle/>
+          <a:p>
+            <a:pPr algn="ctr"/>
+            <a:endParaRPr lang="en-CA"/>
+          </a:p>
+        </p:txBody>
+      </p:sp>
+      <p:sp>
+        <p:nvSpPr>
+          <p:cNvPr id="6" name="TextBox 5">
+            <a:extLst>
+              <a:ext uri="{FF2B5EF4-FFF2-40B4-BE49-F238E27FC236}">
+                <a16:creationId xmlns:a16="http://schemas.microsoft.com/office/drawing/2014/main" id="{54405CA9-FB9D-918C-2A43-65255C2E8CF4}"/>
+              </a:ext>
+            </a:extLst>
+          </p:cNvPr>
+          <p:cNvSpPr txBox="1"/>
+          <p:nvPr/>
+        </p:nvSpPr>
+        <p:spPr>
+          <a:xfrm>
+            <a:off x="729916" y="911806"/>
+            <a:ext cx="4203032" cy="461665"/>
+          </a:xfrm>
+          <a:prstGeom prst="rect">
+            <a:avLst/>
+          </a:prstGeom>
+          <a:noFill/>
+        </p:spPr>
+        <p:txBody>
+          <a:bodyPr wrap="square" rtlCol="0">
+            <a:spAutoFit/>
+          </a:bodyPr>
+          <a:lstStyle/>
+          <a:p>
+            <a:pPr algn="ctr"/>
+            <a:r>
+              <a:rPr lang="en-CA" sz="2400" dirty="0"/>
+              <a:t>??? What to use ???</a:t>
+            </a:r>
+          </a:p>
+        </p:txBody>
+      </p:sp>
+    </p:spTree>
+    <p:extLst>
+      <p:ext uri="{BB962C8B-B14F-4D97-AF65-F5344CB8AC3E}">
+        <p14:creationId xmlns:p14="http://schemas.microsoft.com/office/powerpoint/2010/main" val="3035806385"/>
+      </p:ext>
+    </p:extLst>
+  </p:cSld>
+  <p:clrMapOvr>
+    <a:masterClrMapping/>
+  </p:clrMapOvr>
+</p:sld>
+</file>
+
 <file path=ppt/theme/theme1.xml><?xml version="1.0" encoding="utf-8"?>
 <a:theme xmlns:a="http://schemas.openxmlformats.org/drawingml/2006/main" name="Office Theme">
   <a:themeElements>

--- a/documentation/Hubfx Presentation.pptx
+++ b/documentation/Hubfx Presentation.pptx
@@ -13,6 +13,7 @@
     <p:sldId id="261" r:id="rId7"/>
     <p:sldId id="262" r:id="rId8"/>
     <p:sldId id="263" r:id="rId9"/>
+    <p:sldId id="264" r:id="rId10"/>
   </p:sldIdLst>
   <p:sldSz cx="12192000" cy="6858000"/>
   <p:notesSz cx="6858000" cy="9144000"/>
@@ -1794,7 +1795,7 @@
           <a:p>
             <a:fld id="{154F4BC5-C275-4A59-82DC-6AFC02DFC54D}" type="datetimeFigureOut">
               <a:rPr lang="en-CA" smtClean="0"/>
-              <a:t>2023-09-20</a:t>
+              <a:t>2023-09-23</a:t>
             </a:fld>
             <a:endParaRPr lang="en-CA"/>
           </a:p>
@@ -1994,7 +1995,7 @@
           <a:p>
             <a:fld id="{154F4BC5-C275-4A59-82DC-6AFC02DFC54D}" type="datetimeFigureOut">
               <a:rPr lang="en-CA" smtClean="0"/>
-              <a:t>2023-09-20</a:t>
+              <a:t>2023-09-23</a:t>
             </a:fld>
             <a:endParaRPr lang="en-CA"/>
           </a:p>
@@ -2204,7 +2205,7 @@
           <a:p>
             <a:fld id="{154F4BC5-C275-4A59-82DC-6AFC02DFC54D}" type="datetimeFigureOut">
               <a:rPr lang="en-CA" smtClean="0"/>
-              <a:t>2023-09-20</a:t>
+              <a:t>2023-09-23</a:t>
             </a:fld>
             <a:endParaRPr lang="en-CA"/>
           </a:p>
@@ -2404,7 +2405,7 @@
           <a:p>
             <a:fld id="{154F4BC5-C275-4A59-82DC-6AFC02DFC54D}" type="datetimeFigureOut">
               <a:rPr lang="en-CA" smtClean="0"/>
-              <a:t>2023-09-20</a:t>
+              <a:t>2023-09-23</a:t>
             </a:fld>
             <a:endParaRPr lang="en-CA"/>
           </a:p>
@@ -2680,7 +2681,7 @@
           <a:p>
             <a:fld id="{154F4BC5-C275-4A59-82DC-6AFC02DFC54D}" type="datetimeFigureOut">
               <a:rPr lang="en-CA" smtClean="0"/>
-              <a:t>2023-09-20</a:t>
+              <a:t>2023-09-23</a:t>
             </a:fld>
             <a:endParaRPr lang="en-CA"/>
           </a:p>
@@ -2948,7 +2949,7 @@
           <a:p>
             <a:fld id="{154F4BC5-C275-4A59-82DC-6AFC02DFC54D}" type="datetimeFigureOut">
               <a:rPr lang="en-CA" smtClean="0"/>
-              <a:t>2023-09-20</a:t>
+              <a:t>2023-09-23</a:t>
             </a:fld>
             <a:endParaRPr lang="en-CA"/>
           </a:p>
@@ -3363,7 +3364,7 @@
           <a:p>
             <a:fld id="{154F4BC5-C275-4A59-82DC-6AFC02DFC54D}" type="datetimeFigureOut">
               <a:rPr lang="en-CA" smtClean="0"/>
-              <a:t>2023-09-20</a:t>
+              <a:t>2023-09-23</a:t>
             </a:fld>
             <a:endParaRPr lang="en-CA"/>
           </a:p>
@@ -3505,7 +3506,7 @@
           <a:p>
             <a:fld id="{154F4BC5-C275-4A59-82DC-6AFC02DFC54D}" type="datetimeFigureOut">
               <a:rPr lang="en-CA" smtClean="0"/>
-              <a:t>2023-09-20</a:t>
+              <a:t>2023-09-23</a:t>
             </a:fld>
             <a:endParaRPr lang="en-CA"/>
           </a:p>
@@ -3618,7 +3619,7 @@
           <a:p>
             <a:fld id="{154F4BC5-C275-4A59-82DC-6AFC02DFC54D}" type="datetimeFigureOut">
               <a:rPr lang="en-CA" smtClean="0"/>
-              <a:t>2023-09-20</a:t>
+              <a:t>2023-09-23</a:t>
             </a:fld>
             <a:endParaRPr lang="en-CA"/>
           </a:p>
@@ -3931,7 +3932,7 @@
           <a:p>
             <a:fld id="{154F4BC5-C275-4A59-82DC-6AFC02DFC54D}" type="datetimeFigureOut">
               <a:rPr lang="en-CA" smtClean="0"/>
-              <a:t>2023-09-20</a:t>
+              <a:t>2023-09-23</a:t>
             </a:fld>
             <a:endParaRPr lang="en-CA"/>
           </a:p>
@@ -4220,7 +4221,7 @@
           <a:p>
             <a:fld id="{154F4BC5-C275-4A59-82DC-6AFC02DFC54D}" type="datetimeFigureOut">
               <a:rPr lang="en-CA" smtClean="0"/>
-              <a:t>2023-09-20</a:t>
+              <a:t>2023-09-23</a:t>
             </a:fld>
             <a:endParaRPr lang="en-CA"/>
           </a:p>
@@ -4463,7 +4464,7 @@
           <a:p>
             <a:fld id="{154F4BC5-C275-4A59-82DC-6AFC02DFC54D}" type="datetimeFigureOut">
               <a:rPr lang="en-CA" smtClean="0"/>
-              <a:t>2023-09-20</a:t>
+              <a:t>2023-09-23</a:t>
             </a:fld>
             <a:endParaRPr lang="en-CA"/>
           </a:p>
@@ -16283,6 +16284,686 @@
 </p:sld>
 </file>
 
+<file path=ppt/slides/slide9.xml><?xml version="1.0" encoding="utf-8"?>
+<p:sld xmlns:a="http://schemas.openxmlformats.org/drawingml/2006/main" xmlns:r="http://schemas.openxmlformats.org/officeDocument/2006/relationships" xmlns:p="http://schemas.openxmlformats.org/presentationml/2006/main">
+  <p:cSld>
+    <p:spTree>
+      <p:nvGrpSpPr>
+        <p:cNvPr id="1" name=""/>
+        <p:cNvGrpSpPr/>
+        <p:nvPr/>
+      </p:nvGrpSpPr>
+      <p:grpSpPr>
+        <a:xfrm>
+          <a:off x="0" y="0"/>
+          <a:ext cx="0" cy="0"/>
+          <a:chOff x="0" y="0"/>
+          <a:chExt cx="0" cy="0"/>
+        </a:xfrm>
+      </p:grpSpPr>
+      <p:graphicFrame>
+        <p:nvGraphicFramePr>
+          <p:cNvPr id="3" name="Table 3">
+            <a:extLst>
+              <a:ext uri="{FF2B5EF4-FFF2-40B4-BE49-F238E27FC236}">
+                <a16:creationId xmlns:a16="http://schemas.microsoft.com/office/drawing/2014/main" id="{8AB95FB7-22DA-F36A-2177-5575872A34AB}"/>
+              </a:ext>
+            </a:extLst>
+          </p:cNvPr>
+          <p:cNvGraphicFramePr>
+            <a:graphicFrameLocks noGrp="1"/>
+          </p:cNvGraphicFramePr>
+          <p:nvPr>
+            <p:extLst>
+              <p:ext uri="{D42A27DB-BD31-4B8C-83A1-F6EECF244321}">
+                <p14:modId xmlns:p14="http://schemas.microsoft.com/office/powerpoint/2010/main" val="2975436269"/>
+              </p:ext>
+            </p:extLst>
+          </p:nvPr>
+        </p:nvGraphicFramePr>
+        <p:xfrm>
+          <a:off x="98927" y="1433538"/>
+          <a:ext cx="5331326" cy="3783099"/>
+        </p:xfrm>
+        <a:graphic>
+          <a:graphicData uri="http://schemas.openxmlformats.org/drawingml/2006/table">
+            <a:tbl>
+              <a:tblPr firstRow="1" bandRow="1">
+                <a:tableStyleId>{5C22544A-7EE6-4342-B048-85BDC9FD1C3A}</a:tableStyleId>
+              </a:tblPr>
+              <a:tblGrid>
+                <a:gridCol w="1777109">
+                  <a:extLst>
+                    <a:ext uri="{9D8B030D-6E8A-4147-A177-3AD203B41FA5}">
+                      <a16:colId xmlns:a16="http://schemas.microsoft.com/office/drawing/2014/main" val="734180390"/>
+                    </a:ext>
+                  </a:extLst>
+                </a:gridCol>
+                <a:gridCol w="2007491">
+                  <a:extLst>
+                    <a:ext uri="{9D8B030D-6E8A-4147-A177-3AD203B41FA5}">
+                      <a16:colId xmlns:a16="http://schemas.microsoft.com/office/drawing/2014/main" val="2286615271"/>
+                    </a:ext>
+                  </a:extLst>
+                </a:gridCol>
+                <a:gridCol w="1546726">
+                  <a:extLst>
+                    <a:ext uri="{9D8B030D-6E8A-4147-A177-3AD203B41FA5}">
+                      <a16:colId xmlns:a16="http://schemas.microsoft.com/office/drawing/2014/main" val="633070246"/>
+                    </a:ext>
+                  </a:extLst>
+                </a:gridCol>
+              </a:tblGrid>
+              <a:tr h="688462">
+                <a:tc>
+                  <a:txBody>
+                    <a:bodyPr/>
+                    <a:lstStyle/>
+                    <a:p>
+                      <a:r>
+                        <a:rPr lang="en-CA" dirty="0"/>
+                        <a:t>Frontend Framework</a:t>
+                      </a:r>
+                    </a:p>
+                  </a:txBody>
+                  <a:tcPr/>
+                </a:tc>
+                <a:tc>
+                  <a:txBody>
+                    <a:bodyPr/>
+                    <a:lstStyle/>
+                    <a:p>
+                      <a:r>
+                        <a:rPr lang="en-CA" dirty="0"/>
+                        <a:t>Application (global) State</a:t>
+                      </a:r>
+                    </a:p>
+                  </a:txBody>
+                  <a:tcPr/>
+                </a:tc>
+                <a:tc>
+                  <a:txBody>
+                    <a:bodyPr/>
+                    <a:lstStyle/>
+                    <a:p>
+                      <a:r>
+                        <a:rPr lang="en-CA" dirty="0"/>
+                        <a:t>Component (local) state</a:t>
+                      </a:r>
+                    </a:p>
+                  </a:txBody>
+                  <a:tcPr/>
+                </a:tc>
+                <a:extLst>
+                  <a:ext uri="{0D108BD9-81ED-4DB2-BD59-A6C34878D82A}">
+                    <a16:rowId xmlns:a16="http://schemas.microsoft.com/office/drawing/2014/main" val="3383211534"/>
+                  </a:ext>
+                </a:extLst>
+              </a:tr>
+              <a:tr h="688462">
+                <a:tc>
+                  <a:txBody>
+                    <a:bodyPr/>
+                    <a:lstStyle/>
+                    <a:p>
+                      <a:r>
+                        <a:rPr lang="en-CA" dirty="0"/>
+                        <a:t>React</a:t>
+                      </a:r>
+                    </a:p>
+                  </a:txBody>
+                  <a:tcPr/>
+                </a:tc>
+                <a:tc>
+                  <a:txBody>
+                    <a:bodyPr/>
+                    <a:lstStyle/>
+                    <a:p>
+                      <a:pPr marL="285750" indent="-285750">
+                        <a:buFont typeface="Arial" panose="020B0604020202020204" pitchFamily="34" charset="0"/>
+                        <a:buChar char="•"/>
+                      </a:pPr>
+                      <a:r>
+                        <a:rPr lang="en-CA" sz="1400" dirty="0"/>
+                        <a:t>Redux</a:t>
+                      </a:r>
+                    </a:p>
+                    <a:p>
+                      <a:pPr marL="285750" indent="-285750">
+                        <a:buFont typeface="Arial" panose="020B0604020202020204" pitchFamily="34" charset="0"/>
+                        <a:buChar char="•"/>
+                      </a:pPr>
+                      <a:r>
+                        <a:rPr lang="en-CA" sz="1400" dirty="0"/>
+                        <a:t>Context API</a:t>
+                      </a:r>
+                    </a:p>
+                  </a:txBody>
+                  <a:tcPr/>
+                </a:tc>
+                <a:tc>
+                  <a:txBody>
+                    <a:bodyPr/>
+                    <a:lstStyle/>
+                    <a:p>
+                      <a:pPr marL="285750" indent="-285750">
+                        <a:buFont typeface="Arial" panose="020B0604020202020204" pitchFamily="34" charset="0"/>
+                        <a:buChar char="•"/>
+                      </a:pPr>
+                      <a:r>
+                        <a:rPr lang="en-CA" sz="1400" dirty="0" err="1"/>
+                        <a:t>useState</a:t>
+                      </a:r>
+                      <a:endParaRPr lang="en-CA" sz="1400" dirty="0"/>
+                    </a:p>
+                    <a:p>
+                      <a:pPr marL="285750" indent="-285750">
+                        <a:buFont typeface="Arial" panose="020B0604020202020204" pitchFamily="34" charset="0"/>
+                        <a:buChar char="•"/>
+                      </a:pPr>
+                      <a:r>
+                        <a:rPr lang="en-CA" sz="1400" dirty="0" err="1"/>
+                        <a:t>useReducer</a:t>
+                      </a:r>
+                      <a:endParaRPr lang="en-CA" sz="1400" dirty="0"/>
+                    </a:p>
+                  </a:txBody>
+                  <a:tcPr/>
+                </a:tc>
+                <a:extLst>
+                  <a:ext uri="{0D108BD9-81ED-4DB2-BD59-A6C34878D82A}">
+                    <a16:rowId xmlns:a16="http://schemas.microsoft.com/office/drawing/2014/main" val="2316131968"/>
+                  </a:ext>
+                </a:extLst>
+              </a:tr>
+              <a:tr h="1674655">
+                <a:tc>
+                  <a:txBody>
+                    <a:bodyPr/>
+                    <a:lstStyle/>
+                    <a:p>
+                      <a:r>
+                        <a:rPr lang="en-CA" dirty="0"/>
+                        <a:t>Angular</a:t>
+                      </a:r>
+                    </a:p>
+                  </a:txBody>
+                  <a:tcPr/>
+                </a:tc>
+                <a:tc>
+                  <a:txBody>
+                    <a:bodyPr/>
+                    <a:lstStyle/>
+                    <a:p>
+                      <a:pPr marL="285750" indent="-285750">
+                        <a:buFont typeface="Arial" panose="020B0604020202020204" pitchFamily="34" charset="0"/>
+                        <a:buChar char="•"/>
+                      </a:pPr>
+                      <a:r>
+                        <a:rPr lang="en-CA" sz="1400" dirty="0" err="1"/>
+                        <a:t>NgRx</a:t>
+                      </a:r>
+                      <a:endParaRPr lang="en-CA" sz="1400" dirty="0"/>
+                    </a:p>
+                    <a:p>
+                      <a:pPr marL="285750" indent="-285750">
+                        <a:buFont typeface="Arial" panose="020B0604020202020204" pitchFamily="34" charset="0"/>
+                        <a:buChar char="•"/>
+                      </a:pPr>
+                      <a:r>
+                        <a:rPr lang="en-CA" sz="1400" dirty="0"/>
+                        <a:t>Angular Services</a:t>
+                      </a:r>
+                    </a:p>
+                  </a:txBody>
+                  <a:tcPr/>
+                </a:tc>
+                <a:tc>
+                  <a:txBody>
+                    <a:bodyPr/>
+                    <a:lstStyle/>
+                    <a:p>
+                      <a:pPr marL="285750" indent="-285750">
+                        <a:buFont typeface="Arial" panose="020B0604020202020204" pitchFamily="34" charset="0"/>
+                        <a:buChar char="•"/>
+                      </a:pPr>
+                      <a:r>
+                        <a:rPr lang="en-CA" sz="1400" dirty="0" err="1"/>
+                        <a:t>RxJS</a:t>
+                      </a:r>
+                      <a:r>
+                        <a:rPr lang="en-CA" sz="1400" dirty="0"/>
+                        <a:t> Observables</a:t>
+                      </a:r>
+                    </a:p>
+                    <a:p>
+                      <a:pPr marL="0" indent="0">
+                        <a:buFont typeface="Arial" panose="020B0604020202020204" pitchFamily="34" charset="0"/>
+                        <a:buNone/>
+                      </a:pPr>
+                      <a:endParaRPr lang="en-CA" sz="1400" dirty="0"/>
+                    </a:p>
+                    <a:p>
+                      <a:pPr marL="285750" indent="-285750">
+                        <a:buFont typeface="Arial" panose="020B0604020202020204" pitchFamily="34" charset="0"/>
+                        <a:buChar char="•"/>
+                      </a:pPr>
+                      <a:r>
+                        <a:rPr lang="en-CA" sz="1400" dirty="0"/>
+                        <a:t>Component class properties</a:t>
+                      </a:r>
+                    </a:p>
+                  </a:txBody>
+                  <a:tcPr/>
+                </a:tc>
+                <a:extLst>
+                  <a:ext uri="{0D108BD9-81ED-4DB2-BD59-A6C34878D82A}">
+                    <a16:rowId xmlns:a16="http://schemas.microsoft.com/office/drawing/2014/main" val="631243619"/>
+                  </a:ext>
+                </a:extLst>
+              </a:tr>
+              <a:tr h="688462">
+                <a:tc>
+                  <a:txBody>
+                    <a:bodyPr/>
+                    <a:lstStyle/>
+                    <a:p>
+                      <a:r>
+                        <a:rPr lang="en-CA" dirty="0"/>
+                        <a:t>Vue</a:t>
+                      </a:r>
+                    </a:p>
+                  </a:txBody>
+                  <a:tcPr/>
+                </a:tc>
+                <a:tc>
+                  <a:txBody>
+                    <a:bodyPr/>
+                    <a:lstStyle/>
+                    <a:p>
+                      <a:pPr marL="285750" indent="-285750">
+                        <a:buFont typeface="Arial" panose="020B0604020202020204" pitchFamily="34" charset="0"/>
+                        <a:buChar char="•"/>
+                      </a:pPr>
+                      <a:r>
+                        <a:rPr lang="en-CA" sz="1400" dirty="0" err="1"/>
+                        <a:t>Pinia</a:t>
+                      </a:r>
+                      <a:endParaRPr lang="en-CA" sz="1400" dirty="0"/>
+                    </a:p>
+                    <a:p>
+                      <a:pPr marL="285750" indent="-285750">
+                        <a:buFont typeface="Arial" panose="020B0604020202020204" pitchFamily="34" charset="0"/>
+                        <a:buChar char="•"/>
+                      </a:pPr>
+                      <a:r>
+                        <a:rPr lang="en-CA" sz="1400" dirty="0"/>
+                        <a:t>Reactivity API</a:t>
+                      </a:r>
+                    </a:p>
+                    <a:p>
+                      <a:pPr marL="285750" indent="-285750">
+                        <a:buFont typeface="Arial" panose="020B0604020202020204" pitchFamily="34" charset="0"/>
+                        <a:buChar char="•"/>
+                      </a:pPr>
+                      <a:r>
+                        <a:rPr lang="en-CA" sz="1400" dirty="0" err="1"/>
+                        <a:t>Vuex</a:t>
+                      </a:r>
+                      <a:endParaRPr lang="en-CA" sz="1400" dirty="0"/>
+                    </a:p>
+                  </a:txBody>
+                  <a:tcPr/>
+                </a:tc>
+                <a:tc>
+                  <a:txBody>
+                    <a:bodyPr/>
+                    <a:lstStyle/>
+                    <a:p>
+                      <a:pPr marL="285750" indent="-285750">
+                        <a:buFont typeface="Arial" panose="020B0604020202020204" pitchFamily="34" charset="0"/>
+                        <a:buChar char="•"/>
+                      </a:pPr>
+                      <a:r>
+                        <a:rPr lang="en-CA" sz="1400" dirty="0"/>
+                        <a:t>ref</a:t>
+                      </a:r>
+                    </a:p>
+                  </a:txBody>
+                  <a:tcPr/>
+                </a:tc>
+                <a:extLst>
+                  <a:ext uri="{0D108BD9-81ED-4DB2-BD59-A6C34878D82A}">
+                    <a16:rowId xmlns:a16="http://schemas.microsoft.com/office/drawing/2014/main" val="2410763806"/>
+                  </a:ext>
+                </a:extLst>
+              </a:tr>
+            </a:tbl>
+          </a:graphicData>
+        </a:graphic>
+      </p:graphicFrame>
+      <p:graphicFrame>
+        <p:nvGraphicFramePr>
+          <p:cNvPr id="4" name="Table 3">
+            <a:extLst>
+              <a:ext uri="{FF2B5EF4-FFF2-40B4-BE49-F238E27FC236}">
+                <a16:creationId xmlns:a16="http://schemas.microsoft.com/office/drawing/2014/main" id="{62A31E3E-A3F5-F3E3-46A5-585FD89C8464}"/>
+              </a:ext>
+            </a:extLst>
+          </p:cNvPr>
+          <p:cNvGraphicFramePr>
+            <a:graphicFrameLocks noGrp="1"/>
+          </p:cNvGraphicFramePr>
+          <p:nvPr>
+            <p:extLst>
+              <p:ext uri="{D42A27DB-BD31-4B8C-83A1-F6EECF244321}">
+                <p14:modId xmlns:p14="http://schemas.microsoft.com/office/powerpoint/2010/main" val="3927356613"/>
+              </p:ext>
+            </p:extLst>
+          </p:nvPr>
+        </p:nvGraphicFramePr>
+        <p:xfrm>
+          <a:off x="6809876" y="1431308"/>
+          <a:ext cx="5114757" cy="3747198"/>
+        </p:xfrm>
+        <a:graphic>
+          <a:graphicData uri="http://schemas.openxmlformats.org/drawingml/2006/table">
+            <a:tbl>
+              <a:tblPr firstRow="1" bandRow="1">
+                <a:tableStyleId>{5C22544A-7EE6-4342-B048-85BDC9FD1C3A}</a:tableStyleId>
+              </a:tblPr>
+              <a:tblGrid>
+                <a:gridCol w="1704919">
+                  <a:extLst>
+                    <a:ext uri="{9D8B030D-6E8A-4147-A177-3AD203B41FA5}">
+                      <a16:colId xmlns:a16="http://schemas.microsoft.com/office/drawing/2014/main" val="734180390"/>
+                    </a:ext>
+                  </a:extLst>
+                </a:gridCol>
+                <a:gridCol w="1704919">
+                  <a:extLst>
+                    <a:ext uri="{9D8B030D-6E8A-4147-A177-3AD203B41FA5}">
+                      <a16:colId xmlns:a16="http://schemas.microsoft.com/office/drawing/2014/main" val="2286615271"/>
+                    </a:ext>
+                  </a:extLst>
+                </a:gridCol>
+                <a:gridCol w="1704919">
+                  <a:extLst>
+                    <a:ext uri="{9D8B030D-6E8A-4147-A177-3AD203B41FA5}">
+                      <a16:colId xmlns:a16="http://schemas.microsoft.com/office/drawing/2014/main" val="633070246"/>
+                    </a:ext>
+                  </a:extLst>
+                </a:gridCol>
+              </a:tblGrid>
+              <a:tr h="688462">
+                <a:tc>
+                  <a:txBody>
+                    <a:bodyPr/>
+                    <a:lstStyle/>
+                    <a:p>
+                      <a:r>
+                        <a:rPr lang="en-CA" dirty="0"/>
+                        <a:t>Frontend Framework</a:t>
+                      </a:r>
+                    </a:p>
+                  </a:txBody>
+                  <a:tcPr/>
+                </a:tc>
+                <a:tc>
+                  <a:txBody>
+                    <a:bodyPr/>
+                    <a:lstStyle/>
+                    <a:p>
+                      <a:r>
+                        <a:rPr lang="en-CA" dirty="0"/>
+                        <a:t>Application (global) State</a:t>
+                      </a:r>
+                    </a:p>
+                  </a:txBody>
+                  <a:tcPr/>
+                </a:tc>
+                <a:tc>
+                  <a:txBody>
+                    <a:bodyPr/>
+                    <a:lstStyle/>
+                    <a:p>
+                      <a:r>
+                        <a:rPr lang="en-CA" dirty="0"/>
+                        <a:t>Component (local) state</a:t>
+                      </a:r>
+                    </a:p>
+                  </a:txBody>
+                  <a:tcPr/>
+                </a:tc>
+                <a:extLst>
+                  <a:ext uri="{0D108BD9-81ED-4DB2-BD59-A6C34878D82A}">
+                    <a16:rowId xmlns:a16="http://schemas.microsoft.com/office/drawing/2014/main" val="3383211534"/>
+                  </a:ext>
+                </a:extLst>
+              </a:tr>
+              <a:tr h="695619">
+                <a:tc>
+                  <a:txBody>
+                    <a:bodyPr/>
+                    <a:lstStyle/>
+                    <a:p>
+                      <a:r>
+                        <a:rPr lang="en-CA" dirty="0"/>
+                        <a:t>React</a:t>
+                      </a:r>
+                    </a:p>
+                  </a:txBody>
+                  <a:tcPr/>
+                </a:tc>
+                <a:tc rowSpan="3" gridSpan="2">
+                  <a:txBody>
+                    <a:bodyPr/>
+                    <a:lstStyle/>
+                    <a:p>
+                      <a:pPr algn="ctr"/>
+                      <a:r>
+                        <a:rPr lang="en-CA" sz="3600" dirty="0"/>
+                        <a:t>Hubfx</a:t>
+                      </a:r>
+                    </a:p>
+                  </a:txBody>
+                  <a:tcPr anchor="ctr"/>
+                </a:tc>
+                <a:tc rowSpan="3" hMerge="1">
+                  <a:txBody>
+                    <a:bodyPr/>
+                    <a:lstStyle/>
+                    <a:p>
+                      <a:endParaRPr lang="en-CA" dirty="0"/>
+                    </a:p>
+                  </a:txBody>
+                  <a:tcPr/>
+                </a:tc>
+                <a:extLst>
+                  <a:ext uri="{0D108BD9-81ED-4DB2-BD59-A6C34878D82A}">
+                    <a16:rowId xmlns:a16="http://schemas.microsoft.com/office/drawing/2014/main" val="2316131968"/>
+                  </a:ext>
+                </a:extLst>
+              </a:tr>
+              <a:tr h="1674655">
+                <a:tc>
+                  <a:txBody>
+                    <a:bodyPr/>
+                    <a:lstStyle/>
+                    <a:p>
+                      <a:r>
+                        <a:rPr lang="en-CA" dirty="0"/>
+                        <a:t>Angular</a:t>
+                      </a:r>
+                    </a:p>
+                  </a:txBody>
+                  <a:tcPr/>
+                </a:tc>
+                <a:tc gridSpan="2" vMerge="1">
+                  <a:txBody>
+                    <a:bodyPr/>
+                    <a:lstStyle/>
+                    <a:p>
+                      <a:endParaRPr lang="en-CA" dirty="0"/>
+                    </a:p>
+                  </a:txBody>
+                  <a:tcPr/>
+                </a:tc>
+                <a:tc hMerge="1" vMerge="1">
+                  <a:txBody>
+                    <a:bodyPr/>
+                    <a:lstStyle/>
+                    <a:p>
+                      <a:endParaRPr lang="en-CA" dirty="0"/>
+                    </a:p>
+                  </a:txBody>
+                  <a:tcPr/>
+                </a:tc>
+                <a:extLst>
+                  <a:ext uri="{0D108BD9-81ED-4DB2-BD59-A6C34878D82A}">
+                    <a16:rowId xmlns:a16="http://schemas.microsoft.com/office/drawing/2014/main" val="631243619"/>
+                  </a:ext>
+                </a:extLst>
+              </a:tr>
+              <a:tr h="688462">
+                <a:tc>
+                  <a:txBody>
+                    <a:bodyPr/>
+                    <a:lstStyle/>
+                    <a:p>
+                      <a:r>
+                        <a:rPr lang="en-CA" dirty="0"/>
+                        <a:t>Vue</a:t>
+                      </a:r>
+                    </a:p>
+                  </a:txBody>
+                  <a:tcPr/>
+                </a:tc>
+                <a:tc gridSpan="2" vMerge="1">
+                  <a:txBody>
+                    <a:bodyPr/>
+                    <a:lstStyle/>
+                    <a:p>
+                      <a:endParaRPr lang="en-CA" dirty="0"/>
+                    </a:p>
+                  </a:txBody>
+                  <a:tcPr/>
+                </a:tc>
+                <a:tc hMerge="1" vMerge="1">
+                  <a:txBody>
+                    <a:bodyPr/>
+                    <a:lstStyle/>
+                    <a:p>
+                      <a:endParaRPr lang="en-CA" dirty="0"/>
+                    </a:p>
+                  </a:txBody>
+                  <a:tcPr/>
+                </a:tc>
+                <a:extLst>
+                  <a:ext uri="{0D108BD9-81ED-4DB2-BD59-A6C34878D82A}">
+                    <a16:rowId xmlns:a16="http://schemas.microsoft.com/office/drawing/2014/main" val="2410763806"/>
+                  </a:ext>
+                </a:extLst>
+              </a:tr>
+            </a:tbl>
+          </a:graphicData>
+        </a:graphic>
+      </p:graphicFrame>
+      <p:sp>
+        <p:nvSpPr>
+          <p:cNvPr id="5" name="Arrow: Right 4">
+            <a:extLst>
+              <a:ext uri="{FF2B5EF4-FFF2-40B4-BE49-F238E27FC236}">
+                <a16:creationId xmlns:a16="http://schemas.microsoft.com/office/drawing/2014/main" id="{CA6FAA0F-2DAD-3D23-9FB5-42966977B89C}"/>
+              </a:ext>
+            </a:extLst>
+          </p:cNvPr>
+          <p:cNvSpPr/>
+          <p:nvPr/>
+        </p:nvSpPr>
+        <p:spPr>
+          <a:xfrm>
+            <a:off x="5542549" y="2923907"/>
+            <a:ext cx="1155031" cy="381000"/>
+          </a:xfrm>
+          <a:prstGeom prst="rightArrow">
+            <a:avLst/>
+          </a:prstGeom>
+        </p:spPr>
+        <p:style>
+          <a:lnRef idx="2">
+            <a:schemeClr val="accent1">
+              <a:shade val="15000"/>
+            </a:schemeClr>
+          </a:lnRef>
+          <a:fillRef idx="1">
+            <a:schemeClr val="accent1"/>
+          </a:fillRef>
+          <a:effectRef idx="0">
+            <a:schemeClr val="accent1"/>
+          </a:effectRef>
+          <a:fontRef idx="minor">
+            <a:schemeClr val="lt1"/>
+          </a:fontRef>
+        </p:style>
+        <p:txBody>
+          <a:bodyPr rtlCol="0" anchor="ctr"/>
+          <a:lstStyle/>
+          <a:p>
+            <a:pPr algn="ctr"/>
+            <a:endParaRPr lang="en-CA"/>
+          </a:p>
+        </p:txBody>
+      </p:sp>
+      <p:sp>
+        <p:nvSpPr>
+          <p:cNvPr id="6" name="TextBox 5">
+            <a:extLst>
+              <a:ext uri="{FF2B5EF4-FFF2-40B4-BE49-F238E27FC236}">
+                <a16:creationId xmlns:a16="http://schemas.microsoft.com/office/drawing/2014/main" id="{54405CA9-FB9D-918C-2A43-65255C2E8CF4}"/>
+              </a:ext>
+            </a:extLst>
+          </p:cNvPr>
+          <p:cNvSpPr txBox="1"/>
+          <p:nvPr/>
+        </p:nvSpPr>
+        <p:spPr>
+          <a:xfrm>
+            <a:off x="729916" y="911806"/>
+            <a:ext cx="4203032" cy="461665"/>
+          </a:xfrm>
+          <a:prstGeom prst="rect">
+            <a:avLst/>
+          </a:prstGeom>
+          <a:noFill/>
+        </p:spPr>
+        <p:txBody>
+          <a:bodyPr wrap="square" rtlCol="0">
+            <a:spAutoFit/>
+          </a:bodyPr>
+          <a:lstStyle/>
+          <a:p>
+            <a:pPr algn="ctr"/>
+            <a:r>
+              <a:rPr lang="en-CA" sz="2400" dirty="0"/>
+              <a:t>??? What to use ???</a:t>
+            </a:r>
+          </a:p>
+        </p:txBody>
+      </p:sp>
+    </p:spTree>
+    <p:extLst>
+      <p:ext uri="{BB962C8B-B14F-4D97-AF65-F5344CB8AC3E}">
+        <p14:creationId xmlns:p14="http://schemas.microsoft.com/office/powerpoint/2010/main" val="3035806385"/>
+      </p:ext>
+    </p:extLst>
+  </p:cSld>
+  <p:clrMapOvr>
+    <a:masterClrMapping/>
+  </p:clrMapOvr>
+</p:sld>
+</file>
+
 <file path=ppt/theme/theme1.xml><?xml version="1.0" encoding="utf-8"?>
 <a:theme xmlns:a="http://schemas.openxmlformats.org/drawingml/2006/main" name="Office Theme">
   <a:themeElements>

--- a/documentation/Hubfx Presentation.pptx
+++ b/documentation/Hubfx Presentation.pptx
@@ -14,6 +14,7 @@
     <p:sldId id="262" r:id="rId8"/>
     <p:sldId id="263" r:id="rId9"/>
     <p:sldId id="264" r:id="rId10"/>
+    <p:sldId id="265" r:id="rId11"/>
   </p:sldIdLst>
   <p:sldSz cx="12192000" cy="6858000"/>
   <p:notesSz cx="6858000" cy="9144000"/>
@@ -1795,7 +1796,7 @@
           <a:p>
             <a:fld id="{154F4BC5-C275-4A59-82DC-6AFC02DFC54D}" type="datetimeFigureOut">
               <a:rPr lang="en-CA" smtClean="0"/>
-              <a:t>2023-09-24</a:t>
+              <a:t>2023-10-01</a:t>
             </a:fld>
             <a:endParaRPr lang="en-CA"/>
           </a:p>
@@ -1995,7 +1996,7 @@
           <a:p>
             <a:fld id="{154F4BC5-C275-4A59-82DC-6AFC02DFC54D}" type="datetimeFigureOut">
               <a:rPr lang="en-CA" smtClean="0"/>
-              <a:t>2023-09-24</a:t>
+              <a:t>2023-10-01</a:t>
             </a:fld>
             <a:endParaRPr lang="en-CA"/>
           </a:p>
@@ -2205,7 +2206,7 @@
           <a:p>
             <a:fld id="{154F4BC5-C275-4A59-82DC-6AFC02DFC54D}" type="datetimeFigureOut">
               <a:rPr lang="en-CA" smtClean="0"/>
-              <a:t>2023-09-24</a:t>
+              <a:t>2023-10-01</a:t>
             </a:fld>
             <a:endParaRPr lang="en-CA"/>
           </a:p>
@@ -2405,7 +2406,7 @@
           <a:p>
             <a:fld id="{154F4BC5-C275-4A59-82DC-6AFC02DFC54D}" type="datetimeFigureOut">
               <a:rPr lang="en-CA" smtClean="0"/>
-              <a:t>2023-09-24</a:t>
+              <a:t>2023-10-01</a:t>
             </a:fld>
             <a:endParaRPr lang="en-CA"/>
           </a:p>
@@ -2681,7 +2682,7 @@
           <a:p>
             <a:fld id="{154F4BC5-C275-4A59-82DC-6AFC02DFC54D}" type="datetimeFigureOut">
               <a:rPr lang="en-CA" smtClean="0"/>
-              <a:t>2023-09-24</a:t>
+              <a:t>2023-10-01</a:t>
             </a:fld>
             <a:endParaRPr lang="en-CA"/>
           </a:p>
@@ -2949,7 +2950,7 @@
           <a:p>
             <a:fld id="{154F4BC5-C275-4A59-82DC-6AFC02DFC54D}" type="datetimeFigureOut">
               <a:rPr lang="en-CA" smtClean="0"/>
-              <a:t>2023-09-24</a:t>
+              <a:t>2023-10-01</a:t>
             </a:fld>
             <a:endParaRPr lang="en-CA"/>
           </a:p>
@@ -3364,7 +3365,7 @@
           <a:p>
             <a:fld id="{154F4BC5-C275-4A59-82DC-6AFC02DFC54D}" type="datetimeFigureOut">
               <a:rPr lang="en-CA" smtClean="0"/>
-              <a:t>2023-09-24</a:t>
+              <a:t>2023-10-01</a:t>
             </a:fld>
             <a:endParaRPr lang="en-CA"/>
           </a:p>
@@ -3506,7 +3507,7 @@
           <a:p>
             <a:fld id="{154F4BC5-C275-4A59-82DC-6AFC02DFC54D}" type="datetimeFigureOut">
               <a:rPr lang="en-CA" smtClean="0"/>
-              <a:t>2023-09-24</a:t>
+              <a:t>2023-10-01</a:t>
             </a:fld>
             <a:endParaRPr lang="en-CA"/>
           </a:p>
@@ -3619,7 +3620,7 @@
           <a:p>
             <a:fld id="{154F4BC5-C275-4A59-82DC-6AFC02DFC54D}" type="datetimeFigureOut">
               <a:rPr lang="en-CA" smtClean="0"/>
-              <a:t>2023-09-24</a:t>
+              <a:t>2023-10-01</a:t>
             </a:fld>
             <a:endParaRPr lang="en-CA"/>
           </a:p>
@@ -3932,7 +3933,7 @@
           <a:p>
             <a:fld id="{154F4BC5-C275-4A59-82DC-6AFC02DFC54D}" type="datetimeFigureOut">
               <a:rPr lang="en-CA" smtClean="0"/>
-              <a:t>2023-09-24</a:t>
+              <a:t>2023-10-01</a:t>
             </a:fld>
             <a:endParaRPr lang="en-CA"/>
           </a:p>
@@ -4221,7 +4222,7 @@
           <a:p>
             <a:fld id="{154F4BC5-C275-4A59-82DC-6AFC02DFC54D}" type="datetimeFigureOut">
               <a:rPr lang="en-CA" smtClean="0"/>
-              <a:t>2023-09-24</a:t>
+              <a:t>2023-10-01</a:t>
             </a:fld>
             <a:endParaRPr lang="en-CA"/>
           </a:p>
@@ -4464,7 +4465,7 @@
           <a:p>
             <a:fld id="{154F4BC5-C275-4A59-82DC-6AFC02DFC54D}" type="datetimeFigureOut">
               <a:rPr lang="en-CA" smtClean="0"/>
-              <a:t>2023-09-24</a:t>
+              <a:t>2023-10-01</a:t>
             </a:fld>
             <a:endParaRPr lang="en-CA"/>
           </a:p>
@@ -5441,6 +5442,1934 @@
     <p:extLst>
       <p:ext uri="{BB962C8B-B14F-4D97-AF65-F5344CB8AC3E}">
         <p14:creationId xmlns:p14="http://schemas.microsoft.com/office/powerpoint/2010/main" val="4084387805"/>
+      </p:ext>
+    </p:extLst>
+  </p:cSld>
+  <p:clrMapOvr>
+    <a:masterClrMapping/>
+  </p:clrMapOvr>
+</p:sld>
+</file>
+
+<file path=ppt/slides/slide10.xml><?xml version="1.0" encoding="utf-8"?>
+<p:sld xmlns:a="http://schemas.openxmlformats.org/drawingml/2006/main" xmlns:r="http://schemas.openxmlformats.org/officeDocument/2006/relationships" xmlns:p="http://schemas.openxmlformats.org/presentationml/2006/main">
+  <p:cSld>
+    <p:spTree>
+      <p:nvGrpSpPr>
+        <p:cNvPr id="1" name=""/>
+        <p:cNvGrpSpPr/>
+        <p:nvPr/>
+      </p:nvGrpSpPr>
+      <p:grpSpPr>
+        <a:xfrm>
+          <a:off x="0" y="0"/>
+          <a:ext cx="0" cy="0"/>
+          <a:chOff x="0" y="0"/>
+          <a:chExt cx="0" cy="0"/>
+        </a:xfrm>
+      </p:grpSpPr>
+      <p:sp>
+        <p:nvSpPr>
+          <p:cNvPr id="106" name="Rectangle: Rounded Corners 105">
+            <a:extLst>
+              <a:ext uri="{FF2B5EF4-FFF2-40B4-BE49-F238E27FC236}">
+                <a16:creationId xmlns:a16="http://schemas.microsoft.com/office/drawing/2014/main" id="{522C20D7-71E7-4B9E-4B83-48DDC36B85DB}"/>
+              </a:ext>
+            </a:extLst>
+          </p:cNvPr>
+          <p:cNvSpPr/>
+          <p:nvPr/>
+        </p:nvSpPr>
+        <p:spPr>
+          <a:xfrm>
+            <a:off x="9364610" y="606916"/>
+            <a:ext cx="2684930" cy="4911626"/>
+          </a:xfrm>
+          <a:prstGeom prst="roundRect">
+            <a:avLst/>
+          </a:prstGeom>
+          <a:solidFill>
+            <a:schemeClr val="accent6">
+              <a:lumMod val="20000"/>
+              <a:lumOff val="80000"/>
+              <a:alpha val="50000"/>
+            </a:schemeClr>
+          </a:solidFill>
+        </p:spPr>
+        <p:style>
+          <a:lnRef idx="2">
+            <a:schemeClr val="accent1">
+              <a:shade val="15000"/>
+            </a:schemeClr>
+          </a:lnRef>
+          <a:fillRef idx="1">
+            <a:schemeClr val="accent1"/>
+          </a:fillRef>
+          <a:effectRef idx="0">
+            <a:schemeClr val="accent1"/>
+          </a:effectRef>
+          <a:fontRef idx="minor">
+            <a:schemeClr val="lt1"/>
+          </a:fontRef>
+        </p:style>
+        <p:txBody>
+          <a:bodyPr rtlCol="0" anchor="ctr"/>
+          <a:lstStyle/>
+          <a:p>
+            <a:endParaRPr lang="en-CA" dirty="0"/>
+          </a:p>
+        </p:txBody>
+      </p:sp>
+      <p:sp>
+        <p:nvSpPr>
+          <p:cNvPr id="40" name="Rectangle: Rounded Corners 39">
+            <a:extLst>
+              <a:ext uri="{FF2B5EF4-FFF2-40B4-BE49-F238E27FC236}">
+                <a16:creationId xmlns:a16="http://schemas.microsoft.com/office/drawing/2014/main" id="{8E086B6F-71B7-4D46-89D4-113CE772AAE6}"/>
+              </a:ext>
+            </a:extLst>
+          </p:cNvPr>
+          <p:cNvSpPr/>
+          <p:nvPr/>
+        </p:nvSpPr>
+        <p:spPr>
+          <a:xfrm>
+            <a:off x="9744394" y="2604021"/>
+            <a:ext cx="2106592" cy="1549542"/>
+          </a:xfrm>
+          <a:prstGeom prst="roundRect">
+            <a:avLst/>
+          </a:prstGeom>
+          <a:solidFill>
+            <a:schemeClr val="accent4">
+              <a:lumMod val="20000"/>
+              <a:lumOff val="80000"/>
+            </a:schemeClr>
+          </a:solidFill>
+        </p:spPr>
+        <p:style>
+          <a:lnRef idx="2">
+            <a:schemeClr val="accent1">
+              <a:shade val="15000"/>
+            </a:schemeClr>
+          </a:lnRef>
+          <a:fillRef idx="1">
+            <a:schemeClr val="accent1"/>
+          </a:fillRef>
+          <a:effectRef idx="0">
+            <a:schemeClr val="accent1"/>
+          </a:effectRef>
+          <a:fontRef idx="minor">
+            <a:schemeClr val="lt1"/>
+          </a:fontRef>
+        </p:style>
+        <p:txBody>
+          <a:bodyPr rtlCol="0" anchor="ctr"/>
+          <a:lstStyle/>
+          <a:p>
+            <a:pPr algn="ctr"/>
+            <a:r>
+              <a:rPr lang="en-CA" sz="2000" dirty="0">
+                <a:solidFill>
+                  <a:schemeClr val="tx1"/>
+                </a:solidFill>
+              </a:rPr>
+              <a:t>Validated Form Store</a:t>
+            </a:r>
+          </a:p>
+        </p:txBody>
+      </p:sp>
+      <p:sp>
+        <p:nvSpPr>
+          <p:cNvPr id="3" name="Rectangle: Rounded Corners 2">
+            <a:extLst>
+              <a:ext uri="{FF2B5EF4-FFF2-40B4-BE49-F238E27FC236}">
+                <a16:creationId xmlns:a16="http://schemas.microsoft.com/office/drawing/2014/main" id="{6E67614B-2C9E-2399-1C9E-308A7761CCA3}"/>
+              </a:ext>
+            </a:extLst>
+          </p:cNvPr>
+          <p:cNvSpPr/>
+          <p:nvPr/>
+        </p:nvSpPr>
+        <p:spPr>
+          <a:xfrm>
+            <a:off x="3358697" y="2604021"/>
+            <a:ext cx="2396672" cy="1549542"/>
+          </a:xfrm>
+          <a:prstGeom prst="roundRect">
+            <a:avLst/>
+          </a:prstGeom>
+          <a:solidFill>
+            <a:schemeClr val="accent4">
+              <a:lumMod val="20000"/>
+              <a:lumOff val="80000"/>
+            </a:schemeClr>
+          </a:solidFill>
+        </p:spPr>
+        <p:style>
+          <a:lnRef idx="2">
+            <a:schemeClr val="accent1">
+              <a:shade val="15000"/>
+            </a:schemeClr>
+          </a:lnRef>
+          <a:fillRef idx="1">
+            <a:schemeClr val="accent1"/>
+          </a:fillRef>
+          <a:effectRef idx="0">
+            <a:schemeClr val="accent1"/>
+          </a:effectRef>
+          <a:fontRef idx="minor">
+            <a:schemeClr val="lt1"/>
+          </a:fontRef>
+        </p:style>
+        <p:txBody>
+          <a:bodyPr rtlCol="0" anchor="ctr"/>
+          <a:lstStyle/>
+          <a:p>
+            <a:pPr algn="ctr"/>
+            <a:r>
+              <a:rPr lang="en-CA" sz="2000" dirty="0">
+                <a:solidFill>
+                  <a:schemeClr val="tx1"/>
+                </a:solidFill>
+              </a:rPr>
+              <a:t>Base Form Store</a:t>
+            </a:r>
+          </a:p>
+          <a:p>
+            <a:pPr algn="ctr"/>
+            <a:r>
+              <a:rPr lang="en-CA" sz="2000" dirty="0">
+                <a:solidFill>
+                  <a:schemeClr val="tx1"/>
+                </a:solidFill>
+              </a:rPr>
+              <a:t>(partial validation)</a:t>
+            </a:r>
+          </a:p>
+        </p:txBody>
+      </p:sp>
+      <p:cxnSp>
+        <p:nvCxnSpPr>
+          <p:cNvPr id="2" name="Straight Arrow Connector 1">
+            <a:extLst>
+              <a:ext uri="{FF2B5EF4-FFF2-40B4-BE49-F238E27FC236}">
+                <a16:creationId xmlns:a16="http://schemas.microsoft.com/office/drawing/2014/main" id="{3A085252-946F-A6D4-FB17-D3092B4BA9B8}"/>
+              </a:ext>
+            </a:extLst>
+          </p:cNvPr>
+          <p:cNvCxnSpPr>
+            <a:cxnSpLocks/>
+          </p:cNvCxnSpPr>
+          <p:nvPr/>
+        </p:nvCxnSpPr>
+        <p:spPr>
+          <a:xfrm>
+            <a:off x="297180" y="3378792"/>
+            <a:ext cx="3502660" cy="14329"/>
+          </a:xfrm>
+          <a:prstGeom prst="straightConnector1">
+            <a:avLst/>
+          </a:prstGeom>
+          <a:ln w="34925">
+            <a:tailEnd type="arrow"/>
+          </a:ln>
+        </p:spPr>
+        <p:style>
+          <a:lnRef idx="1">
+            <a:schemeClr val="accent1"/>
+          </a:lnRef>
+          <a:fillRef idx="0">
+            <a:schemeClr val="accent1"/>
+          </a:fillRef>
+          <a:effectRef idx="0">
+            <a:schemeClr val="accent1"/>
+          </a:effectRef>
+          <a:fontRef idx="minor">
+            <a:schemeClr val="tx1"/>
+          </a:fontRef>
+        </p:style>
+      </p:cxnSp>
+      <p:sp>
+        <p:nvSpPr>
+          <p:cNvPr id="4" name="Oval 3">
+            <a:extLst>
+              <a:ext uri="{FF2B5EF4-FFF2-40B4-BE49-F238E27FC236}">
+                <a16:creationId xmlns:a16="http://schemas.microsoft.com/office/drawing/2014/main" id="{1AC4A9FF-4ACA-E7BB-1510-75A2490F3132}"/>
+              </a:ext>
+            </a:extLst>
+          </p:cNvPr>
+          <p:cNvSpPr/>
+          <p:nvPr/>
+        </p:nvSpPr>
+        <p:spPr>
+          <a:xfrm>
+            <a:off x="2487276" y="3178224"/>
+            <a:ext cx="353536" cy="353536"/>
+          </a:xfrm>
+          <a:prstGeom prst="ellipse">
+            <a:avLst/>
+          </a:prstGeom>
+          <a:solidFill>
+            <a:schemeClr val="accent6">
+              <a:lumMod val="40000"/>
+              <a:lumOff val="60000"/>
+            </a:schemeClr>
+          </a:solidFill>
+        </p:spPr>
+        <p:style>
+          <a:lnRef idx="2">
+            <a:schemeClr val="accent1">
+              <a:shade val="15000"/>
+            </a:schemeClr>
+          </a:lnRef>
+          <a:fillRef idx="1">
+            <a:schemeClr val="accent1"/>
+          </a:fillRef>
+          <a:effectRef idx="0">
+            <a:schemeClr val="accent1"/>
+          </a:effectRef>
+          <a:fontRef idx="minor">
+            <a:schemeClr val="lt1"/>
+          </a:fontRef>
+        </p:style>
+        <p:txBody>
+          <a:bodyPr rtlCol="0" anchor="ctr"/>
+          <a:lstStyle/>
+          <a:p>
+            <a:pPr algn="ctr"/>
+            <a:endParaRPr lang="en-CA"/>
+          </a:p>
+        </p:txBody>
+      </p:sp>
+      <p:sp>
+        <p:nvSpPr>
+          <p:cNvPr id="5" name="TextBox 4">
+            <a:extLst>
+              <a:ext uri="{FF2B5EF4-FFF2-40B4-BE49-F238E27FC236}">
+                <a16:creationId xmlns:a16="http://schemas.microsoft.com/office/drawing/2014/main" id="{7E441CD8-4EF4-F3D2-CE95-D1348DBD1DF7}"/>
+              </a:ext>
+            </a:extLst>
+          </p:cNvPr>
+          <p:cNvSpPr txBox="1"/>
+          <p:nvPr/>
+        </p:nvSpPr>
+        <p:spPr>
+          <a:xfrm>
+            <a:off x="4585284" y="438368"/>
+            <a:ext cx="2092279" cy="523220"/>
+          </a:xfrm>
+          <a:prstGeom prst="rect">
+            <a:avLst/>
+          </a:prstGeom>
+          <a:noFill/>
+        </p:spPr>
+        <p:txBody>
+          <a:bodyPr wrap="square" rtlCol="0">
+            <a:spAutoFit/>
+          </a:bodyPr>
+          <a:lstStyle/>
+          <a:p>
+            <a:r>
+              <a:rPr lang="en-CA" sz="2800" dirty="0"/>
+              <a:t>Hubfx Forms</a:t>
+            </a:r>
+          </a:p>
+        </p:txBody>
+      </p:sp>
+      <p:sp>
+        <p:nvSpPr>
+          <p:cNvPr id="6" name="Oval 5">
+            <a:extLst>
+              <a:ext uri="{FF2B5EF4-FFF2-40B4-BE49-F238E27FC236}">
+                <a16:creationId xmlns:a16="http://schemas.microsoft.com/office/drawing/2014/main" id="{436EAF86-D283-1961-C89C-2D5F386D1E47}"/>
+              </a:ext>
+            </a:extLst>
+          </p:cNvPr>
+          <p:cNvSpPr/>
+          <p:nvPr/>
+        </p:nvSpPr>
+        <p:spPr>
+          <a:xfrm>
+            <a:off x="177452" y="2289946"/>
+            <a:ext cx="3113155" cy="2152036"/>
+          </a:xfrm>
+          <a:prstGeom prst="ellipse">
+            <a:avLst/>
+          </a:prstGeom>
+          <a:noFill/>
+          <a:ln w="38100">
+            <a:prstDash val="lgDash"/>
+          </a:ln>
+        </p:spPr>
+        <p:style>
+          <a:lnRef idx="2">
+            <a:schemeClr val="accent1">
+              <a:shade val="15000"/>
+            </a:schemeClr>
+          </a:lnRef>
+          <a:fillRef idx="1">
+            <a:schemeClr val="accent1"/>
+          </a:fillRef>
+          <a:effectRef idx="0">
+            <a:schemeClr val="accent1"/>
+          </a:effectRef>
+          <a:fontRef idx="minor">
+            <a:schemeClr val="lt1"/>
+          </a:fontRef>
+        </p:style>
+        <p:txBody>
+          <a:bodyPr rtlCol="0" anchor="ctr"/>
+          <a:lstStyle/>
+          <a:p>
+            <a:pPr algn="ctr"/>
+            <a:endParaRPr lang="en-CA"/>
+          </a:p>
+        </p:txBody>
+      </p:sp>
+      <p:sp>
+        <p:nvSpPr>
+          <p:cNvPr id="9" name="TextBox 8">
+            <a:extLst>
+              <a:ext uri="{FF2B5EF4-FFF2-40B4-BE49-F238E27FC236}">
+                <a16:creationId xmlns:a16="http://schemas.microsoft.com/office/drawing/2014/main" id="{B07FF30A-5260-F5B2-71A9-8AF2C7E14F6D}"/>
+              </a:ext>
+            </a:extLst>
+          </p:cNvPr>
+          <p:cNvSpPr txBox="1"/>
+          <p:nvPr/>
+        </p:nvSpPr>
+        <p:spPr>
+          <a:xfrm>
+            <a:off x="544126" y="4624233"/>
+            <a:ext cx="2558362" cy="800219"/>
+          </a:xfrm>
+          <a:prstGeom prst="rect">
+            <a:avLst/>
+          </a:prstGeom>
+          <a:solidFill>
+            <a:schemeClr val="bg1"/>
+          </a:solidFill>
+          <a:ln>
+            <a:solidFill>
+              <a:schemeClr val="accent1">
+                <a:shade val="15000"/>
+              </a:schemeClr>
+            </a:solidFill>
+          </a:ln>
+        </p:spPr>
+        <p:txBody>
+          <a:bodyPr wrap="square" rtlCol="0">
+            <a:spAutoFit/>
+          </a:bodyPr>
+          <a:lstStyle/>
+          <a:p>
+            <a:pPr algn="ctr"/>
+            <a:r>
+              <a:rPr lang="en-CA" dirty="0"/>
+              <a:t>Dispatcher (User) Actions</a:t>
+            </a:r>
+            <a:endParaRPr lang="en-CA" sz="1400" dirty="0"/>
+          </a:p>
+          <a:p>
+            <a:r>
+              <a:rPr lang="en-CA" sz="1400" dirty="0"/>
+              <a:t>FORMS_CONTROL_CHANGE</a:t>
+            </a:r>
+          </a:p>
+          <a:p>
+            <a:r>
+              <a:rPr lang="en-CA" sz="1400" dirty="0"/>
+              <a:t>FORMS_ADD_CONTROL</a:t>
+            </a:r>
+          </a:p>
+        </p:txBody>
+      </p:sp>
+      <p:sp>
+        <p:nvSpPr>
+          <p:cNvPr id="12" name="Oval 11">
+            <a:extLst>
+              <a:ext uri="{FF2B5EF4-FFF2-40B4-BE49-F238E27FC236}">
+                <a16:creationId xmlns:a16="http://schemas.microsoft.com/office/drawing/2014/main" id="{98E8350D-B40F-136C-9B26-A5FF6B9CEFD3}"/>
+              </a:ext>
+            </a:extLst>
+          </p:cNvPr>
+          <p:cNvSpPr/>
+          <p:nvPr/>
+        </p:nvSpPr>
+        <p:spPr>
+          <a:xfrm>
+            <a:off x="563006" y="3178224"/>
+            <a:ext cx="355106" cy="355106"/>
+          </a:xfrm>
+          <a:prstGeom prst="ellipse">
+            <a:avLst/>
+          </a:prstGeom>
+          <a:solidFill>
+            <a:schemeClr val="bg2"/>
+          </a:solidFill>
+        </p:spPr>
+        <p:style>
+          <a:lnRef idx="2">
+            <a:schemeClr val="accent1">
+              <a:shade val="15000"/>
+            </a:schemeClr>
+          </a:lnRef>
+          <a:fillRef idx="1">
+            <a:schemeClr val="accent1"/>
+          </a:fillRef>
+          <a:effectRef idx="0">
+            <a:schemeClr val="accent1"/>
+          </a:effectRef>
+          <a:fontRef idx="minor">
+            <a:schemeClr val="lt1"/>
+          </a:fontRef>
+        </p:style>
+        <p:txBody>
+          <a:bodyPr rtlCol="0" anchor="ctr"/>
+          <a:lstStyle/>
+          <a:p>
+            <a:pPr algn="ctr"/>
+            <a:endParaRPr lang="en-CA"/>
+          </a:p>
+        </p:txBody>
+      </p:sp>
+      <p:cxnSp>
+        <p:nvCxnSpPr>
+          <p:cNvPr id="35" name="Straight Arrow Connector 34">
+            <a:extLst>
+              <a:ext uri="{FF2B5EF4-FFF2-40B4-BE49-F238E27FC236}">
+                <a16:creationId xmlns:a16="http://schemas.microsoft.com/office/drawing/2014/main" id="{F5770EE1-A1D0-3016-EBC2-8E30A07EA51A}"/>
+              </a:ext>
+            </a:extLst>
+          </p:cNvPr>
+          <p:cNvCxnSpPr>
+            <a:cxnSpLocks/>
+            <a:stCxn id="3" idx="3"/>
+          </p:cNvCxnSpPr>
+          <p:nvPr/>
+        </p:nvCxnSpPr>
+        <p:spPr>
+          <a:xfrm>
+            <a:off x="5755369" y="3378792"/>
+            <a:ext cx="4709431" cy="23860"/>
+          </a:xfrm>
+          <a:prstGeom prst="straightConnector1">
+            <a:avLst/>
+          </a:prstGeom>
+          <a:ln w="34925">
+            <a:solidFill>
+              <a:schemeClr val="accent6">
+                <a:lumMod val="60000"/>
+                <a:lumOff val="40000"/>
+              </a:schemeClr>
+            </a:solidFill>
+            <a:tailEnd type="arrow"/>
+          </a:ln>
+        </p:spPr>
+        <p:style>
+          <a:lnRef idx="1">
+            <a:schemeClr val="accent1"/>
+          </a:lnRef>
+          <a:fillRef idx="0">
+            <a:schemeClr val="accent1"/>
+          </a:fillRef>
+          <a:effectRef idx="0">
+            <a:schemeClr val="accent1"/>
+          </a:effectRef>
+          <a:fontRef idx="minor">
+            <a:schemeClr val="tx1"/>
+          </a:fontRef>
+        </p:style>
+      </p:cxnSp>
+      <p:sp>
+        <p:nvSpPr>
+          <p:cNvPr id="37" name="Oval 36">
+            <a:extLst>
+              <a:ext uri="{FF2B5EF4-FFF2-40B4-BE49-F238E27FC236}">
+                <a16:creationId xmlns:a16="http://schemas.microsoft.com/office/drawing/2014/main" id="{32A74E61-AAB7-331B-13A6-0FFC63FC63D6}"/>
+              </a:ext>
+            </a:extLst>
+          </p:cNvPr>
+          <p:cNvSpPr/>
+          <p:nvPr/>
+        </p:nvSpPr>
+        <p:spPr>
+          <a:xfrm>
+            <a:off x="6073829" y="2235200"/>
+            <a:ext cx="3168220" cy="2386029"/>
+          </a:xfrm>
+          <a:prstGeom prst="ellipse">
+            <a:avLst/>
+          </a:prstGeom>
+          <a:noFill/>
+          <a:ln w="38100">
+            <a:prstDash val="lgDash"/>
+          </a:ln>
+        </p:spPr>
+        <p:style>
+          <a:lnRef idx="2">
+            <a:schemeClr val="accent1">
+              <a:shade val="15000"/>
+            </a:schemeClr>
+          </a:lnRef>
+          <a:fillRef idx="1">
+            <a:schemeClr val="accent1"/>
+          </a:fillRef>
+          <a:effectRef idx="0">
+            <a:schemeClr val="accent1"/>
+          </a:effectRef>
+          <a:fontRef idx="minor">
+            <a:schemeClr val="lt1"/>
+          </a:fontRef>
+        </p:style>
+        <p:txBody>
+          <a:bodyPr rtlCol="0" anchor="ctr"/>
+          <a:lstStyle/>
+          <a:p>
+            <a:pPr algn="ctr"/>
+            <a:endParaRPr lang="en-CA"/>
+          </a:p>
+        </p:txBody>
+      </p:sp>
+      <p:sp>
+        <p:nvSpPr>
+          <p:cNvPr id="54" name="Oval 53">
+            <a:extLst>
+              <a:ext uri="{FF2B5EF4-FFF2-40B4-BE49-F238E27FC236}">
+                <a16:creationId xmlns:a16="http://schemas.microsoft.com/office/drawing/2014/main" id="{CE06762A-D69D-D849-D40D-FCB920C1E8D1}"/>
+              </a:ext>
+            </a:extLst>
+          </p:cNvPr>
+          <p:cNvSpPr/>
+          <p:nvPr/>
+        </p:nvSpPr>
+        <p:spPr>
+          <a:xfrm>
+            <a:off x="5911151" y="3217723"/>
+            <a:ext cx="350797" cy="350797"/>
+          </a:xfrm>
+          <a:prstGeom prst="ellipse">
+            <a:avLst/>
+          </a:prstGeom>
+          <a:solidFill>
+            <a:schemeClr val="accent1">
+              <a:lumMod val="60000"/>
+              <a:lumOff val="40000"/>
+              <a:alpha val="50000"/>
+            </a:schemeClr>
+          </a:solidFill>
+        </p:spPr>
+        <p:style>
+          <a:lnRef idx="2">
+            <a:schemeClr val="accent1">
+              <a:shade val="15000"/>
+            </a:schemeClr>
+          </a:lnRef>
+          <a:fillRef idx="1">
+            <a:schemeClr val="accent1"/>
+          </a:fillRef>
+          <a:effectRef idx="0">
+            <a:schemeClr val="accent1"/>
+          </a:effectRef>
+          <a:fontRef idx="minor">
+            <a:schemeClr val="lt1"/>
+          </a:fontRef>
+        </p:style>
+        <p:txBody>
+          <a:bodyPr rtlCol="0" anchor="ctr"/>
+          <a:lstStyle/>
+          <a:p>
+            <a:pPr algn="ctr"/>
+            <a:endParaRPr lang="en-CA"/>
+          </a:p>
+        </p:txBody>
+      </p:sp>
+      <p:sp>
+        <p:nvSpPr>
+          <p:cNvPr id="60" name="TextBox 59">
+            <a:extLst>
+              <a:ext uri="{FF2B5EF4-FFF2-40B4-BE49-F238E27FC236}">
+                <a16:creationId xmlns:a16="http://schemas.microsoft.com/office/drawing/2014/main" id="{CE614C56-C033-600E-FCF9-11D9B8C46C63}"/>
+              </a:ext>
+            </a:extLst>
+          </p:cNvPr>
+          <p:cNvSpPr txBox="1"/>
+          <p:nvPr/>
+        </p:nvSpPr>
+        <p:spPr>
+          <a:xfrm>
+            <a:off x="1198669" y="3205727"/>
+            <a:ext cx="1117812" cy="307777"/>
+          </a:xfrm>
+          <a:prstGeom prst="rect">
+            <a:avLst/>
+          </a:prstGeom>
+          <a:solidFill>
+            <a:schemeClr val="bg1"/>
+          </a:solidFill>
+          <a:ln>
+            <a:solidFill>
+              <a:schemeClr val="accent1">
+                <a:shade val="15000"/>
+              </a:schemeClr>
+            </a:solidFill>
+          </a:ln>
+        </p:spPr>
+        <p:txBody>
+          <a:bodyPr wrap="square" rtlCol="0">
+            <a:spAutoFit/>
+          </a:bodyPr>
+          <a:lstStyle/>
+          <a:p>
+            <a:pPr algn="ctr"/>
+            <a:r>
+              <a:rPr lang="en-CA" sz="1400" dirty="0"/>
+              <a:t>dispatcher$</a:t>
+            </a:r>
+          </a:p>
+        </p:txBody>
+      </p:sp>
+      <p:sp>
+        <p:nvSpPr>
+          <p:cNvPr id="63" name="TextBox 62">
+            <a:extLst>
+              <a:ext uri="{FF2B5EF4-FFF2-40B4-BE49-F238E27FC236}">
+                <a16:creationId xmlns:a16="http://schemas.microsoft.com/office/drawing/2014/main" id="{4C8DF126-D70D-8E4D-5899-6C2301DB73B6}"/>
+              </a:ext>
+            </a:extLst>
+          </p:cNvPr>
+          <p:cNvSpPr txBox="1"/>
+          <p:nvPr/>
+        </p:nvSpPr>
+        <p:spPr>
+          <a:xfrm>
+            <a:off x="7072699" y="3216827"/>
+            <a:ext cx="1380224" cy="307777"/>
+          </a:xfrm>
+          <a:prstGeom prst="rect">
+            <a:avLst/>
+          </a:prstGeom>
+          <a:solidFill>
+            <a:schemeClr val="bg1"/>
+          </a:solidFill>
+          <a:ln>
+            <a:solidFill>
+              <a:schemeClr val="accent1">
+                <a:shade val="15000"/>
+              </a:schemeClr>
+            </a:solidFill>
+          </a:ln>
+        </p:spPr>
+        <p:txBody>
+          <a:bodyPr wrap="square" rtlCol="0">
+            <a:spAutoFit/>
+          </a:bodyPr>
+          <a:lstStyle/>
+          <a:p>
+            <a:pPr algn="ctr"/>
+            <a:r>
+              <a:rPr lang="en-CA" sz="1400" dirty="0"/>
+              <a:t>sourceForHub2$</a:t>
+            </a:r>
+          </a:p>
+        </p:txBody>
+      </p:sp>
+      <p:sp>
+        <p:nvSpPr>
+          <p:cNvPr id="65" name="TextBox 64">
+            <a:extLst>
+              <a:ext uri="{FF2B5EF4-FFF2-40B4-BE49-F238E27FC236}">
+                <a16:creationId xmlns:a16="http://schemas.microsoft.com/office/drawing/2014/main" id="{A72DD2CC-A92D-90EB-3CC1-EB6AFC05D83A}"/>
+              </a:ext>
+            </a:extLst>
+          </p:cNvPr>
+          <p:cNvSpPr txBox="1"/>
+          <p:nvPr/>
+        </p:nvSpPr>
+        <p:spPr>
+          <a:xfrm>
+            <a:off x="6343510" y="1723917"/>
+            <a:ext cx="2637504" cy="369332"/>
+          </a:xfrm>
+          <a:prstGeom prst="rect">
+            <a:avLst/>
+          </a:prstGeom>
+          <a:noFill/>
+        </p:spPr>
+        <p:txBody>
+          <a:bodyPr wrap="square" rtlCol="0">
+            <a:spAutoFit/>
+          </a:bodyPr>
+          <a:lstStyle/>
+          <a:p>
+            <a:r>
+              <a:rPr lang="en-CA" dirty="0"/>
+              <a:t>Hub 2 – Async Validation</a:t>
+            </a:r>
+          </a:p>
+        </p:txBody>
+      </p:sp>
+      <p:sp>
+        <p:nvSpPr>
+          <p:cNvPr id="66" name="TextBox 65">
+            <a:extLst>
+              <a:ext uri="{FF2B5EF4-FFF2-40B4-BE49-F238E27FC236}">
+                <a16:creationId xmlns:a16="http://schemas.microsoft.com/office/drawing/2014/main" id="{A0FE41AB-6FF8-F3EA-DDAC-BE7405DFE942}"/>
+              </a:ext>
+            </a:extLst>
+          </p:cNvPr>
+          <p:cNvSpPr txBox="1"/>
+          <p:nvPr/>
+        </p:nvSpPr>
+        <p:spPr>
+          <a:xfrm>
+            <a:off x="624937" y="1640688"/>
+            <a:ext cx="2456971" cy="369332"/>
+          </a:xfrm>
+          <a:prstGeom prst="rect">
+            <a:avLst/>
+          </a:prstGeom>
+          <a:noFill/>
+        </p:spPr>
+        <p:txBody>
+          <a:bodyPr wrap="square" rtlCol="0">
+            <a:spAutoFit/>
+          </a:bodyPr>
+          <a:lstStyle/>
+          <a:p>
+            <a:r>
+              <a:rPr lang="en-CA" dirty="0"/>
+              <a:t>Hub 1 – User Actions</a:t>
+            </a:r>
+          </a:p>
+        </p:txBody>
+      </p:sp>
+      <p:sp>
+        <p:nvSpPr>
+          <p:cNvPr id="67" name="Arc 66">
+            <a:extLst>
+              <a:ext uri="{FF2B5EF4-FFF2-40B4-BE49-F238E27FC236}">
+                <a16:creationId xmlns:a16="http://schemas.microsoft.com/office/drawing/2014/main" id="{FD098034-63A2-14C5-4689-14E57FDFF334}"/>
+              </a:ext>
+            </a:extLst>
+          </p:cNvPr>
+          <p:cNvSpPr/>
+          <p:nvPr/>
+        </p:nvSpPr>
+        <p:spPr>
+          <a:xfrm flipV="1">
+            <a:off x="6207332" y="2935853"/>
+            <a:ext cx="3523791" cy="1086709"/>
+          </a:xfrm>
+          <a:prstGeom prst="arc">
+            <a:avLst>
+              <a:gd name="adj1" fmla="val 10769572"/>
+              <a:gd name="adj2" fmla="val 21448792"/>
+            </a:avLst>
+          </a:prstGeom>
+          <a:ln w="34925">
+            <a:solidFill>
+              <a:schemeClr val="accent2"/>
+            </a:solidFill>
+            <a:tailEnd type="arrow"/>
+          </a:ln>
+        </p:spPr>
+        <p:style>
+          <a:lnRef idx="1">
+            <a:schemeClr val="accent1"/>
+          </a:lnRef>
+          <a:fillRef idx="0">
+            <a:schemeClr val="accent1"/>
+          </a:fillRef>
+          <a:effectRef idx="0">
+            <a:schemeClr val="accent1"/>
+          </a:effectRef>
+          <a:fontRef idx="minor">
+            <a:schemeClr val="tx1"/>
+          </a:fontRef>
+        </p:style>
+        <p:txBody>
+          <a:bodyPr rtlCol="0" anchor="ctr"/>
+          <a:lstStyle/>
+          <a:p>
+            <a:pPr algn="ctr"/>
+            <a:endParaRPr lang="en-CA"/>
+          </a:p>
+        </p:txBody>
+      </p:sp>
+      <p:sp>
+        <p:nvSpPr>
+          <p:cNvPr id="68" name="Arc 67">
+            <a:extLst>
+              <a:ext uri="{FF2B5EF4-FFF2-40B4-BE49-F238E27FC236}">
+                <a16:creationId xmlns:a16="http://schemas.microsoft.com/office/drawing/2014/main" id="{42C32F68-CA99-AFD5-7EF4-F87048816E7E}"/>
+              </a:ext>
+            </a:extLst>
+          </p:cNvPr>
+          <p:cNvSpPr/>
+          <p:nvPr/>
+        </p:nvSpPr>
+        <p:spPr>
+          <a:xfrm>
+            <a:off x="6194061" y="2738000"/>
+            <a:ext cx="3523791" cy="1086710"/>
+          </a:xfrm>
+          <a:prstGeom prst="arc">
+            <a:avLst>
+              <a:gd name="adj1" fmla="val 10769572"/>
+              <a:gd name="adj2" fmla="val 21448792"/>
+            </a:avLst>
+          </a:prstGeom>
+          <a:ln w="34925">
+            <a:solidFill>
+              <a:schemeClr val="accent2"/>
+            </a:solidFill>
+            <a:tailEnd type="arrow"/>
+          </a:ln>
+        </p:spPr>
+        <p:style>
+          <a:lnRef idx="1">
+            <a:schemeClr val="accent1"/>
+          </a:lnRef>
+          <a:fillRef idx="0">
+            <a:schemeClr val="accent1"/>
+          </a:fillRef>
+          <a:effectRef idx="0">
+            <a:schemeClr val="accent1"/>
+          </a:effectRef>
+          <a:fontRef idx="minor">
+            <a:schemeClr val="tx1"/>
+          </a:fontRef>
+        </p:style>
+        <p:txBody>
+          <a:bodyPr rtlCol="0" anchor="ctr"/>
+          <a:lstStyle/>
+          <a:p>
+            <a:pPr algn="ctr"/>
+            <a:endParaRPr lang="en-CA"/>
+          </a:p>
+        </p:txBody>
+      </p:sp>
+      <p:sp>
+        <p:nvSpPr>
+          <p:cNvPr id="71" name="TextBox 70">
+            <a:extLst>
+              <a:ext uri="{FF2B5EF4-FFF2-40B4-BE49-F238E27FC236}">
+                <a16:creationId xmlns:a16="http://schemas.microsoft.com/office/drawing/2014/main" id="{C579B0D2-2BD0-E83C-9123-C28538FCAEB5}"/>
+              </a:ext>
+            </a:extLst>
+          </p:cNvPr>
+          <p:cNvSpPr txBox="1"/>
+          <p:nvPr/>
+        </p:nvSpPr>
+        <p:spPr>
+          <a:xfrm>
+            <a:off x="6833895" y="2643235"/>
+            <a:ext cx="2051387" cy="307777"/>
+          </a:xfrm>
+          <a:prstGeom prst="rect">
+            <a:avLst/>
+          </a:prstGeom>
+          <a:solidFill>
+            <a:schemeClr val="bg1"/>
+          </a:solidFill>
+          <a:ln>
+            <a:solidFill>
+              <a:schemeClr val="accent1">
+                <a:shade val="15000"/>
+              </a:schemeClr>
+            </a:solidFill>
+          </a:ln>
+        </p:spPr>
+        <p:txBody>
+          <a:bodyPr wrap="square" rtlCol="0">
+            <a:spAutoFit/>
+          </a:bodyPr>
+          <a:lstStyle/>
+          <a:p>
+            <a:pPr algn="ctr"/>
+            <a:r>
+              <a:rPr lang="en-CA" sz="1400" dirty="0"/>
+              <a:t>controlAsyncValidator$</a:t>
+            </a:r>
+          </a:p>
+        </p:txBody>
+      </p:sp>
+      <p:sp>
+        <p:nvSpPr>
+          <p:cNvPr id="73" name="TextBox 72">
+            <a:extLst>
+              <a:ext uri="{FF2B5EF4-FFF2-40B4-BE49-F238E27FC236}">
+                <a16:creationId xmlns:a16="http://schemas.microsoft.com/office/drawing/2014/main" id="{7B2A229D-7138-672B-E1CD-17C600D80BDB}"/>
+              </a:ext>
+            </a:extLst>
+          </p:cNvPr>
+          <p:cNvSpPr txBox="1"/>
+          <p:nvPr/>
+        </p:nvSpPr>
+        <p:spPr>
+          <a:xfrm>
+            <a:off x="6811701" y="3809648"/>
+            <a:ext cx="2051387" cy="307777"/>
+          </a:xfrm>
+          <a:prstGeom prst="rect">
+            <a:avLst/>
+          </a:prstGeom>
+          <a:solidFill>
+            <a:schemeClr val="bg1"/>
+          </a:solidFill>
+          <a:ln>
+            <a:solidFill>
+              <a:schemeClr val="accent1">
+                <a:shade val="15000"/>
+              </a:schemeClr>
+            </a:solidFill>
+          </a:ln>
+        </p:spPr>
+        <p:txBody>
+          <a:bodyPr wrap="square" rtlCol="0">
+            <a:spAutoFit/>
+          </a:bodyPr>
+          <a:lstStyle/>
+          <a:p>
+            <a:pPr algn="ctr"/>
+            <a:r>
+              <a:rPr lang="en-CA" sz="1400" dirty="0"/>
+              <a:t>controlAsyncValidator$</a:t>
+            </a:r>
+          </a:p>
+        </p:txBody>
+      </p:sp>
+      <p:sp>
+        <p:nvSpPr>
+          <p:cNvPr id="74" name="Oval 73">
+            <a:extLst>
+              <a:ext uri="{FF2B5EF4-FFF2-40B4-BE49-F238E27FC236}">
+                <a16:creationId xmlns:a16="http://schemas.microsoft.com/office/drawing/2014/main" id="{E633858B-C360-72FE-2C64-9A173A408608}"/>
+              </a:ext>
+            </a:extLst>
+          </p:cNvPr>
+          <p:cNvSpPr/>
+          <p:nvPr/>
+        </p:nvSpPr>
+        <p:spPr>
+          <a:xfrm>
+            <a:off x="6397365" y="2760454"/>
+            <a:ext cx="350797" cy="350797"/>
+          </a:xfrm>
+          <a:prstGeom prst="ellipse">
+            <a:avLst/>
+          </a:prstGeom>
+          <a:solidFill>
+            <a:schemeClr val="accent4">
+              <a:lumMod val="60000"/>
+              <a:lumOff val="40000"/>
+              <a:alpha val="50000"/>
+            </a:schemeClr>
+          </a:solidFill>
+        </p:spPr>
+        <p:style>
+          <a:lnRef idx="2">
+            <a:schemeClr val="accent1">
+              <a:shade val="15000"/>
+            </a:schemeClr>
+          </a:lnRef>
+          <a:fillRef idx="1">
+            <a:schemeClr val="accent1"/>
+          </a:fillRef>
+          <a:effectRef idx="0">
+            <a:schemeClr val="accent1"/>
+          </a:effectRef>
+          <a:fontRef idx="minor">
+            <a:schemeClr val="lt1"/>
+          </a:fontRef>
+        </p:style>
+        <p:txBody>
+          <a:bodyPr rtlCol="0" anchor="ctr"/>
+          <a:lstStyle/>
+          <a:p>
+            <a:pPr algn="ctr"/>
+            <a:endParaRPr lang="en-CA"/>
+          </a:p>
+        </p:txBody>
+      </p:sp>
+      <p:sp>
+        <p:nvSpPr>
+          <p:cNvPr id="75" name="Oval 74">
+            <a:extLst>
+              <a:ext uri="{FF2B5EF4-FFF2-40B4-BE49-F238E27FC236}">
+                <a16:creationId xmlns:a16="http://schemas.microsoft.com/office/drawing/2014/main" id="{FC50D024-302F-D907-8E0F-07E6FBB43EFD}"/>
+              </a:ext>
+            </a:extLst>
+          </p:cNvPr>
+          <p:cNvSpPr/>
+          <p:nvPr/>
+        </p:nvSpPr>
+        <p:spPr>
+          <a:xfrm>
+            <a:off x="6343510" y="3615028"/>
+            <a:ext cx="350797" cy="350797"/>
+          </a:xfrm>
+          <a:prstGeom prst="ellipse">
+            <a:avLst/>
+          </a:prstGeom>
+          <a:solidFill>
+            <a:schemeClr val="accent4">
+              <a:lumMod val="40000"/>
+              <a:lumOff val="60000"/>
+              <a:alpha val="50000"/>
+            </a:schemeClr>
+          </a:solidFill>
+        </p:spPr>
+        <p:style>
+          <a:lnRef idx="2">
+            <a:schemeClr val="accent1">
+              <a:shade val="15000"/>
+            </a:schemeClr>
+          </a:lnRef>
+          <a:fillRef idx="1">
+            <a:schemeClr val="accent1"/>
+          </a:fillRef>
+          <a:effectRef idx="0">
+            <a:schemeClr val="accent1"/>
+          </a:effectRef>
+          <a:fontRef idx="minor">
+            <a:schemeClr val="lt1"/>
+          </a:fontRef>
+        </p:style>
+        <p:txBody>
+          <a:bodyPr rtlCol="0" anchor="ctr"/>
+          <a:lstStyle/>
+          <a:p>
+            <a:pPr algn="ctr"/>
+            <a:endParaRPr lang="en-CA"/>
+          </a:p>
+        </p:txBody>
+      </p:sp>
+      <p:sp>
+        <p:nvSpPr>
+          <p:cNvPr id="76" name="Oval 75">
+            <a:extLst>
+              <a:ext uri="{FF2B5EF4-FFF2-40B4-BE49-F238E27FC236}">
+                <a16:creationId xmlns:a16="http://schemas.microsoft.com/office/drawing/2014/main" id="{6E4A664F-40FB-2CE2-04D7-454257BF1103}"/>
+              </a:ext>
+            </a:extLst>
+          </p:cNvPr>
+          <p:cNvSpPr/>
+          <p:nvPr/>
+        </p:nvSpPr>
+        <p:spPr>
+          <a:xfrm>
+            <a:off x="8938753" y="2662976"/>
+            <a:ext cx="350797" cy="350797"/>
+          </a:xfrm>
+          <a:prstGeom prst="ellipse">
+            <a:avLst/>
+          </a:prstGeom>
+          <a:solidFill>
+            <a:srgbClr val="92D050"/>
+          </a:solidFill>
+        </p:spPr>
+        <p:style>
+          <a:lnRef idx="2">
+            <a:schemeClr val="accent1">
+              <a:shade val="15000"/>
+            </a:schemeClr>
+          </a:lnRef>
+          <a:fillRef idx="1">
+            <a:schemeClr val="accent1"/>
+          </a:fillRef>
+          <a:effectRef idx="0">
+            <a:schemeClr val="accent1"/>
+          </a:effectRef>
+          <a:fontRef idx="minor">
+            <a:schemeClr val="lt1"/>
+          </a:fontRef>
+        </p:style>
+        <p:txBody>
+          <a:bodyPr rtlCol="0" anchor="ctr"/>
+          <a:lstStyle/>
+          <a:p>
+            <a:pPr algn="ctr"/>
+            <a:endParaRPr lang="en-CA"/>
+          </a:p>
+        </p:txBody>
+      </p:sp>
+      <p:sp>
+        <p:nvSpPr>
+          <p:cNvPr id="77" name="Oval 76">
+            <a:extLst>
+              <a:ext uri="{FF2B5EF4-FFF2-40B4-BE49-F238E27FC236}">
+                <a16:creationId xmlns:a16="http://schemas.microsoft.com/office/drawing/2014/main" id="{3B6B83A4-49C8-CB17-3275-3CC40D3D1724}"/>
+              </a:ext>
+            </a:extLst>
+          </p:cNvPr>
+          <p:cNvSpPr/>
+          <p:nvPr/>
+        </p:nvSpPr>
+        <p:spPr>
+          <a:xfrm>
+            <a:off x="8885282" y="3716977"/>
+            <a:ext cx="350797" cy="350797"/>
+          </a:xfrm>
+          <a:prstGeom prst="ellipse">
+            <a:avLst/>
+          </a:prstGeom>
+          <a:solidFill>
+            <a:srgbClr val="92D050"/>
+          </a:solidFill>
+        </p:spPr>
+        <p:style>
+          <a:lnRef idx="2">
+            <a:schemeClr val="accent1">
+              <a:shade val="15000"/>
+            </a:schemeClr>
+          </a:lnRef>
+          <a:fillRef idx="1">
+            <a:schemeClr val="accent1"/>
+          </a:fillRef>
+          <a:effectRef idx="0">
+            <a:schemeClr val="accent1"/>
+          </a:effectRef>
+          <a:fontRef idx="minor">
+            <a:schemeClr val="lt1"/>
+          </a:fontRef>
+        </p:style>
+        <p:txBody>
+          <a:bodyPr rtlCol="0" anchor="ctr"/>
+          <a:lstStyle/>
+          <a:p>
+            <a:pPr algn="ctr"/>
+            <a:endParaRPr lang="en-CA"/>
+          </a:p>
+        </p:txBody>
+      </p:sp>
+      <p:sp>
+        <p:nvSpPr>
+          <p:cNvPr id="80" name="Oval 79">
+            <a:extLst>
+              <a:ext uri="{FF2B5EF4-FFF2-40B4-BE49-F238E27FC236}">
+                <a16:creationId xmlns:a16="http://schemas.microsoft.com/office/drawing/2014/main" id="{B4176DFD-5BDC-C273-0094-261B7B94E49F}"/>
+              </a:ext>
+            </a:extLst>
+          </p:cNvPr>
+          <p:cNvSpPr/>
+          <p:nvPr/>
+        </p:nvSpPr>
+        <p:spPr>
+          <a:xfrm>
+            <a:off x="5768640" y="3210557"/>
+            <a:ext cx="350797" cy="350797"/>
+          </a:xfrm>
+          <a:prstGeom prst="ellipse">
+            <a:avLst/>
+          </a:prstGeom>
+          <a:solidFill>
+            <a:schemeClr val="accent4">
+              <a:lumMod val="60000"/>
+              <a:lumOff val="40000"/>
+              <a:alpha val="50000"/>
+            </a:schemeClr>
+          </a:solidFill>
+        </p:spPr>
+        <p:style>
+          <a:lnRef idx="2">
+            <a:schemeClr val="accent1">
+              <a:shade val="15000"/>
+            </a:schemeClr>
+          </a:lnRef>
+          <a:fillRef idx="1">
+            <a:schemeClr val="accent1"/>
+          </a:fillRef>
+          <a:effectRef idx="0">
+            <a:schemeClr val="accent1"/>
+          </a:effectRef>
+          <a:fontRef idx="minor">
+            <a:schemeClr val="lt1"/>
+          </a:fontRef>
+        </p:style>
+        <p:txBody>
+          <a:bodyPr rtlCol="0" anchor="ctr"/>
+          <a:lstStyle/>
+          <a:p>
+            <a:pPr algn="ctr"/>
+            <a:endParaRPr lang="en-CA"/>
+          </a:p>
+        </p:txBody>
+      </p:sp>
+      <p:sp>
+        <p:nvSpPr>
+          <p:cNvPr id="81" name="Oval 80">
+            <a:extLst>
+              <a:ext uri="{FF2B5EF4-FFF2-40B4-BE49-F238E27FC236}">
+                <a16:creationId xmlns:a16="http://schemas.microsoft.com/office/drawing/2014/main" id="{31089ED5-729F-4C7F-ABC6-DC45617EABD6}"/>
+              </a:ext>
+            </a:extLst>
+          </p:cNvPr>
+          <p:cNvSpPr/>
+          <p:nvPr/>
+        </p:nvSpPr>
+        <p:spPr>
+          <a:xfrm>
+            <a:off x="5631424" y="3217722"/>
+            <a:ext cx="350797" cy="350797"/>
+          </a:xfrm>
+          <a:prstGeom prst="ellipse">
+            <a:avLst/>
+          </a:prstGeom>
+          <a:solidFill>
+            <a:schemeClr val="accent4">
+              <a:lumMod val="60000"/>
+              <a:lumOff val="40000"/>
+              <a:alpha val="50000"/>
+            </a:schemeClr>
+          </a:solidFill>
+        </p:spPr>
+        <p:style>
+          <a:lnRef idx="2">
+            <a:schemeClr val="accent1">
+              <a:shade val="15000"/>
+            </a:schemeClr>
+          </a:lnRef>
+          <a:fillRef idx="1">
+            <a:schemeClr val="accent1"/>
+          </a:fillRef>
+          <a:effectRef idx="0">
+            <a:schemeClr val="accent1"/>
+          </a:effectRef>
+          <a:fontRef idx="minor">
+            <a:schemeClr val="lt1"/>
+          </a:fontRef>
+        </p:style>
+        <p:txBody>
+          <a:bodyPr rtlCol="0" anchor="ctr"/>
+          <a:lstStyle/>
+          <a:p>
+            <a:pPr algn="ctr"/>
+            <a:endParaRPr lang="en-CA"/>
+          </a:p>
+        </p:txBody>
+      </p:sp>
+      <p:sp>
+        <p:nvSpPr>
+          <p:cNvPr id="83" name="Oval 82">
+            <a:extLst>
+              <a:ext uri="{FF2B5EF4-FFF2-40B4-BE49-F238E27FC236}">
+                <a16:creationId xmlns:a16="http://schemas.microsoft.com/office/drawing/2014/main" id="{17490A86-1BFC-B818-4FCD-7D73464D9295}"/>
+              </a:ext>
+            </a:extLst>
+          </p:cNvPr>
+          <p:cNvSpPr/>
+          <p:nvPr/>
+        </p:nvSpPr>
+        <p:spPr>
+          <a:xfrm>
+            <a:off x="9310139" y="3259505"/>
+            <a:ext cx="350797" cy="350797"/>
+          </a:xfrm>
+          <a:prstGeom prst="ellipse">
+            <a:avLst/>
+          </a:prstGeom>
+          <a:solidFill>
+            <a:schemeClr val="accent4">
+              <a:lumMod val="40000"/>
+              <a:lumOff val="60000"/>
+            </a:schemeClr>
+          </a:solidFill>
+        </p:spPr>
+        <p:style>
+          <a:lnRef idx="2">
+            <a:schemeClr val="accent1">
+              <a:shade val="15000"/>
+            </a:schemeClr>
+          </a:lnRef>
+          <a:fillRef idx="1">
+            <a:schemeClr val="accent1"/>
+          </a:fillRef>
+          <a:effectRef idx="0">
+            <a:schemeClr val="accent1"/>
+          </a:effectRef>
+          <a:fontRef idx="minor">
+            <a:schemeClr val="lt1"/>
+          </a:fontRef>
+        </p:style>
+        <p:txBody>
+          <a:bodyPr rtlCol="0" anchor="ctr"/>
+          <a:lstStyle/>
+          <a:p>
+            <a:pPr algn="ctr"/>
+            <a:endParaRPr lang="en-CA"/>
+          </a:p>
+        </p:txBody>
+      </p:sp>
+      <p:sp>
+        <p:nvSpPr>
+          <p:cNvPr id="84" name="Oval 83">
+            <a:extLst>
+              <a:ext uri="{FF2B5EF4-FFF2-40B4-BE49-F238E27FC236}">
+                <a16:creationId xmlns:a16="http://schemas.microsoft.com/office/drawing/2014/main" id="{30145217-5E60-B591-1811-DF4129973DA1}"/>
+              </a:ext>
+            </a:extLst>
+          </p:cNvPr>
+          <p:cNvSpPr/>
+          <p:nvPr/>
+        </p:nvSpPr>
+        <p:spPr>
+          <a:xfrm>
+            <a:off x="9540350" y="3250550"/>
+            <a:ext cx="350797" cy="350797"/>
+          </a:xfrm>
+          <a:prstGeom prst="ellipse">
+            <a:avLst/>
+          </a:prstGeom>
+          <a:solidFill>
+            <a:schemeClr val="accent4">
+              <a:lumMod val="40000"/>
+              <a:lumOff val="60000"/>
+            </a:schemeClr>
+          </a:solidFill>
+        </p:spPr>
+        <p:style>
+          <a:lnRef idx="2">
+            <a:schemeClr val="accent1">
+              <a:shade val="15000"/>
+            </a:schemeClr>
+          </a:lnRef>
+          <a:fillRef idx="1">
+            <a:schemeClr val="accent1"/>
+          </a:fillRef>
+          <a:effectRef idx="0">
+            <a:schemeClr val="accent1"/>
+          </a:effectRef>
+          <a:fontRef idx="minor">
+            <a:schemeClr val="lt1"/>
+          </a:fontRef>
+        </p:style>
+        <p:txBody>
+          <a:bodyPr rtlCol="0" anchor="ctr"/>
+          <a:lstStyle/>
+          <a:p>
+            <a:pPr algn="ctr"/>
+            <a:endParaRPr lang="en-CA"/>
+          </a:p>
+        </p:txBody>
+      </p:sp>
+      <p:sp>
+        <p:nvSpPr>
+          <p:cNvPr id="64" name="Oval 63">
+            <a:extLst>
+              <a:ext uri="{FF2B5EF4-FFF2-40B4-BE49-F238E27FC236}">
+                <a16:creationId xmlns:a16="http://schemas.microsoft.com/office/drawing/2014/main" id="{4373DEC7-662F-A21D-0B7C-865151BBD5A6}"/>
+              </a:ext>
+            </a:extLst>
+          </p:cNvPr>
+          <p:cNvSpPr/>
+          <p:nvPr/>
+        </p:nvSpPr>
+        <p:spPr>
+          <a:xfrm>
+            <a:off x="9743847" y="3241595"/>
+            <a:ext cx="350797" cy="350797"/>
+          </a:xfrm>
+          <a:prstGeom prst="ellipse">
+            <a:avLst/>
+          </a:prstGeom>
+          <a:solidFill>
+            <a:schemeClr val="accent1">
+              <a:lumMod val="60000"/>
+              <a:lumOff val="40000"/>
+            </a:schemeClr>
+          </a:solidFill>
+        </p:spPr>
+        <p:style>
+          <a:lnRef idx="2">
+            <a:schemeClr val="accent1">
+              <a:shade val="15000"/>
+            </a:schemeClr>
+          </a:lnRef>
+          <a:fillRef idx="1">
+            <a:schemeClr val="accent1"/>
+          </a:fillRef>
+          <a:effectRef idx="0">
+            <a:schemeClr val="accent1"/>
+          </a:effectRef>
+          <a:fontRef idx="minor">
+            <a:schemeClr val="lt1"/>
+          </a:fontRef>
+        </p:style>
+        <p:txBody>
+          <a:bodyPr rtlCol="0" anchor="ctr"/>
+          <a:lstStyle/>
+          <a:p>
+            <a:pPr algn="ctr"/>
+            <a:endParaRPr lang="en-CA"/>
+          </a:p>
+        </p:txBody>
+      </p:sp>
+      <p:sp>
+        <p:nvSpPr>
+          <p:cNvPr id="100" name="TextBox 99">
+            <a:extLst>
+              <a:ext uri="{FF2B5EF4-FFF2-40B4-BE49-F238E27FC236}">
+                <a16:creationId xmlns:a16="http://schemas.microsoft.com/office/drawing/2014/main" id="{A8AE2161-5D45-3218-CE95-260C443B8A74}"/>
+              </a:ext>
+            </a:extLst>
+          </p:cNvPr>
+          <p:cNvSpPr txBox="1"/>
+          <p:nvPr/>
+        </p:nvSpPr>
+        <p:spPr>
+          <a:xfrm>
+            <a:off x="5299843" y="4758426"/>
+            <a:ext cx="3881203" cy="1015663"/>
+          </a:xfrm>
+          <a:prstGeom prst="rect">
+            <a:avLst/>
+          </a:prstGeom>
+          <a:solidFill>
+            <a:schemeClr val="bg1"/>
+          </a:solidFill>
+          <a:ln>
+            <a:solidFill>
+              <a:schemeClr val="accent1">
+                <a:shade val="15000"/>
+              </a:schemeClr>
+            </a:solidFill>
+          </a:ln>
+        </p:spPr>
+        <p:txBody>
+          <a:bodyPr wrap="square" rtlCol="0">
+            <a:spAutoFit/>
+          </a:bodyPr>
+          <a:lstStyle/>
+          <a:p>
+            <a:pPr algn="ctr"/>
+            <a:r>
+              <a:rPr lang="en-CA" dirty="0"/>
+              <a:t>Source For Hub 2 Actions</a:t>
+            </a:r>
+          </a:p>
+          <a:p>
+            <a:r>
+              <a:rPr lang="en-CA" sz="1400" dirty="0"/>
+              <a:t>FORMS_FORM_CHANGE</a:t>
+            </a:r>
+          </a:p>
+          <a:p>
+            <a:r>
+              <a:rPr lang="en-CA" sz="1400" dirty="0"/>
+              <a:t>FORMS_ASYNC_VALIDATE_CONTROL</a:t>
+            </a:r>
+          </a:p>
+          <a:p>
+            <a:r>
+              <a:rPr lang="en-CA" sz="1400" dirty="0"/>
+              <a:t>FORMS_ASYNC_VALIDATE_SUCCESS_RESPONSE</a:t>
+            </a:r>
+          </a:p>
+        </p:txBody>
+      </p:sp>
+      <p:sp>
+        <p:nvSpPr>
+          <p:cNvPr id="101" name="Oval 100">
+            <a:extLst>
+              <a:ext uri="{FF2B5EF4-FFF2-40B4-BE49-F238E27FC236}">
+                <a16:creationId xmlns:a16="http://schemas.microsoft.com/office/drawing/2014/main" id="{72684D0B-F2B2-EBDD-1D6C-9FA485818925}"/>
+              </a:ext>
+            </a:extLst>
+          </p:cNvPr>
+          <p:cNvSpPr/>
+          <p:nvPr/>
+        </p:nvSpPr>
+        <p:spPr>
+          <a:xfrm>
+            <a:off x="2834870" y="5201106"/>
+            <a:ext cx="179850" cy="177553"/>
+          </a:xfrm>
+          <a:prstGeom prst="ellipse">
+            <a:avLst/>
+          </a:prstGeom>
+          <a:solidFill>
+            <a:schemeClr val="bg2"/>
+          </a:solidFill>
+        </p:spPr>
+        <p:style>
+          <a:lnRef idx="2">
+            <a:schemeClr val="accent1">
+              <a:shade val="15000"/>
+            </a:schemeClr>
+          </a:lnRef>
+          <a:fillRef idx="1">
+            <a:schemeClr val="accent1"/>
+          </a:fillRef>
+          <a:effectRef idx="0">
+            <a:schemeClr val="accent1"/>
+          </a:effectRef>
+          <a:fontRef idx="minor">
+            <a:schemeClr val="lt1"/>
+          </a:fontRef>
+        </p:style>
+        <p:txBody>
+          <a:bodyPr rtlCol="0" anchor="ctr"/>
+          <a:lstStyle/>
+          <a:p>
+            <a:pPr algn="ctr"/>
+            <a:endParaRPr lang="en-CA"/>
+          </a:p>
+        </p:txBody>
+      </p:sp>
+      <p:sp>
+        <p:nvSpPr>
+          <p:cNvPr id="102" name="Oval 101">
+            <a:extLst>
+              <a:ext uri="{FF2B5EF4-FFF2-40B4-BE49-F238E27FC236}">
+                <a16:creationId xmlns:a16="http://schemas.microsoft.com/office/drawing/2014/main" id="{81D6EC26-8AB9-7F3A-2935-C3BCF43BB796}"/>
+              </a:ext>
+            </a:extLst>
+          </p:cNvPr>
+          <p:cNvSpPr/>
+          <p:nvPr/>
+        </p:nvSpPr>
+        <p:spPr>
+          <a:xfrm flipH="1" flipV="1">
+            <a:off x="2840812" y="4958748"/>
+            <a:ext cx="173908" cy="173908"/>
+          </a:xfrm>
+          <a:prstGeom prst="ellipse">
+            <a:avLst/>
+          </a:prstGeom>
+          <a:solidFill>
+            <a:schemeClr val="accent6">
+              <a:lumMod val="40000"/>
+              <a:lumOff val="60000"/>
+            </a:schemeClr>
+          </a:solidFill>
+        </p:spPr>
+        <p:style>
+          <a:lnRef idx="2">
+            <a:schemeClr val="accent1">
+              <a:shade val="15000"/>
+            </a:schemeClr>
+          </a:lnRef>
+          <a:fillRef idx="1">
+            <a:schemeClr val="accent1"/>
+          </a:fillRef>
+          <a:effectRef idx="0">
+            <a:schemeClr val="accent1"/>
+          </a:effectRef>
+          <a:fontRef idx="minor">
+            <a:schemeClr val="lt1"/>
+          </a:fontRef>
+        </p:style>
+        <p:txBody>
+          <a:bodyPr rtlCol="0" anchor="ctr"/>
+          <a:lstStyle/>
+          <a:p>
+            <a:pPr algn="ctr"/>
+            <a:endParaRPr lang="en-CA"/>
+          </a:p>
+        </p:txBody>
+      </p:sp>
+      <p:sp>
+        <p:nvSpPr>
+          <p:cNvPr id="103" name="Oval 102">
+            <a:extLst>
+              <a:ext uri="{FF2B5EF4-FFF2-40B4-BE49-F238E27FC236}">
+                <a16:creationId xmlns:a16="http://schemas.microsoft.com/office/drawing/2014/main" id="{D2983791-687E-10D4-C378-F850E7694B18}"/>
+              </a:ext>
+            </a:extLst>
+          </p:cNvPr>
+          <p:cNvSpPr/>
+          <p:nvPr/>
+        </p:nvSpPr>
+        <p:spPr>
+          <a:xfrm>
+            <a:off x="8896154" y="5518542"/>
+            <a:ext cx="169549" cy="169549"/>
+          </a:xfrm>
+          <a:prstGeom prst="ellipse">
+            <a:avLst/>
+          </a:prstGeom>
+          <a:solidFill>
+            <a:srgbClr val="92D050"/>
+          </a:solidFill>
+        </p:spPr>
+        <p:style>
+          <a:lnRef idx="2">
+            <a:schemeClr val="accent1">
+              <a:shade val="15000"/>
+            </a:schemeClr>
+          </a:lnRef>
+          <a:fillRef idx="1">
+            <a:schemeClr val="accent1"/>
+          </a:fillRef>
+          <a:effectRef idx="0">
+            <a:schemeClr val="accent1"/>
+          </a:effectRef>
+          <a:fontRef idx="minor">
+            <a:schemeClr val="lt1"/>
+          </a:fontRef>
+        </p:style>
+        <p:txBody>
+          <a:bodyPr rtlCol="0" anchor="ctr"/>
+          <a:lstStyle/>
+          <a:p>
+            <a:pPr algn="ctr"/>
+            <a:endParaRPr lang="en-CA"/>
+          </a:p>
+        </p:txBody>
+      </p:sp>
+      <p:sp>
+        <p:nvSpPr>
+          <p:cNvPr id="104" name="Oval 103">
+            <a:extLst>
+              <a:ext uri="{FF2B5EF4-FFF2-40B4-BE49-F238E27FC236}">
+                <a16:creationId xmlns:a16="http://schemas.microsoft.com/office/drawing/2014/main" id="{556E9C82-0F88-6C68-9FBB-3B7E402D41A0}"/>
+              </a:ext>
+            </a:extLst>
+          </p:cNvPr>
+          <p:cNvSpPr/>
+          <p:nvPr/>
+        </p:nvSpPr>
+        <p:spPr>
+          <a:xfrm>
+            <a:off x="8889204" y="5287864"/>
+            <a:ext cx="169549" cy="169549"/>
+          </a:xfrm>
+          <a:prstGeom prst="ellipse">
+            <a:avLst/>
+          </a:prstGeom>
+          <a:solidFill>
+            <a:schemeClr val="accent4">
+              <a:lumMod val="40000"/>
+              <a:lumOff val="60000"/>
+            </a:schemeClr>
+          </a:solidFill>
+        </p:spPr>
+        <p:style>
+          <a:lnRef idx="2">
+            <a:schemeClr val="accent1">
+              <a:shade val="15000"/>
+            </a:schemeClr>
+          </a:lnRef>
+          <a:fillRef idx="1">
+            <a:schemeClr val="accent1"/>
+          </a:fillRef>
+          <a:effectRef idx="0">
+            <a:schemeClr val="accent1"/>
+          </a:effectRef>
+          <a:fontRef idx="minor">
+            <a:schemeClr val="lt1"/>
+          </a:fontRef>
+        </p:style>
+        <p:txBody>
+          <a:bodyPr rtlCol="0" anchor="ctr"/>
+          <a:lstStyle/>
+          <a:p>
+            <a:pPr algn="ctr"/>
+            <a:endParaRPr lang="en-CA"/>
+          </a:p>
+        </p:txBody>
+      </p:sp>
+      <p:sp>
+        <p:nvSpPr>
+          <p:cNvPr id="105" name="Oval 104">
+            <a:extLst>
+              <a:ext uri="{FF2B5EF4-FFF2-40B4-BE49-F238E27FC236}">
+                <a16:creationId xmlns:a16="http://schemas.microsoft.com/office/drawing/2014/main" id="{5BA2E242-00C5-D801-8A26-6DEF84C7509B}"/>
+              </a:ext>
+            </a:extLst>
+          </p:cNvPr>
+          <p:cNvSpPr/>
+          <p:nvPr/>
+        </p:nvSpPr>
+        <p:spPr>
+          <a:xfrm>
+            <a:off x="8894106" y="5065797"/>
+            <a:ext cx="171597" cy="171597"/>
+          </a:xfrm>
+          <a:prstGeom prst="ellipse">
+            <a:avLst/>
+          </a:prstGeom>
+          <a:solidFill>
+            <a:schemeClr val="accent1">
+              <a:lumMod val="60000"/>
+              <a:lumOff val="40000"/>
+            </a:schemeClr>
+          </a:solidFill>
+        </p:spPr>
+        <p:style>
+          <a:lnRef idx="2">
+            <a:schemeClr val="accent1">
+              <a:shade val="15000"/>
+            </a:schemeClr>
+          </a:lnRef>
+          <a:fillRef idx="1">
+            <a:schemeClr val="accent1"/>
+          </a:fillRef>
+          <a:effectRef idx="0">
+            <a:schemeClr val="accent1"/>
+          </a:effectRef>
+          <a:fontRef idx="minor">
+            <a:schemeClr val="lt1"/>
+          </a:fontRef>
+        </p:style>
+        <p:txBody>
+          <a:bodyPr rtlCol="0" anchor="ctr"/>
+          <a:lstStyle/>
+          <a:p>
+            <a:pPr algn="ctr"/>
+            <a:endParaRPr lang="en-CA"/>
+          </a:p>
+        </p:txBody>
+      </p:sp>
+      <p:sp>
+        <p:nvSpPr>
+          <p:cNvPr id="107" name="TextBox 106">
+            <a:extLst>
+              <a:ext uri="{FF2B5EF4-FFF2-40B4-BE49-F238E27FC236}">
+                <a16:creationId xmlns:a16="http://schemas.microsoft.com/office/drawing/2014/main" id="{CDB304A9-0ECB-5393-7F16-F3B9E68DF367}"/>
+              </a:ext>
+            </a:extLst>
+          </p:cNvPr>
+          <p:cNvSpPr txBox="1"/>
+          <p:nvPr/>
+        </p:nvSpPr>
+        <p:spPr>
+          <a:xfrm>
+            <a:off x="9991797" y="832242"/>
+            <a:ext cx="1297256" cy="400110"/>
+          </a:xfrm>
+          <a:prstGeom prst="rect">
+            <a:avLst/>
+          </a:prstGeom>
+          <a:noFill/>
+        </p:spPr>
+        <p:txBody>
+          <a:bodyPr wrap="square" rtlCol="0">
+            <a:spAutoFit/>
+          </a:bodyPr>
+          <a:lstStyle/>
+          <a:p>
+            <a:pPr algn="ctr"/>
+            <a:r>
+              <a:rPr lang="en-CA" sz="2000" dirty="0"/>
+              <a:t>View</a:t>
+            </a:r>
+          </a:p>
+        </p:txBody>
+      </p:sp>
+      <p:sp>
+        <p:nvSpPr>
+          <p:cNvPr id="109" name="Rectangle: Rounded Corners 108">
+            <a:extLst>
+              <a:ext uri="{FF2B5EF4-FFF2-40B4-BE49-F238E27FC236}">
+                <a16:creationId xmlns:a16="http://schemas.microsoft.com/office/drawing/2014/main" id="{A13AA74E-1F9D-FA33-8D2B-D7796AB14A28}"/>
+              </a:ext>
+            </a:extLst>
+          </p:cNvPr>
+          <p:cNvSpPr/>
+          <p:nvPr/>
+        </p:nvSpPr>
+        <p:spPr>
+          <a:xfrm>
+            <a:off x="9991797" y="1540324"/>
+            <a:ext cx="1329625" cy="280894"/>
+          </a:xfrm>
+          <a:prstGeom prst="roundRect">
+            <a:avLst/>
+          </a:prstGeom>
+          <a:noFill/>
+        </p:spPr>
+        <p:style>
+          <a:lnRef idx="2">
+            <a:schemeClr val="accent1">
+              <a:shade val="15000"/>
+            </a:schemeClr>
+          </a:lnRef>
+          <a:fillRef idx="1">
+            <a:schemeClr val="accent1"/>
+          </a:fillRef>
+          <a:effectRef idx="0">
+            <a:schemeClr val="accent1"/>
+          </a:effectRef>
+          <a:fontRef idx="minor">
+            <a:schemeClr val="lt1"/>
+          </a:fontRef>
+        </p:style>
+        <p:txBody>
+          <a:bodyPr rtlCol="0" anchor="ctr"/>
+          <a:lstStyle/>
+          <a:p>
+            <a:r>
+              <a:rPr lang="en-CA" sz="1400" dirty="0">
+                <a:solidFill>
+                  <a:schemeClr val="tx1"/>
+                </a:solidFill>
+              </a:rPr>
+              <a:t>User Input</a:t>
+            </a:r>
+          </a:p>
+        </p:txBody>
+      </p:sp>
+      <p:sp>
+        <p:nvSpPr>
+          <p:cNvPr id="110" name="Arc 109">
+            <a:extLst>
+              <a:ext uri="{FF2B5EF4-FFF2-40B4-BE49-F238E27FC236}">
+                <a16:creationId xmlns:a16="http://schemas.microsoft.com/office/drawing/2014/main" id="{DBED7460-5777-4FBF-195C-BC0A319CAAD8}"/>
+              </a:ext>
+            </a:extLst>
+          </p:cNvPr>
+          <p:cNvSpPr/>
+          <p:nvPr/>
+        </p:nvSpPr>
+        <p:spPr>
+          <a:xfrm flipV="1">
+            <a:off x="291740" y="1660571"/>
+            <a:ext cx="16634820" cy="3420288"/>
+          </a:xfrm>
+          <a:prstGeom prst="arc">
+            <a:avLst>
+              <a:gd name="adj1" fmla="val 3102540"/>
+              <a:gd name="adj2" fmla="val 10800727"/>
+            </a:avLst>
+          </a:prstGeom>
+          <a:ln w="34925">
+            <a:solidFill>
+              <a:schemeClr val="accent1"/>
+            </a:solidFill>
+            <a:tailEnd type="arrow"/>
+          </a:ln>
+        </p:spPr>
+        <p:style>
+          <a:lnRef idx="1">
+            <a:schemeClr val="accent1"/>
+          </a:lnRef>
+          <a:fillRef idx="0">
+            <a:schemeClr val="accent1"/>
+          </a:fillRef>
+          <a:effectRef idx="0">
+            <a:schemeClr val="accent1"/>
+          </a:effectRef>
+          <a:fontRef idx="minor">
+            <a:schemeClr val="tx1"/>
+          </a:fontRef>
+        </p:style>
+        <p:txBody>
+          <a:bodyPr rtlCol="0" anchor="ctr"/>
+          <a:lstStyle/>
+          <a:p>
+            <a:pPr algn="ctr"/>
+            <a:endParaRPr lang="en-CA"/>
+          </a:p>
+        </p:txBody>
+      </p:sp>
+    </p:spTree>
+    <p:extLst>
+      <p:ext uri="{BB962C8B-B14F-4D97-AF65-F5344CB8AC3E}">
+        <p14:creationId xmlns:p14="http://schemas.microsoft.com/office/powerpoint/2010/main" val="1465928425"/>
       </p:ext>
     </p:extLst>
   </p:cSld>

--- a/documentation/Hubfx Presentation.pptx
+++ b/documentation/Hubfx Presentation.pptx
@@ -14,6 +14,7 @@
     <p:sldId id="262" r:id="rId8"/>
     <p:sldId id="263" r:id="rId9"/>
     <p:sldId id="264" r:id="rId10"/>
+    <p:sldId id="265" r:id="rId11"/>
   </p:sldIdLst>
   <p:sldSz cx="12192000" cy="6858000"/>
   <p:notesSz cx="6858000" cy="9144000"/>
@@ -1795,7 +1796,7 @@
           <a:p>
             <a:fld id="{154F4BC5-C275-4A59-82DC-6AFC02DFC54D}" type="datetimeFigureOut">
               <a:rPr lang="en-CA" smtClean="0"/>
-              <a:t>2023-09-24</a:t>
+              <a:t>2023-09-30</a:t>
             </a:fld>
             <a:endParaRPr lang="en-CA"/>
           </a:p>
@@ -1995,7 +1996,7 @@
           <a:p>
             <a:fld id="{154F4BC5-C275-4A59-82DC-6AFC02DFC54D}" type="datetimeFigureOut">
               <a:rPr lang="en-CA" smtClean="0"/>
-              <a:t>2023-09-24</a:t>
+              <a:t>2023-09-30</a:t>
             </a:fld>
             <a:endParaRPr lang="en-CA"/>
           </a:p>
@@ -2205,7 +2206,7 @@
           <a:p>
             <a:fld id="{154F4BC5-C275-4A59-82DC-6AFC02DFC54D}" type="datetimeFigureOut">
               <a:rPr lang="en-CA" smtClean="0"/>
-              <a:t>2023-09-24</a:t>
+              <a:t>2023-09-30</a:t>
             </a:fld>
             <a:endParaRPr lang="en-CA"/>
           </a:p>
@@ -2405,7 +2406,7 @@
           <a:p>
             <a:fld id="{154F4BC5-C275-4A59-82DC-6AFC02DFC54D}" type="datetimeFigureOut">
               <a:rPr lang="en-CA" smtClean="0"/>
-              <a:t>2023-09-24</a:t>
+              <a:t>2023-09-30</a:t>
             </a:fld>
             <a:endParaRPr lang="en-CA"/>
           </a:p>
@@ -2681,7 +2682,7 @@
           <a:p>
             <a:fld id="{154F4BC5-C275-4A59-82DC-6AFC02DFC54D}" type="datetimeFigureOut">
               <a:rPr lang="en-CA" smtClean="0"/>
-              <a:t>2023-09-24</a:t>
+              <a:t>2023-09-30</a:t>
             </a:fld>
             <a:endParaRPr lang="en-CA"/>
           </a:p>
@@ -2949,7 +2950,7 @@
           <a:p>
             <a:fld id="{154F4BC5-C275-4A59-82DC-6AFC02DFC54D}" type="datetimeFigureOut">
               <a:rPr lang="en-CA" smtClean="0"/>
-              <a:t>2023-09-24</a:t>
+              <a:t>2023-09-30</a:t>
             </a:fld>
             <a:endParaRPr lang="en-CA"/>
           </a:p>
@@ -3364,7 +3365,7 @@
           <a:p>
             <a:fld id="{154F4BC5-C275-4A59-82DC-6AFC02DFC54D}" type="datetimeFigureOut">
               <a:rPr lang="en-CA" smtClean="0"/>
-              <a:t>2023-09-24</a:t>
+              <a:t>2023-09-30</a:t>
             </a:fld>
             <a:endParaRPr lang="en-CA"/>
           </a:p>
@@ -3506,7 +3507,7 @@
           <a:p>
             <a:fld id="{154F4BC5-C275-4A59-82DC-6AFC02DFC54D}" type="datetimeFigureOut">
               <a:rPr lang="en-CA" smtClean="0"/>
-              <a:t>2023-09-24</a:t>
+              <a:t>2023-09-30</a:t>
             </a:fld>
             <a:endParaRPr lang="en-CA"/>
           </a:p>
@@ -3619,7 +3620,7 @@
           <a:p>
             <a:fld id="{154F4BC5-C275-4A59-82DC-6AFC02DFC54D}" type="datetimeFigureOut">
               <a:rPr lang="en-CA" smtClean="0"/>
-              <a:t>2023-09-24</a:t>
+              <a:t>2023-09-30</a:t>
             </a:fld>
             <a:endParaRPr lang="en-CA"/>
           </a:p>
@@ -3932,7 +3933,7 @@
           <a:p>
             <a:fld id="{154F4BC5-C275-4A59-82DC-6AFC02DFC54D}" type="datetimeFigureOut">
               <a:rPr lang="en-CA" smtClean="0"/>
-              <a:t>2023-09-24</a:t>
+              <a:t>2023-09-30</a:t>
             </a:fld>
             <a:endParaRPr lang="en-CA"/>
           </a:p>
@@ -4221,7 +4222,7 @@
           <a:p>
             <a:fld id="{154F4BC5-C275-4A59-82DC-6AFC02DFC54D}" type="datetimeFigureOut">
               <a:rPr lang="en-CA" smtClean="0"/>
-              <a:t>2023-09-24</a:t>
+              <a:t>2023-09-30</a:t>
             </a:fld>
             <a:endParaRPr lang="en-CA"/>
           </a:p>
@@ -4464,7 +4465,7 @@
           <a:p>
             <a:fld id="{154F4BC5-C275-4A59-82DC-6AFC02DFC54D}" type="datetimeFigureOut">
               <a:rPr lang="en-CA" smtClean="0"/>
-              <a:t>2023-09-24</a:t>
+              <a:t>2023-09-30</a:t>
             </a:fld>
             <a:endParaRPr lang="en-CA"/>
           </a:p>
@@ -5441,6 +5442,1945 @@
     <p:extLst>
       <p:ext uri="{BB962C8B-B14F-4D97-AF65-F5344CB8AC3E}">
         <p14:creationId xmlns:p14="http://schemas.microsoft.com/office/powerpoint/2010/main" val="4084387805"/>
+      </p:ext>
+    </p:extLst>
+  </p:cSld>
+  <p:clrMapOvr>
+    <a:masterClrMapping/>
+  </p:clrMapOvr>
+</p:sld>
+</file>
+
+<file path=ppt/slides/slide10.xml><?xml version="1.0" encoding="utf-8"?>
+<p:sld xmlns:a="http://schemas.openxmlformats.org/drawingml/2006/main" xmlns:r="http://schemas.openxmlformats.org/officeDocument/2006/relationships" xmlns:p="http://schemas.openxmlformats.org/presentationml/2006/main">
+  <p:cSld>
+    <p:spTree>
+      <p:nvGrpSpPr>
+        <p:cNvPr id="1" name=""/>
+        <p:cNvGrpSpPr/>
+        <p:nvPr/>
+      </p:nvGrpSpPr>
+      <p:grpSpPr>
+        <a:xfrm>
+          <a:off x="0" y="0"/>
+          <a:ext cx="0" cy="0"/>
+          <a:chOff x="0" y="0"/>
+          <a:chExt cx="0" cy="0"/>
+        </a:xfrm>
+      </p:grpSpPr>
+      <p:sp>
+        <p:nvSpPr>
+          <p:cNvPr id="106" name="Rectangle: Rounded Corners 105">
+            <a:extLst>
+              <a:ext uri="{FF2B5EF4-FFF2-40B4-BE49-F238E27FC236}">
+                <a16:creationId xmlns:a16="http://schemas.microsoft.com/office/drawing/2014/main" id="{522C20D7-71E7-4B9E-4B83-48DDC36B85DB}"/>
+              </a:ext>
+            </a:extLst>
+          </p:cNvPr>
+          <p:cNvSpPr/>
+          <p:nvPr/>
+        </p:nvSpPr>
+        <p:spPr>
+          <a:xfrm>
+            <a:off x="9364610" y="606916"/>
+            <a:ext cx="2684930" cy="4911626"/>
+          </a:xfrm>
+          <a:prstGeom prst="roundRect">
+            <a:avLst/>
+          </a:prstGeom>
+          <a:solidFill>
+            <a:schemeClr val="accent6">
+              <a:lumMod val="20000"/>
+              <a:lumOff val="80000"/>
+              <a:alpha val="50000"/>
+            </a:schemeClr>
+          </a:solidFill>
+        </p:spPr>
+        <p:style>
+          <a:lnRef idx="2">
+            <a:schemeClr val="accent1">
+              <a:shade val="15000"/>
+            </a:schemeClr>
+          </a:lnRef>
+          <a:fillRef idx="1">
+            <a:schemeClr val="accent1"/>
+          </a:fillRef>
+          <a:effectRef idx="0">
+            <a:schemeClr val="accent1"/>
+          </a:effectRef>
+          <a:fontRef idx="minor">
+            <a:schemeClr val="lt1"/>
+          </a:fontRef>
+        </p:style>
+        <p:txBody>
+          <a:bodyPr rtlCol="0" anchor="ctr"/>
+          <a:lstStyle/>
+          <a:p>
+            <a:endParaRPr lang="en-CA" dirty="0"/>
+          </a:p>
+        </p:txBody>
+      </p:sp>
+      <p:sp>
+        <p:nvSpPr>
+          <p:cNvPr id="40" name="Rectangle: Rounded Corners 39">
+            <a:extLst>
+              <a:ext uri="{FF2B5EF4-FFF2-40B4-BE49-F238E27FC236}">
+                <a16:creationId xmlns:a16="http://schemas.microsoft.com/office/drawing/2014/main" id="{8E086B6F-71B7-4D46-89D4-113CE772AAE6}"/>
+              </a:ext>
+            </a:extLst>
+          </p:cNvPr>
+          <p:cNvSpPr/>
+          <p:nvPr/>
+        </p:nvSpPr>
+        <p:spPr>
+          <a:xfrm>
+            <a:off x="9744394" y="2604021"/>
+            <a:ext cx="2106592" cy="1549542"/>
+          </a:xfrm>
+          <a:prstGeom prst="roundRect">
+            <a:avLst/>
+          </a:prstGeom>
+          <a:solidFill>
+            <a:schemeClr val="accent4">
+              <a:lumMod val="20000"/>
+              <a:lumOff val="80000"/>
+            </a:schemeClr>
+          </a:solidFill>
+        </p:spPr>
+        <p:style>
+          <a:lnRef idx="2">
+            <a:schemeClr val="accent1">
+              <a:shade val="15000"/>
+            </a:schemeClr>
+          </a:lnRef>
+          <a:fillRef idx="1">
+            <a:schemeClr val="accent1"/>
+          </a:fillRef>
+          <a:effectRef idx="0">
+            <a:schemeClr val="accent1"/>
+          </a:effectRef>
+          <a:fontRef idx="minor">
+            <a:schemeClr val="lt1"/>
+          </a:fontRef>
+        </p:style>
+        <p:txBody>
+          <a:bodyPr rtlCol="0" anchor="ctr"/>
+          <a:lstStyle/>
+          <a:p>
+            <a:pPr algn="ctr"/>
+            <a:r>
+              <a:rPr lang="en-CA" sz="2000" dirty="0">
+                <a:solidFill>
+                  <a:schemeClr val="tx1"/>
+                </a:solidFill>
+              </a:rPr>
+              <a:t>Validated Form Store</a:t>
+            </a:r>
+          </a:p>
+        </p:txBody>
+      </p:sp>
+      <p:sp>
+        <p:nvSpPr>
+          <p:cNvPr id="3" name="Rectangle: Rounded Corners 2">
+            <a:extLst>
+              <a:ext uri="{FF2B5EF4-FFF2-40B4-BE49-F238E27FC236}">
+                <a16:creationId xmlns:a16="http://schemas.microsoft.com/office/drawing/2014/main" id="{6E67614B-2C9E-2399-1C9E-308A7761CCA3}"/>
+              </a:ext>
+            </a:extLst>
+          </p:cNvPr>
+          <p:cNvSpPr/>
+          <p:nvPr/>
+        </p:nvSpPr>
+        <p:spPr>
+          <a:xfrm>
+            <a:off x="3365231" y="2604021"/>
+            <a:ext cx="2390138" cy="1549542"/>
+          </a:xfrm>
+          <a:prstGeom prst="roundRect">
+            <a:avLst/>
+          </a:prstGeom>
+          <a:solidFill>
+            <a:schemeClr val="accent4">
+              <a:lumMod val="20000"/>
+              <a:lumOff val="80000"/>
+            </a:schemeClr>
+          </a:solidFill>
+        </p:spPr>
+        <p:style>
+          <a:lnRef idx="2">
+            <a:schemeClr val="accent1">
+              <a:shade val="15000"/>
+            </a:schemeClr>
+          </a:lnRef>
+          <a:fillRef idx="1">
+            <a:schemeClr val="accent1"/>
+          </a:fillRef>
+          <a:effectRef idx="0">
+            <a:schemeClr val="accent1"/>
+          </a:effectRef>
+          <a:fontRef idx="minor">
+            <a:schemeClr val="lt1"/>
+          </a:fontRef>
+        </p:style>
+        <p:txBody>
+          <a:bodyPr rtlCol="0" anchor="ctr"/>
+          <a:lstStyle/>
+          <a:p>
+            <a:pPr algn="ctr"/>
+            <a:r>
+              <a:rPr lang="en-CA" sz="2000" dirty="0">
+                <a:solidFill>
+                  <a:schemeClr val="tx1"/>
+                </a:solidFill>
+              </a:rPr>
+              <a:t>Base Form</a:t>
+            </a:r>
+          </a:p>
+          <a:p>
+            <a:pPr algn="ctr"/>
+            <a:r>
+              <a:rPr lang="en-CA" sz="2000" dirty="0">
+                <a:solidFill>
+                  <a:schemeClr val="tx1"/>
+                </a:solidFill>
+              </a:rPr>
+              <a:t>Store</a:t>
+            </a:r>
+          </a:p>
+          <a:p>
+            <a:pPr algn="ctr"/>
+            <a:r>
+              <a:rPr lang="en-CA" sz="2000" dirty="0">
+                <a:solidFill>
+                  <a:schemeClr val="tx1"/>
+                </a:solidFill>
+              </a:rPr>
+              <a:t>(not validated)</a:t>
+            </a:r>
+          </a:p>
+        </p:txBody>
+      </p:sp>
+      <p:cxnSp>
+        <p:nvCxnSpPr>
+          <p:cNvPr id="2" name="Straight Arrow Connector 1">
+            <a:extLst>
+              <a:ext uri="{FF2B5EF4-FFF2-40B4-BE49-F238E27FC236}">
+                <a16:creationId xmlns:a16="http://schemas.microsoft.com/office/drawing/2014/main" id="{3A085252-946F-A6D4-FB17-D3092B4BA9B8}"/>
+              </a:ext>
+            </a:extLst>
+          </p:cNvPr>
+          <p:cNvCxnSpPr>
+            <a:cxnSpLocks/>
+          </p:cNvCxnSpPr>
+          <p:nvPr/>
+        </p:nvCxnSpPr>
+        <p:spPr>
+          <a:xfrm>
+            <a:off x="297180" y="3378792"/>
+            <a:ext cx="3502660" cy="14329"/>
+          </a:xfrm>
+          <a:prstGeom prst="straightConnector1">
+            <a:avLst/>
+          </a:prstGeom>
+          <a:ln w="34925">
+            <a:tailEnd type="arrow"/>
+          </a:ln>
+        </p:spPr>
+        <p:style>
+          <a:lnRef idx="1">
+            <a:schemeClr val="accent1"/>
+          </a:lnRef>
+          <a:fillRef idx="0">
+            <a:schemeClr val="accent1"/>
+          </a:fillRef>
+          <a:effectRef idx="0">
+            <a:schemeClr val="accent1"/>
+          </a:effectRef>
+          <a:fontRef idx="minor">
+            <a:schemeClr val="tx1"/>
+          </a:fontRef>
+        </p:style>
+      </p:cxnSp>
+      <p:sp>
+        <p:nvSpPr>
+          <p:cNvPr id="4" name="Oval 3">
+            <a:extLst>
+              <a:ext uri="{FF2B5EF4-FFF2-40B4-BE49-F238E27FC236}">
+                <a16:creationId xmlns:a16="http://schemas.microsoft.com/office/drawing/2014/main" id="{1AC4A9FF-4ACA-E7BB-1510-75A2490F3132}"/>
+              </a:ext>
+            </a:extLst>
+          </p:cNvPr>
+          <p:cNvSpPr/>
+          <p:nvPr/>
+        </p:nvSpPr>
+        <p:spPr>
+          <a:xfrm>
+            <a:off x="2487276" y="3178224"/>
+            <a:ext cx="353536" cy="353536"/>
+          </a:xfrm>
+          <a:prstGeom prst="ellipse">
+            <a:avLst/>
+          </a:prstGeom>
+          <a:solidFill>
+            <a:schemeClr val="accent6">
+              <a:lumMod val="40000"/>
+              <a:lumOff val="60000"/>
+            </a:schemeClr>
+          </a:solidFill>
+        </p:spPr>
+        <p:style>
+          <a:lnRef idx="2">
+            <a:schemeClr val="accent1">
+              <a:shade val="15000"/>
+            </a:schemeClr>
+          </a:lnRef>
+          <a:fillRef idx="1">
+            <a:schemeClr val="accent1"/>
+          </a:fillRef>
+          <a:effectRef idx="0">
+            <a:schemeClr val="accent1"/>
+          </a:effectRef>
+          <a:fontRef idx="minor">
+            <a:schemeClr val="lt1"/>
+          </a:fontRef>
+        </p:style>
+        <p:txBody>
+          <a:bodyPr rtlCol="0" anchor="ctr"/>
+          <a:lstStyle/>
+          <a:p>
+            <a:pPr algn="ctr"/>
+            <a:endParaRPr lang="en-CA"/>
+          </a:p>
+        </p:txBody>
+      </p:sp>
+      <p:sp>
+        <p:nvSpPr>
+          <p:cNvPr id="5" name="TextBox 4">
+            <a:extLst>
+              <a:ext uri="{FF2B5EF4-FFF2-40B4-BE49-F238E27FC236}">
+                <a16:creationId xmlns:a16="http://schemas.microsoft.com/office/drawing/2014/main" id="{7E441CD8-4EF4-F3D2-CE95-D1348DBD1DF7}"/>
+              </a:ext>
+            </a:extLst>
+          </p:cNvPr>
+          <p:cNvSpPr txBox="1"/>
+          <p:nvPr/>
+        </p:nvSpPr>
+        <p:spPr>
+          <a:xfrm>
+            <a:off x="4585284" y="438368"/>
+            <a:ext cx="2092279" cy="523220"/>
+          </a:xfrm>
+          <a:prstGeom prst="rect">
+            <a:avLst/>
+          </a:prstGeom>
+          <a:noFill/>
+        </p:spPr>
+        <p:txBody>
+          <a:bodyPr wrap="square" rtlCol="0">
+            <a:spAutoFit/>
+          </a:bodyPr>
+          <a:lstStyle/>
+          <a:p>
+            <a:r>
+              <a:rPr lang="en-CA" sz="2800" dirty="0"/>
+              <a:t>Hubfx Forms</a:t>
+            </a:r>
+          </a:p>
+        </p:txBody>
+      </p:sp>
+      <p:sp>
+        <p:nvSpPr>
+          <p:cNvPr id="6" name="Oval 5">
+            <a:extLst>
+              <a:ext uri="{FF2B5EF4-FFF2-40B4-BE49-F238E27FC236}">
+                <a16:creationId xmlns:a16="http://schemas.microsoft.com/office/drawing/2014/main" id="{436EAF86-D283-1961-C89C-2D5F386D1E47}"/>
+              </a:ext>
+            </a:extLst>
+          </p:cNvPr>
+          <p:cNvSpPr/>
+          <p:nvPr/>
+        </p:nvSpPr>
+        <p:spPr>
+          <a:xfrm>
+            <a:off x="177452" y="2289946"/>
+            <a:ext cx="3113155" cy="2152036"/>
+          </a:xfrm>
+          <a:prstGeom prst="ellipse">
+            <a:avLst/>
+          </a:prstGeom>
+          <a:noFill/>
+          <a:ln w="38100">
+            <a:prstDash val="lgDash"/>
+          </a:ln>
+        </p:spPr>
+        <p:style>
+          <a:lnRef idx="2">
+            <a:schemeClr val="accent1">
+              <a:shade val="15000"/>
+            </a:schemeClr>
+          </a:lnRef>
+          <a:fillRef idx="1">
+            <a:schemeClr val="accent1"/>
+          </a:fillRef>
+          <a:effectRef idx="0">
+            <a:schemeClr val="accent1"/>
+          </a:effectRef>
+          <a:fontRef idx="minor">
+            <a:schemeClr val="lt1"/>
+          </a:fontRef>
+        </p:style>
+        <p:txBody>
+          <a:bodyPr rtlCol="0" anchor="ctr"/>
+          <a:lstStyle/>
+          <a:p>
+            <a:pPr algn="ctr"/>
+            <a:endParaRPr lang="en-CA"/>
+          </a:p>
+        </p:txBody>
+      </p:sp>
+      <p:sp>
+        <p:nvSpPr>
+          <p:cNvPr id="9" name="TextBox 8">
+            <a:extLst>
+              <a:ext uri="{FF2B5EF4-FFF2-40B4-BE49-F238E27FC236}">
+                <a16:creationId xmlns:a16="http://schemas.microsoft.com/office/drawing/2014/main" id="{B07FF30A-5260-F5B2-71A9-8AF2C7E14F6D}"/>
+              </a:ext>
+            </a:extLst>
+          </p:cNvPr>
+          <p:cNvSpPr txBox="1"/>
+          <p:nvPr/>
+        </p:nvSpPr>
+        <p:spPr>
+          <a:xfrm>
+            <a:off x="544126" y="4624233"/>
+            <a:ext cx="2558362" cy="800219"/>
+          </a:xfrm>
+          <a:prstGeom prst="rect">
+            <a:avLst/>
+          </a:prstGeom>
+          <a:solidFill>
+            <a:schemeClr val="bg1"/>
+          </a:solidFill>
+          <a:ln>
+            <a:solidFill>
+              <a:schemeClr val="accent1">
+                <a:shade val="15000"/>
+              </a:schemeClr>
+            </a:solidFill>
+          </a:ln>
+        </p:spPr>
+        <p:txBody>
+          <a:bodyPr wrap="square" rtlCol="0">
+            <a:spAutoFit/>
+          </a:bodyPr>
+          <a:lstStyle/>
+          <a:p>
+            <a:pPr algn="ctr"/>
+            <a:r>
+              <a:rPr lang="en-CA" dirty="0"/>
+              <a:t>Dispatcher (User) Actions</a:t>
+            </a:r>
+            <a:endParaRPr lang="en-CA" sz="1400" dirty="0"/>
+          </a:p>
+          <a:p>
+            <a:r>
+              <a:rPr lang="en-CA" sz="1400" dirty="0"/>
+              <a:t>FORMS_CONTROL_CHANGE</a:t>
+            </a:r>
+          </a:p>
+          <a:p>
+            <a:r>
+              <a:rPr lang="en-CA" sz="1400" dirty="0"/>
+              <a:t>FORMS_ADD_CONTROL</a:t>
+            </a:r>
+          </a:p>
+        </p:txBody>
+      </p:sp>
+      <p:sp>
+        <p:nvSpPr>
+          <p:cNvPr id="12" name="Oval 11">
+            <a:extLst>
+              <a:ext uri="{FF2B5EF4-FFF2-40B4-BE49-F238E27FC236}">
+                <a16:creationId xmlns:a16="http://schemas.microsoft.com/office/drawing/2014/main" id="{98E8350D-B40F-136C-9B26-A5FF6B9CEFD3}"/>
+              </a:ext>
+            </a:extLst>
+          </p:cNvPr>
+          <p:cNvSpPr/>
+          <p:nvPr/>
+        </p:nvSpPr>
+        <p:spPr>
+          <a:xfrm>
+            <a:off x="563006" y="3178224"/>
+            <a:ext cx="355106" cy="355106"/>
+          </a:xfrm>
+          <a:prstGeom prst="ellipse">
+            <a:avLst/>
+          </a:prstGeom>
+          <a:solidFill>
+            <a:schemeClr val="bg2"/>
+          </a:solidFill>
+        </p:spPr>
+        <p:style>
+          <a:lnRef idx="2">
+            <a:schemeClr val="accent1">
+              <a:shade val="15000"/>
+            </a:schemeClr>
+          </a:lnRef>
+          <a:fillRef idx="1">
+            <a:schemeClr val="accent1"/>
+          </a:fillRef>
+          <a:effectRef idx="0">
+            <a:schemeClr val="accent1"/>
+          </a:effectRef>
+          <a:fontRef idx="minor">
+            <a:schemeClr val="lt1"/>
+          </a:fontRef>
+        </p:style>
+        <p:txBody>
+          <a:bodyPr rtlCol="0" anchor="ctr"/>
+          <a:lstStyle/>
+          <a:p>
+            <a:pPr algn="ctr"/>
+            <a:endParaRPr lang="en-CA"/>
+          </a:p>
+        </p:txBody>
+      </p:sp>
+      <p:cxnSp>
+        <p:nvCxnSpPr>
+          <p:cNvPr id="35" name="Straight Arrow Connector 34">
+            <a:extLst>
+              <a:ext uri="{FF2B5EF4-FFF2-40B4-BE49-F238E27FC236}">
+                <a16:creationId xmlns:a16="http://schemas.microsoft.com/office/drawing/2014/main" id="{F5770EE1-A1D0-3016-EBC2-8E30A07EA51A}"/>
+              </a:ext>
+            </a:extLst>
+          </p:cNvPr>
+          <p:cNvCxnSpPr>
+            <a:cxnSpLocks/>
+            <a:stCxn id="3" idx="3"/>
+          </p:cNvCxnSpPr>
+          <p:nvPr/>
+        </p:nvCxnSpPr>
+        <p:spPr>
+          <a:xfrm>
+            <a:off x="5755369" y="3378792"/>
+            <a:ext cx="4709431" cy="23860"/>
+          </a:xfrm>
+          <a:prstGeom prst="straightConnector1">
+            <a:avLst/>
+          </a:prstGeom>
+          <a:ln w="34925">
+            <a:solidFill>
+              <a:schemeClr val="accent6">
+                <a:lumMod val="60000"/>
+                <a:lumOff val="40000"/>
+              </a:schemeClr>
+            </a:solidFill>
+            <a:tailEnd type="arrow"/>
+          </a:ln>
+        </p:spPr>
+        <p:style>
+          <a:lnRef idx="1">
+            <a:schemeClr val="accent1"/>
+          </a:lnRef>
+          <a:fillRef idx="0">
+            <a:schemeClr val="accent1"/>
+          </a:fillRef>
+          <a:effectRef idx="0">
+            <a:schemeClr val="accent1"/>
+          </a:effectRef>
+          <a:fontRef idx="minor">
+            <a:schemeClr val="tx1"/>
+          </a:fontRef>
+        </p:style>
+      </p:cxnSp>
+      <p:sp>
+        <p:nvSpPr>
+          <p:cNvPr id="37" name="Oval 36">
+            <a:extLst>
+              <a:ext uri="{FF2B5EF4-FFF2-40B4-BE49-F238E27FC236}">
+                <a16:creationId xmlns:a16="http://schemas.microsoft.com/office/drawing/2014/main" id="{32A74E61-AAB7-331B-13A6-0FFC63FC63D6}"/>
+              </a:ext>
+            </a:extLst>
+          </p:cNvPr>
+          <p:cNvSpPr/>
+          <p:nvPr/>
+        </p:nvSpPr>
+        <p:spPr>
+          <a:xfrm>
+            <a:off x="6073829" y="2235200"/>
+            <a:ext cx="3168220" cy="2386029"/>
+          </a:xfrm>
+          <a:prstGeom prst="ellipse">
+            <a:avLst/>
+          </a:prstGeom>
+          <a:noFill/>
+          <a:ln w="38100">
+            <a:prstDash val="lgDash"/>
+          </a:ln>
+        </p:spPr>
+        <p:style>
+          <a:lnRef idx="2">
+            <a:schemeClr val="accent1">
+              <a:shade val="15000"/>
+            </a:schemeClr>
+          </a:lnRef>
+          <a:fillRef idx="1">
+            <a:schemeClr val="accent1"/>
+          </a:fillRef>
+          <a:effectRef idx="0">
+            <a:schemeClr val="accent1"/>
+          </a:effectRef>
+          <a:fontRef idx="minor">
+            <a:schemeClr val="lt1"/>
+          </a:fontRef>
+        </p:style>
+        <p:txBody>
+          <a:bodyPr rtlCol="0" anchor="ctr"/>
+          <a:lstStyle/>
+          <a:p>
+            <a:pPr algn="ctr"/>
+            <a:endParaRPr lang="en-CA"/>
+          </a:p>
+        </p:txBody>
+      </p:sp>
+      <p:sp>
+        <p:nvSpPr>
+          <p:cNvPr id="54" name="Oval 53">
+            <a:extLst>
+              <a:ext uri="{FF2B5EF4-FFF2-40B4-BE49-F238E27FC236}">
+                <a16:creationId xmlns:a16="http://schemas.microsoft.com/office/drawing/2014/main" id="{CE06762A-D69D-D849-D40D-FCB920C1E8D1}"/>
+              </a:ext>
+            </a:extLst>
+          </p:cNvPr>
+          <p:cNvSpPr/>
+          <p:nvPr/>
+        </p:nvSpPr>
+        <p:spPr>
+          <a:xfrm>
+            <a:off x="5911151" y="3217723"/>
+            <a:ext cx="350797" cy="350797"/>
+          </a:xfrm>
+          <a:prstGeom prst="ellipse">
+            <a:avLst/>
+          </a:prstGeom>
+          <a:solidFill>
+            <a:schemeClr val="accent1">
+              <a:lumMod val="60000"/>
+              <a:lumOff val="40000"/>
+              <a:alpha val="50000"/>
+            </a:schemeClr>
+          </a:solidFill>
+        </p:spPr>
+        <p:style>
+          <a:lnRef idx="2">
+            <a:schemeClr val="accent1">
+              <a:shade val="15000"/>
+            </a:schemeClr>
+          </a:lnRef>
+          <a:fillRef idx="1">
+            <a:schemeClr val="accent1"/>
+          </a:fillRef>
+          <a:effectRef idx="0">
+            <a:schemeClr val="accent1"/>
+          </a:effectRef>
+          <a:fontRef idx="minor">
+            <a:schemeClr val="lt1"/>
+          </a:fontRef>
+        </p:style>
+        <p:txBody>
+          <a:bodyPr rtlCol="0" anchor="ctr"/>
+          <a:lstStyle/>
+          <a:p>
+            <a:pPr algn="ctr"/>
+            <a:endParaRPr lang="en-CA"/>
+          </a:p>
+        </p:txBody>
+      </p:sp>
+      <p:sp>
+        <p:nvSpPr>
+          <p:cNvPr id="60" name="TextBox 59">
+            <a:extLst>
+              <a:ext uri="{FF2B5EF4-FFF2-40B4-BE49-F238E27FC236}">
+                <a16:creationId xmlns:a16="http://schemas.microsoft.com/office/drawing/2014/main" id="{CE614C56-C033-600E-FCF9-11D9B8C46C63}"/>
+              </a:ext>
+            </a:extLst>
+          </p:cNvPr>
+          <p:cNvSpPr txBox="1"/>
+          <p:nvPr/>
+        </p:nvSpPr>
+        <p:spPr>
+          <a:xfrm>
+            <a:off x="1198669" y="3205727"/>
+            <a:ext cx="1117812" cy="307777"/>
+          </a:xfrm>
+          <a:prstGeom prst="rect">
+            <a:avLst/>
+          </a:prstGeom>
+          <a:solidFill>
+            <a:schemeClr val="bg1"/>
+          </a:solidFill>
+          <a:ln>
+            <a:solidFill>
+              <a:schemeClr val="accent1">
+                <a:shade val="15000"/>
+              </a:schemeClr>
+            </a:solidFill>
+          </a:ln>
+        </p:spPr>
+        <p:txBody>
+          <a:bodyPr wrap="square" rtlCol="0">
+            <a:spAutoFit/>
+          </a:bodyPr>
+          <a:lstStyle/>
+          <a:p>
+            <a:pPr algn="ctr"/>
+            <a:r>
+              <a:rPr lang="en-CA" sz="1400" dirty="0"/>
+              <a:t>dispatcher$</a:t>
+            </a:r>
+          </a:p>
+        </p:txBody>
+      </p:sp>
+      <p:sp>
+        <p:nvSpPr>
+          <p:cNvPr id="63" name="TextBox 62">
+            <a:extLst>
+              <a:ext uri="{FF2B5EF4-FFF2-40B4-BE49-F238E27FC236}">
+                <a16:creationId xmlns:a16="http://schemas.microsoft.com/office/drawing/2014/main" id="{4C8DF126-D70D-8E4D-5899-6C2301DB73B6}"/>
+              </a:ext>
+            </a:extLst>
+          </p:cNvPr>
+          <p:cNvSpPr txBox="1"/>
+          <p:nvPr/>
+        </p:nvSpPr>
+        <p:spPr>
+          <a:xfrm>
+            <a:off x="7072699" y="3216827"/>
+            <a:ext cx="1380224" cy="307777"/>
+          </a:xfrm>
+          <a:prstGeom prst="rect">
+            <a:avLst/>
+          </a:prstGeom>
+          <a:solidFill>
+            <a:schemeClr val="bg1"/>
+          </a:solidFill>
+          <a:ln>
+            <a:solidFill>
+              <a:schemeClr val="accent1">
+                <a:shade val="15000"/>
+              </a:schemeClr>
+            </a:solidFill>
+          </a:ln>
+        </p:spPr>
+        <p:txBody>
+          <a:bodyPr wrap="square" rtlCol="0">
+            <a:spAutoFit/>
+          </a:bodyPr>
+          <a:lstStyle/>
+          <a:p>
+            <a:pPr algn="ctr"/>
+            <a:r>
+              <a:rPr lang="en-CA" sz="1400" dirty="0"/>
+              <a:t>sourceForHub2$</a:t>
+            </a:r>
+          </a:p>
+        </p:txBody>
+      </p:sp>
+      <p:sp>
+        <p:nvSpPr>
+          <p:cNvPr id="65" name="TextBox 64">
+            <a:extLst>
+              <a:ext uri="{FF2B5EF4-FFF2-40B4-BE49-F238E27FC236}">
+                <a16:creationId xmlns:a16="http://schemas.microsoft.com/office/drawing/2014/main" id="{A72DD2CC-A92D-90EB-3CC1-EB6AFC05D83A}"/>
+              </a:ext>
+            </a:extLst>
+          </p:cNvPr>
+          <p:cNvSpPr txBox="1"/>
+          <p:nvPr/>
+        </p:nvSpPr>
+        <p:spPr>
+          <a:xfrm>
+            <a:off x="6694307" y="1699719"/>
+            <a:ext cx="2017026" cy="369332"/>
+          </a:xfrm>
+          <a:prstGeom prst="rect">
+            <a:avLst/>
+          </a:prstGeom>
+          <a:noFill/>
+        </p:spPr>
+        <p:txBody>
+          <a:bodyPr wrap="square" rtlCol="0">
+            <a:spAutoFit/>
+          </a:bodyPr>
+          <a:lstStyle/>
+          <a:p>
+            <a:r>
+              <a:rPr lang="en-CA" dirty="0"/>
+              <a:t>Hub 2 – Validation</a:t>
+            </a:r>
+          </a:p>
+        </p:txBody>
+      </p:sp>
+      <p:sp>
+        <p:nvSpPr>
+          <p:cNvPr id="66" name="TextBox 65">
+            <a:extLst>
+              <a:ext uri="{FF2B5EF4-FFF2-40B4-BE49-F238E27FC236}">
+                <a16:creationId xmlns:a16="http://schemas.microsoft.com/office/drawing/2014/main" id="{A0FE41AB-6FF8-F3EA-DDAC-BE7405DFE942}"/>
+              </a:ext>
+            </a:extLst>
+          </p:cNvPr>
+          <p:cNvSpPr txBox="1"/>
+          <p:nvPr/>
+        </p:nvSpPr>
+        <p:spPr>
+          <a:xfrm>
+            <a:off x="624937" y="1640688"/>
+            <a:ext cx="2456971" cy="369332"/>
+          </a:xfrm>
+          <a:prstGeom prst="rect">
+            <a:avLst/>
+          </a:prstGeom>
+          <a:noFill/>
+        </p:spPr>
+        <p:txBody>
+          <a:bodyPr wrap="square" rtlCol="0">
+            <a:spAutoFit/>
+          </a:bodyPr>
+          <a:lstStyle/>
+          <a:p>
+            <a:r>
+              <a:rPr lang="en-CA" dirty="0"/>
+              <a:t>Hub 1 – User Actions</a:t>
+            </a:r>
+          </a:p>
+        </p:txBody>
+      </p:sp>
+      <p:sp>
+        <p:nvSpPr>
+          <p:cNvPr id="67" name="Arc 66">
+            <a:extLst>
+              <a:ext uri="{FF2B5EF4-FFF2-40B4-BE49-F238E27FC236}">
+                <a16:creationId xmlns:a16="http://schemas.microsoft.com/office/drawing/2014/main" id="{FD098034-63A2-14C5-4689-14E57FDFF334}"/>
+              </a:ext>
+            </a:extLst>
+          </p:cNvPr>
+          <p:cNvSpPr/>
+          <p:nvPr/>
+        </p:nvSpPr>
+        <p:spPr>
+          <a:xfrm flipV="1">
+            <a:off x="6207332" y="2935853"/>
+            <a:ext cx="3523791" cy="1086709"/>
+          </a:xfrm>
+          <a:prstGeom prst="arc">
+            <a:avLst>
+              <a:gd name="adj1" fmla="val 10769572"/>
+              <a:gd name="adj2" fmla="val 21448792"/>
+            </a:avLst>
+          </a:prstGeom>
+          <a:ln w="34925">
+            <a:solidFill>
+              <a:schemeClr val="accent2"/>
+            </a:solidFill>
+            <a:tailEnd type="arrow"/>
+          </a:ln>
+        </p:spPr>
+        <p:style>
+          <a:lnRef idx="1">
+            <a:schemeClr val="accent1"/>
+          </a:lnRef>
+          <a:fillRef idx="0">
+            <a:schemeClr val="accent1"/>
+          </a:fillRef>
+          <a:effectRef idx="0">
+            <a:schemeClr val="accent1"/>
+          </a:effectRef>
+          <a:fontRef idx="minor">
+            <a:schemeClr val="tx1"/>
+          </a:fontRef>
+        </p:style>
+        <p:txBody>
+          <a:bodyPr rtlCol="0" anchor="ctr"/>
+          <a:lstStyle/>
+          <a:p>
+            <a:pPr algn="ctr"/>
+            <a:endParaRPr lang="en-CA"/>
+          </a:p>
+        </p:txBody>
+      </p:sp>
+      <p:sp>
+        <p:nvSpPr>
+          <p:cNvPr id="68" name="Arc 67">
+            <a:extLst>
+              <a:ext uri="{FF2B5EF4-FFF2-40B4-BE49-F238E27FC236}">
+                <a16:creationId xmlns:a16="http://schemas.microsoft.com/office/drawing/2014/main" id="{42C32F68-CA99-AFD5-7EF4-F87048816E7E}"/>
+              </a:ext>
+            </a:extLst>
+          </p:cNvPr>
+          <p:cNvSpPr/>
+          <p:nvPr/>
+        </p:nvSpPr>
+        <p:spPr>
+          <a:xfrm>
+            <a:off x="6194061" y="2738000"/>
+            <a:ext cx="3523791" cy="1086710"/>
+          </a:xfrm>
+          <a:prstGeom prst="arc">
+            <a:avLst>
+              <a:gd name="adj1" fmla="val 10769572"/>
+              <a:gd name="adj2" fmla="val 21448792"/>
+            </a:avLst>
+          </a:prstGeom>
+          <a:ln w="34925">
+            <a:solidFill>
+              <a:schemeClr val="accent2"/>
+            </a:solidFill>
+            <a:tailEnd type="arrow"/>
+          </a:ln>
+        </p:spPr>
+        <p:style>
+          <a:lnRef idx="1">
+            <a:schemeClr val="accent1"/>
+          </a:lnRef>
+          <a:fillRef idx="0">
+            <a:schemeClr val="accent1"/>
+          </a:fillRef>
+          <a:effectRef idx="0">
+            <a:schemeClr val="accent1"/>
+          </a:effectRef>
+          <a:fontRef idx="minor">
+            <a:schemeClr val="tx1"/>
+          </a:fontRef>
+        </p:style>
+        <p:txBody>
+          <a:bodyPr rtlCol="0" anchor="ctr"/>
+          <a:lstStyle/>
+          <a:p>
+            <a:pPr algn="ctr"/>
+            <a:endParaRPr lang="en-CA"/>
+          </a:p>
+        </p:txBody>
+      </p:sp>
+      <p:sp>
+        <p:nvSpPr>
+          <p:cNvPr id="71" name="TextBox 70">
+            <a:extLst>
+              <a:ext uri="{FF2B5EF4-FFF2-40B4-BE49-F238E27FC236}">
+                <a16:creationId xmlns:a16="http://schemas.microsoft.com/office/drawing/2014/main" id="{C579B0D2-2BD0-E83C-9123-C28538FCAEB5}"/>
+              </a:ext>
+            </a:extLst>
+          </p:cNvPr>
+          <p:cNvSpPr txBox="1"/>
+          <p:nvPr/>
+        </p:nvSpPr>
+        <p:spPr>
+          <a:xfrm>
+            <a:off x="6833895" y="2643235"/>
+            <a:ext cx="2051387" cy="307777"/>
+          </a:xfrm>
+          <a:prstGeom prst="rect">
+            <a:avLst/>
+          </a:prstGeom>
+          <a:solidFill>
+            <a:schemeClr val="bg1"/>
+          </a:solidFill>
+          <a:ln>
+            <a:solidFill>
+              <a:schemeClr val="accent1">
+                <a:shade val="15000"/>
+              </a:schemeClr>
+            </a:solidFill>
+          </a:ln>
+        </p:spPr>
+        <p:txBody>
+          <a:bodyPr wrap="square" rtlCol="0">
+            <a:spAutoFit/>
+          </a:bodyPr>
+          <a:lstStyle/>
+          <a:p>
+            <a:pPr algn="ctr"/>
+            <a:r>
+              <a:rPr lang="en-CA" sz="1400" dirty="0"/>
+              <a:t>controlAsyncValidator$</a:t>
+            </a:r>
+          </a:p>
+        </p:txBody>
+      </p:sp>
+      <p:sp>
+        <p:nvSpPr>
+          <p:cNvPr id="73" name="TextBox 72">
+            <a:extLst>
+              <a:ext uri="{FF2B5EF4-FFF2-40B4-BE49-F238E27FC236}">
+                <a16:creationId xmlns:a16="http://schemas.microsoft.com/office/drawing/2014/main" id="{7B2A229D-7138-672B-E1CD-17C600D80BDB}"/>
+              </a:ext>
+            </a:extLst>
+          </p:cNvPr>
+          <p:cNvSpPr txBox="1"/>
+          <p:nvPr/>
+        </p:nvSpPr>
+        <p:spPr>
+          <a:xfrm>
+            <a:off x="6811701" y="3809648"/>
+            <a:ext cx="2051387" cy="307777"/>
+          </a:xfrm>
+          <a:prstGeom prst="rect">
+            <a:avLst/>
+          </a:prstGeom>
+          <a:solidFill>
+            <a:schemeClr val="bg1"/>
+          </a:solidFill>
+          <a:ln>
+            <a:solidFill>
+              <a:schemeClr val="accent1">
+                <a:shade val="15000"/>
+              </a:schemeClr>
+            </a:solidFill>
+          </a:ln>
+        </p:spPr>
+        <p:txBody>
+          <a:bodyPr wrap="square" rtlCol="0">
+            <a:spAutoFit/>
+          </a:bodyPr>
+          <a:lstStyle/>
+          <a:p>
+            <a:pPr algn="ctr"/>
+            <a:r>
+              <a:rPr lang="en-CA" sz="1400" dirty="0"/>
+              <a:t>controlAsyncValidator$</a:t>
+            </a:r>
+          </a:p>
+        </p:txBody>
+      </p:sp>
+      <p:sp>
+        <p:nvSpPr>
+          <p:cNvPr id="74" name="Oval 73">
+            <a:extLst>
+              <a:ext uri="{FF2B5EF4-FFF2-40B4-BE49-F238E27FC236}">
+                <a16:creationId xmlns:a16="http://schemas.microsoft.com/office/drawing/2014/main" id="{E633858B-C360-72FE-2C64-9A173A408608}"/>
+              </a:ext>
+            </a:extLst>
+          </p:cNvPr>
+          <p:cNvSpPr/>
+          <p:nvPr/>
+        </p:nvSpPr>
+        <p:spPr>
+          <a:xfrm>
+            <a:off x="6397365" y="2760454"/>
+            <a:ext cx="350797" cy="350797"/>
+          </a:xfrm>
+          <a:prstGeom prst="ellipse">
+            <a:avLst/>
+          </a:prstGeom>
+          <a:solidFill>
+            <a:schemeClr val="accent4">
+              <a:lumMod val="60000"/>
+              <a:lumOff val="40000"/>
+              <a:alpha val="50000"/>
+            </a:schemeClr>
+          </a:solidFill>
+        </p:spPr>
+        <p:style>
+          <a:lnRef idx="2">
+            <a:schemeClr val="accent1">
+              <a:shade val="15000"/>
+            </a:schemeClr>
+          </a:lnRef>
+          <a:fillRef idx="1">
+            <a:schemeClr val="accent1"/>
+          </a:fillRef>
+          <a:effectRef idx="0">
+            <a:schemeClr val="accent1"/>
+          </a:effectRef>
+          <a:fontRef idx="minor">
+            <a:schemeClr val="lt1"/>
+          </a:fontRef>
+        </p:style>
+        <p:txBody>
+          <a:bodyPr rtlCol="0" anchor="ctr"/>
+          <a:lstStyle/>
+          <a:p>
+            <a:pPr algn="ctr"/>
+            <a:endParaRPr lang="en-CA"/>
+          </a:p>
+        </p:txBody>
+      </p:sp>
+      <p:sp>
+        <p:nvSpPr>
+          <p:cNvPr id="75" name="Oval 74">
+            <a:extLst>
+              <a:ext uri="{FF2B5EF4-FFF2-40B4-BE49-F238E27FC236}">
+                <a16:creationId xmlns:a16="http://schemas.microsoft.com/office/drawing/2014/main" id="{FC50D024-302F-D907-8E0F-07E6FBB43EFD}"/>
+              </a:ext>
+            </a:extLst>
+          </p:cNvPr>
+          <p:cNvSpPr/>
+          <p:nvPr/>
+        </p:nvSpPr>
+        <p:spPr>
+          <a:xfrm>
+            <a:off x="6343510" y="3615028"/>
+            <a:ext cx="350797" cy="350797"/>
+          </a:xfrm>
+          <a:prstGeom prst="ellipse">
+            <a:avLst/>
+          </a:prstGeom>
+          <a:solidFill>
+            <a:schemeClr val="accent4">
+              <a:lumMod val="40000"/>
+              <a:lumOff val="60000"/>
+              <a:alpha val="50000"/>
+            </a:schemeClr>
+          </a:solidFill>
+        </p:spPr>
+        <p:style>
+          <a:lnRef idx="2">
+            <a:schemeClr val="accent1">
+              <a:shade val="15000"/>
+            </a:schemeClr>
+          </a:lnRef>
+          <a:fillRef idx="1">
+            <a:schemeClr val="accent1"/>
+          </a:fillRef>
+          <a:effectRef idx="0">
+            <a:schemeClr val="accent1"/>
+          </a:effectRef>
+          <a:fontRef idx="minor">
+            <a:schemeClr val="lt1"/>
+          </a:fontRef>
+        </p:style>
+        <p:txBody>
+          <a:bodyPr rtlCol="0" anchor="ctr"/>
+          <a:lstStyle/>
+          <a:p>
+            <a:pPr algn="ctr"/>
+            <a:endParaRPr lang="en-CA"/>
+          </a:p>
+        </p:txBody>
+      </p:sp>
+      <p:sp>
+        <p:nvSpPr>
+          <p:cNvPr id="76" name="Oval 75">
+            <a:extLst>
+              <a:ext uri="{FF2B5EF4-FFF2-40B4-BE49-F238E27FC236}">
+                <a16:creationId xmlns:a16="http://schemas.microsoft.com/office/drawing/2014/main" id="{6E4A664F-40FB-2CE2-04D7-454257BF1103}"/>
+              </a:ext>
+            </a:extLst>
+          </p:cNvPr>
+          <p:cNvSpPr/>
+          <p:nvPr/>
+        </p:nvSpPr>
+        <p:spPr>
+          <a:xfrm>
+            <a:off x="8938753" y="2662976"/>
+            <a:ext cx="350797" cy="350797"/>
+          </a:xfrm>
+          <a:prstGeom prst="ellipse">
+            <a:avLst/>
+          </a:prstGeom>
+          <a:solidFill>
+            <a:srgbClr val="92D050"/>
+          </a:solidFill>
+        </p:spPr>
+        <p:style>
+          <a:lnRef idx="2">
+            <a:schemeClr val="accent1">
+              <a:shade val="15000"/>
+            </a:schemeClr>
+          </a:lnRef>
+          <a:fillRef idx="1">
+            <a:schemeClr val="accent1"/>
+          </a:fillRef>
+          <a:effectRef idx="0">
+            <a:schemeClr val="accent1"/>
+          </a:effectRef>
+          <a:fontRef idx="minor">
+            <a:schemeClr val="lt1"/>
+          </a:fontRef>
+        </p:style>
+        <p:txBody>
+          <a:bodyPr rtlCol="0" anchor="ctr"/>
+          <a:lstStyle/>
+          <a:p>
+            <a:pPr algn="ctr"/>
+            <a:endParaRPr lang="en-CA"/>
+          </a:p>
+        </p:txBody>
+      </p:sp>
+      <p:sp>
+        <p:nvSpPr>
+          <p:cNvPr id="77" name="Oval 76">
+            <a:extLst>
+              <a:ext uri="{FF2B5EF4-FFF2-40B4-BE49-F238E27FC236}">
+                <a16:creationId xmlns:a16="http://schemas.microsoft.com/office/drawing/2014/main" id="{3B6B83A4-49C8-CB17-3275-3CC40D3D1724}"/>
+              </a:ext>
+            </a:extLst>
+          </p:cNvPr>
+          <p:cNvSpPr/>
+          <p:nvPr/>
+        </p:nvSpPr>
+        <p:spPr>
+          <a:xfrm>
+            <a:off x="8885282" y="3716977"/>
+            <a:ext cx="350797" cy="350797"/>
+          </a:xfrm>
+          <a:prstGeom prst="ellipse">
+            <a:avLst/>
+          </a:prstGeom>
+          <a:solidFill>
+            <a:srgbClr val="92D050"/>
+          </a:solidFill>
+        </p:spPr>
+        <p:style>
+          <a:lnRef idx="2">
+            <a:schemeClr val="accent1">
+              <a:shade val="15000"/>
+            </a:schemeClr>
+          </a:lnRef>
+          <a:fillRef idx="1">
+            <a:schemeClr val="accent1"/>
+          </a:fillRef>
+          <a:effectRef idx="0">
+            <a:schemeClr val="accent1"/>
+          </a:effectRef>
+          <a:fontRef idx="minor">
+            <a:schemeClr val="lt1"/>
+          </a:fontRef>
+        </p:style>
+        <p:txBody>
+          <a:bodyPr rtlCol="0" anchor="ctr"/>
+          <a:lstStyle/>
+          <a:p>
+            <a:pPr algn="ctr"/>
+            <a:endParaRPr lang="en-CA"/>
+          </a:p>
+        </p:txBody>
+      </p:sp>
+      <p:sp>
+        <p:nvSpPr>
+          <p:cNvPr id="80" name="Oval 79">
+            <a:extLst>
+              <a:ext uri="{FF2B5EF4-FFF2-40B4-BE49-F238E27FC236}">
+                <a16:creationId xmlns:a16="http://schemas.microsoft.com/office/drawing/2014/main" id="{B4176DFD-5BDC-C273-0094-261B7B94E49F}"/>
+              </a:ext>
+            </a:extLst>
+          </p:cNvPr>
+          <p:cNvSpPr/>
+          <p:nvPr/>
+        </p:nvSpPr>
+        <p:spPr>
+          <a:xfrm>
+            <a:off x="5768640" y="3210557"/>
+            <a:ext cx="350797" cy="350797"/>
+          </a:xfrm>
+          <a:prstGeom prst="ellipse">
+            <a:avLst/>
+          </a:prstGeom>
+          <a:solidFill>
+            <a:schemeClr val="accent4">
+              <a:lumMod val="60000"/>
+              <a:lumOff val="40000"/>
+              <a:alpha val="50000"/>
+            </a:schemeClr>
+          </a:solidFill>
+        </p:spPr>
+        <p:style>
+          <a:lnRef idx="2">
+            <a:schemeClr val="accent1">
+              <a:shade val="15000"/>
+            </a:schemeClr>
+          </a:lnRef>
+          <a:fillRef idx="1">
+            <a:schemeClr val="accent1"/>
+          </a:fillRef>
+          <a:effectRef idx="0">
+            <a:schemeClr val="accent1"/>
+          </a:effectRef>
+          <a:fontRef idx="minor">
+            <a:schemeClr val="lt1"/>
+          </a:fontRef>
+        </p:style>
+        <p:txBody>
+          <a:bodyPr rtlCol="0" anchor="ctr"/>
+          <a:lstStyle/>
+          <a:p>
+            <a:pPr algn="ctr"/>
+            <a:endParaRPr lang="en-CA"/>
+          </a:p>
+        </p:txBody>
+      </p:sp>
+      <p:sp>
+        <p:nvSpPr>
+          <p:cNvPr id="81" name="Oval 80">
+            <a:extLst>
+              <a:ext uri="{FF2B5EF4-FFF2-40B4-BE49-F238E27FC236}">
+                <a16:creationId xmlns:a16="http://schemas.microsoft.com/office/drawing/2014/main" id="{31089ED5-729F-4C7F-ABC6-DC45617EABD6}"/>
+              </a:ext>
+            </a:extLst>
+          </p:cNvPr>
+          <p:cNvSpPr/>
+          <p:nvPr/>
+        </p:nvSpPr>
+        <p:spPr>
+          <a:xfrm>
+            <a:off x="5631424" y="3217722"/>
+            <a:ext cx="350797" cy="350797"/>
+          </a:xfrm>
+          <a:prstGeom prst="ellipse">
+            <a:avLst/>
+          </a:prstGeom>
+          <a:solidFill>
+            <a:schemeClr val="accent4">
+              <a:lumMod val="60000"/>
+              <a:lumOff val="40000"/>
+              <a:alpha val="50000"/>
+            </a:schemeClr>
+          </a:solidFill>
+        </p:spPr>
+        <p:style>
+          <a:lnRef idx="2">
+            <a:schemeClr val="accent1">
+              <a:shade val="15000"/>
+            </a:schemeClr>
+          </a:lnRef>
+          <a:fillRef idx="1">
+            <a:schemeClr val="accent1"/>
+          </a:fillRef>
+          <a:effectRef idx="0">
+            <a:schemeClr val="accent1"/>
+          </a:effectRef>
+          <a:fontRef idx="minor">
+            <a:schemeClr val="lt1"/>
+          </a:fontRef>
+        </p:style>
+        <p:txBody>
+          <a:bodyPr rtlCol="0" anchor="ctr"/>
+          <a:lstStyle/>
+          <a:p>
+            <a:pPr algn="ctr"/>
+            <a:endParaRPr lang="en-CA"/>
+          </a:p>
+        </p:txBody>
+      </p:sp>
+      <p:sp>
+        <p:nvSpPr>
+          <p:cNvPr id="83" name="Oval 82">
+            <a:extLst>
+              <a:ext uri="{FF2B5EF4-FFF2-40B4-BE49-F238E27FC236}">
+                <a16:creationId xmlns:a16="http://schemas.microsoft.com/office/drawing/2014/main" id="{17490A86-1BFC-B818-4FCD-7D73464D9295}"/>
+              </a:ext>
+            </a:extLst>
+          </p:cNvPr>
+          <p:cNvSpPr/>
+          <p:nvPr/>
+        </p:nvSpPr>
+        <p:spPr>
+          <a:xfrm>
+            <a:off x="9310139" y="3259505"/>
+            <a:ext cx="350797" cy="350797"/>
+          </a:xfrm>
+          <a:prstGeom prst="ellipse">
+            <a:avLst/>
+          </a:prstGeom>
+          <a:solidFill>
+            <a:schemeClr val="accent4">
+              <a:lumMod val="40000"/>
+              <a:lumOff val="60000"/>
+            </a:schemeClr>
+          </a:solidFill>
+        </p:spPr>
+        <p:style>
+          <a:lnRef idx="2">
+            <a:schemeClr val="accent1">
+              <a:shade val="15000"/>
+            </a:schemeClr>
+          </a:lnRef>
+          <a:fillRef idx="1">
+            <a:schemeClr val="accent1"/>
+          </a:fillRef>
+          <a:effectRef idx="0">
+            <a:schemeClr val="accent1"/>
+          </a:effectRef>
+          <a:fontRef idx="minor">
+            <a:schemeClr val="lt1"/>
+          </a:fontRef>
+        </p:style>
+        <p:txBody>
+          <a:bodyPr rtlCol="0" anchor="ctr"/>
+          <a:lstStyle/>
+          <a:p>
+            <a:pPr algn="ctr"/>
+            <a:endParaRPr lang="en-CA"/>
+          </a:p>
+        </p:txBody>
+      </p:sp>
+      <p:sp>
+        <p:nvSpPr>
+          <p:cNvPr id="84" name="Oval 83">
+            <a:extLst>
+              <a:ext uri="{FF2B5EF4-FFF2-40B4-BE49-F238E27FC236}">
+                <a16:creationId xmlns:a16="http://schemas.microsoft.com/office/drawing/2014/main" id="{30145217-5E60-B591-1811-DF4129973DA1}"/>
+              </a:ext>
+            </a:extLst>
+          </p:cNvPr>
+          <p:cNvSpPr/>
+          <p:nvPr/>
+        </p:nvSpPr>
+        <p:spPr>
+          <a:xfrm>
+            <a:off x="9540350" y="3250550"/>
+            <a:ext cx="350797" cy="350797"/>
+          </a:xfrm>
+          <a:prstGeom prst="ellipse">
+            <a:avLst/>
+          </a:prstGeom>
+          <a:solidFill>
+            <a:schemeClr val="accent4">
+              <a:lumMod val="40000"/>
+              <a:lumOff val="60000"/>
+            </a:schemeClr>
+          </a:solidFill>
+        </p:spPr>
+        <p:style>
+          <a:lnRef idx="2">
+            <a:schemeClr val="accent1">
+              <a:shade val="15000"/>
+            </a:schemeClr>
+          </a:lnRef>
+          <a:fillRef idx="1">
+            <a:schemeClr val="accent1"/>
+          </a:fillRef>
+          <a:effectRef idx="0">
+            <a:schemeClr val="accent1"/>
+          </a:effectRef>
+          <a:fontRef idx="minor">
+            <a:schemeClr val="lt1"/>
+          </a:fontRef>
+        </p:style>
+        <p:txBody>
+          <a:bodyPr rtlCol="0" anchor="ctr"/>
+          <a:lstStyle/>
+          <a:p>
+            <a:pPr algn="ctr"/>
+            <a:endParaRPr lang="en-CA"/>
+          </a:p>
+        </p:txBody>
+      </p:sp>
+      <p:sp>
+        <p:nvSpPr>
+          <p:cNvPr id="64" name="Oval 63">
+            <a:extLst>
+              <a:ext uri="{FF2B5EF4-FFF2-40B4-BE49-F238E27FC236}">
+                <a16:creationId xmlns:a16="http://schemas.microsoft.com/office/drawing/2014/main" id="{4373DEC7-662F-A21D-0B7C-865151BBD5A6}"/>
+              </a:ext>
+            </a:extLst>
+          </p:cNvPr>
+          <p:cNvSpPr/>
+          <p:nvPr/>
+        </p:nvSpPr>
+        <p:spPr>
+          <a:xfrm>
+            <a:off x="9743847" y="3241595"/>
+            <a:ext cx="350797" cy="350797"/>
+          </a:xfrm>
+          <a:prstGeom prst="ellipse">
+            <a:avLst/>
+          </a:prstGeom>
+          <a:solidFill>
+            <a:schemeClr val="accent1">
+              <a:lumMod val="60000"/>
+              <a:lumOff val="40000"/>
+            </a:schemeClr>
+          </a:solidFill>
+        </p:spPr>
+        <p:style>
+          <a:lnRef idx="2">
+            <a:schemeClr val="accent1">
+              <a:shade val="15000"/>
+            </a:schemeClr>
+          </a:lnRef>
+          <a:fillRef idx="1">
+            <a:schemeClr val="accent1"/>
+          </a:fillRef>
+          <a:effectRef idx="0">
+            <a:schemeClr val="accent1"/>
+          </a:effectRef>
+          <a:fontRef idx="minor">
+            <a:schemeClr val="lt1"/>
+          </a:fontRef>
+        </p:style>
+        <p:txBody>
+          <a:bodyPr rtlCol="0" anchor="ctr"/>
+          <a:lstStyle/>
+          <a:p>
+            <a:pPr algn="ctr"/>
+            <a:endParaRPr lang="en-CA"/>
+          </a:p>
+        </p:txBody>
+      </p:sp>
+      <p:sp>
+        <p:nvSpPr>
+          <p:cNvPr id="100" name="TextBox 99">
+            <a:extLst>
+              <a:ext uri="{FF2B5EF4-FFF2-40B4-BE49-F238E27FC236}">
+                <a16:creationId xmlns:a16="http://schemas.microsoft.com/office/drawing/2014/main" id="{A8AE2161-5D45-3218-CE95-260C443B8A74}"/>
+              </a:ext>
+            </a:extLst>
+          </p:cNvPr>
+          <p:cNvSpPr txBox="1"/>
+          <p:nvPr/>
+        </p:nvSpPr>
+        <p:spPr>
+          <a:xfrm>
+            <a:off x="5299843" y="4758426"/>
+            <a:ext cx="3881203" cy="1015663"/>
+          </a:xfrm>
+          <a:prstGeom prst="rect">
+            <a:avLst/>
+          </a:prstGeom>
+          <a:solidFill>
+            <a:schemeClr val="bg1"/>
+          </a:solidFill>
+          <a:ln>
+            <a:solidFill>
+              <a:schemeClr val="accent1">
+                <a:shade val="15000"/>
+              </a:schemeClr>
+            </a:solidFill>
+          </a:ln>
+        </p:spPr>
+        <p:txBody>
+          <a:bodyPr wrap="square" rtlCol="0">
+            <a:spAutoFit/>
+          </a:bodyPr>
+          <a:lstStyle/>
+          <a:p>
+            <a:pPr algn="ctr"/>
+            <a:r>
+              <a:rPr lang="en-CA" dirty="0"/>
+              <a:t>Source For Hub 2 Actions</a:t>
+            </a:r>
+          </a:p>
+          <a:p>
+            <a:r>
+              <a:rPr lang="en-CA" sz="1400" dirty="0"/>
+              <a:t>FORMS_FORM_CHANGE</a:t>
+            </a:r>
+          </a:p>
+          <a:p>
+            <a:r>
+              <a:rPr lang="en-CA" sz="1400" dirty="0"/>
+              <a:t>FORMS_ASYNC_VALIDATE_CONTROL</a:t>
+            </a:r>
+          </a:p>
+          <a:p>
+            <a:r>
+              <a:rPr lang="en-CA" sz="1400" dirty="0"/>
+              <a:t>FORMS_ASYNC_VALIDATE_SUCCESS_RESPONSE</a:t>
+            </a:r>
+          </a:p>
+        </p:txBody>
+      </p:sp>
+      <p:sp>
+        <p:nvSpPr>
+          <p:cNvPr id="101" name="Oval 100">
+            <a:extLst>
+              <a:ext uri="{FF2B5EF4-FFF2-40B4-BE49-F238E27FC236}">
+                <a16:creationId xmlns:a16="http://schemas.microsoft.com/office/drawing/2014/main" id="{72684D0B-F2B2-EBDD-1D6C-9FA485818925}"/>
+              </a:ext>
+            </a:extLst>
+          </p:cNvPr>
+          <p:cNvSpPr/>
+          <p:nvPr/>
+        </p:nvSpPr>
+        <p:spPr>
+          <a:xfrm>
+            <a:off x="2834870" y="5201106"/>
+            <a:ext cx="179850" cy="177553"/>
+          </a:xfrm>
+          <a:prstGeom prst="ellipse">
+            <a:avLst/>
+          </a:prstGeom>
+          <a:solidFill>
+            <a:schemeClr val="bg2"/>
+          </a:solidFill>
+        </p:spPr>
+        <p:style>
+          <a:lnRef idx="2">
+            <a:schemeClr val="accent1">
+              <a:shade val="15000"/>
+            </a:schemeClr>
+          </a:lnRef>
+          <a:fillRef idx="1">
+            <a:schemeClr val="accent1"/>
+          </a:fillRef>
+          <a:effectRef idx="0">
+            <a:schemeClr val="accent1"/>
+          </a:effectRef>
+          <a:fontRef idx="minor">
+            <a:schemeClr val="lt1"/>
+          </a:fontRef>
+        </p:style>
+        <p:txBody>
+          <a:bodyPr rtlCol="0" anchor="ctr"/>
+          <a:lstStyle/>
+          <a:p>
+            <a:pPr algn="ctr"/>
+            <a:endParaRPr lang="en-CA"/>
+          </a:p>
+        </p:txBody>
+      </p:sp>
+      <p:sp>
+        <p:nvSpPr>
+          <p:cNvPr id="102" name="Oval 101">
+            <a:extLst>
+              <a:ext uri="{FF2B5EF4-FFF2-40B4-BE49-F238E27FC236}">
+                <a16:creationId xmlns:a16="http://schemas.microsoft.com/office/drawing/2014/main" id="{81D6EC26-8AB9-7F3A-2935-C3BCF43BB796}"/>
+              </a:ext>
+            </a:extLst>
+          </p:cNvPr>
+          <p:cNvSpPr/>
+          <p:nvPr/>
+        </p:nvSpPr>
+        <p:spPr>
+          <a:xfrm flipH="1" flipV="1">
+            <a:off x="2840812" y="4958748"/>
+            <a:ext cx="173908" cy="173908"/>
+          </a:xfrm>
+          <a:prstGeom prst="ellipse">
+            <a:avLst/>
+          </a:prstGeom>
+          <a:solidFill>
+            <a:schemeClr val="accent6">
+              <a:lumMod val="40000"/>
+              <a:lumOff val="60000"/>
+            </a:schemeClr>
+          </a:solidFill>
+        </p:spPr>
+        <p:style>
+          <a:lnRef idx="2">
+            <a:schemeClr val="accent1">
+              <a:shade val="15000"/>
+            </a:schemeClr>
+          </a:lnRef>
+          <a:fillRef idx="1">
+            <a:schemeClr val="accent1"/>
+          </a:fillRef>
+          <a:effectRef idx="0">
+            <a:schemeClr val="accent1"/>
+          </a:effectRef>
+          <a:fontRef idx="minor">
+            <a:schemeClr val="lt1"/>
+          </a:fontRef>
+        </p:style>
+        <p:txBody>
+          <a:bodyPr rtlCol="0" anchor="ctr"/>
+          <a:lstStyle/>
+          <a:p>
+            <a:pPr algn="ctr"/>
+            <a:endParaRPr lang="en-CA"/>
+          </a:p>
+        </p:txBody>
+      </p:sp>
+      <p:sp>
+        <p:nvSpPr>
+          <p:cNvPr id="103" name="Oval 102">
+            <a:extLst>
+              <a:ext uri="{FF2B5EF4-FFF2-40B4-BE49-F238E27FC236}">
+                <a16:creationId xmlns:a16="http://schemas.microsoft.com/office/drawing/2014/main" id="{D2983791-687E-10D4-C378-F850E7694B18}"/>
+              </a:ext>
+            </a:extLst>
+          </p:cNvPr>
+          <p:cNvSpPr/>
+          <p:nvPr/>
+        </p:nvSpPr>
+        <p:spPr>
+          <a:xfrm>
+            <a:off x="8896154" y="5518542"/>
+            <a:ext cx="169549" cy="169549"/>
+          </a:xfrm>
+          <a:prstGeom prst="ellipse">
+            <a:avLst/>
+          </a:prstGeom>
+          <a:solidFill>
+            <a:srgbClr val="92D050"/>
+          </a:solidFill>
+        </p:spPr>
+        <p:style>
+          <a:lnRef idx="2">
+            <a:schemeClr val="accent1">
+              <a:shade val="15000"/>
+            </a:schemeClr>
+          </a:lnRef>
+          <a:fillRef idx="1">
+            <a:schemeClr val="accent1"/>
+          </a:fillRef>
+          <a:effectRef idx="0">
+            <a:schemeClr val="accent1"/>
+          </a:effectRef>
+          <a:fontRef idx="minor">
+            <a:schemeClr val="lt1"/>
+          </a:fontRef>
+        </p:style>
+        <p:txBody>
+          <a:bodyPr rtlCol="0" anchor="ctr"/>
+          <a:lstStyle/>
+          <a:p>
+            <a:pPr algn="ctr"/>
+            <a:endParaRPr lang="en-CA"/>
+          </a:p>
+        </p:txBody>
+      </p:sp>
+      <p:sp>
+        <p:nvSpPr>
+          <p:cNvPr id="104" name="Oval 103">
+            <a:extLst>
+              <a:ext uri="{FF2B5EF4-FFF2-40B4-BE49-F238E27FC236}">
+                <a16:creationId xmlns:a16="http://schemas.microsoft.com/office/drawing/2014/main" id="{556E9C82-0F88-6C68-9FBB-3B7E402D41A0}"/>
+              </a:ext>
+            </a:extLst>
+          </p:cNvPr>
+          <p:cNvSpPr/>
+          <p:nvPr/>
+        </p:nvSpPr>
+        <p:spPr>
+          <a:xfrm>
+            <a:off x="8889204" y="5287864"/>
+            <a:ext cx="169549" cy="169549"/>
+          </a:xfrm>
+          <a:prstGeom prst="ellipse">
+            <a:avLst/>
+          </a:prstGeom>
+          <a:solidFill>
+            <a:schemeClr val="accent4">
+              <a:lumMod val="40000"/>
+              <a:lumOff val="60000"/>
+            </a:schemeClr>
+          </a:solidFill>
+        </p:spPr>
+        <p:style>
+          <a:lnRef idx="2">
+            <a:schemeClr val="accent1">
+              <a:shade val="15000"/>
+            </a:schemeClr>
+          </a:lnRef>
+          <a:fillRef idx="1">
+            <a:schemeClr val="accent1"/>
+          </a:fillRef>
+          <a:effectRef idx="0">
+            <a:schemeClr val="accent1"/>
+          </a:effectRef>
+          <a:fontRef idx="minor">
+            <a:schemeClr val="lt1"/>
+          </a:fontRef>
+        </p:style>
+        <p:txBody>
+          <a:bodyPr rtlCol="0" anchor="ctr"/>
+          <a:lstStyle/>
+          <a:p>
+            <a:pPr algn="ctr"/>
+            <a:endParaRPr lang="en-CA"/>
+          </a:p>
+        </p:txBody>
+      </p:sp>
+      <p:sp>
+        <p:nvSpPr>
+          <p:cNvPr id="105" name="Oval 104">
+            <a:extLst>
+              <a:ext uri="{FF2B5EF4-FFF2-40B4-BE49-F238E27FC236}">
+                <a16:creationId xmlns:a16="http://schemas.microsoft.com/office/drawing/2014/main" id="{5BA2E242-00C5-D801-8A26-6DEF84C7509B}"/>
+              </a:ext>
+            </a:extLst>
+          </p:cNvPr>
+          <p:cNvSpPr/>
+          <p:nvPr/>
+        </p:nvSpPr>
+        <p:spPr>
+          <a:xfrm>
+            <a:off x="8894106" y="5065797"/>
+            <a:ext cx="171597" cy="171597"/>
+          </a:xfrm>
+          <a:prstGeom prst="ellipse">
+            <a:avLst/>
+          </a:prstGeom>
+          <a:solidFill>
+            <a:schemeClr val="accent1">
+              <a:lumMod val="60000"/>
+              <a:lumOff val="40000"/>
+            </a:schemeClr>
+          </a:solidFill>
+        </p:spPr>
+        <p:style>
+          <a:lnRef idx="2">
+            <a:schemeClr val="accent1">
+              <a:shade val="15000"/>
+            </a:schemeClr>
+          </a:lnRef>
+          <a:fillRef idx="1">
+            <a:schemeClr val="accent1"/>
+          </a:fillRef>
+          <a:effectRef idx="0">
+            <a:schemeClr val="accent1"/>
+          </a:effectRef>
+          <a:fontRef idx="minor">
+            <a:schemeClr val="lt1"/>
+          </a:fontRef>
+        </p:style>
+        <p:txBody>
+          <a:bodyPr rtlCol="0" anchor="ctr"/>
+          <a:lstStyle/>
+          <a:p>
+            <a:pPr algn="ctr"/>
+            <a:endParaRPr lang="en-CA"/>
+          </a:p>
+        </p:txBody>
+      </p:sp>
+      <p:sp>
+        <p:nvSpPr>
+          <p:cNvPr id="107" name="TextBox 106">
+            <a:extLst>
+              <a:ext uri="{FF2B5EF4-FFF2-40B4-BE49-F238E27FC236}">
+                <a16:creationId xmlns:a16="http://schemas.microsoft.com/office/drawing/2014/main" id="{CDB304A9-0ECB-5393-7F16-F3B9E68DF367}"/>
+              </a:ext>
+            </a:extLst>
+          </p:cNvPr>
+          <p:cNvSpPr txBox="1"/>
+          <p:nvPr/>
+        </p:nvSpPr>
+        <p:spPr>
+          <a:xfrm>
+            <a:off x="9991797" y="832242"/>
+            <a:ext cx="1297256" cy="400110"/>
+          </a:xfrm>
+          <a:prstGeom prst="rect">
+            <a:avLst/>
+          </a:prstGeom>
+          <a:noFill/>
+        </p:spPr>
+        <p:txBody>
+          <a:bodyPr wrap="square" rtlCol="0">
+            <a:spAutoFit/>
+          </a:bodyPr>
+          <a:lstStyle/>
+          <a:p>
+            <a:pPr algn="ctr"/>
+            <a:r>
+              <a:rPr lang="en-CA" sz="2000" dirty="0"/>
+              <a:t>View</a:t>
+            </a:r>
+          </a:p>
+        </p:txBody>
+      </p:sp>
+      <p:sp>
+        <p:nvSpPr>
+          <p:cNvPr id="109" name="Rectangle: Rounded Corners 108">
+            <a:extLst>
+              <a:ext uri="{FF2B5EF4-FFF2-40B4-BE49-F238E27FC236}">
+                <a16:creationId xmlns:a16="http://schemas.microsoft.com/office/drawing/2014/main" id="{A13AA74E-1F9D-FA33-8D2B-D7796AB14A28}"/>
+              </a:ext>
+            </a:extLst>
+          </p:cNvPr>
+          <p:cNvSpPr/>
+          <p:nvPr/>
+        </p:nvSpPr>
+        <p:spPr>
+          <a:xfrm>
+            <a:off x="9991797" y="1540324"/>
+            <a:ext cx="1329625" cy="280894"/>
+          </a:xfrm>
+          <a:prstGeom prst="roundRect">
+            <a:avLst/>
+          </a:prstGeom>
+          <a:noFill/>
+        </p:spPr>
+        <p:style>
+          <a:lnRef idx="2">
+            <a:schemeClr val="accent1">
+              <a:shade val="15000"/>
+            </a:schemeClr>
+          </a:lnRef>
+          <a:fillRef idx="1">
+            <a:schemeClr val="accent1"/>
+          </a:fillRef>
+          <a:effectRef idx="0">
+            <a:schemeClr val="accent1"/>
+          </a:effectRef>
+          <a:fontRef idx="minor">
+            <a:schemeClr val="lt1"/>
+          </a:fontRef>
+        </p:style>
+        <p:txBody>
+          <a:bodyPr rtlCol="0" anchor="ctr"/>
+          <a:lstStyle/>
+          <a:p>
+            <a:r>
+              <a:rPr lang="en-CA" sz="1400" dirty="0">
+                <a:solidFill>
+                  <a:schemeClr val="tx1"/>
+                </a:solidFill>
+              </a:rPr>
+              <a:t>User Input</a:t>
+            </a:r>
+          </a:p>
+        </p:txBody>
+      </p:sp>
+      <p:sp>
+        <p:nvSpPr>
+          <p:cNvPr id="110" name="Arc 109">
+            <a:extLst>
+              <a:ext uri="{FF2B5EF4-FFF2-40B4-BE49-F238E27FC236}">
+                <a16:creationId xmlns:a16="http://schemas.microsoft.com/office/drawing/2014/main" id="{DBED7460-5777-4FBF-195C-BC0A319CAAD8}"/>
+              </a:ext>
+            </a:extLst>
+          </p:cNvPr>
+          <p:cNvSpPr/>
+          <p:nvPr/>
+        </p:nvSpPr>
+        <p:spPr>
+          <a:xfrm flipV="1">
+            <a:off x="291740" y="1660571"/>
+            <a:ext cx="16634820" cy="3420288"/>
+          </a:xfrm>
+          <a:prstGeom prst="arc">
+            <a:avLst>
+              <a:gd name="adj1" fmla="val 3102540"/>
+              <a:gd name="adj2" fmla="val 10800727"/>
+            </a:avLst>
+          </a:prstGeom>
+          <a:ln w="34925">
+            <a:solidFill>
+              <a:schemeClr val="accent1"/>
+            </a:solidFill>
+            <a:tailEnd type="arrow"/>
+          </a:ln>
+        </p:spPr>
+        <p:style>
+          <a:lnRef idx="1">
+            <a:schemeClr val="accent1"/>
+          </a:lnRef>
+          <a:fillRef idx="0">
+            <a:schemeClr val="accent1"/>
+          </a:fillRef>
+          <a:effectRef idx="0">
+            <a:schemeClr val="accent1"/>
+          </a:effectRef>
+          <a:fontRef idx="minor">
+            <a:schemeClr val="tx1"/>
+          </a:fontRef>
+        </p:style>
+        <p:txBody>
+          <a:bodyPr rtlCol="0" anchor="ctr"/>
+          <a:lstStyle/>
+          <a:p>
+            <a:pPr algn="ctr"/>
+            <a:endParaRPr lang="en-CA"/>
+          </a:p>
+        </p:txBody>
+      </p:sp>
+    </p:spTree>
+    <p:extLst>
+      <p:ext uri="{BB962C8B-B14F-4D97-AF65-F5344CB8AC3E}">
+        <p14:creationId xmlns:p14="http://schemas.microsoft.com/office/powerpoint/2010/main" val="1465928425"/>
       </p:ext>
     </p:extLst>
   </p:cSld>

--- a/documentation/Hubfx Presentation.pptx
+++ b/documentation/Hubfx Presentation.pptx
@@ -1796,7 +1796,7 @@
           <a:p>
             <a:fld id="{154F4BC5-C275-4A59-82DC-6AFC02DFC54D}" type="datetimeFigureOut">
               <a:rPr lang="en-CA" smtClean="0"/>
-              <a:t>2023-09-30</a:t>
+              <a:t>2023-10-01</a:t>
             </a:fld>
             <a:endParaRPr lang="en-CA"/>
           </a:p>
@@ -1996,7 +1996,7 @@
           <a:p>
             <a:fld id="{154F4BC5-C275-4A59-82DC-6AFC02DFC54D}" type="datetimeFigureOut">
               <a:rPr lang="en-CA" smtClean="0"/>
-              <a:t>2023-09-30</a:t>
+              <a:t>2023-10-01</a:t>
             </a:fld>
             <a:endParaRPr lang="en-CA"/>
           </a:p>
@@ -2206,7 +2206,7 @@
           <a:p>
             <a:fld id="{154F4BC5-C275-4A59-82DC-6AFC02DFC54D}" type="datetimeFigureOut">
               <a:rPr lang="en-CA" smtClean="0"/>
-              <a:t>2023-09-30</a:t>
+              <a:t>2023-10-01</a:t>
             </a:fld>
             <a:endParaRPr lang="en-CA"/>
           </a:p>
@@ -2406,7 +2406,7 @@
           <a:p>
             <a:fld id="{154F4BC5-C275-4A59-82DC-6AFC02DFC54D}" type="datetimeFigureOut">
               <a:rPr lang="en-CA" smtClean="0"/>
-              <a:t>2023-09-30</a:t>
+              <a:t>2023-10-01</a:t>
             </a:fld>
             <a:endParaRPr lang="en-CA"/>
           </a:p>
@@ -2682,7 +2682,7 @@
           <a:p>
             <a:fld id="{154F4BC5-C275-4A59-82DC-6AFC02DFC54D}" type="datetimeFigureOut">
               <a:rPr lang="en-CA" smtClean="0"/>
-              <a:t>2023-09-30</a:t>
+              <a:t>2023-10-01</a:t>
             </a:fld>
             <a:endParaRPr lang="en-CA"/>
           </a:p>
@@ -2950,7 +2950,7 @@
           <a:p>
             <a:fld id="{154F4BC5-C275-4A59-82DC-6AFC02DFC54D}" type="datetimeFigureOut">
               <a:rPr lang="en-CA" smtClean="0"/>
-              <a:t>2023-09-30</a:t>
+              <a:t>2023-10-01</a:t>
             </a:fld>
             <a:endParaRPr lang="en-CA"/>
           </a:p>
@@ -3365,7 +3365,7 @@
           <a:p>
             <a:fld id="{154F4BC5-C275-4A59-82DC-6AFC02DFC54D}" type="datetimeFigureOut">
               <a:rPr lang="en-CA" smtClean="0"/>
-              <a:t>2023-09-30</a:t>
+              <a:t>2023-10-01</a:t>
             </a:fld>
             <a:endParaRPr lang="en-CA"/>
           </a:p>
@@ -3507,7 +3507,7 @@
           <a:p>
             <a:fld id="{154F4BC5-C275-4A59-82DC-6AFC02DFC54D}" type="datetimeFigureOut">
               <a:rPr lang="en-CA" smtClean="0"/>
-              <a:t>2023-09-30</a:t>
+              <a:t>2023-10-01</a:t>
             </a:fld>
             <a:endParaRPr lang="en-CA"/>
           </a:p>
@@ -3620,7 +3620,7 @@
           <a:p>
             <a:fld id="{154F4BC5-C275-4A59-82DC-6AFC02DFC54D}" type="datetimeFigureOut">
               <a:rPr lang="en-CA" smtClean="0"/>
-              <a:t>2023-09-30</a:t>
+              <a:t>2023-10-01</a:t>
             </a:fld>
             <a:endParaRPr lang="en-CA"/>
           </a:p>
@@ -3933,7 +3933,7 @@
           <a:p>
             <a:fld id="{154F4BC5-C275-4A59-82DC-6AFC02DFC54D}" type="datetimeFigureOut">
               <a:rPr lang="en-CA" smtClean="0"/>
-              <a:t>2023-09-30</a:t>
+              <a:t>2023-10-01</a:t>
             </a:fld>
             <a:endParaRPr lang="en-CA"/>
           </a:p>
@@ -4222,7 +4222,7 @@
           <a:p>
             <a:fld id="{154F4BC5-C275-4A59-82DC-6AFC02DFC54D}" type="datetimeFigureOut">
               <a:rPr lang="en-CA" smtClean="0"/>
-              <a:t>2023-09-30</a:t>
+              <a:t>2023-10-01</a:t>
             </a:fld>
             <a:endParaRPr lang="en-CA"/>
           </a:p>
@@ -4465,7 +4465,7 @@
           <a:p>
             <a:fld id="{154F4BC5-C275-4A59-82DC-6AFC02DFC54D}" type="datetimeFigureOut">
               <a:rPr lang="en-CA" smtClean="0"/>
-              <a:t>2023-09-30</a:t>
+              <a:t>2023-10-01</a:t>
             </a:fld>
             <a:endParaRPr lang="en-CA"/>
           </a:p>
@@ -5593,8 +5593,8 @@
         </p:nvSpPr>
         <p:spPr>
           <a:xfrm>
-            <a:off x="3365231" y="2604021"/>
-            <a:ext cx="2390138" cy="1549542"/>
+            <a:off x="3358697" y="2604021"/>
+            <a:ext cx="2396672" cy="1549542"/>
           </a:xfrm>
           <a:prstGeom prst="roundRect">
             <a:avLst/>
@@ -5633,7 +5633,7 @@
                   <a:schemeClr val="tx1"/>
                 </a:solidFill>
               </a:rPr>
-              <a:t>Base Form</a:t>
+              <a:t>Base Form Store</a:t>
             </a:r>
           </a:p>
           <a:p>
@@ -5644,18 +5644,7 @@
                   <a:schemeClr val="tx1"/>
                 </a:solidFill>
               </a:rPr>
-              <a:t>Store</a:t>
-            </a:r>
-          </a:p>
-          <a:p>
-            <a:pPr algn="ctr"/>
-            <a:r>
-              <a:rPr lang="en-CA" sz="2000" dirty="0">
-                <a:solidFill>
-                  <a:schemeClr val="tx1"/>
-                </a:solidFill>
-              </a:rPr>
-              <a:t>(not validated)</a:t>
+              <a:t>(partial validation)</a:t>
             </a:r>
           </a:p>
         </p:txBody>
@@ -6200,8 +6189,8 @@
         </p:nvSpPr>
         <p:spPr>
           <a:xfrm>
-            <a:off x="6694307" y="1699719"/>
-            <a:ext cx="2017026" cy="369332"/>
+            <a:off x="6343510" y="1723917"/>
+            <a:ext cx="2637504" cy="369332"/>
           </a:xfrm>
           <a:prstGeom prst="rect">
             <a:avLst/>
@@ -6216,7 +6205,7 @@
           <a:p>
             <a:r>
               <a:rPr lang="en-CA" dirty="0"/>
-              <a:t>Hub 2 – Validation</a:t>
+              <a:t>Hub 2 – Async Validation</a:t>
             </a:r>
           </a:p>
         </p:txBody>

--- a/documentation/Hubfx Presentation.pptx
+++ b/documentation/Hubfx Presentation.pptx
@@ -15,6 +15,9 @@
     <p:sldId id="263" r:id="rId9"/>
     <p:sldId id="264" r:id="rId10"/>
     <p:sldId id="265" r:id="rId11"/>
+    <p:sldId id="266" r:id="rId12"/>
+    <p:sldId id="267" r:id="rId13"/>
+    <p:sldId id="268" r:id="rId14"/>
   </p:sldIdLst>
   <p:sldSz cx="12192000" cy="6858000"/>
   <p:notesSz cx="6858000" cy="9144000"/>
@@ -1796,7 +1799,7 @@
           <a:p>
             <a:fld id="{154F4BC5-C275-4A59-82DC-6AFC02DFC54D}" type="datetimeFigureOut">
               <a:rPr lang="en-CA" smtClean="0"/>
-              <a:t>2023-10-01</a:t>
+              <a:t>2023-10-10</a:t>
             </a:fld>
             <a:endParaRPr lang="en-CA"/>
           </a:p>
@@ -1996,7 +1999,7 @@
           <a:p>
             <a:fld id="{154F4BC5-C275-4A59-82DC-6AFC02DFC54D}" type="datetimeFigureOut">
               <a:rPr lang="en-CA" smtClean="0"/>
-              <a:t>2023-10-01</a:t>
+              <a:t>2023-10-10</a:t>
             </a:fld>
             <a:endParaRPr lang="en-CA"/>
           </a:p>
@@ -2206,7 +2209,7 @@
           <a:p>
             <a:fld id="{154F4BC5-C275-4A59-82DC-6AFC02DFC54D}" type="datetimeFigureOut">
               <a:rPr lang="en-CA" smtClean="0"/>
-              <a:t>2023-10-01</a:t>
+              <a:t>2023-10-10</a:t>
             </a:fld>
             <a:endParaRPr lang="en-CA"/>
           </a:p>
@@ -2406,7 +2409,7 @@
           <a:p>
             <a:fld id="{154F4BC5-C275-4A59-82DC-6AFC02DFC54D}" type="datetimeFigureOut">
               <a:rPr lang="en-CA" smtClean="0"/>
-              <a:t>2023-10-01</a:t>
+              <a:t>2023-10-10</a:t>
             </a:fld>
             <a:endParaRPr lang="en-CA"/>
           </a:p>
@@ -2682,7 +2685,7 @@
           <a:p>
             <a:fld id="{154F4BC5-C275-4A59-82DC-6AFC02DFC54D}" type="datetimeFigureOut">
               <a:rPr lang="en-CA" smtClean="0"/>
-              <a:t>2023-10-01</a:t>
+              <a:t>2023-10-10</a:t>
             </a:fld>
             <a:endParaRPr lang="en-CA"/>
           </a:p>
@@ -2950,7 +2953,7 @@
           <a:p>
             <a:fld id="{154F4BC5-C275-4A59-82DC-6AFC02DFC54D}" type="datetimeFigureOut">
               <a:rPr lang="en-CA" smtClean="0"/>
-              <a:t>2023-10-01</a:t>
+              <a:t>2023-10-10</a:t>
             </a:fld>
             <a:endParaRPr lang="en-CA"/>
           </a:p>
@@ -3365,7 +3368,7 @@
           <a:p>
             <a:fld id="{154F4BC5-C275-4A59-82DC-6AFC02DFC54D}" type="datetimeFigureOut">
               <a:rPr lang="en-CA" smtClean="0"/>
-              <a:t>2023-10-01</a:t>
+              <a:t>2023-10-10</a:t>
             </a:fld>
             <a:endParaRPr lang="en-CA"/>
           </a:p>
@@ -3507,7 +3510,7 @@
           <a:p>
             <a:fld id="{154F4BC5-C275-4A59-82DC-6AFC02DFC54D}" type="datetimeFigureOut">
               <a:rPr lang="en-CA" smtClean="0"/>
-              <a:t>2023-10-01</a:t>
+              <a:t>2023-10-10</a:t>
             </a:fld>
             <a:endParaRPr lang="en-CA"/>
           </a:p>
@@ -3620,7 +3623,7 @@
           <a:p>
             <a:fld id="{154F4BC5-C275-4A59-82DC-6AFC02DFC54D}" type="datetimeFigureOut">
               <a:rPr lang="en-CA" smtClean="0"/>
-              <a:t>2023-10-01</a:t>
+              <a:t>2023-10-10</a:t>
             </a:fld>
             <a:endParaRPr lang="en-CA"/>
           </a:p>
@@ -3933,7 +3936,7 @@
           <a:p>
             <a:fld id="{154F4BC5-C275-4A59-82DC-6AFC02DFC54D}" type="datetimeFigureOut">
               <a:rPr lang="en-CA" smtClean="0"/>
-              <a:t>2023-10-01</a:t>
+              <a:t>2023-10-10</a:t>
             </a:fld>
             <a:endParaRPr lang="en-CA"/>
           </a:p>
@@ -4222,7 +4225,7 @@
           <a:p>
             <a:fld id="{154F4BC5-C275-4A59-82DC-6AFC02DFC54D}" type="datetimeFigureOut">
               <a:rPr lang="en-CA" smtClean="0"/>
-              <a:t>2023-10-01</a:t>
+              <a:t>2023-10-10</a:t>
             </a:fld>
             <a:endParaRPr lang="en-CA"/>
           </a:p>
@@ -4465,7 +4468,7 @@
           <a:p>
             <a:fld id="{154F4BC5-C275-4A59-82DC-6AFC02DFC54D}" type="datetimeFigureOut">
               <a:rPr lang="en-CA" smtClean="0"/>
-              <a:t>2023-10-01</a:t>
+              <a:t>2023-10-10</a:t>
             </a:fld>
             <a:endParaRPr lang="en-CA"/>
           </a:p>
@@ -7370,6 +7373,3349 @@
     <p:extLst>
       <p:ext uri="{BB962C8B-B14F-4D97-AF65-F5344CB8AC3E}">
         <p14:creationId xmlns:p14="http://schemas.microsoft.com/office/powerpoint/2010/main" val="1465928425"/>
+      </p:ext>
+    </p:extLst>
+  </p:cSld>
+  <p:clrMapOvr>
+    <a:masterClrMapping/>
+  </p:clrMapOvr>
+</p:sld>
+</file>
+
+<file path=ppt/slides/slide11.xml><?xml version="1.0" encoding="utf-8"?>
+<p:sld xmlns:a="http://schemas.openxmlformats.org/drawingml/2006/main" xmlns:r="http://schemas.openxmlformats.org/officeDocument/2006/relationships" xmlns:p="http://schemas.openxmlformats.org/presentationml/2006/main">
+  <p:cSld>
+    <p:spTree>
+      <p:nvGrpSpPr>
+        <p:cNvPr id="1" name=""/>
+        <p:cNvGrpSpPr/>
+        <p:nvPr/>
+      </p:nvGrpSpPr>
+      <p:grpSpPr>
+        <a:xfrm>
+          <a:off x="0" y="0"/>
+          <a:ext cx="0" cy="0"/>
+          <a:chOff x="0" y="0"/>
+          <a:chExt cx="0" cy="0"/>
+        </a:xfrm>
+      </p:grpSpPr>
+      <p:cxnSp>
+        <p:nvCxnSpPr>
+          <p:cNvPr id="5" name="Straight Arrow Connector 4">
+            <a:extLst>
+              <a:ext uri="{FF2B5EF4-FFF2-40B4-BE49-F238E27FC236}">
+                <a16:creationId xmlns:a16="http://schemas.microsoft.com/office/drawing/2014/main" id="{4D57241C-FD8F-6E69-D1C7-1CEC88535E98}"/>
+              </a:ext>
+            </a:extLst>
+          </p:cNvPr>
+          <p:cNvCxnSpPr>
+            <a:cxnSpLocks/>
+            <a:endCxn id="7" idx="1"/>
+          </p:cNvCxnSpPr>
+          <p:nvPr/>
+        </p:nvCxnSpPr>
+        <p:spPr>
+          <a:xfrm flipV="1">
+            <a:off x="386080" y="3734552"/>
+            <a:ext cx="8737604" cy="80295"/>
+          </a:xfrm>
+          <a:prstGeom prst="straightConnector1">
+            <a:avLst/>
+          </a:prstGeom>
+          <a:ln w="57150">
+            <a:tailEnd type="arrow"/>
+          </a:ln>
+        </p:spPr>
+        <p:style>
+          <a:lnRef idx="1">
+            <a:schemeClr val="accent1"/>
+          </a:lnRef>
+          <a:fillRef idx="0">
+            <a:schemeClr val="accent1"/>
+          </a:fillRef>
+          <a:effectRef idx="0">
+            <a:schemeClr val="accent1"/>
+          </a:effectRef>
+          <a:fontRef idx="minor">
+            <a:schemeClr val="tx1"/>
+          </a:fontRef>
+        </p:style>
+      </p:cxnSp>
+      <p:sp>
+        <p:nvSpPr>
+          <p:cNvPr id="7" name="Rectangle: Rounded Corners 6">
+            <a:extLst>
+              <a:ext uri="{FF2B5EF4-FFF2-40B4-BE49-F238E27FC236}">
+                <a16:creationId xmlns:a16="http://schemas.microsoft.com/office/drawing/2014/main" id="{5212D68A-7D3D-67A8-D6E8-310B59CC5D21}"/>
+              </a:ext>
+            </a:extLst>
+          </p:cNvPr>
+          <p:cNvSpPr/>
+          <p:nvPr/>
+        </p:nvSpPr>
+        <p:spPr>
+          <a:xfrm>
+            <a:off x="9123684" y="3231632"/>
+            <a:ext cx="1849120" cy="1005839"/>
+          </a:xfrm>
+          <a:prstGeom prst="roundRect">
+            <a:avLst/>
+          </a:prstGeom>
+          <a:solidFill>
+            <a:schemeClr val="accent4">
+              <a:lumMod val="20000"/>
+              <a:lumOff val="80000"/>
+            </a:schemeClr>
+          </a:solidFill>
+        </p:spPr>
+        <p:style>
+          <a:lnRef idx="2">
+            <a:schemeClr val="accent1">
+              <a:shade val="15000"/>
+            </a:schemeClr>
+          </a:lnRef>
+          <a:fillRef idx="1">
+            <a:schemeClr val="accent1"/>
+          </a:fillRef>
+          <a:effectRef idx="0">
+            <a:schemeClr val="accent1"/>
+          </a:effectRef>
+          <a:fontRef idx="minor">
+            <a:schemeClr val="lt1"/>
+          </a:fontRef>
+        </p:style>
+        <p:txBody>
+          <a:bodyPr rtlCol="0" anchor="ctr"/>
+          <a:lstStyle/>
+          <a:p>
+            <a:pPr algn="ctr"/>
+            <a:r>
+              <a:rPr lang="en-CA" sz="2400" dirty="0">
+                <a:solidFill>
+                  <a:schemeClr val="tx1"/>
+                </a:solidFill>
+              </a:rPr>
+              <a:t>Store</a:t>
+            </a:r>
+          </a:p>
+        </p:txBody>
+      </p:sp>
+      <p:sp>
+        <p:nvSpPr>
+          <p:cNvPr id="12" name="Oval 11">
+            <a:extLst>
+              <a:ext uri="{FF2B5EF4-FFF2-40B4-BE49-F238E27FC236}">
+                <a16:creationId xmlns:a16="http://schemas.microsoft.com/office/drawing/2014/main" id="{520AABD6-6D11-224E-A000-31969392AE8F}"/>
+              </a:ext>
+            </a:extLst>
+          </p:cNvPr>
+          <p:cNvSpPr/>
+          <p:nvPr/>
+        </p:nvSpPr>
+        <p:spPr>
+          <a:xfrm>
+            <a:off x="6796727" y="3564402"/>
+            <a:ext cx="406398" cy="406398"/>
+          </a:xfrm>
+          <a:prstGeom prst="ellipse">
+            <a:avLst/>
+          </a:prstGeom>
+          <a:solidFill>
+            <a:schemeClr val="accent6">
+              <a:lumMod val="40000"/>
+              <a:lumOff val="60000"/>
+            </a:schemeClr>
+          </a:solidFill>
+        </p:spPr>
+        <p:style>
+          <a:lnRef idx="2">
+            <a:schemeClr val="accent1">
+              <a:shade val="15000"/>
+            </a:schemeClr>
+          </a:lnRef>
+          <a:fillRef idx="1">
+            <a:schemeClr val="accent1"/>
+          </a:fillRef>
+          <a:effectRef idx="0">
+            <a:schemeClr val="accent1"/>
+          </a:effectRef>
+          <a:fontRef idx="minor">
+            <a:schemeClr val="lt1"/>
+          </a:fontRef>
+        </p:style>
+        <p:txBody>
+          <a:bodyPr rtlCol="0" anchor="ctr"/>
+          <a:lstStyle/>
+          <a:p>
+            <a:pPr algn="ctr"/>
+            <a:endParaRPr lang="en-CA"/>
+          </a:p>
+        </p:txBody>
+      </p:sp>
+      <p:sp>
+        <p:nvSpPr>
+          <p:cNvPr id="15" name="TextBox 14">
+            <a:extLst>
+              <a:ext uri="{FF2B5EF4-FFF2-40B4-BE49-F238E27FC236}">
+                <a16:creationId xmlns:a16="http://schemas.microsoft.com/office/drawing/2014/main" id="{DFED59AE-8C4A-0B06-CA15-802FCEB0E30B}"/>
+              </a:ext>
+            </a:extLst>
+          </p:cNvPr>
+          <p:cNvSpPr txBox="1"/>
+          <p:nvPr/>
+        </p:nvSpPr>
+        <p:spPr>
+          <a:xfrm>
+            <a:off x="3209603" y="479288"/>
+            <a:ext cx="3980697" cy="954107"/>
+          </a:xfrm>
+          <a:prstGeom prst="rect">
+            <a:avLst/>
+          </a:prstGeom>
+          <a:noFill/>
+        </p:spPr>
+        <p:txBody>
+          <a:bodyPr wrap="square" rtlCol="0">
+            <a:spAutoFit/>
+          </a:bodyPr>
+          <a:lstStyle/>
+          <a:p>
+            <a:r>
+              <a:rPr lang="en-CA" sz="2800" dirty="0"/>
+              <a:t>Basic Counter Example</a:t>
+            </a:r>
+          </a:p>
+          <a:p>
+            <a:endParaRPr lang="en-CA" sz="2800" dirty="0"/>
+          </a:p>
+        </p:txBody>
+      </p:sp>
+      <p:sp>
+        <p:nvSpPr>
+          <p:cNvPr id="16" name="Oval 15">
+            <a:extLst>
+              <a:ext uri="{FF2B5EF4-FFF2-40B4-BE49-F238E27FC236}">
+                <a16:creationId xmlns:a16="http://schemas.microsoft.com/office/drawing/2014/main" id="{2CFA347A-8CC0-A2A4-962B-390CE3D6DDA6}"/>
+              </a:ext>
+            </a:extLst>
+          </p:cNvPr>
+          <p:cNvSpPr/>
+          <p:nvPr/>
+        </p:nvSpPr>
+        <p:spPr>
+          <a:xfrm>
+            <a:off x="1442720" y="1188255"/>
+            <a:ext cx="6746240" cy="5253185"/>
+          </a:xfrm>
+          <a:prstGeom prst="ellipse">
+            <a:avLst/>
+          </a:prstGeom>
+          <a:noFill/>
+          <a:ln w="38100">
+            <a:prstDash val="lgDash"/>
+          </a:ln>
+        </p:spPr>
+        <p:style>
+          <a:lnRef idx="2">
+            <a:schemeClr val="accent1">
+              <a:shade val="15000"/>
+            </a:schemeClr>
+          </a:lnRef>
+          <a:fillRef idx="1">
+            <a:schemeClr val="accent1"/>
+          </a:fillRef>
+          <a:effectRef idx="0">
+            <a:schemeClr val="accent1"/>
+          </a:effectRef>
+          <a:fontRef idx="minor">
+            <a:schemeClr val="lt1"/>
+          </a:fontRef>
+        </p:style>
+        <p:txBody>
+          <a:bodyPr rtlCol="0" anchor="ctr"/>
+          <a:lstStyle/>
+          <a:p>
+            <a:pPr algn="ctr"/>
+            <a:endParaRPr lang="en-CA"/>
+          </a:p>
+        </p:txBody>
+      </p:sp>
+      <p:sp>
+        <p:nvSpPr>
+          <p:cNvPr id="18" name="Oval 17">
+            <a:extLst>
+              <a:ext uri="{FF2B5EF4-FFF2-40B4-BE49-F238E27FC236}">
+                <a16:creationId xmlns:a16="http://schemas.microsoft.com/office/drawing/2014/main" id="{2B2DC22D-4CFC-D293-F0EF-EBEB7D7A89D8}"/>
+              </a:ext>
+            </a:extLst>
+          </p:cNvPr>
+          <p:cNvSpPr/>
+          <p:nvPr/>
+        </p:nvSpPr>
+        <p:spPr>
+          <a:xfrm>
+            <a:off x="4573750" y="3582935"/>
+            <a:ext cx="406398" cy="406398"/>
+          </a:xfrm>
+          <a:prstGeom prst="ellipse">
+            <a:avLst/>
+          </a:prstGeom>
+          <a:solidFill>
+            <a:schemeClr val="accent2">
+              <a:lumMod val="40000"/>
+              <a:lumOff val="60000"/>
+            </a:schemeClr>
+          </a:solidFill>
+        </p:spPr>
+        <p:style>
+          <a:lnRef idx="2">
+            <a:schemeClr val="accent1">
+              <a:shade val="15000"/>
+            </a:schemeClr>
+          </a:lnRef>
+          <a:fillRef idx="1">
+            <a:schemeClr val="accent1"/>
+          </a:fillRef>
+          <a:effectRef idx="0">
+            <a:schemeClr val="accent1"/>
+          </a:effectRef>
+          <a:fontRef idx="minor">
+            <a:schemeClr val="lt1"/>
+          </a:fontRef>
+        </p:style>
+        <p:txBody>
+          <a:bodyPr rtlCol="0" anchor="ctr"/>
+          <a:lstStyle/>
+          <a:p>
+            <a:pPr algn="ctr"/>
+            <a:endParaRPr lang="en-CA"/>
+          </a:p>
+        </p:txBody>
+      </p:sp>
+      <p:sp>
+        <p:nvSpPr>
+          <p:cNvPr id="10" name="TextBox 9">
+            <a:extLst>
+              <a:ext uri="{FF2B5EF4-FFF2-40B4-BE49-F238E27FC236}">
+                <a16:creationId xmlns:a16="http://schemas.microsoft.com/office/drawing/2014/main" id="{0DE2DCF6-810D-52DD-C2CF-D8B2DED47CC8}"/>
+              </a:ext>
+            </a:extLst>
+          </p:cNvPr>
+          <p:cNvSpPr txBox="1"/>
+          <p:nvPr/>
+        </p:nvSpPr>
+        <p:spPr>
+          <a:xfrm>
+            <a:off x="1781809" y="3582935"/>
+            <a:ext cx="1381761" cy="369332"/>
+          </a:xfrm>
+          <a:prstGeom prst="rect">
+            <a:avLst/>
+          </a:prstGeom>
+          <a:solidFill>
+            <a:schemeClr val="bg1"/>
+          </a:solidFill>
+          <a:ln>
+            <a:solidFill>
+              <a:schemeClr val="accent1">
+                <a:shade val="15000"/>
+              </a:schemeClr>
+            </a:solidFill>
+          </a:ln>
+        </p:spPr>
+        <p:txBody>
+          <a:bodyPr wrap="square" rtlCol="0">
+            <a:spAutoFit/>
+          </a:bodyPr>
+          <a:lstStyle/>
+          <a:p>
+            <a:pPr algn="ctr"/>
+            <a:r>
+              <a:rPr lang="en-CA" dirty="0"/>
+              <a:t>dispatcher$</a:t>
+            </a:r>
+          </a:p>
+        </p:txBody>
+      </p:sp>
+      <p:sp>
+        <p:nvSpPr>
+          <p:cNvPr id="3" name="TextBox 2">
+            <a:extLst>
+              <a:ext uri="{FF2B5EF4-FFF2-40B4-BE49-F238E27FC236}">
+                <a16:creationId xmlns:a16="http://schemas.microsoft.com/office/drawing/2014/main" id="{F872867C-CD13-4F11-BF4C-E81593436CDB}"/>
+              </a:ext>
+            </a:extLst>
+          </p:cNvPr>
+          <p:cNvSpPr txBox="1"/>
+          <p:nvPr/>
+        </p:nvSpPr>
+        <p:spPr>
+          <a:xfrm>
+            <a:off x="6457289" y="3997446"/>
+            <a:ext cx="1466022" cy="369332"/>
+          </a:xfrm>
+          <a:prstGeom prst="rect">
+            <a:avLst/>
+          </a:prstGeom>
+          <a:noFill/>
+        </p:spPr>
+        <p:txBody>
+          <a:bodyPr wrap="square" rtlCol="0">
+            <a:spAutoFit/>
+          </a:bodyPr>
+          <a:lstStyle/>
+          <a:p>
+            <a:r>
+              <a:rPr lang="en-CA" dirty="0"/>
+              <a:t>INCREMENT</a:t>
+            </a:r>
+          </a:p>
+        </p:txBody>
+      </p:sp>
+      <p:sp>
+        <p:nvSpPr>
+          <p:cNvPr id="4" name="TextBox 3">
+            <a:extLst>
+              <a:ext uri="{FF2B5EF4-FFF2-40B4-BE49-F238E27FC236}">
+                <a16:creationId xmlns:a16="http://schemas.microsoft.com/office/drawing/2014/main" id="{94478DCB-C78A-7590-98BB-FE252ABD5A3C}"/>
+              </a:ext>
+            </a:extLst>
+          </p:cNvPr>
+          <p:cNvSpPr txBox="1"/>
+          <p:nvPr/>
+        </p:nvSpPr>
+        <p:spPr>
+          <a:xfrm>
+            <a:off x="4388294" y="4052805"/>
+            <a:ext cx="1466022" cy="369332"/>
+          </a:xfrm>
+          <a:prstGeom prst="rect">
+            <a:avLst/>
+          </a:prstGeom>
+          <a:noFill/>
+        </p:spPr>
+        <p:txBody>
+          <a:bodyPr wrap="square" rtlCol="0">
+            <a:spAutoFit/>
+          </a:bodyPr>
+          <a:lstStyle/>
+          <a:p>
+            <a:r>
+              <a:rPr lang="en-CA" dirty="0"/>
+              <a:t>RESET</a:t>
+            </a:r>
+          </a:p>
+        </p:txBody>
+      </p:sp>
+    </p:spTree>
+    <p:extLst>
+      <p:ext uri="{BB962C8B-B14F-4D97-AF65-F5344CB8AC3E}">
+        <p14:creationId xmlns:p14="http://schemas.microsoft.com/office/powerpoint/2010/main" val="1004788944"/>
+      </p:ext>
+    </p:extLst>
+  </p:cSld>
+  <p:clrMapOvr>
+    <a:masterClrMapping/>
+  </p:clrMapOvr>
+</p:sld>
+</file>
+
+<file path=ppt/slides/slide12.xml><?xml version="1.0" encoding="utf-8"?>
+<p:sld xmlns:a="http://schemas.openxmlformats.org/drawingml/2006/main" xmlns:r="http://schemas.openxmlformats.org/officeDocument/2006/relationships" xmlns:p="http://schemas.openxmlformats.org/presentationml/2006/main">
+  <p:cSld>
+    <p:spTree>
+      <p:nvGrpSpPr>
+        <p:cNvPr id="1" name=""/>
+        <p:cNvGrpSpPr/>
+        <p:nvPr/>
+      </p:nvGrpSpPr>
+      <p:grpSpPr>
+        <a:xfrm>
+          <a:off x="0" y="0"/>
+          <a:ext cx="0" cy="0"/>
+          <a:chOff x="0" y="0"/>
+          <a:chExt cx="0" cy="0"/>
+        </a:xfrm>
+      </p:grpSpPr>
+      <p:cxnSp>
+        <p:nvCxnSpPr>
+          <p:cNvPr id="5" name="Straight Arrow Connector 4">
+            <a:extLst>
+              <a:ext uri="{FF2B5EF4-FFF2-40B4-BE49-F238E27FC236}">
+                <a16:creationId xmlns:a16="http://schemas.microsoft.com/office/drawing/2014/main" id="{4D57241C-FD8F-6E69-D1C7-1CEC88535E98}"/>
+              </a:ext>
+            </a:extLst>
+          </p:cNvPr>
+          <p:cNvCxnSpPr>
+            <a:cxnSpLocks/>
+            <a:endCxn id="7" idx="1"/>
+          </p:cNvCxnSpPr>
+          <p:nvPr/>
+        </p:nvCxnSpPr>
+        <p:spPr>
+          <a:xfrm>
+            <a:off x="714375" y="3216392"/>
+            <a:ext cx="9628505" cy="0"/>
+          </a:xfrm>
+          <a:prstGeom prst="straightConnector1">
+            <a:avLst/>
+          </a:prstGeom>
+          <a:ln w="57150">
+            <a:tailEnd type="arrow"/>
+          </a:ln>
+        </p:spPr>
+        <p:style>
+          <a:lnRef idx="1">
+            <a:schemeClr val="accent1"/>
+          </a:lnRef>
+          <a:fillRef idx="0">
+            <a:schemeClr val="accent1"/>
+          </a:fillRef>
+          <a:effectRef idx="0">
+            <a:schemeClr val="accent1"/>
+          </a:effectRef>
+          <a:fontRef idx="minor">
+            <a:schemeClr val="tx1"/>
+          </a:fontRef>
+        </p:style>
+      </p:cxnSp>
+      <p:sp>
+        <p:nvSpPr>
+          <p:cNvPr id="7" name="Rectangle: Rounded Corners 6">
+            <a:extLst>
+              <a:ext uri="{FF2B5EF4-FFF2-40B4-BE49-F238E27FC236}">
+                <a16:creationId xmlns:a16="http://schemas.microsoft.com/office/drawing/2014/main" id="{5212D68A-7D3D-67A8-D6E8-310B59CC5D21}"/>
+              </a:ext>
+            </a:extLst>
+          </p:cNvPr>
+          <p:cNvSpPr/>
+          <p:nvPr/>
+        </p:nvSpPr>
+        <p:spPr>
+          <a:xfrm>
+            <a:off x="10342880" y="2713472"/>
+            <a:ext cx="1849120" cy="1005839"/>
+          </a:xfrm>
+          <a:prstGeom prst="roundRect">
+            <a:avLst/>
+          </a:prstGeom>
+          <a:solidFill>
+            <a:schemeClr val="accent4">
+              <a:lumMod val="20000"/>
+              <a:lumOff val="80000"/>
+            </a:schemeClr>
+          </a:solidFill>
+        </p:spPr>
+        <p:style>
+          <a:lnRef idx="2">
+            <a:schemeClr val="accent1">
+              <a:shade val="15000"/>
+            </a:schemeClr>
+          </a:lnRef>
+          <a:fillRef idx="1">
+            <a:schemeClr val="accent1"/>
+          </a:fillRef>
+          <a:effectRef idx="0">
+            <a:schemeClr val="accent1"/>
+          </a:effectRef>
+          <a:fontRef idx="minor">
+            <a:schemeClr val="lt1"/>
+          </a:fontRef>
+        </p:style>
+        <p:txBody>
+          <a:bodyPr rtlCol="0" anchor="ctr"/>
+          <a:lstStyle/>
+          <a:p>
+            <a:pPr algn="ctr"/>
+            <a:r>
+              <a:rPr lang="en-CA" sz="2400" dirty="0">
+                <a:solidFill>
+                  <a:schemeClr val="tx1"/>
+                </a:solidFill>
+              </a:rPr>
+              <a:t>Store</a:t>
+            </a:r>
+          </a:p>
+        </p:txBody>
+      </p:sp>
+      <p:sp>
+        <p:nvSpPr>
+          <p:cNvPr id="16" name="Oval 15">
+            <a:extLst>
+              <a:ext uri="{FF2B5EF4-FFF2-40B4-BE49-F238E27FC236}">
+                <a16:creationId xmlns:a16="http://schemas.microsoft.com/office/drawing/2014/main" id="{2CFA347A-8CC0-A2A4-962B-390CE3D6DDA6}"/>
+              </a:ext>
+            </a:extLst>
+          </p:cNvPr>
+          <p:cNvSpPr/>
+          <p:nvPr/>
+        </p:nvSpPr>
+        <p:spPr>
+          <a:xfrm>
+            <a:off x="990600" y="967661"/>
+            <a:ext cx="8864596" cy="4497457"/>
+          </a:xfrm>
+          <a:prstGeom prst="ellipse">
+            <a:avLst/>
+          </a:prstGeom>
+          <a:noFill/>
+          <a:ln w="38100">
+            <a:prstDash val="lgDash"/>
+          </a:ln>
+        </p:spPr>
+        <p:style>
+          <a:lnRef idx="2">
+            <a:schemeClr val="accent1">
+              <a:shade val="15000"/>
+            </a:schemeClr>
+          </a:lnRef>
+          <a:fillRef idx="1">
+            <a:schemeClr val="accent1"/>
+          </a:fillRef>
+          <a:effectRef idx="0">
+            <a:schemeClr val="accent1"/>
+          </a:effectRef>
+          <a:fontRef idx="minor">
+            <a:schemeClr val="lt1"/>
+          </a:fontRef>
+        </p:style>
+        <p:txBody>
+          <a:bodyPr rtlCol="0" anchor="ctr"/>
+          <a:lstStyle/>
+          <a:p>
+            <a:pPr algn="ctr"/>
+            <a:endParaRPr lang="en-CA"/>
+          </a:p>
+        </p:txBody>
+      </p:sp>
+      <p:sp>
+        <p:nvSpPr>
+          <p:cNvPr id="27" name="Oval 26">
+            <a:extLst>
+              <a:ext uri="{FF2B5EF4-FFF2-40B4-BE49-F238E27FC236}">
+                <a16:creationId xmlns:a16="http://schemas.microsoft.com/office/drawing/2014/main" id="{514B41B0-4BF6-3B8F-6513-CDE036CFB98E}"/>
+              </a:ext>
+            </a:extLst>
+          </p:cNvPr>
+          <p:cNvSpPr/>
+          <p:nvPr/>
+        </p:nvSpPr>
+        <p:spPr>
+          <a:xfrm>
+            <a:off x="1757198" y="2862326"/>
+            <a:ext cx="655495" cy="655495"/>
+          </a:xfrm>
+          <a:prstGeom prst="ellipse">
+            <a:avLst/>
+          </a:prstGeom>
+          <a:solidFill>
+            <a:schemeClr val="accent2">
+              <a:alpha val="50000"/>
+            </a:schemeClr>
+          </a:solidFill>
+        </p:spPr>
+        <p:style>
+          <a:lnRef idx="2">
+            <a:schemeClr val="accent1">
+              <a:shade val="15000"/>
+            </a:schemeClr>
+          </a:lnRef>
+          <a:fillRef idx="1">
+            <a:schemeClr val="accent1"/>
+          </a:fillRef>
+          <a:effectRef idx="0">
+            <a:schemeClr val="accent1"/>
+          </a:effectRef>
+          <a:fontRef idx="minor">
+            <a:schemeClr val="lt1"/>
+          </a:fontRef>
+        </p:style>
+        <p:txBody>
+          <a:bodyPr rtlCol="0" anchor="ctr"/>
+          <a:lstStyle/>
+          <a:p>
+            <a:pPr algn="ctr"/>
+            <a:endParaRPr lang="en-CA"/>
+          </a:p>
+        </p:txBody>
+      </p:sp>
+      <p:sp>
+        <p:nvSpPr>
+          <p:cNvPr id="28" name="Oval 27">
+            <a:extLst>
+              <a:ext uri="{FF2B5EF4-FFF2-40B4-BE49-F238E27FC236}">
+                <a16:creationId xmlns:a16="http://schemas.microsoft.com/office/drawing/2014/main" id="{F4E3AD08-8E9F-7B85-0D10-C01DB2BE4B9A}"/>
+              </a:ext>
+            </a:extLst>
+          </p:cNvPr>
+          <p:cNvSpPr/>
+          <p:nvPr/>
+        </p:nvSpPr>
+        <p:spPr>
+          <a:xfrm>
+            <a:off x="1490018" y="2862369"/>
+            <a:ext cx="655495" cy="655495"/>
+          </a:xfrm>
+          <a:prstGeom prst="ellipse">
+            <a:avLst/>
+          </a:prstGeom>
+          <a:solidFill>
+            <a:schemeClr val="accent2">
+              <a:alpha val="50000"/>
+            </a:schemeClr>
+          </a:solidFill>
+        </p:spPr>
+        <p:style>
+          <a:lnRef idx="2">
+            <a:schemeClr val="accent1">
+              <a:shade val="15000"/>
+            </a:schemeClr>
+          </a:lnRef>
+          <a:fillRef idx="1">
+            <a:schemeClr val="accent1"/>
+          </a:fillRef>
+          <a:effectRef idx="0">
+            <a:schemeClr val="accent1"/>
+          </a:effectRef>
+          <a:fontRef idx="minor">
+            <a:schemeClr val="lt1"/>
+          </a:fontRef>
+        </p:style>
+        <p:txBody>
+          <a:bodyPr rtlCol="0" anchor="ctr"/>
+          <a:lstStyle/>
+          <a:p>
+            <a:pPr algn="ctr"/>
+            <a:endParaRPr lang="en-CA"/>
+          </a:p>
+        </p:txBody>
+      </p:sp>
+      <p:sp>
+        <p:nvSpPr>
+          <p:cNvPr id="33" name="Arc 32">
+            <a:extLst>
+              <a:ext uri="{FF2B5EF4-FFF2-40B4-BE49-F238E27FC236}">
+                <a16:creationId xmlns:a16="http://schemas.microsoft.com/office/drawing/2014/main" id="{332FFE7B-C361-FC63-030B-BFF9C1C84E71}"/>
+              </a:ext>
+            </a:extLst>
+          </p:cNvPr>
+          <p:cNvSpPr/>
+          <p:nvPr/>
+        </p:nvSpPr>
+        <p:spPr>
+          <a:xfrm flipV="1">
+            <a:off x="1579880" y="2489004"/>
+            <a:ext cx="8864596" cy="1615363"/>
+          </a:xfrm>
+          <a:prstGeom prst="arc">
+            <a:avLst>
+              <a:gd name="adj1" fmla="val 10769572"/>
+              <a:gd name="adj2" fmla="val 21373139"/>
+            </a:avLst>
+          </a:prstGeom>
+          <a:ln w="57150">
+            <a:solidFill>
+              <a:schemeClr val="accent2"/>
+            </a:solidFill>
+            <a:tailEnd type="arrow"/>
+          </a:ln>
+        </p:spPr>
+        <p:style>
+          <a:lnRef idx="1">
+            <a:schemeClr val="accent1"/>
+          </a:lnRef>
+          <a:fillRef idx="0">
+            <a:schemeClr val="accent1"/>
+          </a:fillRef>
+          <a:effectRef idx="0">
+            <a:schemeClr val="accent1"/>
+          </a:effectRef>
+          <a:fontRef idx="minor">
+            <a:schemeClr val="tx1"/>
+          </a:fontRef>
+        </p:style>
+        <p:txBody>
+          <a:bodyPr rtlCol="0" anchor="ctr"/>
+          <a:lstStyle/>
+          <a:p>
+            <a:pPr algn="ctr"/>
+            <a:endParaRPr lang="en-CA"/>
+          </a:p>
+        </p:txBody>
+      </p:sp>
+      <p:sp>
+        <p:nvSpPr>
+          <p:cNvPr id="35" name="Arc 34">
+            <a:extLst>
+              <a:ext uri="{FF2B5EF4-FFF2-40B4-BE49-F238E27FC236}">
+                <a16:creationId xmlns:a16="http://schemas.microsoft.com/office/drawing/2014/main" id="{219CA8B1-EBA7-F130-31B2-715D0FD356E4}"/>
+              </a:ext>
+            </a:extLst>
+          </p:cNvPr>
+          <p:cNvSpPr/>
+          <p:nvPr/>
+        </p:nvSpPr>
+        <p:spPr>
+          <a:xfrm>
+            <a:off x="1597427" y="1747381"/>
+            <a:ext cx="8864596" cy="2681871"/>
+          </a:xfrm>
+          <a:prstGeom prst="arc">
+            <a:avLst>
+              <a:gd name="adj1" fmla="val 10769572"/>
+              <a:gd name="adj2" fmla="val 21373139"/>
+            </a:avLst>
+          </a:prstGeom>
+          <a:ln w="57150">
+            <a:solidFill>
+              <a:schemeClr val="accent2"/>
+            </a:solidFill>
+            <a:tailEnd type="arrow"/>
+          </a:ln>
+        </p:spPr>
+        <p:style>
+          <a:lnRef idx="1">
+            <a:schemeClr val="accent1"/>
+          </a:lnRef>
+          <a:fillRef idx="0">
+            <a:schemeClr val="accent1"/>
+          </a:fillRef>
+          <a:effectRef idx="0">
+            <a:schemeClr val="accent1"/>
+          </a:effectRef>
+          <a:fontRef idx="minor">
+            <a:schemeClr val="tx1"/>
+          </a:fontRef>
+        </p:style>
+        <p:txBody>
+          <a:bodyPr rtlCol="0" anchor="ctr"/>
+          <a:lstStyle/>
+          <a:p>
+            <a:pPr algn="ctr"/>
+            <a:endParaRPr lang="en-CA"/>
+          </a:p>
+        </p:txBody>
+      </p:sp>
+      <p:sp>
+        <p:nvSpPr>
+          <p:cNvPr id="38" name="Oval 37">
+            <a:extLst>
+              <a:ext uri="{FF2B5EF4-FFF2-40B4-BE49-F238E27FC236}">
+                <a16:creationId xmlns:a16="http://schemas.microsoft.com/office/drawing/2014/main" id="{44639066-94DF-F17D-4DD8-5936189C1732}"/>
+              </a:ext>
+            </a:extLst>
+          </p:cNvPr>
+          <p:cNvSpPr/>
+          <p:nvPr/>
+        </p:nvSpPr>
+        <p:spPr>
+          <a:xfrm>
+            <a:off x="7336663" y="2918371"/>
+            <a:ext cx="655495" cy="655495"/>
+          </a:xfrm>
+          <a:prstGeom prst="ellipse">
+            <a:avLst/>
+          </a:prstGeom>
+          <a:solidFill>
+            <a:schemeClr val="accent2"/>
+          </a:solidFill>
+        </p:spPr>
+        <p:style>
+          <a:lnRef idx="2">
+            <a:schemeClr val="accent1">
+              <a:shade val="15000"/>
+            </a:schemeClr>
+          </a:lnRef>
+          <a:fillRef idx="1">
+            <a:schemeClr val="accent1"/>
+          </a:fillRef>
+          <a:effectRef idx="0">
+            <a:schemeClr val="accent1"/>
+          </a:effectRef>
+          <a:fontRef idx="minor">
+            <a:schemeClr val="lt1"/>
+          </a:fontRef>
+        </p:style>
+        <p:txBody>
+          <a:bodyPr rtlCol="0" anchor="ctr"/>
+          <a:lstStyle/>
+          <a:p>
+            <a:pPr algn="ctr"/>
+            <a:r>
+              <a:rPr lang="en-CA" sz="1200" dirty="0"/>
+              <a:t>id: 2</a:t>
+            </a:r>
+          </a:p>
+        </p:txBody>
+      </p:sp>
+      <p:sp>
+        <p:nvSpPr>
+          <p:cNvPr id="39" name="Oval 38">
+            <a:extLst>
+              <a:ext uri="{FF2B5EF4-FFF2-40B4-BE49-F238E27FC236}">
+                <a16:creationId xmlns:a16="http://schemas.microsoft.com/office/drawing/2014/main" id="{20446432-E406-C4A9-CD78-8064AF5BF0A6}"/>
+              </a:ext>
+            </a:extLst>
+          </p:cNvPr>
+          <p:cNvSpPr/>
+          <p:nvPr/>
+        </p:nvSpPr>
+        <p:spPr>
+          <a:xfrm>
+            <a:off x="8183449" y="2888643"/>
+            <a:ext cx="655495" cy="655495"/>
+          </a:xfrm>
+          <a:prstGeom prst="ellipse">
+            <a:avLst/>
+          </a:prstGeom>
+          <a:solidFill>
+            <a:schemeClr val="accent2"/>
+          </a:solidFill>
+        </p:spPr>
+        <p:style>
+          <a:lnRef idx="2">
+            <a:schemeClr val="accent1">
+              <a:shade val="15000"/>
+            </a:schemeClr>
+          </a:lnRef>
+          <a:fillRef idx="1">
+            <a:schemeClr val="accent1"/>
+          </a:fillRef>
+          <a:effectRef idx="0">
+            <a:schemeClr val="accent1"/>
+          </a:effectRef>
+          <a:fontRef idx="minor">
+            <a:schemeClr val="lt1"/>
+          </a:fontRef>
+        </p:style>
+        <p:txBody>
+          <a:bodyPr rtlCol="0" anchor="ctr"/>
+          <a:lstStyle/>
+          <a:p>
+            <a:pPr algn="ctr"/>
+            <a:r>
+              <a:rPr lang="en-CA" sz="1200" dirty="0"/>
+              <a:t>id: 1</a:t>
+            </a:r>
+          </a:p>
+        </p:txBody>
+      </p:sp>
+      <p:sp>
+        <p:nvSpPr>
+          <p:cNvPr id="42" name="TextBox 41">
+            <a:extLst>
+              <a:ext uri="{FF2B5EF4-FFF2-40B4-BE49-F238E27FC236}">
+                <a16:creationId xmlns:a16="http://schemas.microsoft.com/office/drawing/2014/main" id="{564C71DB-E709-6C43-3252-6C5608045901}"/>
+              </a:ext>
+            </a:extLst>
+          </p:cNvPr>
+          <p:cNvSpPr txBox="1"/>
+          <p:nvPr/>
+        </p:nvSpPr>
+        <p:spPr>
+          <a:xfrm>
+            <a:off x="3521525" y="3887598"/>
+            <a:ext cx="1983925" cy="646331"/>
+          </a:xfrm>
+          <a:prstGeom prst="rect">
+            <a:avLst/>
+          </a:prstGeom>
+          <a:solidFill>
+            <a:schemeClr val="bg1"/>
+          </a:solidFill>
+          <a:ln>
+            <a:solidFill>
+              <a:schemeClr val="tx1"/>
+            </a:solidFill>
+          </a:ln>
+        </p:spPr>
+        <p:txBody>
+          <a:bodyPr wrap="square" rtlCol="0">
+            <a:spAutoFit/>
+          </a:bodyPr>
+          <a:lstStyle/>
+          <a:p>
+            <a:pPr algn="ctr"/>
+            <a:r>
+              <a:rPr lang="en-CA" dirty="0" err="1"/>
+              <a:t>updateTodoEffect</a:t>
+            </a:r>
+            <a:r>
+              <a:rPr lang="en-CA" dirty="0"/>
+              <a:t>${ id: 1}</a:t>
+            </a:r>
+          </a:p>
+        </p:txBody>
+      </p:sp>
+      <p:sp>
+        <p:nvSpPr>
+          <p:cNvPr id="43" name="TextBox 42">
+            <a:extLst>
+              <a:ext uri="{FF2B5EF4-FFF2-40B4-BE49-F238E27FC236}">
+                <a16:creationId xmlns:a16="http://schemas.microsoft.com/office/drawing/2014/main" id="{19413BF1-7244-7BAA-DE92-3D3C31DB0AA9}"/>
+              </a:ext>
+            </a:extLst>
+          </p:cNvPr>
+          <p:cNvSpPr txBox="1"/>
+          <p:nvPr/>
+        </p:nvSpPr>
+        <p:spPr>
+          <a:xfrm>
+            <a:off x="4213896" y="1299547"/>
+            <a:ext cx="1983925" cy="646331"/>
+          </a:xfrm>
+          <a:prstGeom prst="rect">
+            <a:avLst/>
+          </a:prstGeom>
+          <a:solidFill>
+            <a:schemeClr val="bg1"/>
+          </a:solidFill>
+          <a:ln>
+            <a:solidFill>
+              <a:schemeClr val="tx1"/>
+            </a:solidFill>
+          </a:ln>
+        </p:spPr>
+        <p:txBody>
+          <a:bodyPr wrap="square" rtlCol="0">
+            <a:spAutoFit/>
+          </a:bodyPr>
+          <a:lstStyle/>
+          <a:p>
+            <a:pPr algn="ctr"/>
+            <a:r>
+              <a:rPr lang="en-CA" dirty="0" err="1"/>
+              <a:t>updateTodoEffect</a:t>
+            </a:r>
+            <a:r>
+              <a:rPr lang="en-CA" dirty="0"/>
+              <a:t>$</a:t>
+            </a:r>
+          </a:p>
+          <a:p>
+            <a:pPr algn="ctr"/>
+            <a:r>
+              <a:rPr lang="en-CA" dirty="0"/>
+              <a:t>{ id: 2 }</a:t>
+            </a:r>
+          </a:p>
+        </p:txBody>
+      </p:sp>
+      <p:sp>
+        <p:nvSpPr>
+          <p:cNvPr id="44" name="Oval 43">
+            <a:extLst>
+              <a:ext uri="{FF2B5EF4-FFF2-40B4-BE49-F238E27FC236}">
+                <a16:creationId xmlns:a16="http://schemas.microsoft.com/office/drawing/2014/main" id="{6D1B5850-42F6-F016-38E9-79264A6AC1B4}"/>
+              </a:ext>
+            </a:extLst>
+          </p:cNvPr>
+          <p:cNvSpPr/>
+          <p:nvPr/>
+        </p:nvSpPr>
+        <p:spPr>
+          <a:xfrm>
+            <a:off x="5932125" y="3759519"/>
+            <a:ext cx="655495" cy="655495"/>
+          </a:xfrm>
+          <a:prstGeom prst="ellipse">
+            <a:avLst/>
+          </a:prstGeom>
+          <a:solidFill>
+            <a:schemeClr val="accent3">
+              <a:lumMod val="60000"/>
+              <a:lumOff val="40000"/>
+            </a:schemeClr>
+          </a:solidFill>
+        </p:spPr>
+        <p:style>
+          <a:lnRef idx="2">
+            <a:schemeClr val="accent1">
+              <a:shade val="15000"/>
+            </a:schemeClr>
+          </a:lnRef>
+          <a:fillRef idx="1">
+            <a:schemeClr val="accent1"/>
+          </a:fillRef>
+          <a:effectRef idx="0">
+            <a:schemeClr val="accent1"/>
+          </a:effectRef>
+          <a:fontRef idx="minor">
+            <a:schemeClr val="lt1"/>
+          </a:fontRef>
+        </p:style>
+        <p:txBody>
+          <a:bodyPr rtlCol="0" anchor="ctr"/>
+          <a:lstStyle/>
+          <a:p>
+            <a:pPr algn="ctr"/>
+            <a:r>
+              <a:rPr lang="en-CA" sz="1200"/>
+              <a:t>id: 1</a:t>
+            </a:r>
+            <a:endParaRPr lang="en-CA" sz="1200" dirty="0"/>
+          </a:p>
+        </p:txBody>
+      </p:sp>
+      <p:sp>
+        <p:nvSpPr>
+          <p:cNvPr id="47" name="Oval 46">
+            <a:extLst>
+              <a:ext uri="{FF2B5EF4-FFF2-40B4-BE49-F238E27FC236}">
+                <a16:creationId xmlns:a16="http://schemas.microsoft.com/office/drawing/2014/main" id="{2897976E-A03D-81E8-C241-49843C9B18AF}"/>
+              </a:ext>
+            </a:extLst>
+          </p:cNvPr>
+          <p:cNvSpPr/>
+          <p:nvPr/>
+        </p:nvSpPr>
+        <p:spPr>
+          <a:xfrm>
+            <a:off x="7272302" y="1522862"/>
+            <a:ext cx="655495" cy="655495"/>
+          </a:xfrm>
+          <a:prstGeom prst="ellipse">
+            <a:avLst/>
+          </a:prstGeom>
+          <a:solidFill>
+            <a:schemeClr val="accent3">
+              <a:lumMod val="60000"/>
+              <a:lumOff val="40000"/>
+            </a:schemeClr>
+          </a:solidFill>
+        </p:spPr>
+        <p:style>
+          <a:lnRef idx="2">
+            <a:schemeClr val="accent1">
+              <a:shade val="15000"/>
+            </a:schemeClr>
+          </a:lnRef>
+          <a:fillRef idx="1">
+            <a:schemeClr val="accent1"/>
+          </a:fillRef>
+          <a:effectRef idx="0">
+            <a:schemeClr val="accent1"/>
+          </a:effectRef>
+          <a:fontRef idx="minor">
+            <a:schemeClr val="lt1"/>
+          </a:fontRef>
+        </p:style>
+        <p:txBody>
+          <a:bodyPr rtlCol="0" anchor="ctr"/>
+          <a:lstStyle/>
+          <a:p>
+            <a:pPr algn="ctr"/>
+            <a:r>
+              <a:rPr lang="en-CA" sz="1200" dirty="0"/>
+              <a:t>id: 2</a:t>
+            </a:r>
+          </a:p>
+        </p:txBody>
+      </p:sp>
+      <p:sp>
+        <p:nvSpPr>
+          <p:cNvPr id="48" name="Oval 47">
+            <a:extLst>
+              <a:ext uri="{FF2B5EF4-FFF2-40B4-BE49-F238E27FC236}">
+                <a16:creationId xmlns:a16="http://schemas.microsoft.com/office/drawing/2014/main" id="{DB987F8C-D0E7-2922-A134-DC0FD8227A79}"/>
+              </a:ext>
+            </a:extLst>
+          </p:cNvPr>
+          <p:cNvSpPr/>
+          <p:nvPr/>
+        </p:nvSpPr>
+        <p:spPr>
+          <a:xfrm>
+            <a:off x="2483449" y="3506632"/>
+            <a:ext cx="655495" cy="655495"/>
+          </a:xfrm>
+          <a:prstGeom prst="ellipse">
+            <a:avLst/>
+          </a:prstGeom>
+          <a:solidFill>
+            <a:schemeClr val="accent2">
+              <a:alpha val="50000"/>
+            </a:schemeClr>
+          </a:solidFill>
+        </p:spPr>
+        <p:style>
+          <a:lnRef idx="2">
+            <a:schemeClr val="accent1">
+              <a:shade val="15000"/>
+            </a:schemeClr>
+          </a:lnRef>
+          <a:fillRef idx="1">
+            <a:schemeClr val="accent1"/>
+          </a:fillRef>
+          <a:effectRef idx="0">
+            <a:schemeClr val="accent1"/>
+          </a:effectRef>
+          <a:fontRef idx="minor">
+            <a:schemeClr val="lt1"/>
+          </a:fontRef>
+        </p:style>
+        <p:txBody>
+          <a:bodyPr rtlCol="0" anchor="ctr"/>
+          <a:lstStyle/>
+          <a:p>
+            <a:pPr algn="ctr"/>
+            <a:r>
+              <a:rPr lang="en-CA" sz="1200"/>
+              <a:t>id: 1</a:t>
+            </a:r>
+            <a:endParaRPr lang="en-CA" sz="1200" dirty="0"/>
+          </a:p>
+        </p:txBody>
+      </p:sp>
+      <p:sp>
+        <p:nvSpPr>
+          <p:cNvPr id="64" name="TextBox 63">
+            <a:extLst>
+              <a:ext uri="{FF2B5EF4-FFF2-40B4-BE49-F238E27FC236}">
+                <a16:creationId xmlns:a16="http://schemas.microsoft.com/office/drawing/2014/main" id="{33D52A14-49C2-146E-C898-4F406B2B537A}"/>
+              </a:ext>
+            </a:extLst>
+          </p:cNvPr>
+          <p:cNvSpPr txBox="1"/>
+          <p:nvPr/>
+        </p:nvSpPr>
+        <p:spPr>
+          <a:xfrm>
+            <a:off x="5205859" y="3035641"/>
+            <a:ext cx="1381761" cy="369332"/>
+          </a:xfrm>
+          <a:prstGeom prst="rect">
+            <a:avLst/>
+          </a:prstGeom>
+          <a:solidFill>
+            <a:schemeClr val="bg1"/>
+          </a:solidFill>
+          <a:ln>
+            <a:solidFill>
+              <a:schemeClr val="accent1">
+                <a:shade val="15000"/>
+              </a:schemeClr>
+            </a:solidFill>
+          </a:ln>
+        </p:spPr>
+        <p:txBody>
+          <a:bodyPr wrap="square" rtlCol="0">
+            <a:spAutoFit/>
+          </a:bodyPr>
+          <a:lstStyle/>
+          <a:p>
+            <a:pPr algn="ctr"/>
+            <a:r>
+              <a:rPr lang="en-CA" dirty="0"/>
+              <a:t>dispatcher$</a:t>
+            </a:r>
+          </a:p>
+        </p:txBody>
+      </p:sp>
+      <p:sp>
+        <p:nvSpPr>
+          <p:cNvPr id="2" name="TextBox 1">
+            <a:extLst>
+              <a:ext uri="{FF2B5EF4-FFF2-40B4-BE49-F238E27FC236}">
+                <a16:creationId xmlns:a16="http://schemas.microsoft.com/office/drawing/2014/main" id="{A7D61732-33D3-88FD-B5EB-9CAA2308384B}"/>
+              </a:ext>
+            </a:extLst>
+          </p:cNvPr>
+          <p:cNvSpPr txBox="1"/>
+          <p:nvPr/>
+        </p:nvSpPr>
+        <p:spPr>
+          <a:xfrm>
+            <a:off x="925706" y="4727273"/>
+            <a:ext cx="1599411" cy="830997"/>
+          </a:xfrm>
+          <a:prstGeom prst="rect">
+            <a:avLst/>
+          </a:prstGeom>
+          <a:noFill/>
+        </p:spPr>
+        <p:txBody>
+          <a:bodyPr wrap="square" rtlCol="0">
+            <a:spAutoFit/>
+          </a:bodyPr>
+          <a:lstStyle/>
+          <a:p>
+            <a:r>
+              <a:rPr lang="en-CA" sz="2400" b="1" dirty="0"/>
+              <a:t>Scoped</a:t>
+            </a:r>
+            <a:r>
+              <a:rPr lang="en-CA" sz="2400" dirty="0"/>
+              <a:t> </a:t>
+            </a:r>
+            <a:r>
+              <a:rPr lang="en-CA" sz="2400" b="1" dirty="0"/>
+              <a:t>Effects</a:t>
+            </a:r>
+          </a:p>
+        </p:txBody>
+      </p:sp>
+      <p:cxnSp>
+        <p:nvCxnSpPr>
+          <p:cNvPr id="4" name="Straight Arrow Connector 3">
+            <a:extLst>
+              <a:ext uri="{FF2B5EF4-FFF2-40B4-BE49-F238E27FC236}">
+                <a16:creationId xmlns:a16="http://schemas.microsoft.com/office/drawing/2014/main" id="{958E179C-8F70-4823-BD02-E5CB52FB3800}"/>
+              </a:ext>
+            </a:extLst>
+          </p:cNvPr>
+          <p:cNvCxnSpPr>
+            <a:cxnSpLocks/>
+          </p:cNvCxnSpPr>
+          <p:nvPr/>
+        </p:nvCxnSpPr>
+        <p:spPr>
+          <a:xfrm flipV="1">
+            <a:off x="1991324" y="4533929"/>
+            <a:ext cx="1472463" cy="338613"/>
+          </a:xfrm>
+          <a:prstGeom prst="straightConnector1">
+            <a:avLst/>
+          </a:prstGeom>
+          <a:ln w="31750">
+            <a:solidFill>
+              <a:schemeClr val="tx1"/>
+            </a:solidFill>
+            <a:tailEnd type="triangle"/>
+          </a:ln>
+        </p:spPr>
+        <p:style>
+          <a:lnRef idx="1">
+            <a:schemeClr val="accent1"/>
+          </a:lnRef>
+          <a:fillRef idx="0">
+            <a:schemeClr val="accent1"/>
+          </a:fillRef>
+          <a:effectRef idx="0">
+            <a:schemeClr val="accent1"/>
+          </a:effectRef>
+          <a:fontRef idx="minor">
+            <a:schemeClr val="tx1"/>
+          </a:fontRef>
+        </p:style>
+      </p:cxnSp>
+      <p:cxnSp>
+        <p:nvCxnSpPr>
+          <p:cNvPr id="8" name="Straight Arrow Connector 7">
+            <a:extLst>
+              <a:ext uri="{FF2B5EF4-FFF2-40B4-BE49-F238E27FC236}">
+                <a16:creationId xmlns:a16="http://schemas.microsoft.com/office/drawing/2014/main" id="{1FD1B516-9FF4-D419-FC4D-9B5D062F11BA}"/>
+              </a:ext>
+            </a:extLst>
+          </p:cNvPr>
+          <p:cNvCxnSpPr>
+            <a:cxnSpLocks/>
+            <a:stCxn id="2" idx="0"/>
+          </p:cNvCxnSpPr>
+          <p:nvPr/>
+        </p:nvCxnSpPr>
+        <p:spPr>
+          <a:xfrm flipV="1">
+            <a:off x="1725412" y="2115090"/>
+            <a:ext cx="2573262" cy="2612183"/>
+          </a:xfrm>
+          <a:prstGeom prst="straightConnector1">
+            <a:avLst/>
+          </a:prstGeom>
+          <a:ln w="31750">
+            <a:solidFill>
+              <a:schemeClr val="tx1"/>
+            </a:solidFill>
+            <a:tailEnd type="triangle"/>
+          </a:ln>
+        </p:spPr>
+        <p:style>
+          <a:lnRef idx="1">
+            <a:schemeClr val="accent1"/>
+          </a:lnRef>
+          <a:fillRef idx="0">
+            <a:schemeClr val="accent1"/>
+          </a:fillRef>
+          <a:effectRef idx="0">
+            <a:schemeClr val="accent1"/>
+          </a:effectRef>
+          <a:fontRef idx="minor">
+            <a:schemeClr val="tx1"/>
+          </a:fontRef>
+        </p:style>
+      </p:cxnSp>
+      <p:sp>
+        <p:nvSpPr>
+          <p:cNvPr id="51" name="Oval 50">
+            <a:extLst>
+              <a:ext uri="{FF2B5EF4-FFF2-40B4-BE49-F238E27FC236}">
+                <a16:creationId xmlns:a16="http://schemas.microsoft.com/office/drawing/2014/main" id="{660D3C66-BD7B-081E-8232-73B6906D34D6}"/>
+              </a:ext>
+            </a:extLst>
+          </p:cNvPr>
+          <p:cNvSpPr/>
+          <p:nvPr/>
+        </p:nvSpPr>
+        <p:spPr>
+          <a:xfrm>
+            <a:off x="2666685" y="1834475"/>
+            <a:ext cx="655495" cy="655495"/>
+          </a:xfrm>
+          <a:prstGeom prst="ellipse">
+            <a:avLst/>
+          </a:prstGeom>
+          <a:solidFill>
+            <a:schemeClr val="accent2">
+              <a:alpha val="50000"/>
+            </a:schemeClr>
+          </a:solidFill>
+        </p:spPr>
+        <p:style>
+          <a:lnRef idx="2">
+            <a:schemeClr val="accent1">
+              <a:shade val="15000"/>
+            </a:schemeClr>
+          </a:lnRef>
+          <a:fillRef idx="1">
+            <a:schemeClr val="accent1"/>
+          </a:fillRef>
+          <a:effectRef idx="0">
+            <a:schemeClr val="accent1"/>
+          </a:effectRef>
+          <a:fontRef idx="minor">
+            <a:schemeClr val="lt1"/>
+          </a:fontRef>
+        </p:style>
+        <p:txBody>
+          <a:bodyPr rtlCol="0" anchor="ctr"/>
+          <a:lstStyle/>
+          <a:p>
+            <a:pPr algn="ctr"/>
+            <a:r>
+              <a:rPr lang="en-CA" sz="1200" dirty="0"/>
+              <a:t>id: 2</a:t>
+            </a:r>
+          </a:p>
+        </p:txBody>
+      </p:sp>
+      <p:sp>
+        <p:nvSpPr>
+          <p:cNvPr id="60" name="TextBox 59">
+            <a:extLst>
+              <a:ext uri="{FF2B5EF4-FFF2-40B4-BE49-F238E27FC236}">
+                <a16:creationId xmlns:a16="http://schemas.microsoft.com/office/drawing/2014/main" id="{B5E2890C-957D-7464-D965-99921E92C017}"/>
+              </a:ext>
+            </a:extLst>
+          </p:cNvPr>
+          <p:cNvSpPr txBox="1"/>
+          <p:nvPr/>
+        </p:nvSpPr>
+        <p:spPr>
+          <a:xfrm>
+            <a:off x="7389635" y="4972378"/>
+            <a:ext cx="3774177" cy="923330"/>
+          </a:xfrm>
+          <a:prstGeom prst="rect">
+            <a:avLst/>
+          </a:prstGeom>
+          <a:solidFill>
+            <a:schemeClr val="bg1"/>
+          </a:solidFill>
+          <a:ln>
+            <a:solidFill>
+              <a:schemeClr val="tx1"/>
+            </a:solidFill>
+          </a:ln>
+        </p:spPr>
+        <p:txBody>
+          <a:bodyPr wrap="square" rtlCol="0">
+            <a:spAutoFit/>
+          </a:bodyPr>
+          <a:lstStyle/>
+          <a:p>
+            <a:r>
+              <a:rPr lang="en-CA" b="1" u="sng" dirty="0">
+                <a:latin typeface="Menlo"/>
+              </a:rPr>
+              <a:t>ACTIONS:</a:t>
+            </a:r>
+          </a:p>
+          <a:p>
+            <a:r>
+              <a:rPr lang="en-CA" b="0" dirty="0">
+                <a:effectLst/>
+                <a:latin typeface="Menlo"/>
+              </a:rPr>
+              <a:t>SEND_TODO_STATUS_UPDATE</a:t>
+            </a:r>
+          </a:p>
+          <a:p>
+            <a:r>
+              <a:rPr lang="en-CA" b="0" dirty="0">
+                <a:effectLst/>
+                <a:latin typeface="Menlo"/>
+              </a:rPr>
+              <a:t>TODO_STATUS_UPDATE_SUCCESS</a:t>
+            </a:r>
+          </a:p>
+        </p:txBody>
+      </p:sp>
+      <p:sp>
+        <p:nvSpPr>
+          <p:cNvPr id="9" name="Oval 8">
+            <a:extLst>
+              <a:ext uri="{FF2B5EF4-FFF2-40B4-BE49-F238E27FC236}">
+                <a16:creationId xmlns:a16="http://schemas.microsoft.com/office/drawing/2014/main" id="{FD0112D8-3EE8-6323-DB30-45F8C325E88E}"/>
+              </a:ext>
+            </a:extLst>
+          </p:cNvPr>
+          <p:cNvSpPr/>
+          <p:nvPr/>
+        </p:nvSpPr>
+        <p:spPr>
+          <a:xfrm>
+            <a:off x="10772713" y="5307399"/>
+            <a:ext cx="200088" cy="200088"/>
+          </a:xfrm>
+          <a:prstGeom prst="ellipse">
+            <a:avLst/>
+          </a:prstGeom>
+          <a:solidFill>
+            <a:schemeClr val="accent2"/>
+          </a:solidFill>
+        </p:spPr>
+        <p:style>
+          <a:lnRef idx="2">
+            <a:schemeClr val="accent1">
+              <a:shade val="15000"/>
+            </a:schemeClr>
+          </a:lnRef>
+          <a:fillRef idx="1">
+            <a:schemeClr val="accent1"/>
+          </a:fillRef>
+          <a:effectRef idx="0">
+            <a:schemeClr val="accent1"/>
+          </a:effectRef>
+          <a:fontRef idx="minor">
+            <a:schemeClr val="lt1"/>
+          </a:fontRef>
+        </p:style>
+        <p:txBody>
+          <a:bodyPr rtlCol="0" anchor="ctr"/>
+          <a:lstStyle/>
+          <a:p>
+            <a:pPr algn="ctr"/>
+            <a:endParaRPr lang="en-CA" sz="1200" dirty="0"/>
+          </a:p>
+        </p:txBody>
+      </p:sp>
+      <p:sp>
+        <p:nvSpPr>
+          <p:cNvPr id="10" name="Oval 9">
+            <a:extLst>
+              <a:ext uri="{FF2B5EF4-FFF2-40B4-BE49-F238E27FC236}">
+                <a16:creationId xmlns:a16="http://schemas.microsoft.com/office/drawing/2014/main" id="{DFCBB72A-06CD-31DA-0874-F1CC80797C85}"/>
+              </a:ext>
+            </a:extLst>
+          </p:cNvPr>
+          <p:cNvSpPr/>
+          <p:nvPr/>
+        </p:nvSpPr>
+        <p:spPr>
+          <a:xfrm>
+            <a:off x="10772712" y="5601553"/>
+            <a:ext cx="200089" cy="200089"/>
+          </a:xfrm>
+          <a:prstGeom prst="ellipse">
+            <a:avLst/>
+          </a:prstGeom>
+          <a:solidFill>
+            <a:schemeClr val="accent3">
+              <a:lumMod val="60000"/>
+              <a:lumOff val="40000"/>
+            </a:schemeClr>
+          </a:solidFill>
+        </p:spPr>
+        <p:style>
+          <a:lnRef idx="2">
+            <a:schemeClr val="accent1">
+              <a:shade val="15000"/>
+            </a:schemeClr>
+          </a:lnRef>
+          <a:fillRef idx="1">
+            <a:schemeClr val="accent1"/>
+          </a:fillRef>
+          <a:effectRef idx="0">
+            <a:schemeClr val="accent1"/>
+          </a:effectRef>
+          <a:fontRef idx="minor">
+            <a:schemeClr val="lt1"/>
+          </a:fontRef>
+        </p:style>
+        <p:txBody>
+          <a:bodyPr rtlCol="0" anchor="ctr"/>
+          <a:lstStyle/>
+          <a:p>
+            <a:pPr algn="ctr"/>
+            <a:endParaRPr lang="en-CA" sz="1200" dirty="0"/>
+          </a:p>
+        </p:txBody>
+      </p:sp>
+      <p:sp>
+        <p:nvSpPr>
+          <p:cNvPr id="11" name="Rectangle 10">
+            <a:extLst>
+              <a:ext uri="{FF2B5EF4-FFF2-40B4-BE49-F238E27FC236}">
+                <a16:creationId xmlns:a16="http://schemas.microsoft.com/office/drawing/2014/main" id="{E9A4B9C8-593A-939A-36A1-98BFDF6AB8E9}"/>
+              </a:ext>
+            </a:extLst>
+          </p:cNvPr>
+          <p:cNvSpPr/>
+          <p:nvPr/>
+        </p:nvSpPr>
+        <p:spPr>
+          <a:xfrm>
+            <a:off x="3271321" y="203752"/>
+            <a:ext cx="5162031" cy="805556"/>
+          </a:xfrm>
+          <a:prstGeom prst="rect">
+            <a:avLst/>
+          </a:prstGeom>
+          <a:noFill/>
+          <a:ln>
+            <a:noFill/>
+          </a:ln>
+        </p:spPr>
+        <p:style>
+          <a:lnRef idx="2">
+            <a:schemeClr val="accent1">
+              <a:shade val="15000"/>
+            </a:schemeClr>
+          </a:lnRef>
+          <a:fillRef idx="1">
+            <a:schemeClr val="accent1"/>
+          </a:fillRef>
+          <a:effectRef idx="0">
+            <a:schemeClr val="accent1"/>
+          </a:effectRef>
+          <a:fontRef idx="minor">
+            <a:schemeClr val="lt1"/>
+          </a:fontRef>
+        </p:style>
+        <p:txBody>
+          <a:bodyPr rtlCol="0" anchor="ctr"/>
+          <a:lstStyle/>
+          <a:p>
+            <a:pPr algn="ctr"/>
+            <a:endParaRPr lang="en-CA"/>
+          </a:p>
+        </p:txBody>
+      </p:sp>
+      <p:sp>
+        <p:nvSpPr>
+          <p:cNvPr id="12" name="TextBox 11">
+            <a:extLst>
+              <a:ext uri="{FF2B5EF4-FFF2-40B4-BE49-F238E27FC236}">
+                <a16:creationId xmlns:a16="http://schemas.microsoft.com/office/drawing/2014/main" id="{CB738077-26B8-619E-BCCD-0F6F63CDC0A0}"/>
+              </a:ext>
+            </a:extLst>
+          </p:cNvPr>
+          <p:cNvSpPr txBox="1"/>
+          <p:nvPr/>
+        </p:nvSpPr>
+        <p:spPr>
+          <a:xfrm>
+            <a:off x="1982997" y="263257"/>
+            <a:ext cx="7091260" cy="523220"/>
+          </a:xfrm>
+          <a:prstGeom prst="rect">
+            <a:avLst/>
+          </a:prstGeom>
+          <a:noFill/>
+        </p:spPr>
+        <p:txBody>
+          <a:bodyPr wrap="square" rtlCol="0">
+            <a:spAutoFit/>
+          </a:bodyPr>
+          <a:lstStyle/>
+          <a:p>
+            <a:r>
+              <a:rPr lang="en-CA" sz="2800" dirty="0"/>
+              <a:t>Scoped Effects Example – Todo Status Updates</a:t>
+            </a:r>
+          </a:p>
+        </p:txBody>
+      </p:sp>
+    </p:spTree>
+    <p:extLst>
+      <p:ext uri="{BB962C8B-B14F-4D97-AF65-F5344CB8AC3E}">
+        <p14:creationId xmlns:p14="http://schemas.microsoft.com/office/powerpoint/2010/main" val="1060560496"/>
+      </p:ext>
+    </p:extLst>
+  </p:cSld>
+  <p:clrMapOvr>
+    <a:masterClrMapping/>
+  </p:clrMapOvr>
+</p:sld>
+</file>
+
+<file path=ppt/slides/slide13.xml><?xml version="1.0" encoding="utf-8"?>
+<p:sld xmlns:a="http://schemas.openxmlformats.org/drawingml/2006/main" xmlns:r="http://schemas.openxmlformats.org/officeDocument/2006/relationships" xmlns:p="http://schemas.openxmlformats.org/presentationml/2006/main">
+  <p:cSld>
+    <p:spTree>
+      <p:nvGrpSpPr>
+        <p:cNvPr id="1" name=""/>
+        <p:cNvGrpSpPr/>
+        <p:nvPr/>
+      </p:nvGrpSpPr>
+      <p:grpSpPr>
+        <a:xfrm>
+          <a:off x="0" y="0"/>
+          <a:ext cx="0" cy="0"/>
+          <a:chOff x="0" y="0"/>
+          <a:chExt cx="0" cy="0"/>
+        </a:xfrm>
+      </p:grpSpPr>
+      <p:sp>
+        <p:nvSpPr>
+          <p:cNvPr id="7" name="Rectangle: Rounded Corners 6">
+            <a:extLst>
+              <a:ext uri="{FF2B5EF4-FFF2-40B4-BE49-F238E27FC236}">
+                <a16:creationId xmlns:a16="http://schemas.microsoft.com/office/drawing/2014/main" id="{3356D45B-3EE1-591C-F3F7-9FF8420FF555}"/>
+              </a:ext>
+            </a:extLst>
+          </p:cNvPr>
+          <p:cNvSpPr/>
+          <p:nvPr/>
+        </p:nvSpPr>
+        <p:spPr>
+          <a:xfrm>
+            <a:off x="3266338" y="899179"/>
+            <a:ext cx="2684930" cy="4911626"/>
+          </a:xfrm>
+          <a:prstGeom prst="roundRect">
+            <a:avLst/>
+          </a:prstGeom>
+          <a:solidFill>
+            <a:schemeClr val="accent6">
+              <a:lumMod val="20000"/>
+              <a:lumOff val="80000"/>
+              <a:alpha val="50000"/>
+            </a:schemeClr>
+          </a:solidFill>
+        </p:spPr>
+        <p:style>
+          <a:lnRef idx="2">
+            <a:schemeClr val="accent1">
+              <a:shade val="15000"/>
+            </a:schemeClr>
+          </a:lnRef>
+          <a:fillRef idx="1">
+            <a:schemeClr val="accent1"/>
+          </a:fillRef>
+          <a:effectRef idx="0">
+            <a:schemeClr val="accent1"/>
+          </a:effectRef>
+          <a:fontRef idx="minor">
+            <a:schemeClr val="lt1"/>
+          </a:fontRef>
+        </p:style>
+        <p:txBody>
+          <a:bodyPr rtlCol="0" anchor="ctr"/>
+          <a:lstStyle/>
+          <a:p>
+            <a:endParaRPr lang="en-CA" dirty="0"/>
+          </a:p>
+        </p:txBody>
+      </p:sp>
+      <p:sp>
+        <p:nvSpPr>
+          <p:cNvPr id="106" name="Rectangle: Rounded Corners 105">
+            <a:extLst>
+              <a:ext uri="{FF2B5EF4-FFF2-40B4-BE49-F238E27FC236}">
+                <a16:creationId xmlns:a16="http://schemas.microsoft.com/office/drawing/2014/main" id="{522C20D7-71E7-4B9E-4B83-48DDC36B85DB}"/>
+              </a:ext>
+            </a:extLst>
+          </p:cNvPr>
+          <p:cNvSpPr/>
+          <p:nvPr/>
+        </p:nvSpPr>
+        <p:spPr>
+          <a:xfrm>
+            <a:off x="9310139" y="779969"/>
+            <a:ext cx="2684930" cy="4911626"/>
+          </a:xfrm>
+          <a:prstGeom prst="roundRect">
+            <a:avLst/>
+          </a:prstGeom>
+          <a:solidFill>
+            <a:schemeClr val="accent6">
+              <a:lumMod val="20000"/>
+              <a:lumOff val="80000"/>
+              <a:alpha val="50000"/>
+            </a:schemeClr>
+          </a:solidFill>
+        </p:spPr>
+        <p:style>
+          <a:lnRef idx="2">
+            <a:schemeClr val="accent1">
+              <a:shade val="15000"/>
+            </a:schemeClr>
+          </a:lnRef>
+          <a:fillRef idx="1">
+            <a:schemeClr val="accent1"/>
+          </a:fillRef>
+          <a:effectRef idx="0">
+            <a:schemeClr val="accent1"/>
+          </a:effectRef>
+          <a:fontRef idx="minor">
+            <a:schemeClr val="lt1"/>
+          </a:fontRef>
+        </p:style>
+        <p:txBody>
+          <a:bodyPr rtlCol="0" anchor="ctr"/>
+          <a:lstStyle/>
+          <a:p>
+            <a:endParaRPr lang="en-CA" dirty="0"/>
+          </a:p>
+        </p:txBody>
+      </p:sp>
+      <p:sp>
+        <p:nvSpPr>
+          <p:cNvPr id="40" name="Rectangle: Rounded Corners 39">
+            <a:extLst>
+              <a:ext uri="{FF2B5EF4-FFF2-40B4-BE49-F238E27FC236}">
+                <a16:creationId xmlns:a16="http://schemas.microsoft.com/office/drawing/2014/main" id="{8E086B6F-71B7-4D46-89D4-113CE772AAE6}"/>
+              </a:ext>
+            </a:extLst>
+          </p:cNvPr>
+          <p:cNvSpPr/>
+          <p:nvPr/>
+        </p:nvSpPr>
+        <p:spPr>
+          <a:xfrm>
+            <a:off x="9744394" y="2604021"/>
+            <a:ext cx="2106592" cy="1549542"/>
+          </a:xfrm>
+          <a:prstGeom prst="roundRect">
+            <a:avLst/>
+          </a:prstGeom>
+          <a:solidFill>
+            <a:schemeClr val="accent4">
+              <a:lumMod val="20000"/>
+              <a:lumOff val="80000"/>
+            </a:schemeClr>
+          </a:solidFill>
+        </p:spPr>
+        <p:style>
+          <a:lnRef idx="2">
+            <a:schemeClr val="accent1">
+              <a:shade val="15000"/>
+            </a:schemeClr>
+          </a:lnRef>
+          <a:fillRef idx="1">
+            <a:schemeClr val="accent1"/>
+          </a:fillRef>
+          <a:effectRef idx="0">
+            <a:schemeClr val="accent1"/>
+          </a:effectRef>
+          <a:fontRef idx="minor">
+            <a:schemeClr val="lt1"/>
+          </a:fontRef>
+        </p:style>
+        <p:txBody>
+          <a:bodyPr rtlCol="0" anchor="ctr"/>
+          <a:lstStyle/>
+          <a:p>
+            <a:pPr algn="ctr"/>
+            <a:r>
+              <a:rPr lang="en-CA" sz="2000" dirty="0">
+                <a:solidFill>
+                  <a:schemeClr val="tx1"/>
+                </a:solidFill>
+              </a:rPr>
+              <a:t>Store for Price Information</a:t>
+            </a:r>
+          </a:p>
+        </p:txBody>
+      </p:sp>
+      <p:sp>
+        <p:nvSpPr>
+          <p:cNvPr id="3" name="Rectangle: Rounded Corners 2">
+            <a:extLst>
+              <a:ext uri="{FF2B5EF4-FFF2-40B4-BE49-F238E27FC236}">
+                <a16:creationId xmlns:a16="http://schemas.microsoft.com/office/drawing/2014/main" id="{6E67614B-2C9E-2399-1C9E-308A7761CCA3}"/>
+              </a:ext>
+            </a:extLst>
+          </p:cNvPr>
+          <p:cNvSpPr/>
+          <p:nvPr/>
+        </p:nvSpPr>
+        <p:spPr>
+          <a:xfrm>
+            <a:off x="3358697" y="2604021"/>
+            <a:ext cx="2396672" cy="1549542"/>
+          </a:xfrm>
+          <a:prstGeom prst="roundRect">
+            <a:avLst/>
+          </a:prstGeom>
+          <a:solidFill>
+            <a:schemeClr val="accent4">
+              <a:lumMod val="20000"/>
+              <a:lumOff val="80000"/>
+            </a:schemeClr>
+          </a:solidFill>
+        </p:spPr>
+        <p:style>
+          <a:lnRef idx="2">
+            <a:schemeClr val="accent1">
+              <a:shade val="15000"/>
+            </a:schemeClr>
+          </a:lnRef>
+          <a:fillRef idx="1">
+            <a:schemeClr val="accent1"/>
+          </a:fillRef>
+          <a:effectRef idx="0">
+            <a:schemeClr val="accent1"/>
+          </a:effectRef>
+          <a:fontRef idx="minor">
+            <a:schemeClr val="lt1"/>
+          </a:fontRef>
+        </p:style>
+        <p:txBody>
+          <a:bodyPr rtlCol="0" anchor="ctr"/>
+          <a:lstStyle/>
+          <a:p>
+            <a:pPr algn="ctr"/>
+            <a:r>
+              <a:rPr lang="en-CA" sz="2000" dirty="0">
+                <a:solidFill>
+                  <a:schemeClr val="tx1"/>
+                </a:solidFill>
+              </a:rPr>
+              <a:t>Store for User Controls State</a:t>
+            </a:r>
+          </a:p>
+        </p:txBody>
+      </p:sp>
+      <p:cxnSp>
+        <p:nvCxnSpPr>
+          <p:cNvPr id="2" name="Straight Arrow Connector 1">
+            <a:extLst>
+              <a:ext uri="{FF2B5EF4-FFF2-40B4-BE49-F238E27FC236}">
+                <a16:creationId xmlns:a16="http://schemas.microsoft.com/office/drawing/2014/main" id="{3A085252-946F-A6D4-FB17-D3092B4BA9B8}"/>
+              </a:ext>
+            </a:extLst>
+          </p:cNvPr>
+          <p:cNvCxnSpPr>
+            <a:cxnSpLocks/>
+          </p:cNvCxnSpPr>
+          <p:nvPr/>
+        </p:nvCxnSpPr>
+        <p:spPr>
+          <a:xfrm>
+            <a:off x="297180" y="3378792"/>
+            <a:ext cx="3502660" cy="14329"/>
+          </a:xfrm>
+          <a:prstGeom prst="straightConnector1">
+            <a:avLst/>
+          </a:prstGeom>
+          <a:ln w="34925">
+            <a:tailEnd type="arrow"/>
+          </a:ln>
+        </p:spPr>
+        <p:style>
+          <a:lnRef idx="1">
+            <a:schemeClr val="accent1"/>
+          </a:lnRef>
+          <a:fillRef idx="0">
+            <a:schemeClr val="accent1"/>
+          </a:fillRef>
+          <a:effectRef idx="0">
+            <a:schemeClr val="accent1"/>
+          </a:effectRef>
+          <a:fontRef idx="minor">
+            <a:schemeClr val="tx1"/>
+          </a:fontRef>
+        </p:style>
+      </p:cxnSp>
+      <p:sp>
+        <p:nvSpPr>
+          <p:cNvPr id="4" name="Oval 3">
+            <a:extLst>
+              <a:ext uri="{FF2B5EF4-FFF2-40B4-BE49-F238E27FC236}">
+                <a16:creationId xmlns:a16="http://schemas.microsoft.com/office/drawing/2014/main" id="{1AC4A9FF-4ACA-E7BB-1510-75A2490F3132}"/>
+              </a:ext>
+            </a:extLst>
+          </p:cNvPr>
+          <p:cNvSpPr/>
+          <p:nvPr/>
+        </p:nvSpPr>
+        <p:spPr>
+          <a:xfrm>
+            <a:off x="2487276" y="3178224"/>
+            <a:ext cx="353536" cy="353536"/>
+          </a:xfrm>
+          <a:prstGeom prst="ellipse">
+            <a:avLst/>
+          </a:prstGeom>
+          <a:solidFill>
+            <a:schemeClr val="accent6">
+              <a:lumMod val="40000"/>
+              <a:lumOff val="60000"/>
+            </a:schemeClr>
+          </a:solidFill>
+        </p:spPr>
+        <p:style>
+          <a:lnRef idx="2">
+            <a:schemeClr val="accent1">
+              <a:shade val="15000"/>
+            </a:schemeClr>
+          </a:lnRef>
+          <a:fillRef idx="1">
+            <a:schemeClr val="accent1"/>
+          </a:fillRef>
+          <a:effectRef idx="0">
+            <a:schemeClr val="accent1"/>
+          </a:effectRef>
+          <a:fontRef idx="minor">
+            <a:schemeClr val="lt1"/>
+          </a:fontRef>
+        </p:style>
+        <p:txBody>
+          <a:bodyPr rtlCol="0" anchor="ctr"/>
+          <a:lstStyle/>
+          <a:p>
+            <a:pPr algn="ctr"/>
+            <a:endParaRPr lang="en-CA"/>
+          </a:p>
+        </p:txBody>
+      </p:sp>
+      <p:sp>
+        <p:nvSpPr>
+          <p:cNvPr id="5" name="TextBox 4">
+            <a:extLst>
+              <a:ext uri="{FF2B5EF4-FFF2-40B4-BE49-F238E27FC236}">
+                <a16:creationId xmlns:a16="http://schemas.microsoft.com/office/drawing/2014/main" id="{7E441CD8-4EF4-F3D2-CE95-D1348DBD1DF7}"/>
+              </a:ext>
+            </a:extLst>
+          </p:cNvPr>
+          <p:cNvSpPr txBox="1"/>
+          <p:nvPr/>
+        </p:nvSpPr>
+        <p:spPr>
+          <a:xfrm>
+            <a:off x="2523575" y="278885"/>
+            <a:ext cx="7770258" cy="523220"/>
+          </a:xfrm>
+          <a:prstGeom prst="rect">
+            <a:avLst/>
+          </a:prstGeom>
+          <a:noFill/>
+        </p:spPr>
+        <p:txBody>
+          <a:bodyPr wrap="square" rtlCol="0">
+            <a:spAutoFit/>
+          </a:bodyPr>
+          <a:lstStyle/>
+          <a:p>
+            <a:r>
+              <a:rPr lang="en-CA" sz="2800" dirty="0"/>
+              <a:t>Connecting Multiple Hubs Example – Event Prices</a:t>
+            </a:r>
+          </a:p>
+        </p:txBody>
+      </p:sp>
+      <p:sp>
+        <p:nvSpPr>
+          <p:cNvPr id="6" name="Oval 5">
+            <a:extLst>
+              <a:ext uri="{FF2B5EF4-FFF2-40B4-BE49-F238E27FC236}">
+                <a16:creationId xmlns:a16="http://schemas.microsoft.com/office/drawing/2014/main" id="{436EAF86-D283-1961-C89C-2D5F386D1E47}"/>
+              </a:ext>
+            </a:extLst>
+          </p:cNvPr>
+          <p:cNvSpPr/>
+          <p:nvPr/>
+        </p:nvSpPr>
+        <p:spPr>
+          <a:xfrm>
+            <a:off x="177452" y="2289946"/>
+            <a:ext cx="3113155" cy="2152036"/>
+          </a:xfrm>
+          <a:prstGeom prst="ellipse">
+            <a:avLst/>
+          </a:prstGeom>
+          <a:noFill/>
+          <a:ln w="38100">
+            <a:prstDash val="lgDash"/>
+          </a:ln>
+        </p:spPr>
+        <p:style>
+          <a:lnRef idx="2">
+            <a:schemeClr val="accent1">
+              <a:shade val="15000"/>
+            </a:schemeClr>
+          </a:lnRef>
+          <a:fillRef idx="1">
+            <a:schemeClr val="accent1"/>
+          </a:fillRef>
+          <a:effectRef idx="0">
+            <a:schemeClr val="accent1"/>
+          </a:effectRef>
+          <a:fontRef idx="minor">
+            <a:schemeClr val="lt1"/>
+          </a:fontRef>
+        </p:style>
+        <p:txBody>
+          <a:bodyPr rtlCol="0" anchor="ctr"/>
+          <a:lstStyle/>
+          <a:p>
+            <a:pPr algn="ctr"/>
+            <a:endParaRPr lang="en-CA"/>
+          </a:p>
+        </p:txBody>
+      </p:sp>
+      <p:sp>
+        <p:nvSpPr>
+          <p:cNvPr id="9" name="TextBox 8">
+            <a:extLst>
+              <a:ext uri="{FF2B5EF4-FFF2-40B4-BE49-F238E27FC236}">
+                <a16:creationId xmlns:a16="http://schemas.microsoft.com/office/drawing/2014/main" id="{B07FF30A-5260-F5B2-71A9-8AF2C7E14F6D}"/>
+              </a:ext>
+            </a:extLst>
+          </p:cNvPr>
+          <p:cNvSpPr txBox="1"/>
+          <p:nvPr/>
+        </p:nvSpPr>
+        <p:spPr>
+          <a:xfrm>
+            <a:off x="544126" y="4624233"/>
+            <a:ext cx="2558362" cy="800219"/>
+          </a:xfrm>
+          <a:prstGeom prst="rect">
+            <a:avLst/>
+          </a:prstGeom>
+          <a:solidFill>
+            <a:schemeClr val="bg1"/>
+          </a:solidFill>
+          <a:ln>
+            <a:solidFill>
+              <a:schemeClr val="accent1">
+                <a:shade val="15000"/>
+              </a:schemeClr>
+            </a:solidFill>
+          </a:ln>
+        </p:spPr>
+        <p:txBody>
+          <a:bodyPr wrap="square" rtlCol="0">
+            <a:spAutoFit/>
+          </a:bodyPr>
+          <a:lstStyle/>
+          <a:p>
+            <a:pPr algn="ctr"/>
+            <a:r>
+              <a:rPr lang="en-CA" dirty="0"/>
+              <a:t>Dispatcher (User) Actions</a:t>
+            </a:r>
+            <a:endParaRPr lang="en-CA" sz="1400" dirty="0"/>
+          </a:p>
+          <a:p>
+            <a:r>
+              <a:rPr lang="en-CA" sz="1400" dirty="0"/>
+              <a:t>SELECT_EVENT</a:t>
+            </a:r>
+          </a:p>
+          <a:p>
+            <a:r>
+              <a:rPr lang="en-CA" sz="1400" dirty="0"/>
+              <a:t>SET_QTY</a:t>
+            </a:r>
+          </a:p>
+        </p:txBody>
+      </p:sp>
+      <p:sp>
+        <p:nvSpPr>
+          <p:cNvPr id="12" name="Oval 11">
+            <a:extLst>
+              <a:ext uri="{FF2B5EF4-FFF2-40B4-BE49-F238E27FC236}">
+                <a16:creationId xmlns:a16="http://schemas.microsoft.com/office/drawing/2014/main" id="{98E8350D-B40F-136C-9B26-A5FF6B9CEFD3}"/>
+              </a:ext>
+            </a:extLst>
+          </p:cNvPr>
+          <p:cNvSpPr/>
+          <p:nvPr/>
+        </p:nvSpPr>
+        <p:spPr>
+          <a:xfrm>
+            <a:off x="563006" y="3178224"/>
+            <a:ext cx="355106" cy="355106"/>
+          </a:xfrm>
+          <a:prstGeom prst="ellipse">
+            <a:avLst/>
+          </a:prstGeom>
+          <a:solidFill>
+            <a:schemeClr val="bg2"/>
+          </a:solidFill>
+        </p:spPr>
+        <p:style>
+          <a:lnRef idx="2">
+            <a:schemeClr val="accent1">
+              <a:shade val="15000"/>
+            </a:schemeClr>
+          </a:lnRef>
+          <a:fillRef idx="1">
+            <a:schemeClr val="accent1"/>
+          </a:fillRef>
+          <a:effectRef idx="0">
+            <a:schemeClr val="accent1"/>
+          </a:effectRef>
+          <a:fontRef idx="minor">
+            <a:schemeClr val="lt1"/>
+          </a:fontRef>
+        </p:style>
+        <p:txBody>
+          <a:bodyPr rtlCol="0" anchor="ctr"/>
+          <a:lstStyle/>
+          <a:p>
+            <a:pPr algn="ctr"/>
+            <a:endParaRPr lang="en-CA"/>
+          </a:p>
+        </p:txBody>
+      </p:sp>
+      <p:cxnSp>
+        <p:nvCxnSpPr>
+          <p:cNvPr id="35" name="Straight Arrow Connector 34">
+            <a:extLst>
+              <a:ext uri="{FF2B5EF4-FFF2-40B4-BE49-F238E27FC236}">
+                <a16:creationId xmlns:a16="http://schemas.microsoft.com/office/drawing/2014/main" id="{F5770EE1-A1D0-3016-EBC2-8E30A07EA51A}"/>
+              </a:ext>
+            </a:extLst>
+          </p:cNvPr>
+          <p:cNvCxnSpPr>
+            <a:cxnSpLocks/>
+            <a:stCxn id="3" idx="3"/>
+          </p:cNvCxnSpPr>
+          <p:nvPr/>
+        </p:nvCxnSpPr>
+        <p:spPr>
+          <a:xfrm>
+            <a:off x="5755369" y="3378792"/>
+            <a:ext cx="4709431" cy="23860"/>
+          </a:xfrm>
+          <a:prstGeom prst="straightConnector1">
+            <a:avLst/>
+          </a:prstGeom>
+          <a:ln w="34925">
+            <a:solidFill>
+              <a:schemeClr val="accent6">
+                <a:lumMod val="60000"/>
+                <a:lumOff val="40000"/>
+              </a:schemeClr>
+            </a:solidFill>
+            <a:tailEnd type="arrow"/>
+          </a:ln>
+        </p:spPr>
+        <p:style>
+          <a:lnRef idx="1">
+            <a:schemeClr val="accent1"/>
+          </a:lnRef>
+          <a:fillRef idx="0">
+            <a:schemeClr val="accent1"/>
+          </a:fillRef>
+          <a:effectRef idx="0">
+            <a:schemeClr val="accent1"/>
+          </a:effectRef>
+          <a:fontRef idx="minor">
+            <a:schemeClr val="tx1"/>
+          </a:fontRef>
+        </p:style>
+      </p:cxnSp>
+      <p:sp>
+        <p:nvSpPr>
+          <p:cNvPr id="37" name="Oval 36">
+            <a:extLst>
+              <a:ext uri="{FF2B5EF4-FFF2-40B4-BE49-F238E27FC236}">
+                <a16:creationId xmlns:a16="http://schemas.microsoft.com/office/drawing/2014/main" id="{32A74E61-AAB7-331B-13A6-0FFC63FC63D6}"/>
+              </a:ext>
+            </a:extLst>
+          </p:cNvPr>
+          <p:cNvSpPr/>
+          <p:nvPr/>
+        </p:nvSpPr>
+        <p:spPr>
+          <a:xfrm>
+            <a:off x="6073829" y="2235200"/>
+            <a:ext cx="3168220" cy="2386029"/>
+          </a:xfrm>
+          <a:prstGeom prst="ellipse">
+            <a:avLst/>
+          </a:prstGeom>
+          <a:noFill/>
+          <a:ln w="38100">
+            <a:prstDash val="lgDash"/>
+          </a:ln>
+        </p:spPr>
+        <p:style>
+          <a:lnRef idx="2">
+            <a:schemeClr val="accent1">
+              <a:shade val="15000"/>
+            </a:schemeClr>
+          </a:lnRef>
+          <a:fillRef idx="1">
+            <a:schemeClr val="accent1"/>
+          </a:fillRef>
+          <a:effectRef idx="0">
+            <a:schemeClr val="accent1"/>
+          </a:effectRef>
+          <a:fontRef idx="minor">
+            <a:schemeClr val="lt1"/>
+          </a:fontRef>
+        </p:style>
+        <p:txBody>
+          <a:bodyPr rtlCol="0" anchor="ctr"/>
+          <a:lstStyle/>
+          <a:p>
+            <a:pPr algn="ctr"/>
+            <a:endParaRPr lang="en-CA"/>
+          </a:p>
+        </p:txBody>
+      </p:sp>
+      <p:sp>
+        <p:nvSpPr>
+          <p:cNvPr id="54" name="Oval 53">
+            <a:extLst>
+              <a:ext uri="{FF2B5EF4-FFF2-40B4-BE49-F238E27FC236}">
+                <a16:creationId xmlns:a16="http://schemas.microsoft.com/office/drawing/2014/main" id="{CE06762A-D69D-D849-D40D-FCB920C1E8D1}"/>
+              </a:ext>
+            </a:extLst>
+          </p:cNvPr>
+          <p:cNvSpPr/>
+          <p:nvPr/>
+        </p:nvSpPr>
+        <p:spPr>
+          <a:xfrm>
+            <a:off x="5911151" y="3217723"/>
+            <a:ext cx="350797" cy="350797"/>
+          </a:xfrm>
+          <a:prstGeom prst="ellipse">
+            <a:avLst/>
+          </a:prstGeom>
+          <a:solidFill>
+            <a:schemeClr val="accent1">
+              <a:lumMod val="60000"/>
+              <a:lumOff val="40000"/>
+              <a:alpha val="50000"/>
+            </a:schemeClr>
+          </a:solidFill>
+        </p:spPr>
+        <p:style>
+          <a:lnRef idx="2">
+            <a:schemeClr val="accent1">
+              <a:shade val="15000"/>
+            </a:schemeClr>
+          </a:lnRef>
+          <a:fillRef idx="1">
+            <a:schemeClr val="accent1"/>
+          </a:fillRef>
+          <a:effectRef idx="0">
+            <a:schemeClr val="accent1"/>
+          </a:effectRef>
+          <a:fontRef idx="minor">
+            <a:schemeClr val="lt1"/>
+          </a:fontRef>
+        </p:style>
+        <p:txBody>
+          <a:bodyPr rtlCol="0" anchor="ctr"/>
+          <a:lstStyle/>
+          <a:p>
+            <a:pPr algn="ctr"/>
+            <a:endParaRPr lang="en-CA"/>
+          </a:p>
+        </p:txBody>
+      </p:sp>
+      <p:sp>
+        <p:nvSpPr>
+          <p:cNvPr id="60" name="TextBox 59">
+            <a:extLst>
+              <a:ext uri="{FF2B5EF4-FFF2-40B4-BE49-F238E27FC236}">
+                <a16:creationId xmlns:a16="http://schemas.microsoft.com/office/drawing/2014/main" id="{CE614C56-C033-600E-FCF9-11D9B8C46C63}"/>
+              </a:ext>
+            </a:extLst>
+          </p:cNvPr>
+          <p:cNvSpPr txBox="1"/>
+          <p:nvPr/>
+        </p:nvSpPr>
+        <p:spPr>
+          <a:xfrm>
+            <a:off x="1198669" y="3205727"/>
+            <a:ext cx="1117812" cy="307777"/>
+          </a:xfrm>
+          <a:prstGeom prst="rect">
+            <a:avLst/>
+          </a:prstGeom>
+          <a:solidFill>
+            <a:schemeClr val="bg1"/>
+          </a:solidFill>
+          <a:ln>
+            <a:solidFill>
+              <a:schemeClr val="accent1">
+                <a:shade val="15000"/>
+              </a:schemeClr>
+            </a:solidFill>
+          </a:ln>
+        </p:spPr>
+        <p:txBody>
+          <a:bodyPr wrap="square" rtlCol="0">
+            <a:spAutoFit/>
+          </a:bodyPr>
+          <a:lstStyle/>
+          <a:p>
+            <a:pPr algn="ctr"/>
+            <a:r>
+              <a:rPr lang="en-CA" sz="1400" dirty="0"/>
+              <a:t>dispatcher$</a:t>
+            </a:r>
+          </a:p>
+        </p:txBody>
+      </p:sp>
+      <p:sp>
+        <p:nvSpPr>
+          <p:cNvPr id="63" name="TextBox 62">
+            <a:extLst>
+              <a:ext uri="{FF2B5EF4-FFF2-40B4-BE49-F238E27FC236}">
+                <a16:creationId xmlns:a16="http://schemas.microsoft.com/office/drawing/2014/main" id="{4C8DF126-D70D-8E4D-5899-6C2301DB73B6}"/>
+              </a:ext>
+            </a:extLst>
+          </p:cNvPr>
+          <p:cNvSpPr txBox="1"/>
+          <p:nvPr/>
+        </p:nvSpPr>
+        <p:spPr>
+          <a:xfrm>
+            <a:off x="6842720" y="3216827"/>
+            <a:ext cx="2051386" cy="307777"/>
+          </a:xfrm>
+          <a:prstGeom prst="rect">
+            <a:avLst/>
+          </a:prstGeom>
+          <a:solidFill>
+            <a:schemeClr val="bg1"/>
+          </a:solidFill>
+          <a:ln>
+            <a:solidFill>
+              <a:schemeClr val="accent1">
+                <a:shade val="15000"/>
+              </a:schemeClr>
+            </a:solidFill>
+          </a:ln>
+        </p:spPr>
+        <p:txBody>
+          <a:bodyPr wrap="square" rtlCol="0">
+            <a:spAutoFit/>
+          </a:bodyPr>
+          <a:lstStyle/>
+          <a:p>
+            <a:pPr algn="ctr"/>
+            <a:r>
+              <a:rPr lang="en-CA" sz="1400" dirty="0" err="1"/>
+              <a:t>sourceForPriceInfoHub</a:t>
+            </a:r>
+            <a:r>
+              <a:rPr lang="en-CA" sz="1400" dirty="0"/>
+              <a:t>$</a:t>
+            </a:r>
+          </a:p>
+        </p:txBody>
+      </p:sp>
+      <p:sp>
+        <p:nvSpPr>
+          <p:cNvPr id="65" name="TextBox 64">
+            <a:extLst>
+              <a:ext uri="{FF2B5EF4-FFF2-40B4-BE49-F238E27FC236}">
+                <a16:creationId xmlns:a16="http://schemas.microsoft.com/office/drawing/2014/main" id="{A72DD2CC-A92D-90EB-3CC1-EB6AFC05D83A}"/>
+              </a:ext>
+            </a:extLst>
+          </p:cNvPr>
+          <p:cNvSpPr txBox="1"/>
+          <p:nvPr/>
+        </p:nvSpPr>
+        <p:spPr>
+          <a:xfrm>
+            <a:off x="5990817" y="1722972"/>
+            <a:ext cx="3069863" cy="369332"/>
+          </a:xfrm>
+          <a:prstGeom prst="rect">
+            <a:avLst/>
+          </a:prstGeom>
+          <a:noFill/>
+        </p:spPr>
+        <p:txBody>
+          <a:bodyPr wrap="square" rtlCol="0">
+            <a:spAutoFit/>
+          </a:bodyPr>
+          <a:lstStyle/>
+          <a:p>
+            <a:r>
+              <a:rPr lang="en-CA" dirty="0"/>
+              <a:t>Hub 2 – Fetch Price for Event</a:t>
+            </a:r>
+          </a:p>
+        </p:txBody>
+      </p:sp>
+      <p:sp>
+        <p:nvSpPr>
+          <p:cNvPr id="66" name="TextBox 65">
+            <a:extLst>
+              <a:ext uri="{FF2B5EF4-FFF2-40B4-BE49-F238E27FC236}">
+                <a16:creationId xmlns:a16="http://schemas.microsoft.com/office/drawing/2014/main" id="{A0FE41AB-6FF8-F3EA-DDAC-BE7405DFE942}"/>
+              </a:ext>
+            </a:extLst>
+          </p:cNvPr>
+          <p:cNvSpPr txBox="1"/>
+          <p:nvPr/>
+        </p:nvSpPr>
+        <p:spPr>
+          <a:xfrm>
+            <a:off x="496177" y="1196246"/>
+            <a:ext cx="2910052" cy="923330"/>
+          </a:xfrm>
+          <a:prstGeom prst="rect">
+            <a:avLst/>
+          </a:prstGeom>
+          <a:noFill/>
+        </p:spPr>
+        <p:txBody>
+          <a:bodyPr wrap="square" rtlCol="0">
+            <a:spAutoFit/>
+          </a:bodyPr>
+          <a:lstStyle/>
+          <a:p>
+            <a:r>
+              <a:rPr lang="en-CA" dirty="0"/>
+              <a:t>Hub 1 – User Controls </a:t>
+            </a:r>
+          </a:p>
+          <a:p>
+            <a:r>
+              <a:rPr lang="en-CA" dirty="0"/>
+              <a:t>Event Selection </a:t>
+            </a:r>
+          </a:p>
+          <a:p>
+            <a:r>
+              <a:rPr lang="en-CA" dirty="0"/>
+              <a:t>Ticket Quantity</a:t>
+            </a:r>
+          </a:p>
+        </p:txBody>
+      </p:sp>
+      <p:sp>
+        <p:nvSpPr>
+          <p:cNvPr id="68" name="Arc 67">
+            <a:extLst>
+              <a:ext uri="{FF2B5EF4-FFF2-40B4-BE49-F238E27FC236}">
+                <a16:creationId xmlns:a16="http://schemas.microsoft.com/office/drawing/2014/main" id="{42C32F68-CA99-AFD5-7EF4-F87048816E7E}"/>
+              </a:ext>
+            </a:extLst>
+          </p:cNvPr>
+          <p:cNvSpPr/>
+          <p:nvPr/>
+        </p:nvSpPr>
+        <p:spPr>
+          <a:xfrm>
+            <a:off x="6194061" y="2738000"/>
+            <a:ext cx="3523791" cy="1086710"/>
+          </a:xfrm>
+          <a:prstGeom prst="arc">
+            <a:avLst>
+              <a:gd name="adj1" fmla="val 10769572"/>
+              <a:gd name="adj2" fmla="val 21448792"/>
+            </a:avLst>
+          </a:prstGeom>
+          <a:ln w="34925">
+            <a:solidFill>
+              <a:schemeClr val="accent2"/>
+            </a:solidFill>
+            <a:tailEnd type="arrow"/>
+          </a:ln>
+        </p:spPr>
+        <p:style>
+          <a:lnRef idx="1">
+            <a:schemeClr val="accent1"/>
+          </a:lnRef>
+          <a:fillRef idx="0">
+            <a:schemeClr val="accent1"/>
+          </a:fillRef>
+          <a:effectRef idx="0">
+            <a:schemeClr val="accent1"/>
+          </a:effectRef>
+          <a:fontRef idx="minor">
+            <a:schemeClr val="tx1"/>
+          </a:fontRef>
+        </p:style>
+        <p:txBody>
+          <a:bodyPr rtlCol="0" anchor="ctr"/>
+          <a:lstStyle/>
+          <a:p>
+            <a:pPr algn="ctr"/>
+            <a:endParaRPr lang="en-CA"/>
+          </a:p>
+        </p:txBody>
+      </p:sp>
+      <p:sp>
+        <p:nvSpPr>
+          <p:cNvPr id="71" name="TextBox 70">
+            <a:extLst>
+              <a:ext uri="{FF2B5EF4-FFF2-40B4-BE49-F238E27FC236}">
+                <a16:creationId xmlns:a16="http://schemas.microsoft.com/office/drawing/2014/main" id="{C579B0D2-2BD0-E83C-9123-C28538FCAEB5}"/>
+              </a:ext>
+            </a:extLst>
+          </p:cNvPr>
+          <p:cNvSpPr txBox="1"/>
+          <p:nvPr/>
+        </p:nvSpPr>
+        <p:spPr>
+          <a:xfrm>
+            <a:off x="6833895" y="2643235"/>
+            <a:ext cx="2051387" cy="307777"/>
+          </a:xfrm>
+          <a:prstGeom prst="rect">
+            <a:avLst/>
+          </a:prstGeom>
+          <a:solidFill>
+            <a:schemeClr val="bg1"/>
+          </a:solidFill>
+          <a:ln>
+            <a:solidFill>
+              <a:schemeClr val="accent1">
+                <a:shade val="15000"/>
+              </a:schemeClr>
+            </a:solidFill>
+          </a:ln>
+        </p:spPr>
+        <p:txBody>
+          <a:bodyPr wrap="square" rtlCol="0">
+            <a:spAutoFit/>
+          </a:bodyPr>
+          <a:lstStyle/>
+          <a:p>
+            <a:pPr algn="ctr"/>
+            <a:r>
+              <a:rPr lang="en-CA" sz="1400" dirty="0" err="1"/>
+              <a:t>getPriceEffect</a:t>
+            </a:r>
+            <a:r>
+              <a:rPr lang="en-CA" sz="1400" dirty="0"/>
+              <a:t>$</a:t>
+            </a:r>
+          </a:p>
+        </p:txBody>
+      </p:sp>
+      <p:sp>
+        <p:nvSpPr>
+          <p:cNvPr id="76" name="Oval 75">
+            <a:extLst>
+              <a:ext uri="{FF2B5EF4-FFF2-40B4-BE49-F238E27FC236}">
+                <a16:creationId xmlns:a16="http://schemas.microsoft.com/office/drawing/2014/main" id="{6E4A664F-40FB-2CE2-04D7-454257BF1103}"/>
+              </a:ext>
+            </a:extLst>
+          </p:cNvPr>
+          <p:cNvSpPr/>
+          <p:nvPr/>
+        </p:nvSpPr>
+        <p:spPr>
+          <a:xfrm>
+            <a:off x="8938753" y="2662976"/>
+            <a:ext cx="350797" cy="350797"/>
+          </a:xfrm>
+          <a:prstGeom prst="ellipse">
+            <a:avLst/>
+          </a:prstGeom>
+          <a:solidFill>
+            <a:srgbClr val="92D050"/>
+          </a:solidFill>
+        </p:spPr>
+        <p:style>
+          <a:lnRef idx="2">
+            <a:schemeClr val="accent1">
+              <a:shade val="15000"/>
+            </a:schemeClr>
+          </a:lnRef>
+          <a:fillRef idx="1">
+            <a:schemeClr val="accent1"/>
+          </a:fillRef>
+          <a:effectRef idx="0">
+            <a:schemeClr val="accent1"/>
+          </a:effectRef>
+          <a:fontRef idx="minor">
+            <a:schemeClr val="lt1"/>
+          </a:fontRef>
+        </p:style>
+        <p:txBody>
+          <a:bodyPr rtlCol="0" anchor="ctr"/>
+          <a:lstStyle/>
+          <a:p>
+            <a:pPr algn="ctr"/>
+            <a:endParaRPr lang="en-CA"/>
+          </a:p>
+        </p:txBody>
+      </p:sp>
+      <p:sp>
+        <p:nvSpPr>
+          <p:cNvPr id="64" name="Oval 63">
+            <a:extLst>
+              <a:ext uri="{FF2B5EF4-FFF2-40B4-BE49-F238E27FC236}">
+                <a16:creationId xmlns:a16="http://schemas.microsoft.com/office/drawing/2014/main" id="{4373DEC7-662F-A21D-0B7C-865151BBD5A6}"/>
+              </a:ext>
+            </a:extLst>
+          </p:cNvPr>
+          <p:cNvSpPr/>
+          <p:nvPr/>
+        </p:nvSpPr>
+        <p:spPr>
+          <a:xfrm>
+            <a:off x="9743847" y="3241595"/>
+            <a:ext cx="350797" cy="350797"/>
+          </a:xfrm>
+          <a:prstGeom prst="ellipse">
+            <a:avLst/>
+          </a:prstGeom>
+          <a:solidFill>
+            <a:schemeClr val="accent1">
+              <a:lumMod val="60000"/>
+              <a:lumOff val="40000"/>
+            </a:schemeClr>
+          </a:solidFill>
+        </p:spPr>
+        <p:style>
+          <a:lnRef idx="2">
+            <a:schemeClr val="accent1">
+              <a:shade val="15000"/>
+            </a:schemeClr>
+          </a:lnRef>
+          <a:fillRef idx="1">
+            <a:schemeClr val="accent1"/>
+          </a:fillRef>
+          <a:effectRef idx="0">
+            <a:schemeClr val="accent1"/>
+          </a:effectRef>
+          <a:fontRef idx="minor">
+            <a:schemeClr val="lt1"/>
+          </a:fontRef>
+        </p:style>
+        <p:txBody>
+          <a:bodyPr rtlCol="0" anchor="ctr"/>
+          <a:lstStyle/>
+          <a:p>
+            <a:pPr algn="ctr"/>
+            <a:endParaRPr lang="en-CA"/>
+          </a:p>
+        </p:txBody>
+      </p:sp>
+      <p:sp>
+        <p:nvSpPr>
+          <p:cNvPr id="100" name="TextBox 99">
+            <a:extLst>
+              <a:ext uri="{FF2B5EF4-FFF2-40B4-BE49-F238E27FC236}">
+                <a16:creationId xmlns:a16="http://schemas.microsoft.com/office/drawing/2014/main" id="{A8AE2161-5D45-3218-CE95-260C443B8A74}"/>
+              </a:ext>
+            </a:extLst>
+          </p:cNvPr>
+          <p:cNvSpPr txBox="1"/>
+          <p:nvPr/>
+        </p:nvSpPr>
+        <p:spPr>
+          <a:xfrm>
+            <a:off x="5299843" y="4758426"/>
+            <a:ext cx="3881203" cy="800219"/>
+          </a:xfrm>
+          <a:prstGeom prst="rect">
+            <a:avLst/>
+          </a:prstGeom>
+          <a:solidFill>
+            <a:schemeClr val="bg1"/>
+          </a:solidFill>
+          <a:ln>
+            <a:solidFill>
+              <a:schemeClr val="accent1">
+                <a:shade val="15000"/>
+              </a:schemeClr>
+            </a:solidFill>
+          </a:ln>
+        </p:spPr>
+        <p:txBody>
+          <a:bodyPr wrap="square" rtlCol="0">
+            <a:spAutoFit/>
+          </a:bodyPr>
+          <a:lstStyle/>
+          <a:p>
+            <a:pPr algn="ctr"/>
+            <a:r>
+              <a:rPr lang="en-CA" dirty="0"/>
+              <a:t>Source For Hub 2 Actions</a:t>
+            </a:r>
+          </a:p>
+          <a:p>
+            <a:r>
+              <a:rPr lang="en-CA" sz="1400" dirty="0"/>
+              <a:t>FETCH_PRICE</a:t>
+            </a:r>
+          </a:p>
+          <a:p>
+            <a:r>
+              <a:rPr lang="en-CA" sz="1400" dirty="0"/>
+              <a:t>FETCH_PRICE SUCCESS</a:t>
+            </a:r>
+          </a:p>
+        </p:txBody>
+      </p:sp>
+      <p:sp>
+        <p:nvSpPr>
+          <p:cNvPr id="101" name="Oval 100">
+            <a:extLst>
+              <a:ext uri="{FF2B5EF4-FFF2-40B4-BE49-F238E27FC236}">
+                <a16:creationId xmlns:a16="http://schemas.microsoft.com/office/drawing/2014/main" id="{72684D0B-F2B2-EBDD-1D6C-9FA485818925}"/>
+              </a:ext>
+            </a:extLst>
+          </p:cNvPr>
+          <p:cNvSpPr/>
+          <p:nvPr/>
+        </p:nvSpPr>
+        <p:spPr>
+          <a:xfrm>
+            <a:off x="2834870" y="5201106"/>
+            <a:ext cx="179850" cy="177553"/>
+          </a:xfrm>
+          <a:prstGeom prst="ellipse">
+            <a:avLst/>
+          </a:prstGeom>
+          <a:solidFill>
+            <a:schemeClr val="bg2"/>
+          </a:solidFill>
+        </p:spPr>
+        <p:style>
+          <a:lnRef idx="2">
+            <a:schemeClr val="accent1">
+              <a:shade val="15000"/>
+            </a:schemeClr>
+          </a:lnRef>
+          <a:fillRef idx="1">
+            <a:schemeClr val="accent1"/>
+          </a:fillRef>
+          <a:effectRef idx="0">
+            <a:schemeClr val="accent1"/>
+          </a:effectRef>
+          <a:fontRef idx="minor">
+            <a:schemeClr val="lt1"/>
+          </a:fontRef>
+        </p:style>
+        <p:txBody>
+          <a:bodyPr rtlCol="0" anchor="ctr"/>
+          <a:lstStyle/>
+          <a:p>
+            <a:pPr algn="ctr"/>
+            <a:endParaRPr lang="en-CA"/>
+          </a:p>
+        </p:txBody>
+      </p:sp>
+      <p:sp>
+        <p:nvSpPr>
+          <p:cNvPr id="102" name="Oval 101">
+            <a:extLst>
+              <a:ext uri="{FF2B5EF4-FFF2-40B4-BE49-F238E27FC236}">
+                <a16:creationId xmlns:a16="http://schemas.microsoft.com/office/drawing/2014/main" id="{81D6EC26-8AB9-7F3A-2935-C3BCF43BB796}"/>
+              </a:ext>
+            </a:extLst>
+          </p:cNvPr>
+          <p:cNvSpPr/>
+          <p:nvPr/>
+        </p:nvSpPr>
+        <p:spPr>
+          <a:xfrm flipH="1" flipV="1">
+            <a:off x="2840812" y="4958748"/>
+            <a:ext cx="173908" cy="173908"/>
+          </a:xfrm>
+          <a:prstGeom prst="ellipse">
+            <a:avLst/>
+          </a:prstGeom>
+          <a:solidFill>
+            <a:schemeClr val="accent6">
+              <a:lumMod val="40000"/>
+              <a:lumOff val="60000"/>
+            </a:schemeClr>
+          </a:solidFill>
+        </p:spPr>
+        <p:style>
+          <a:lnRef idx="2">
+            <a:schemeClr val="accent1">
+              <a:shade val="15000"/>
+            </a:schemeClr>
+          </a:lnRef>
+          <a:fillRef idx="1">
+            <a:schemeClr val="accent1"/>
+          </a:fillRef>
+          <a:effectRef idx="0">
+            <a:schemeClr val="accent1"/>
+          </a:effectRef>
+          <a:fontRef idx="minor">
+            <a:schemeClr val="lt1"/>
+          </a:fontRef>
+        </p:style>
+        <p:txBody>
+          <a:bodyPr rtlCol="0" anchor="ctr"/>
+          <a:lstStyle/>
+          <a:p>
+            <a:pPr algn="ctr"/>
+            <a:endParaRPr lang="en-CA"/>
+          </a:p>
+        </p:txBody>
+      </p:sp>
+      <p:sp>
+        <p:nvSpPr>
+          <p:cNvPr id="103" name="Oval 102">
+            <a:extLst>
+              <a:ext uri="{FF2B5EF4-FFF2-40B4-BE49-F238E27FC236}">
+                <a16:creationId xmlns:a16="http://schemas.microsoft.com/office/drawing/2014/main" id="{D2983791-687E-10D4-C378-F850E7694B18}"/>
+              </a:ext>
+            </a:extLst>
+          </p:cNvPr>
+          <p:cNvSpPr/>
+          <p:nvPr/>
+        </p:nvSpPr>
+        <p:spPr>
+          <a:xfrm>
+            <a:off x="8891131" y="5304085"/>
+            <a:ext cx="169549" cy="169549"/>
+          </a:xfrm>
+          <a:prstGeom prst="ellipse">
+            <a:avLst/>
+          </a:prstGeom>
+          <a:solidFill>
+            <a:srgbClr val="92D050"/>
+          </a:solidFill>
+        </p:spPr>
+        <p:style>
+          <a:lnRef idx="2">
+            <a:schemeClr val="accent1">
+              <a:shade val="15000"/>
+            </a:schemeClr>
+          </a:lnRef>
+          <a:fillRef idx="1">
+            <a:schemeClr val="accent1"/>
+          </a:fillRef>
+          <a:effectRef idx="0">
+            <a:schemeClr val="accent1"/>
+          </a:effectRef>
+          <a:fontRef idx="minor">
+            <a:schemeClr val="lt1"/>
+          </a:fontRef>
+        </p:style>
+        <p:txBody>
+          <a:bodyPr rtlCol="0" anchor="ctr"/>
+          <a:lstStyle/>
+          <a:p>
+            <a:pPr algn="ctr"/>
+            <a:endParaRPr lang="en-CA"/>
+          </a:p>
+        </p:txBody>
+      </p:sp>
+      <p:sp>
+        <p:nvSpPr>
+          <p:cNvPr id="105" name="Oval 104">
+            <a:extLst>
+              <a:ext uri="{FF2B5EF4-FFF2-40B4-BE49-F238E27FC236}">
+                <a16:creationId xmlns:a16="http://schemas.microsoft.com/office/drawing/2014/main" id="{5BA2E242-00C5-D801-8A26-6DEF84C7509B}"/>
+              </a:ext>
+            </a:extLst>
+          </p:cNvPr>
+          <p:cNvSpPr/>
+          <p:nvPr/>
+        </p:nvSpPr>
+        <p:spPr>
+          <a:xfrm>
+            <a:off x="8894106" y="5065797"/>
+            <a:ext cx="171597" cy="171597"/>
+          </a:xfrm>
+          <a:prstGeom prst="ellipse">
+            <a:avLst/>
+          </a:prstGeom>
+          <a:solidFill>
+            <a:schemeClr val="accent1">
+              <a:lumMod val="60000"/>
+              <a:lumOff val="40000"/>
+            </a:schemeClr>
+          </a:solidFill>
+        </p:spPr>
+        <p:style>
+          <a:lnRef idx="2">
+            <a:schemeClr val="accent1">
+              <a:shade val="15000"/>
+            </a:schemeClr>
+          </a:lnRef>
+          <a:fillRef idx="1">
+            <a:schemeClr val="accent1"/>
+          </a:fillRef>
+          <a:effectRef idx="0">
+            <a:schemeClr val="accent1"/>
+          </a:effectRef>
+          <a:fontRef idx="minor">
+            <a:schemeClr val="lt1"/>
+          </a:fontRef>
+        </p:style>
+        <p:txBody>
+          <a:bodyPr rtlCol="0" anchor="ctr"/>
+          <a:lstStyle/>
+          <a:p>
+            <a:pPr algn="ctr"/>
+            <a:endParaRPr lang="en-CA"/>
+          </a:p>
+        </p:txBody>
+      </p:sp>
+      <p:sp>
+        <p:nvSpPr>
+          <p:cNvPr id="107" name="TextBox 106">
+            <a:extLst>
+              <a:ext uri="{FF2B5EF4-FFF2-40B4-BE49-F238E27FC236}">
+                <a16:creationId xmlns:a16="http://schemas.microsoft.com/office/drawing/2014/main" id="{CDB304A9-0ECB-5393-7F16-F3B9E68DF367}"/>
+              </a:ext>
+            </a:extLst>
+          </p:cNvPr>
+          <p:cNvSpPr txBox="1"/>
+          <p:nvPr/>
+        </p:nvSpPr>
+        <p:spPr>
+          <a:xfrm>
+            <a:off x="9743847" y="1079820"/>
+            <a:ext cx="1915281" cy="707886"/>
+          </a:xfrm>
+          <a:prstGeom prst="rect">
+            <a:avLst/>
+          </a:prstGeom>
+          <a:noFill/>
+        </p:spPr>
+        <p:txBody>
+          <a:bodyPr wrap="square" rtlCol="0">
+            <a:spAutoFit/>
+          </a:bodyPr>
+          <a:lstStyle/>
+          <a:p>
+            <a:pPr algn="ctr"/>
+            <a:r>
+              <a:rPr lang="en-CA" sz="2000" dirty="0"/>
+              <a:t>Price Info Display</a:t>
+            </a:r>
+          </a:p>
+        </p:txBody>
+      </p:sp>
+      <p:sp>
+        <p:nvSpPr>
+          <p:cNvPr id="109" name="Rectangle: Rounded Corners 108">
+            <a:extLst>
+              <a:ext uri="{FF2B5EF4-FFF2-40B4-BE49-F238E27FC236}">
+                <a16:creationId xmlns:a16="http://schemas.microsoft.com/office/drawing/2014/main" id="{A13AA74E-1F9D-FA33-8D2B-D7796AB14A28}"/>
+              </a:ext>
+            </a:extLst>
+          </p:cNvPr>
+          <p:cNvSpPr/>
+          <p:nvPr/>
+        </p:nvSpPr>
+        <p:spPr>
+          <a:xfrm>
+            <a:off x="3867433" y="1629547"/>
+            <a:ext cx="1329625" cy="280894"/>
+          </a:xfrm>
+          <a:prstGeom prst="roundRect">
+            <a:avLst/>
+          </a:prstGeom>
+          <a:noFill/>
+        </p:spPr>
+        <p:style>
+          <a:lnRef idx="2">
+            <a:schemeClr val="accent1">
+              <a:shade val="15000"/>
+            </a:schemeClr>
+          </a:lnRef>
+          <a:fillRef idx="1">
+            <a:schemeClr val="accent1"/>
+          </a:fillRef>
+          <a:effectRef idx="0">
+            <a:schemeClr val="accent1"/>
+          </a:effectRef>
+          <a:fontRef idx="minor">
+            <a:schemeClr val="lt1"/>
+          </a:fontRef>
+        </p:style>
+        <p:txBody>
+          <a:bodyPr rtlCol="0" anchor="ctr"/>
+          <a:lstStyle/>
+          <a:p>
+            <a:r>
+              <a:rPr lang="en-CA" sz="1400" dirty="0">
+                <a:solidFill>
+                  <a:schemeClr val="tx1"/>
+                </a:solidFill>
+              </a:rPr>
+              <a:t>Select Event</a:t>
+            </a:r>
+          </a:p>
+        </p:txBody>
+      </p:sp>
+      <p:sp>
+        <p:nvSpPr>
+          <p:cNvPr id="110" name="Arc 109">
+            <a:extLst>
+              <a:ext uri="{FF2B5EF4-FFF2-40B4-BE49-F238E27FC236}">
+                <a16:creationId xmlns:a16="http://schemas.microsoft.com/office/drawing/2014/main" id="{DBED7460-5777-4FBF-195C-BC0A319CAAD8}"/>
+              </a:ext>
+            </a:extLst>
+          </p:cNvPr>
+          <p:cNvSpPr/>
+          <p:nvPr/>
+        </p:nvSpPr>
+        <p:spPr>
+          <a:xfrm flipV="1">
+            <a:off x="291740" y="1660571"/>
+            <a:ext cx="10427612" cy="3420288"/>
+          </a:xfrm>
+          <a:prstGeom prst="arc">
+            <a:avLst>
+              <a:gd name="adj1" fmla="val 8148048"/>
+              <a:gd name="adj2" fmla="val 10800727"/>
+            </a:avLst>
+          </a:prstGeom>
+          <a:ln w="34925">
+            <a:solidFill>
+              <a:schemeClr val="accent6">
+                <a:lumMod val="40000"/>
+                <a:lumOff val="60000"/>
+              </a:schemeClr>
+            </a:solidFill>
+            <a:tailEnd type="arrow"/>
+          </a:ln>
+        </p:spPr>
+        <p:style>
+          <a:lnRef idx="1">
+            <a:schemeClr val="accent1"/>
+          </a:lnRef>
+          <a:fillRef idx="0">
+            <a:schemeClr val="accent1"/>
+          </a:fillRef>
+          <a:effectRef idx="0">
+            <a:schemeClr val="accent1"/>
+          </a:effectRef>
+          <a:fontRef idx="minor">
+            <a:schemeClr val="tx1"/>
+          </a:fontRef>
+        </p:style>
+        <p:txBody>
+          <a:bodyPr rtlCol="0" anchor="ctr"/>
+          <a:lstStyle/>
+          <a:p>
+            <a:pPr algn="ctr"/>
+            <a:endParaRPr lang="en-CA"/>
+          </a:p>
+        </p:txBody>
+      </p:sp>
+      <p:sp>
+        <p:nvSpPr>
+          <p:cNvPr id="10" name="TextBox 9">
+            <a:extLst>
+              <a:ext uri="{FF2B5EF4-FFF2-40B4-BE49-F238E27FC236}">
+                <a16:creationId xmlns:a16="http://schemas.microsoft.com/office/drawing/2014/main" id="{E23DD095-7E12-E09A-102A-880CD346AE46}"/>
+              </a:ext>
+            </a:extLst>
+          </p:cNvPr>
+          <p:cNvSpPr txBox="1"/>
+          <p:nvPr/>
+        </p:nvSpPr>
+        <p:spPr>
+          <a:xfrm>
+            <a:off x="3172921" y="1145358"/>
+            <a:ext cx="2738230" cy="400110"/>
+          </a:xfrm>
+          <a:prstGeom prst="rect">
+            <a:avLst/>
+          </a:prstGeom>
+          <a:noFill/>
+        </p:spPr>
+        <p:txBody>
+          <a:bodyPr wrap="square" rtlCol="0">
+            <a:spAutoFit/>
+          </a:bodyPr>
+          <a:lstStyle/>
+          <a:p>
+            <a:pPr algn="ctr"/>
+            <a:r>
+              <a:rPr lang="en-CA" sz="2000" dirty="0"/>
+              <a:t>User Controls</a:t>
+            </a:r>
+          </a:p>
+        </p:txBody>
+      </p:sp>
+      <p:sp>
+        <p:nvSpPr>
+          <p:cNvPr id="11" name="Oval 10">
+            <a:extLst>
+              <a:ext uri="{FF2B5EF4-FFF2-40B4-BE49-F238E27FC236}">
+                <a16:creationId xmlns:a16="http://schemas.microsoft.com/office/drawing/2014/main" id="{8F47BE55-760D-0884-D768-373A4B7E4955}"/>
+              </a:ext>
+            </a:extLst>
+          </p:cNvPr>
+          <p:cNvSpPr/>
+          <p:nvPr/>
+        </p:nvSpPr>
+        <p:spPr>
+          <a:xfrm>
+            <a:off x="6408704" y="2822698"/>
+            <a:ext cx="350797" cy="350797"/>
+          </a:xfrm>
+          <a:prstGeom prst="ellipse">
+            <a:avLst/>
+          </a:prstGeom>
+          <a:solidFill>
+            <a:schemeClr val="accent1">
+              <a:lumMod val="60000"/>
+              <a:lumOff val="40000"/>
+              <a:alpha val="50000"/>
+            </a:schemeClr>
+          </a:solidFill>
+        </p:spPr>
+        <p:style>
+          <a:lnRef idx="2">
+            <a:schemeClr val="accent1">
+              <a:shade val="15000"/>
+            </a:schemeClr>
+          </a:lnRef>
+          <a:fillRef idx="1">
+            <a:schemeClr val="accent1"/>
+          </a:fillRef>
+          <a:effectRef idx="0">
+            <a:schemeClr val="accent1"/>
+          </a:effectRef>
+          <a:fontRef idx="minor">
+            <a:schemeClr val="lt1"/>
+          </a:fontRef>
+        </p:style>
+        <p:txBody>
+          <a:bodyPr rtlCol="0" anchor="ctr"/>
+          <a:lstStyle/>
+          <a:p>
+            <a:pPr algn="ctr"/>
+            <a:endParaRPr lang="en-CA"/>
+          </a:p>
+        </p:txBody>
+      </p:sp>
+      <p:sp>
+        <p:nvSpPr>
+          <p:cNvPr id="14" name="Rectangle: Rounded Corners 13">
+            <a:extLst>
+              <a:ext uri="{FF2B5EF4-FFF2-40B4-BE49-F238E27FC236}">
+                <a16:creationId xmlns:a16="http://schemas.microsoft.com/office/drawing/2014/main" id="{057D6040-83A4-A92B-E6ED-6B158CFD85AE}"/>
+              </a:ext>
+            </a:extLst>
+          </p:cNvPr>
+          <p:cNvSpPr/>
+          <p:nvPr/>
+        </p:nvSpPr>
+        <p:spPr>
+          <a:xfrm>
+            <a:off x="3855048" y="2090965"/>
+            <a:ext cx="1546869" cy="260896"/>
+          </a:xfrm>
+          <a:prstGeom prst="roundRect">
+            <a:avLst/>
+          </a:prstGeom>
+          <a:noFill/>
+        </p:spPr>
+        <p:style>
+          <a:lnRef idx="2">
+            <a:schemeClr val="accent1">
+              <a:shade val="15000"/>
+            </a:schemeClr>
+          </a:lnRef>
+          <a:fillRef idx="1">
+            <a:schemeClr val="accent1"/>
+          </a:fillRef>
+          <a:effectRef idx="0">
+            <a:schemeClr val="accent1"/>
+          </a:effectRef>
+          <a:fontRef idx="minor">
+            <a:schemeClr val="lt1"/>
+          </a:fontRef>
+        </p:style>
+        <p:txBody>
+          <a:bodyPr rtlCol="0" anchor="ctr"/>
+          <a:lstStyle/>
+          <a:p>
+            <a:r>
+              <a:rPr lang="en-CA" sz="1400" dirty="0">
+                <a:solidFill>
+                  <a:schemeClr val="tx1"/>
+                </a:solidFill>
+              </a:rPr>
+              <a:t>Choose Quantity</a:t>
+            </a:r>
+          </a:p>
+        </p:txBody>
+      </p:sp>
+      <p:sp>
+        <p:nvSpPr>
+          <p:cNvPr id="15" name="Arc 14">
+            <a:extLst>
+              <a:ext uri="{FF2B5EF4-FFF2-40B4-BE49-F238E27FC236}">
+                <a16:creationId xmlns:a16="http://schemas.microsoft.com/office/drawing/2014/main" id="{6883EC33-97A3-079F-3C23-A001E0A73F83}"/>
+              </a:ext>
+            </a:extLst>
+          </p:cNvPr>
+          <p:cNvSpPr/>
+          <p:nvPr/>
+        </p:nvSpPr>
+        <p:spPr>
+          <a:xfrm flipV="1">
+            <a:off x="129209" y="2158995"/>
+            <a:ext cx="10291969" cy="3074264"/>
+          </a:xfrm>
+          <a:prstGeom prst="arc">
+            <a:avLst>
+              <a:gd name="adj1" fmla="val 8148048"/>
+              <a:gd name="adj2" fmla="val 10591869"/>
+            </a:avLst>
+          </a:prstGeom>
+          <a:ln w="34925">
+            <a:solidFill>
+              <a:schemeClr val="bg2"/>
+            </a:solidFill>
+            <a:tailEnd type="arrow"/>
+          </a:ln>
+        </p:spPr>
+        <p:style>
+          <a:lnRef idx="1">
+            <a:schemeClr val="accent1"/>
+          </a:lnRef>
+          <a:fillRef idx="0">
+            <a:schemeClr val="accent1"/>
+          </a:fillRef>
+          <a:effectRef idx="0">
+            <a:schemeClr val="accent1"/>
+          </a:effectRef>
+          <a:fontRef idx="minor">
+            <a:schemeClr val="tx1"/>
+          </a:fontRef>
+        </p:style>
+        <p:txBody>
+          <a:bodyPr rtlCol="0" anchor="ctr"/>
+          <a:lstStyle/>
+          <a:p>
+            <a:pPr algn="ctr"/>
+            <a:endParaRPr lang="en-CA"/>
+          </a:p>
+        </p:txBody>
+      </p:sp>
+    </p:spTree>
+    <p:extLst>
+      <p:ext uri="{BB962C8B-B14F-4D97-AF65-F5344CB8AC3E}">
+        <p14:creationId xmlns:p14="http://schemas.microsoft.com/office/powerpoint/2010/main" val="1433618258"/>
       </p:ext>
     </p:extLst>
   </p:cSld>

--- a/documentation/Hubfx Presentation.pptx
+++ b/documentation/Hubfx Presentation.pptx
@@ -1799,7 +1799,7 @@
           <a:p>
             <a:fld id="{154F4BC5-C275-4A59-82DC-6AFC02DFC54D}" type="datetimeFigureOut">
               <a:rPr lang="en-CA" smtClean="0"/>
-              <a:t>2023-10-10</a:t>
+              <a:t>2023-11-16</a:t>
             </a:fld>
             <a:endParaRPr lang="en-CA"/>
           </a:p>
@@ -1999,7 +1999,7 @@
           <a:p>
             <a:fld id="{154F4BC5-C275-4A59-82DC-6AFC02DFC54D}" type="datetimeFigureOut">
               <a:rPr lang="en-CA" smtClean="0"/>
-              <a:t>2023-10-10</a:t>
+              <a:t>2023-11-16</a:t>
             </a:fld>
             <a:endParaRPr lang="en-CA"/>
           </a:p>
@@ -2209,7 +2209,7 @@
           <a:p>
             <a:fld id="{154F4BC5-C275-4A59-82DC-6AFC02DFC54D}" type="datetimeFigureOut">
               <a:rPr lang="en-CA" smtClean="0"/>
-              <a:t>2023-10-10</a:t>
+              <a:t>2023-11-16</a:t>
             </a:fld>
             <a:endParaRPr lang="en-CA"/>
           </a:p>
@@ -2409,7 +2409,7 @@
           <a:p>
             <a:fld id="{154F4BC5-C275-4A59-82DC-6AFC02DFC54D}" type="datetimeFigureOut">
               <a:rPr lang="en-CA" smtClean="0"/>
-              <a:t>2023-10-10</a:t>
+              <a:t>2023-11-16</a:t>
             </a:fld>
             <a:endParaRPr lang="en-CA"/>
           </a:p>
@@ -2685,7 +2685,7 @@
           <a:p>
             <a:fld id="{154F4BC5-C275-4A59-82DC-6AFC02DFC54D}" type="datetimeFigureOut">
               <a:rPr lang="en-CA" smtClean="0"/>
-              <a:t>2023-10-10</a:t>
+              <a:t>2023-11-16</a:t>
             </a:fld>
             <a:endParaRPr lang="en-CA"/>
           </a:p>
@@ -2953,7 +2953,7 @@
           <a:p>
             <a:fld id="{154F4BC5-C275-4A59-82DC-6AFC02DFC54D}" type="datetimeFigureOut">
               <a:rPr lang="en-CA" smtClean="0"/>
-              <a:t>2023-10-10</a:t>
+              <a:t>2023-11-16</a:t>
             </a:fld>
             <a:endParaRPr lang="en-CA"/>
           </a:p>
@@ -3368,7 +3368,7 @@
           <a:p>
             <a:fld id="{154F4BC5-C275-4A59-82DC-6AFC02DFC54D}" type="datetimeFigureOut">
               <a:rPr lang="en-CA" smtClean="0"/>
-              <a:t>2023-10-10</a:t>
+              <a:t>2023-11-16</a:t>
             </a:fld>
             <a:endParaRPr lang="en-CA"/>
           </a:p>
@@ -3510,7 +3510,7 @@
           <a:p>
             <a:fld id="{154F4BC5-C275-4A59-82DC-6AFC02DFC54D}" type="datetimeFigureOut">
               <a:rPr lang="en-CA" smtClean="0"/>
-              <a:t>2023-10-10</a:t>
+              <a:t>2023-11-16</a:t>
             </a:fld>
             <a:endParaRPr lang="en-CA"/>
           </a:p>
@@ -3623,7 +3623,7 @@
           <a:p>
             <a:fld id="{154F4BC5-C275-4A59-82DC-6AFC02DFC54D}" type="datetimeFigureOut">
               <a:rPr lang="en-CA" smtClean="0"/>
-              <a:t>2023-10-10</a:t>
+              <a:t>2023-11-16</a:t>
             </a:fld>
             <a:endParaRPr lang="en-CA"/>
           </a:p>
@@ -3936,7 +3936,7 @@
           <a:p>
             <a:fld id="{154F4BC5-C275-4A59-82DC-6AFC02DFC54D}" type="datetimeFigureOut">
               <a:rPr lang="en-CA" smtClean="0"/>
-              <a:t>2023-10-10</a:t>
+              <a:t>2023-11-16</a:t>
             </a:fld>
             <a:endParaRPr lang="en-CA"/>
           </a:p>
@@ -4225,7 +4225,7 @@
           <a:p>
             <a:fld id="{154F4BC5-C275-4A59-82DC-6AFC02DFC54D}" type="datetimeFigureOut">
               <a:rPr lang="en-CA" smtClean="0"/>
-              <a:t>2023-10-10</a:t>
+              <a:t>2023-11-16</a:t>
             </a:fld>
             <a:endParaRPr lang="en-CA"/>
           </a:p>
@@ -4468,7 +4468,7 @@
           <a:p>
             <a:fld id="{154F4BC5-C275-4A59-82DC-6AFC02DFC54D}" type="datetimeFigureOut">
               <a:rPr lang="en-CA" smtClean="0"/>
-              <a:t>2023-10-10</a:t>
+              <a:t>2023-11-16</a:t>
             </a:fld>
             <a:endParaRPr lang="en-CA"/>
           </a:p>
@@ -9078,10 +9078,10 @@
       </p:grpSpPr>
       <p:sp>
         <p:nvSpPr>
-          <p:cNvPr id="7" name="Rectangle: Rounded Corners 6">
-            <a:extLst>
-              <a:ext uri="{FF2B5EF4-FFF2-40B4-BE49-F238E27FC236}">
-                <a16:creationId xmlns:a16="http://schemas.microsoft.com/office/drawing/2014/main" id="{3356D45B-3EE1-591C-F3F7-9FF8420FF555}"/>
+          <p:cNvPr id="106" name="Rectangle: Rounded Corners 105">
+            <a:extLst>
+              <a:ext uri="{FF2B5EF4-FFF2-40B4-BE49-F238E27FC236}">
+                <a16:creationId xmlns:a16="http://schemas.microsoft.com/office/drawing/2014/main" id="{522C20D7-71E7-4B9E-4B83-48DDC36B85DB}"/>
               </a:ext>
             </a:extLst>
           </p:cNvPr>
@@ -9090,7 +9090,7 @@
         </p:nvSpPr>
         <p:spPr>
           <a:xfrm>
-            <a:off x="3266338" y="899179"/>
+            <a:off x="9310139" y="779969"/>
             <a:ext cx="2684930" cy="4911626"/>
           </a:xfrm>
           <a:prstGeom prst="roundRect">
@@ -9130,58 +9130,6 @@
       </p:sp>
       <p:sp>
         <p:nvSpPr>
-          <p:cNvPr id="106" name="Rectangle: Rounded Corners 105">
-            <a:extLst>
-              <a:ext uri="{FF2B5EF4-FFF2-40B4-BE49-F238E27FC236}">
-                <a16:creationId xmlns:a16="http://schemas.microsoft.com/office/drawing/2014/main" id="{522C20D7-71E7-4B9E-4B83-48DDC36B85DB}"/>
-              </a:ext>
-            </a:extLst>
-          </p:cNvPr>
-          <p:cNvSpPr/>
-          <p:nvPr/>
-        </p:nvSpPr>
-        <p:spPr>
-          <a:xfrm>
-            <a:off x="9310139" y="779969"/>
-            <a:ext cx="2684930" cy="4911626"/>
-          </a:xfrm>
-          <a:prstGeom prst="roundRect">
-            <a:avLst/>
-          </a:prstGeom>
-          <a:solidFill>
-            <a:schemeClr val="accent6">
-              <a:lumMod val="20000"/>
-              <a:lumOff val="80000"/>
-              <a:alpha val="50000"/>
-            </a:schemeClr>
-          </a:solidFill>
-        </p:spPr>
-        <p:style>
-          <a:lnRef idx="2">
-            <a:schemeClr val="accent1">
-              <a:shade val="15000"/>
-            </a:schemeClr>
-          </a:lnRef>
-          <a:fillRef idx="1">
-            <a:schemeClr val="accent1"/>
-          </a:fillRef>
-          <a:effectRef idx="0">
-            <a:schemeClr val="accent1"/>
-          </a:effectRef>
-          <a:fontRef idx="minor">
-            <a:schemeClr val="lt1"/>
-          </a:fontRef>
-        </p:style>
-        <p:txBody>
-          <a:bodyPr rtlCol="0" anchor="ctr"/>
-          <a:lstStyle/>
-          <a:p>
-            <a:endParaRPr lang="en-CA" dirty="0"/>
-          </a:p>
-        </p:txBody>
-      </p:sp>
-      <p:sp>
-        <p:nvSpPr>
           <p:cNvPr id="40" name="Rectangle: Rounded Corners 39">
             <a:extLst>
               <a:ext uri="{FF2B5EF4-FFF2-40B4-BE49-F238E27FC236}">
@@ -9234,7 +9182,7 @@
                   <a:schemeClr val="tx1"/>
                 </a:solidFill>
               </a:rPr>
-              <a:t>Store for Price Information</a:t>
+              <a:t>Store Event Tickets State</a:t>
             </a:r>
           </a:p>
         </p:txBody>
@@ -9818,12 +9766,8 @@
           <a:p>
             <a:pPr algn="ctr"/>
             <a:r>
-              <a:rPr lang="en-CA" sz="1400" dirty="0" err="1"/>
-              <a:t>sourceForPriceInfoHub</a:t>
-            </a:r>
-            <a:r>
               <a:rPr lang="en-CA" sz="1400" dirty="0"/>
-              <a:t>$</a:t>
+              <a:t>sourceForHub2$</a:t>
             </a:r>
           </a:p>
         </p:txBody>
@@ -10159,7 +10103,7 @@
           <a:p>
             <a:r>
               <a:rPr lang="en-CA" sz="1400" dirty="0"/>
-              <a:t>FETCH_PRICE</a:t>
+              <a:t>CONTROL_CHANGE</a:t>
             </a:r>
           </a:p>
           <a:p>
@@ -10387,7 +10331,7 @@
         <p:spPr>
           <a:xfrm>
             <a:off x="9743847" y="1079820"/>
-            <a:ext cx="1915281" cy="707886"/>
+            <a:ext cx="1915281" cy="400110"/>
           </a:xfrm>
           <a:prstGeom prst="rect">
             <a:avLst/>
@@ -10403,7 +10347,7 @@
             <a:pPr algn="ctr"/>
             <a:r>
               <a:rPr lang="en-CA" sz="2000" dirty="0"/>
-              <a:t>Price Info Display</a:t>
+              <a:t>Event Tickets</a:t>
             </a:r>
           </a:p>
         </p:txBody>
@@ -10422,7 +10366,7 @@
         </p:nvSpPr>
         <p:spPr>
           <a:xfrm>
-            <a:off x="3867433" y="1629547"/>
+            <a:off x="10017208" y="1519349"/>
             <a:ext cx="1329625" cy="280894"/>
           </a:xfrm>
           <a:prstGeom prst="roundRect">
@@ -10463,98 +10407,6 @@
       </p:sp>
       <p:sp>
         <p:nvSpPr>
-          <p:cNvPr id="110" name="Arc 109">
-            <a:extLst>
-              <a:ext uri="{FF2B5EF4-FFF2-40B4-BE49-F238E27FC236}">
-                <a16:creationId xmlns:a16="http://schemas.microsoft.com/office/drawing/2014/main" id="{DBED7460-5777-4FBF-195C-BC0A319CAAD8}"/>
-              </a:ext>
-            </a:extLst>
-          </p:cNvPr>
-          <p:cNvSpPr/>
-          <p:nvPr/>
-        </p:nvSpPr>
-        <p:spPr>
-          <a:xfrm flipV="1">
-            <a:off x="291740" y="1660571"/>
-            <a:ext cx="10427612" cy="3420288"/>
-          </a:xfrm>
-          <a:prstGeom prst="arc">
-            <a:avLst>
-              <a:gd name="adj1" fmla="val 8148048"/>
-              <a:gd name="adj2" fmla="val 10800727"/>
-            </a:avLst>
-          </a:prstGeom>
-          <a:ln w="34925">
-            <a:solidFill>
-              <a:schemeClr val="accent6">
-                <a:lumMod val="40000"/>
-                <a:lumOff val="60000"/>
-              </a:schemeClr>
-            </a:solidFill>
-            <a:tailEnd type="arrow"/>
-          </a:ln>
-        </p:spPr>
-        <p:style>
-          <a:lnRef idx="1">
-            <a:schemeClr val="accent1"/>
-          </a:lnRef>
-          <a:fillRef idx="0">
-            <a:schemeClr val="accent1"/>
-          </a:fillRef>
-          <a:effectRef idx="0">
-            <a:schemeClr val="accent1"/>
-          </a:effectRef>
-          <a:fontRef idx="minor">
-            <a:schemeClr val="tx1"/>
-          </a:fontRef>
-        </p:style>
-        <p:txBody>
-          <a:bodyPr rtlCol="0" anchor="ctr"/>
-          <a:lstStyle/>
-          <a:p>
-            <a:pPr algn="ctr"/>
-            <a:endParaRPr lang="en-CA"/>
-          </a:p>
-        </p:txBody>
-      </p:sp>
-      <p:sp>
-        <p:nvSpPr>
-          <p:cNvPr id="10" name="TextBox 9">
-            <a:extLst>
-              <a:ext uri="{FF2B5EF4-FFF2-40B4-BE49-F238E27FC236}">
-                <a16:creationId xmlns:a16="http://schemas.microsoft.com/office/drawing/2014/main" id="{E23DD095-7E12-E09A-102A-880CD346AE46}"/>
-              </a:ext>
-            </a:extLst>
-          </p:cNvPr>
-          <p:cNvSpPr txBox="1"/>
-          <p:nvPr/>
-        </p:nvSpPr>
-        <p:spPr>
-          <a:xfrm>
-            <a:off x="3172921" y="1145358"/>
-            <a:ext cx="2738230" cy="400110"/>
-          </a:xfrm>
-          <a:prstGeom prst="rect">
-            <a:avLst/>
-          </a:prstGeom>
-          <a:noFill/>
-        </p:spPr>
-        <p:txBody>
-          <a:bodyPr wrap="square" rtlCol="0">
-            <a:spAutoFit/>
-          </a:bodyPr>
-          <a:lstStyle/>
-          <a:p>
-            <a:pPr algn="ctr"/>
-            <a:r>
-              <a:rPr lang="en-CA" sz="2000" dirty="0"/>
-              <a:t>User Controls</a:t>
-            </a:r>
-          </a:p>
-        </p:txBody>
-      </p:sp>
-      <p:sp>
-        <p:nvSpPr>
           <p:cNvPr id="11" name="Oval 10">
             <a:extLst>
               <a:ext uri="{FF2B5EF4-FFF2-40B4-BE49-F238E27FC236}">
@@ -10620,7 +10472,7 @@
         </p:nvSpPr>
         <p:spPr>
           <a:xfrm>
-            <a:off x="3855048" y="2090965"/>
+            <a:off x="10017208" y="1919303"/>
             <a:ext cx="1546869" cy="260896"/>
           </a:xfrm>
           <a:prstGeom prst="roundRect">
@@ -10661,10 +10513,10 @@
       </p:sp>
       <p:sp>
         <p:nvSpPr>
-          <p:cNvPr id="15" name="Arc 14">
-            <a:extLst>
-              <a:ext uri="{FF2B5EF4-FFF2-40B4-BE49-F238E27FC236}">
-                <a16:creationId xmlns:a16="http://schemas.microsoft.com/office/drawing/2014/main" id="{6883EC33-97A3-079F-3C23-A001E0A73F83}"/>
+          <p:cNvPr id="8" name="Rectangle: Rounded Corners 7">
+            <a:extLst>
+              <a:ext uri="{FF2B5EF4-FFF2-40B4-BE49-F238E27FC236}">
+                <a16:creationId xmlns:a16="http://schemas.microsoft.com/office/drawing/2014/main" id="{8092EBFC-8A22-5D45-E8AA-66C4063D836A}"/>
               </a:ext>
             </a:extLst>
           </p:cNvPr>
@@ -10672,21 +10524,79 @@
           <p:nvPr/>
         </p:nvSpPr>
         <p:spPr>
-          <a:xfrm flipV="1">
-            <a:off x="129209" y="2158995"/>
-            <a:ext cx="10291969" cy="3074264"/>
-          </a:xfrm>
-          <a:prstGeom prst="arc">
-            <a:avLst>
-              <a:gd name="adj1" fmla="val 8148048"/>
-              <a:gd name="adj2" fmla="val 10591869"/>
-            </a:avLst>
-          </a:prstGeom>
-          <a:ln w="34925">
+          <a:xfrm>
+            <a:off x="9743847" y="4532288"/>
+            <a:ext cx="1546869" cy="260896"/>
+          </a:xfrm>
+          <a:prstGeom prst="roundRect">
+            <a:avLst/>
+          </a:prstGeom>
+          <a:noFill/>
+          <a:ln>
+            <a:noFill/>
+          </a:ln>
+        </p:spPr>
+        <p:style>
+          <a:lnRef idx="2">
+            <a:schemeClr val="accent1">
+              <a:shade val="15000"/>
+            </a:schemeClr>
+          </a:lnRef>
+          <a:fillRef idx="1">
+            <a:schemeClr val="accent1"/>
+          </a:fillRef>
+          <a:effectRef idx="0">
+            <a:schemeClr val="accent1"/>
+          </a:effectRef>
+          <a:fontRef idx="minor">
+            <a:schemeClr val="lt1"/>
+          </a:fontRef>
+        </p:style>
+        <p:txBody>
+          <a:bodyPr rtlCol="0" anchor="ctr"/>
+          <a:lstStyle/>
+          <a:p>
+            <a:r>
+              <a:rPr lang="en-CA" sz="1400" dirty="0">
+                <a:solidFill>
+                  <a:schemeClr val="tx1"/>
+                </a:solidFill>
+              </a:rPr>
+              <a:t>Price: $100</a:t>
+            </a:r>
+          </a:p>
+        </p:txBody>
+      </p:sp>
+      <p:cxnSp>
+        <p:nvCxnSpPr>
+          <p:cNvPr id="18" name="Connector: Curved 17">
+            <a:extLst>
+              <a:ext uri="{FF2B5EF4-FFF2-40B4-BE49-F238E27FC236}">
+                <a16:creationId xmlns:a16="http://schemas.microsoft.com/office/drawing/2014/main" id="{FC6D197E-7BFE-55CA-D51B-CB7F172FA6CF}"/>
+              </a:ext>
+            </a:extLst>
+          </p:cNvPr>
+          <p:cNvCxnSpPr>
+            <a:cxnSpLocks/>
+            <a:endCxn id="12" idx="0"/>
+          </p:cNvCxnSpPr>
+          <p:nvPr/>
+        </p:nvCxnSpPr>
+        <p:spPr>
+          <a:xfrm rot="10800000" flipV="1">
+            <a:off x="740559" y="1640160"/>
+            <a:ext cx="9030764" cy="1538064"/>
+          </a:xfrm>
+          <a:prstGeom prst="curvedConnector2">
+            <a:avLst/>
+          </a:prstGeom>
+          <a:ln w="31750">
             <a:solidFill>
-              <a:schemeClr val="bg2"/>
+              <a:schemeClr val="bg1">
+                <a:lumMod val="75000"/>
+              </a:schemeClr>
             </a:solidFill>
-            <a:tailEnd type="arrow"/>
+            <a:tailEnd type="triangle"/>
           </a:ln>
         </p:spPr>
         <p:style>
@@ -10703,15 +10613,55 @@
             <a:schemeClr val="tx1"/>
           </a:fontRef>
         </p:style>
-        <p:txBody>
-          <a:bodyPr rtlCol="0" anchor="ctr"/>
-          <a:lstStyle/>
-          <a:p>
-            <a:pPr algn="ctr"/>
-            <a:endParaRPr lang="en-CA"/>
-          </a:p>
-        </p:txBody>
-      </p:sp>
+      </p:cxnSp>
+      <p:cxnSp>
+        <p:nvCxnSpPr>
+          <p:cNvPr id="30" name="Connector: Curved 29">
+            <a:extLst>
+              <a:ext uri="{FF2B5EF4-FFF2-40B4-BE49-F238E27FC236}">
+                <a16:creationId xmlns:a16="http://schemas.microsoft.com/office/drawing/2014/main" id="{4BC0DDE2-A39F-88F6-6B50-2B174A9A29B3}"/>
+              </a:ext>
+            </a:extLst>
+          </p:cNvPr>
+          <p:cNvCxnSpPr>
+            <a:cxnSpLocks/>
+            <a:endCxn id="4" idx="7"/>
+          </p:cNvCxnSpPr>
+          <p:nvPr/>
+        </p:nvCxnSpPr>
+        <p:spPr>
+          <a:xfrm rot="10800000" flipV="1">
+            <a:off x="2789038" y="2034302"/>
+            <a:ext cx="7019432" cy="1195696"/>
+          </a:xfrm>
+          <a:prstGeom prst="curvedConnector2">
+            <a:avLst/>
+          </a:prstGeom>
+          <a:ln w="31750">
+            <a:solidFill>
+              <a:schemeClr val="accent6">
+                <a:lumMod val="60000"/>
+                <a:lumOff val="40000"/>
+              </a:schemeClr>
+            </a:solidFill>
+            <a:tailEnd type="triangle"/>
+          </a:ln>
+        </p:spPr>
+        <p:style>
+          <a:lnRef idx="1">
+            <a:schemeClr val="accent1"/>
+          </a:lnRef>
+          <a:fillRef idx="0">
+            <a:schemeClr val="accent1"/>
+          </a:fillRef>
+          <a:effectRef idx="0">
+            <a:schemeClr val="accent1"/>
+          </a:effectRef>
+          <a:fontRef idx="minor">
+            <a:schemeClr val="tx1"/>
+          </a:fontRef>
+        </p:style>
+      </p:cxnSp>
     </p:spTree>
     <p:extLst>
       <p:ext uri="{BB962C8B-B14F-4D97-AF65-F5344CB8AC3E}">

--- a/documentation/Hubfx Presentation.pptx
+++ b/documentation/Hubfx Presentation.pptx
@@ -1799,7 +1799,7 @@
           <a:p>
             <a:fld id="{154F4BC5-C275-4A59-82DC-6AFC02DFC54D}" type="datetimeFigureOut">
               <a:rPr lang="en-CA" smtClean="0"/>
-              <a:t>2023-11-16</a:t>
+              <a:t>2023-11-29</a:t>
             </a:fld>
             <a:endParaRPr lang="en-CA"/>
           </a:p>
@@ -1999,7 +1999,7 @@
           <a:p>
             <a:fld id="{154F4BC5-C275-4A59-82DC-6AFC02DFC54D}" type="datetimeFigureOut">
               <a:rPr lang="en-CA" smtClean="0"/>
-              <a:t>2023-11-16</a:t>
+              <a:t>2023-11-29</a:t>
             </a:fld>
             <a:endParaRPr lang="en-CA"/>
           </a:p>
@@ -2209,7 +2209,7 @@
           <a:p>
             <a:fld id="{154F4BC5-C275-4A59-82DC-6AFC02DFC54D}" type="datetimeFigureOut">
               <a:rPr lang="en-CA" smtClean="0"/>
-              <a:t>2023-11-16</a:t>
+              <a:t>2023-11-29</a:t>
             </a:fld>
             <a:endParaRPr lang="en-CA"/>
           </a:p>
@@ -2409,7 +2409,7 @@
           <a:p>
             <a:fld id="{154F4BC5-C275-4A59-82DC-6AFC02DFC54D}" type="datetimeFigureOut">
               <a:rPr lang="en-CA" smtClean="0"/>
-              <a:t>2023-11-16</a:t>
+              <a:t>2023-11-29</a:t>
             </a:fld>
             <a:endParaRPr lang="en-CA"/>
           </a:p>
@@ -2685,7 +2685,7 @@
           <a:p>
             <a:fld id="{154F4BC5-C275-4A59-82DC-6AFC02DFC54D}" type="datetimeFigureOut">
               <a:rPr lang="en-CA" smtClean="0"/>
-              <a:t>2023-11-16</a:t>
+              <a:t>2023-11-29</a:t>
             </a:fld>
             <a:endParaRPr lang="en-CA"/>
           </a:p>
@@ -2953,7 +2953,7 @@
           <a:p>
             <a:fld id="{154F4BC5-C275-4A59-82DC-6AFC02DFC54D}" type="datetimeFigureOut">
               <a:rPr lang="en-CA" smtClean="0"/>
-              <a:t>2023-11-16</a:t>
+              <a:t>2023-11-29</a:t>
             </a:fld>
             <a:endParaRPr lang="en-CA"/>
           </a:p>
@@ -3368,7 +3368,7 @@
           <a:p>
             <a:fld id="{154F4BC5-C275-4A59-82DC-6AFC02DFC54D}" type="datetimeFigureOut">
               <a:rPr lang="en-CA" smtClean="0"/>
-              <a:t>2023-11-16</a:t>
+              <a:t>2023-11-29</a:t>
             </a:fld>
             <a:endParaRPr lang="en-CA"/>
           </a:p>
@@ -3510,7 +3510,7 @@
           <a:p>
             <a:fld id="{154F4BC5-C275-4A59-82DC-6AFC02DFC54D}" type="datetimeFigureOut">
               <a:rPr lang="en-CA" smtClean="0"/>
-              <a:t>2023-11-16</a:t>
+              <a:t>2023-11-29</a:t>
             </a:fld>
             <a:endParaRPr lang="en-CA"/>
           </a:p>
@@ -3623,7 +3623,7 @@
           <a:p>
             <a:fld id="{154F4BC5-C275-4A59-82DC-6AFC02DFC54D}" type="datetimeFigureOut">
               <a:rPr lang="en-CA" smtClean="0"/>
-              <a:t>2023-11-16</a:t>
+              <a:t>2023-11-29</a:t>
             </a:fld>
             <a:endParaRPr lang="en-CA"/>
           </a:p>
@@ -3936,7 +3936,7 @@
           <a:p>
             <a:fld id="{154F4BC5-C275-4A59-82DC-6AFC02DFC54D}" type="datetimeFigureOut">
               <a:rPr lang="en-CA" smtClean="0"/>
-              <a:t>2023-11-16</a:t>
+              <a:t>2023-11-29</a:t>
             </a:fld>
             <a:endParaRPr lang="en-CA"/>
           </a:p>
@@ -4225,7 +4225,7 @@
           <a:p>
             <a:fld id="{154F4BC5-C275-4A59-82DC-6AFC02DFC54D}" type="datetimeFigureOut">
               <a:rPr lang="en-CA" smtClean="0"/>
-              <a:t>2023-11-16</a:t>
+              <a:t>2023-11-29</a:t>
             </a:fld>
             <a:endParaRPr lang="en-CA"/>
           </a:p>
@@ -4468,7 +4468,7 @@
           <a:p>
             <a:fld id="{154F4BC5-C275-4A59-82DC-6AFC02DFC54D}" type="datetimeFigureOut">
               <a:rPr lang="en-CA" smtClean="0"/>
-              <a:t>2023-11-16</a:t>
+              <a:t>2023-11-29</a:t>
             </a:fld>
             <a:endParaRPr lang="en-CA"/>
           </a:p>
@@ -5759,8 +5759,8 @@
         </p:nvSpPr>
         <p:spPr>
           <a:xfrm>
-            <a:off x="4585284" y="438368"/>
-            <a:ext cx="2092279" cy="523220"/>
+            <a:off x="3992634" y="438368"/>
+            <a:ext cx="2684930" cy="523220"/>
           </a:xfrm>
           <a:prstGeom prst="rect">
             <a:avLst/>
@@ -5775,7 +5775,7 @@
           <a:p>
             <a:r>
               <a:rPr lang="en-CA" sz="2800" dirty="0"/>
-              <a:t>Hubfx Forms</a:t>
+              <a:t>Reactable Forms</a:t>
             </a:r>
           </a:p>
         </p:txBody>
@@ -21876,7 +21876,7 @@
           <p:nvPr>
             <p:extLst>
               <p:ext uri="{D42A27DB-BD31-4B8C-83A1-F6EECF244321}">
-                <p14:modId xmlns:p14="http://schemas.microsoft.com/office/powerpoint/2010/main" val="3927356613"/>
+                <p14:modId xmlns:p14="http://schemas.microsoft.com/office/powerpoint/2010/main" val="2468263626"/>
               </p:ext>
             </p:extLst>
           </p:nvPr>
@@ -21981,9 +21981,10 @@
                     <a:p>
                       <a:pPr algn="ctr"/>
                       <a:r>
-                        <a:rPr lang="en-CA" sz="3600" dirty="0"/>
-                        <a:t>Hubfx</a:t>
+                        <a:rPr lang="en-CA" sz="3600" dirty="0" err="1"/>
+                        <a:t>Reactables</a:t>
                       </a:r>
+                      <a:endParaRPr lang="en-CA" sz="3600" dirty="0"/>
                     </a:p>
                   </a:txBody>
                   <a:tcPr anchor="ctr"/>

--- a/documentation/Hubfx Presentation.pptx
+++ b/documentation/Hubfx Presentation.pptx
@@ -1799,7 +1799,7 @@
           <a:p>
             <a:fld id="{154F4BC5-C275-4A59-82DC-6AFC02DFC54D}" type="datetimeFigureOut">
               <a:rPr lang="en-CA" smtClean="0"/>
-              <a:t>2023-11-29</a:t>
+              <a:t>2024-01-09</a:t>
             </a:fld>
             <a:endParaRPr lang="en-CA"/>
           </a:p>
@@ -1999,7 +1999,7 @@
           <a:p>
             <a:fld id="{154F4BC5-C275-4A59-82DC-6AFC02DFC54D}" type="datetimeFigureOut">
               <a:rPr lang="en-CA" smtClean="0"/>
-              <a:t>2023-11-29</a:t>
+              <a:t>2024-01-09</a:t>
             </a:fld>
             <a:endParaRPr lang="en-CA"/>
           </a:p>
@@ -2209,7 +2209,7 @@
           <a:p>
             <a:fld id="{154F4BC5-C275-4A59-82DC-6AFC02DFC54D}" type="datetimeFigureOut">
               <a:rPr lang="en-CA" smtClean="0"/>
-              <a:t>2023-11-29</a:t>
+              <a:t>2024-01-09</a:t>
             </a:fld>
             <a:endParaRPr lang="en-CA"/>
           </a:p>
@@ -2409,7 +2409,7 @@
           <a:p>
             <a:fld id="{154F4BC5-C275-4A59-82DC-6AFC02DFC54D}" type="datetimeFigureOut">
               <a:rPr lang="en-CA" smtClean="0"/>
-              <a:t>2023-11-29</a:t>
+              <a:t>2024-01-09</a:t>
             </a:fld>
             <a:endParaRPr lang="en-CA"/>
           </a:p>
@@ -2685,7 +2685,7 @@
           <a:p>
             <a:fld id="{154F4BC5-C275-4A59-82DC-6AFC02DFC54D}" type="datetimeFigureOut">
               <a:rPr lang="en-CA" smtClean="0"/>
-              <a:t>2023-11-29</a:t>
+              <a:t>2024-01-09</a:t>
             </a:fld>
             <a:endParaRPr lang="en-CA"/>
           </a:p>
@@ -2953,7 +2953,7 @@
           <a:p>
             <a:fld id="{154F4BC5-C275-4A59-82DC-6AFC02DFC54D}" type="datetimeFigureOut">
               <a:rPr lang="en-CA" smtClean="0"/>
-              <a:t>2023-11-29</a:t>
+              <a:t>2024-01-09</a:t>
             </a:fld>
             <a:endParaRPr lang="en-CA"/>
           </a:p>
@@ -3368,7 +3368,7 @@
           <a:p>
             <a:fld id="{154F4BC5-C275-4A59-82DC-6AFC02DFC54D}" type="datetimeFigureOut">
               <a:rPr lang="en-CA" smtClean="0"/>
-              <a:t>2023-11-29</a:t>
+              <a:t>2024-01-09</a:t>
             </a:fld>
             <a:endParaRPr lang="en-CA"/>
           </a:p>
@@ -3510,7 +3510,7 @@
           <a:p>
             <a:fld id="{154F4BC5-C275-4A59-82DC-6AFC02DFC54D}" type="datetimeFigureOut">
               <a:rPr lang="en-CA" smtClean="0"/>
-              <a:t>2023-11-29</a:t>
+              <a:t>2024-01-09</a:t>
             </a:fld>
             <a:endParaRPr lang="en-CA"/>
           </a:p>
@@ -3623,7 +3623,7 @@
           <a:p>
             <a:fld id="{154F4BC5-C275-4A59-82DC-6AFC02DFC54D}" type="datetimeFigureOut">
               <a:rPr lang="en-CA" smtClean="0"/>
-              <a:t>2023-11-29</a:t>
+              <a:t>2024-01-09</a:t>
             </a:fld>
             <a:endParaRPr lang="en-CA"/>
           </a:p>
@@ -3936,7 +3936,7 @@
           <a:p>
             <a:fld id="{154F4BC5-C275-4A59-82DC-6AFC02DFC54D}" type="datetimeFigureOut">
               <a:rPr lang="en-CA" smtClean="0"/>
-              <a:t>2023-11-29</a:t>
+              <a:t>2024-01-09</a:t>
             </a:fld>
             <a:endParaRPr lang="en-CA"/>
           </a:p>
@@ -4225,7 +4225,7 @@
           <a:p>
             <a:fld id="{154F4BC5-C275-4A59-82DC-6AFC02DFC54D}" type="datetimeFigureOut">
               <a:rPr lang="en-CA" smtClean="0"/>
-              <a:t>2023-11-29</a:t>
+              <a:t>2024-01-09</a:t>
             </a:fld>
             <a:endParaRPr lang="en-CA"/>
           </a:p>
@@ -4468,7 +4468,7 @@
           <a:p>
             <a:fld id="{154F4BC5-C275-4A59-82DC-6AFC02DFC54D}" type="datetimeFigureOut">
               <a:rPr lang="en-CA" smtClean="0"/>
-              <a:t>2023-11-29</a:t>
+              <a:t>2024-01-09</a:t>
             </a:fld>
             <a:endParaRPr lang="en-CA"/>
           </a:p>
@@ -7399,54 +7399,70 @@
           <a:chExt cx="0" cy="0"/>
         </a:xfrm>
       </p:grpSpPr>
-      <p:cxnSp>
-        <p:nvCxnSpPr>
-          <p:cNvPr id="5" name="Straight Arrow Connector 4">
-            <a:extLst>
-              <a:ext uri="{FF2B5EF4-FFF2-40B4-BE49-F238E27FC236}">
-                <a16:creationId xmlns:a16="http://schemas.microsoft.com/office/drawing/2014/main" id="{4D57241C-FD8F-6E69-D1C7-1CEC88535E98}"/>
-              </a:ext>
-            </a:extLst>
-          </p:cNvPr>
-          <p:cNvCxnSpPr>
-            <a:cxnSpLocks/>
-            <a:endCxn id="7" idx="1"/>
-          </p:cNvCxnSpPr>
-          <p:nvPr/>
-        </p:nvCxnSpPr>
-        <p:spPr>
-          <a:xfrm flipV="1">
-            <a:off x="386080" y="3734552"/>
-            <a:ext cx="8737604" cy="80295"/>
-          </a:xfrm>
-          <a:prstGeom prst="straightConnector1">
-            <a:avLst/>
-          </a:prstGeom>
-          <a:ln w="57150">
-            <a:tailEnd type="arrow"/>
+      <p:sp useBgFill="1">
+        <p:nvSpPr>
+          <p:cNvPr id="46" name="Rectangle 45">
+            <a:extLst>
+              <a:ext uri="{FF2B5EF4-FFF2-40B4-BE49-F238E27FC236}">
+                <a16:creationId xmlns:a16="http://schemas.microsoft.com/office/drawing/2014/main" id="{6B0CAB61-D36F-C4E0-7C02-48AC5D0AFB39}"/>
+              </a:ext>
+              <a:ext uri="{C183D7F6-B498-43B3-948B-1728B52AA6E4}">
+                <adec:decorative xmlns:adec="http://schemas.microsoft.com/office/drawing/2017/decorative" val="1"/>
+              </a:ext>
+            </a:extLst>
+          </p:cNvPr>
+          <p:cNvSpPr/>
+          <p:nvPr>
+            <p:extLst>
+              <p:ext uri="{386F3935-93C4-4BCD-93E2-E3B085C9AB24}">
+                <p16:designElem xmlns:p16="http://schemas.microsoft.com/office/powerpoint/2015/main" val="1"/>
+              </p:ext>
+            </p:extLst>
+          </p:nvPr>
+        </p:nvSpPr>
+        <p:spPr>
+          <a:xfrm>
+            <a:off x="-1" y="0"/>
+            <a:ext cx="12188952" cy="6858000"/>
+          </a:xfrm>
+          <a:prstGeom prst="rect">
+            <a:avLst/>
+          </a:prstGeom>
+          <a:ln>
+            <a:noFill/>
           </a:ln>
         </p:spPr>
         <p:style>
-          <a:lnRef idx="1">
-            <a:schemeClr val="accent1"/>
-          </a:lnRef>
-          <a:fillRef idx="0">
-            <a:schemeClr val="accent1"/>
-          </a:fillRef>
-          <a:effectRef idx="0">
-            <a:schemeClr val="accent1"/>
-          </a:effectRef>
-          <a:fontRef idx="minor">
-            <a:schemeClr val="tx1"/>
-          </a:fontRef>
-        </p:style>
-      </p:cxnSp>
-      <p:sp>
-        <p:nvSpPr>
-          <p:cNvPr id="7" name="Rectangle: Rounded Corners 6">
-            <a:extLst>
-              <a:ext uri="{FF2B5EF4-FFF2-40B4-BE49-F238E27FC236}">
-                <a16:creationId xmlns:a16="http://schemas.microsoft.com/office/drawing/2014/main" id="{5212D68A-7D3D-67A8-D6E8-310B59CC5D21}"/>
+          <a:lnRef idx="2">
+            <a:schemeClr val="accent1">
+              <a:shade val="50000"/>
+            </a:schemeClr>
+          </a:lnRef>
+          <a:fillRef idx="1">
+            <a:schemeClr val="accent1"/>
+          </a:fillRef>
+          <a:effectRef idx="0">
+            <a:schemeClr val="accent1"/>
+          </a:effectRef>
+          <a:fontRef idx="minor">
+            <a:schemeClr val="lt1"/>
+          </a:fontRef>
+        </p:style>
+        <p:txBody>
+          <a:bodyPr rtlCol="0" anchor="ctr"/>
+          <a:lstStyle/>
+          <a:p>
+            <a:pPr algn="ctr"/>
+            <a:endParaRPr lang="en-US"/>
+          </a:p>
+        </p:txBody>
+      </p:sp>
+      <p:sp>
+        <p:nvSpPr>
+          <p:cNvPr id="47" name="Rectangle 46">
+            <a:extLst>
+              <a:ext uri="{FF2B5EF4-FFF2-40B4-BE49-F238E27FC236}">
+                <a16:creationId xmlns:a16="http://schemas.microsoft.com/office/drawing/2014/main" id="{EBABDA26-9396-C85B-AFD1-81EF6B5675C7}"/>
               </a:ext>
             </a:extLst>
           </p:cNvPr>
@@ -7455,18 +7471,16 @@
         </p:nvSpPr>
         <p:spPr>
           <a:xfrm>
-            <a:off x="9123684" y="3231632"/>
-            <a:ext cx="1849120" cy="1005839"/>
-          </a:xfrm>
-          <a:prstGeom prst="roundRect">
-            <a:avLst/>
-          </a:prstGeom>
-          <a:solidFill>
-            <a:schemeClr val="accent4">
-              <a:lumMod val="20000"/>
-              <a:lumOff val="80000"/>
-            </a:schemeClr>
-          </a:solidFill>
+            <a:off x="3414117" y="-115583"/>
+            <a:ext cx="5162031" cy="805556"/>
+          </a:xfrm>
+          <a:prstGeom prst="rect">
+            <a:avLst/>
+          </a:prstGeom>
+          <a:noFill/>
+          <a:ln>
+            <a:noFill/>
+          </a:ln>
         </p:spPr>
         <p:style>
           <a:lnRef idx="2">
@@ -7489,23 +7503,59 @@
           <a:lstStyle/>
           <a:p>
             <a:pPr algn="ctr"/>
-            <a:r>
-              <a:rPr lang="en-CA" sz="2400" dirty="0">
-                <a:solidFill>
-                  <a:schemeClr val="tx1"/>
-                </a:solidFill>
-              </a:rPr>
-              <a:t>Store</a:t>
-            </a:r>
-          </a:p>
-        </p:txBody>
-      </p:sp>
-      <p:sp>
-        <p:nvSpPr>
-          <p:cNvPr id="12" name="Oval 11">
-            <a:extLst>
-              <a:ext uri="{FF2B5EF4-FFF2-40B4-BE49-F238E27FC236}">
-                <a16:creationId xmlns:a16="http://schemas.microsoft.com/office/drawing/2014/main" id="{520AABD6-6D11-224E-A000-31969392AE8F}"/>
+            <a:endParaRPr lang="en-CA"/>
+          </a:p>
+        </p:txBody>
+      </p:sp>
+      <p:cxnSp>
+        <p:nvCxnSpPr>
+          <p:cNvPr id="48" name="Straight Arrow Connector 47">
+            <a:extLst>
+              <a:ext uri="{FF2B5EF4-FFF2-40B4-BE49-F238E27FC236}">
+                <a16:creationId xmlns:a16="http://schemas.microsoft.com/office/drawing/2014/main" id="{8410D2FB-CA14-8BB8-52E9-85FF4563B22E}"/>
+              </a:ext>
+            </a:extLst>
+          </p:cNvPr>
+          <p:cNvCxnSpPr>
+            <a:cxnSpLocks/>
+            <a:stCxn id="49" idx="2"/>
+            <a:endCxn id="49" idx="6"/>
+          </p:cNvCxnSpPr>
+          <p:nvPr/>
+        </p:nvCxnSpPr>
+        <p:spPr>
+          <a:xfrm>
+            <a:off x="508000" y="3002548"/>
+            <a:ext cx="4755518" cy="0"/>
+          </a:xfrm>
+          <a:prstGeom prst="straightConnector1">
+            <a:avLst/>
+          </a:prstGeom>
+          <a:ln w="38100">
+            <a:tailEnd type="arrow"/>
+          </a:ln>
+        </p:spPr>
+        <p:style>
+          <a:lnRef idx="1">
+            <a:schemeClr val="accent1"/>
+          </a:lnRef>
+          <a:fillRef idx="0">
+            <a:schemeClr val="accent1"/>
+          </a:fillRef>
+          <a:effectRef idx="0">
+            <a:schemeClr val="accent1"/>
+          </a:effectRef>
+          <a:fontRef idx="minor">
+            <a:schemeClr val="tx1"/>
+          </a:fontRef>
+        </p:style>
+      </p:cxnSp>
+      <p:sp>
+        <p:nvSpPr>
+          <p:cNvPr id="49" name="Oval 48">
+            <a:extLst>
+              <a:ext uri="{FF2B5EF4-FFF2-40B4-BE49-F238E27FC236}">
+                <a16:creationId xmlns:a16="http://schemas.microsoft.com/office/drawing/2014/main" id="{0B01839E-E350-7248-5EB0-D19EAD6073E4}"/>
               </a:ext>
             </a:extLst>
           </p:cNvPr>
@@ -7514,98 +7564,8 @@
         </p:nvSpPr>
         <p:spPr>
           <a:xfrm>
-            <a:off x="6796727" y="3564402"/>
-            <a:ext cx="406398" cy="406398"/>
-          </a:xfrm>
-          <a:prstGeom prst="ellipse">
-            <a:avLst/>
-          </a:prstGeom>
-          <a:solidFill>
-            <a:schemeClr val="accent6">
-              <a:lumMod val="40000"/>
-              <a:lumOff val="60000"/>
-            </a:schemeClr>
-          </a:solidFill>
-        </p:spPr>
-        <p:style>
-          <a:lnRef idx="2">
-            <a:schemeClr val="accent1">
-              <a:shade val="15000"/>
-            </a:schemeClr>
-          </a:lnRef>
-          <a:fillRef idx="1">
-            <a:schemeClr val="accent1"/>
-          </a:fillRef>
-          <a:effectRef idx="0">
-            <a:schemeClr val="accent1"/>
-          </a:effectRef>
-          <a:fontRef idx="minor">
-            <a:schemeClr val="lt1"/>
-          </a:fontRef>
-        </p:style>
-        <p:txBody>
-          <a:bodyPr rtlCol="0" anchor="ctr"/>
-          <a:lstStyle/>
-          <a:p>
-            <a:pPr algn="ctr"/>
-            <a:endParaRPr lang="en-CA"/>
-          </a:p>
-        </p:txBody>
-      </p:sp>
-      <p:sp>
-        <p:nvSpPr>
-          <p:cNvPr id="15" name="TextBox 14">
-            <a:extLst>
-              <a:ext uri="{FF2B5EF4-FFF2-40B4-BE49-F238E27FC236}">
-                <a16:creationId xmlns:a16="http://schemas.microsoft.com/office/drawing/2014/main" id="{DFED59AE-8C4A-0B06-CA15-802FCEB0E30B}"/>
-              </a:ext>
-            </a:extLst>
-          </p:cNvPr>
-          <p:cNvSpPr txBox="1"/>
-          <p:nvPr/>
-        </p:nvSpPr>
-        <p:spPr>
-          <a:xfrm>
-            <a:off x="3209603" y="479288"/>
-            <a:ext cx="3980697" cy="954107"/>
-          </a:xfrm>
-          <a:prstGeom prst="rect">
-            <a:avLst/>
-          </a:prstGeom>
-          <a:noFill/>
-        </p:spPr>
-        <p:txBody>
-          <a:bodyPr wrap="square" rtlCol="0">
-            <a:spAutoFit/>
-          </a:bodyPr>
-          <a:lstStyle/>
-          <a:p>
-            <a:r>
-              <a:rPr lang="en-CA" sz="2800" dirty="0"/>
-              <a:t>Basic Counter Example</a:t>
-            </a:r>
-          </a:p>
-          <a:p>
-            <a:endParaRPr lang="en-CA" sz="2800" dirty="0"/>
-          </a:p>
-        </p:txBody>
-      </p:sp>
-      <p:sp>
-        <p:nvSpPr>
-          <p:cNvPr id="16" name="Oval 15">
-            <a:extLst>
-              <a:ext uri="{FF2B5EF4-FFF2-40B4-BE49-F238E27FC236}">
-                <a16:creationId xmlns:a16="http://schemas.microsoft.com/office/drawing/2014/main" id="{2CFA347A-8CC0-A2A4-962B-390CE3D6DDA6}"/>
-              </a:ext>
-            </a:extLst>
-          </p:cNvPr>
-          <p:cNvSpPr/>
-          <p:nvPr/>
-        </p:nvSpPr>
-        <p:spPr>
-          <a:xfrm>
-            <a:off x="1442720" y="1188255"/>
-            <a:ext cx="6746240" cy="5253185"/>
+            <a:off x="508000" y="1245526"/>
+            <a:ext cx="4755518" cy="3514043"/>
           </a:xfrm>
           <a:prstGeom prst="ellipse">
             <a:avLst/>
@@ -7642,62 +7602,10 @@
       </p:sp>
       <p:sp>
         <p:nvSpPr>
-          <p:cNvPr id="18" name="Oval 17">
-            <a:extLst>
-              <a:ext uri="{FF2B5EF4-FFF2-40B4-BE49-F238E27FC236}">
-                <a16:creationId xmlns:a16="http://schemas.microsoft.com/office/drawing/2014/main" id="{2B2DC22D-4CFC-D293-F0EF-EBEB7D7A89D8}"/>
-              </a:ext>
-            </a:extLst>
-          </p:cNvPr>
-          <p:cNvSpPr/>
-          <p:nvPr/>
-        </p:nvSpPr>
-        <p:spPr>
-          <a:xfrm>
-            <a:off x="4573750" y="3582935"/>
-            <a:ext cx="406398" cy="406398"/>
-          </a:xfrm>
-          <a:prstGeom prst="ellipse">
-            <a:avLst/>
-          </a:prstGeom>
-          <a:solidFill>
-            <a:schemeClr val="accent2">
-              <a:lumMod val="40000"/>
-              <a:lumOff val="60000"/>
-            </a:schemeClr>
-          </a:solidFill>
-        </p:spPr>
-        <p:style>
-          <a:lnRef idx="2">
-            <a:schemeClr val="accent1">
-              <a:shade val="15000"/>
-            </a:schemeClr>
-          </a:lnRef>
-          <a:fillRef idx="1">
-            <a:schemeClr val="accent1"/>
-          </a:fillRef>
-          <a:effectRef idx="0">
-            <a:schemeClr val="accent1"/>
-          </a:effectRef>
-          <a:fontRef idx="minor">
-            <a:schemeClr val="lt1"/>
-          </a:fontRef>
-        </p:style>
-        <p:txBody>
-          <a:bodyPr rtlCol="0" anchor="ctr"/>
-          <a:lstStyle/>
-          <a:p>
-            <a:pPr algn="ctr"/>
-            <a:endParaRPr lang="en-CA"/>
-          </a:p>
-        </p:txBody>
-      </p:sp>
-      <p:sp>
-        <p:nvSpPr>
-          <p:cNvPr id="10" name="TextBox 9">
-            <a:extLst>
-              <a:ext uri="{FF2B5EF4-FFF2-40B4-BE49-F238E27FC236}">
-                <a16:creationId xmlns:a16="http://schemas.microsoft.com/office/drawing/2014/main" id="{0DE2DCF6-810D-52DD-C2CF-D8B2DED47CC8}"/>
+          <p:cNvPr id="50" name="TextBox 49">
+            <a:extLst>
+              <a:ext uri="{FF2B5EF4-FFF2-40B4-BE49-F238E27FC236}">
+                <a16:creationId xmlns:a16="http://schemas.microsoft.com/office/drawing/2014/main" id="{2B7461BD-259E-7ED6-42E9-AEE4E739BA40}"/>
               </a:ext>
             </a:extLst>
           </p:cNvPr>
@@ -7706,8 +7614,8 @@
         </p:nvSpPr>
         <p:spPr>
           <a:xfrm>
-            <a:off x="1781809" y="3582935"/>
-            <a:ext cx="1381761" cy="369332"/>
+            <a:off x="2231142" y="2890150"/>
+            <a:ext cx="900038" cy="250197"/>
           </a:xfrm>
           <a:prstGeom prst="rect">
             <a:avLst/>
@@ -7729,20 +7637,438 @@
           </a:bodyPr>
           <a:lstStyle/>
           <a:p>
+            <a:pPr algn="ctr" defTabSz="521208">
+              <a:spcAft>
+                <a:spcPts val="600"/>
+              </a:spcAft>
+            </a:pPr>
+            <a:r>
+              <a:rPr lang="en-CA" sz="1026" kern="1200" dirty="0">
+                <a:solidFill>
+                  <a:schemeClr val="tx1"/>
+                </a:solidFill>
+                <a:latin typeface="+mn-lt"/>
+                <a:ea typeface="+mn-ea"/>
+                <a:cs typeface="+mn-cs"/>
+              </a:rPr>
+              <a:t>dispatcher$</a:t>
+            </a:r>
+            <a:endParaRPr lang="en-CA" dirty="0"/>
+          </a:p>
+        </p:txBody>
+      </p:sp>
+      <p:sp>
+        <p:nvSpPr>
+          <p:cNvPr id="51" name="Rectangle: Rounded Corners 50">
+            <a:extLst>
+              <a:ext uri="{FF2B5EF4-FFF2-40B4-BE49-F238E27FC236}">
+                <a16:creationId xmlns:a16="http://schemas.microsoft.com/office/drawing/2014/main" id="{47480C28-FFB7-F7CA-0709-A7DD529BAB39}"/>
+              </a:ext>
+            </a:extLst>
+          </p:cNvPr>
+          <p:cNvSpPr/>
+          <p:nvPr/>
+        </p:nvSpPr>
+        <p:spPr>
+          <a:xfrm>
+            <a:off x="5296538" y="1968303"/>
+            <a:ext cx="2632573" cy="2420592"/>
+          </a:xfrm>
+          <a:prstGeom prst="roundRect">
+            <a:avLst/>
+          </a:prstGeom>
+          <a:solidFill>
+            <a:schemeClr val="accent4">
+              <a:lumMod val="20000"/>
+              <a:lumOff val="80000"/>
+            </a:schemeClr>
+          </a:solidFill>
+        </p:spPr>
+        <p:style>
+          <a:lnRef idx="2">
+            <a:schemeClr val="accent1">
+              <a:shade val="15000"/>
+            </a:schemeClr>
+          </a:lnRef>
+          <a:fillRef idx="1">
+            <a:schemeClr val="accent1"/>
+          </a:fillRef>
+          <a:effectRef idx="0">
+            <a:schemeClr val="accent1"/>
+          </a:effectRef>
+          <a:fontRef idx="minor">
+            <a:schemeClr val="lt1"/>
+          </a:fontRef>
+        </p:style>
+        <p:txBody>
+          <a:bodyPr rtlCol="0" anchor="ctr"/>
+          <a:lstStyle/>
+          <a:p>
             <a:pPr algn="ctr"/>
             <a:r>
-              <a:rPr lang="en-CA" dirty="0"/>
-              <a:t>dispatcher$</a:t>
-            </a:r>
-          </a:p>
-        </p:txBody>
-      </p:sp>
-      <p:sp>
-        <p:nvSpPr>
-          <p:cNvPr id="3" name="TextBox 2">
-            <a:extLst>
-              <a:ext uri="{FF2B5EF4-FFF2-40B4-BE49-F238E27FC236}">
-                <a16:creationId xmlns:a16="http://schemas.microsoft.com/office/drawing/2014/main" id="{F872867C-CD13-4F11-BF4C-E81593436CDB}"/>
+              <a:rPr lang="en-CA" sz="2000" b="1" dirty="0">
+                <a:solidFill>
+                  <a:schemeClr val="tx1"/>
+                </a:solidFill>
+              </a:rPr>
+              <a:t>State: </a:t>
+            </a:r>
+          </a:p>
+          <a:p>
+            <a:pPr algn="ctr"/>
+            <a:r>
+              <a:rPr lang="en-CA" sz="2000" dirty="0">
+                <a:solidFill>
+                  <a:schemeClr val="tx1"/>
+                </a:solidFill>
+              </a:rPr>
+              <a:t>{ count: 0 }</a:t>
+            </a:r>
+          </a:p>
+          <a:p>
+            <a:endParaRPr lang="en-CA" sz="1200" dirty="0">
+              <a:solidFill>
+                <a:schemeClr val="tx1"/>
+              </a:solidFill>
+            </a:endParaRPr>
+          </a:p>
+        </p:txBody>
+      </p:sp>
+      <p:sp>
+        <p:nvSpPr>
+          <p:cNvPr id="61" name="Oval 60">
+            <a:extLst>
+              <a:ext uri="{FF2B5EF4-FFF2-40B4-BE49-F238E27FC236}">
+                <a16:creationId xmlns:a16="http://schemas.microsoft.com/office/drawing/2014/main" id="{7AE55CFA-F50D-72B5-855D-F2AA8B270CBF}"/>
+              </a:ext>
+            </a:extLst>
+          </p:cNvPr>
+          <p:cNvSpPr/>
+          <p:nvPr/>
+        </p:nvSpPr>
+        <p:spPr>
+          <a:xfrm>
+            <a:off x="3931163" y="2776496"/>
+            <a:ext cx="465463" cy="446027"/>
+          </a:xfrm>
+          <a:prstGeom prst="ellipse">
+            <a:avLst/>
+          </a:prstGeom>
+          <a:solidFill>
+            <a:schemeClr val="accent6">
+              <a:lumMod val="40000"/>
+              <a:lumOff val="60000"/>
+            </a:schemeClr>
+          </a:solidFill>
+          <a:ln>
+            <a:solidFill>
+              <a:schemeClr val="accent1">
+                <a:shade val="15000"/>
+                <a:alpha val="92000"/>
+              </a:schemeClr>
+            </a:solidFill>
+          </a:ln>
+        </p:spPr>
+        <p:style>
+          <a:lnRef idx="2">
+            <a:schemeClr val="accent1">
+              <a:shade val="15000"/>
+            </a:schemeClr>
+          </a:lnRef>
+          <a:fillRef idx="1">
+            <a:schemeClr val="accent1"/>
+          </a:fillRef>
+          <a:effectRef idx="0">
+            <a:schemeClr val="accent1"/>
+          </a:effectRef>
+          <a:fontRef idx="minor">
+            <a:schemeClr val="lt1"/>
+          </a:fontRef>
+        </p:style>
+        <p:txBody>
+          <a:bodyPr rtlCol="0" anchor="ctr"/>
+          <a:lstStyle/>
+          <a:p>
+            <a:pPr algn="ctr" defTabSz="521208">
+              <a:spcAft>
+                <a:spcPts val="600"/>
+              </a:spcAft>
+            </a:pPr>
+            <a:endParaRPr lang="en-CA" sz="1200" dirty="0">
+              <a:solidFill>
+                <a:schemeClr val="tx1"/>
+              </a:solidFill>
+            </a:endParaRPr>
+          </a:p>
+        </p:txBody>
+      </p:sp>
+      <p:sp>
+        <p:nvSpPr>
+          <p:cNvPr id="62" name="Oval 61">
+            <a:extLst>
+              <a:ext uri="{FF2B5EF4-FFF2-40B4-BE49-F238E27FC236}">
+                <a16:creationId xmlns:a16="http://schemas.microsoft.com/office/drawing/2014/main" id="{9E5CAC56-DA01-7C0D-89D4-38588335280A}"/>
+              </a:ext>
+            </a:extLst>
+          </p:cNvPr>
+          <p:cNvSpPr/>
+          <p:nvPr/>
+        </p:nvSpPr>
+        <p:spPr>
+          <a:xfrm>
+            <a:off x="3596014" y="2776495"/>
+            <a:ext cx="465463" cy="446027"/>
+          </a:xfrm>
+          <a:prstGeom prst="ellipse">
+            <a:avLst/>
+          </a:prstGeom>
+          <a:solidFill>
+            <a:schemeClr val="accent2">
+              <a:lumMod val="40000"/>
+              <a:lumOff val="60000"/>
+            </a:schemeClr>
+          </a:solidFill>
+          <a:ln>
+            <a:solidFill>
+              <a:schemeClr val="accent1">
+                <a:shade val="15000"/>
+                <a:alpha val="92000"/>
+              </a:schemeClr>
+            </a:solidFill>
+          </a:ln>
+        </p:spPr>
+        <p:style>
+          <a:lnRef idx="2">
+            <a:schemeClr val="accent1">
+              <a:shade val="15000"/>
+            </a:schemeClr>
+          </a:lnRef>
+          <a:fillRef idx="1">
+            <a:schemeClr val="accent1"/>
+          </a:fillRef>
+          <a:effectRef idx="0">
+            <a:schemeClr val="accent1"/>
+          </a:effectRef>
+          <a:fontRef idx="minor">
+            <a:schemeClr val="lt1"/>
+          </a:fontRef>
+        </p:style>
+        <p:txBody>
+          <a:bodyPr rtlCol="0" anchor="ctr"/>
+          <a:lstStyle/>
+          <a:p>
+            <a:pPr algn="ctr" defTabSz="521208">
+              <a:spcAft>
+                <a:spcPts val="600"/>
+              </a:spcAft>
+            </a:pPr>
+            <a:endParaRPr lang="en-CA" sz="1200" dirty="0">
+              <a:solidFill>
+                <a:schemeClr val="tx1"/>
+              </a:solidFill>
+            </a:endParaRPr>
+          </a:p>
+        </p:txBody>
+      </p:sp>
+      <p:cxnSp>
+        <p:nvCxnSpPr>
+          <p:cNvPr id="65" name="Straight Arrow Connector 64">
+            <a:extLst>
+              <a:ext uri="{FF2B5EF4-FFF2-40B4-BE49-F238E27FC236}">
+                <a16:creationId xmlns:a16="http://schemas.microsoft.com/office/drawing/2014/main" id="{D851661E-6052-1E15-D840-9F76BCE2EE1C}"/>
+              </a:ext>
+            </a:extLst>
+          </p:cNvPr>
+          <p:cNvCxnSpPr>
+            <a:cxnSpLocks/>
+            <a:stCxn id="51" idx="3"/>
+            <a:endCxn id="81" idx="1"/>
+          </p:cNvCxnSpPr>
+          <p:nvPr/>
+        </p:nvCxnSpPr>
+        <p:spPr>
+          <a:xfrm>
+            <a:off x="7929111" y="3178599"/>
+            <a:ext cx="1425231" cy="0"/>
+          </a:xfrm>
+          <a:prstGeom prst="straightConnector1">
+            <a:avLst/>
+          </a:prstGeom>
+          <a:ln w="38100">
+            <a:solidFill>
+              <a:srgbClr val="C00000"/>
+            </a:solidFill>
+            <a:tailEnd type="triangle"/>
+          </a:ln>
+        </p:spPr>
+        <p:style>
+          <a:lnRef idx="1">
+            <a:schemeClr val="accent1"/>
+          </a:lnRef>
+          <a:fillRef idx="0">
+            <a:schemeClr val="accent1"/>
+          </a:fillRef>
+          <a:effectRef idx="0">
+            <a:schemeClr val="accent1"/>
+          </a:effectRef>
+          <a:fontRef idx="minor">
+            <a:schemeClr val="tx1"/>
+          </a:fontRef>
+        </p:style>
+      </p:cxnSp>
+      <p:sp>
+        <p:nvSpPr>
+          <p:cNvPr id="73" name="Arrow: Right 72">
+            <a:extLst>
+              <a:ext uri="{FF2B5EF4-FFF2-40B4-BE49-F238E27FC236}">
+                <a16:creationId xmlns:a16="http://schemas.microsoft.com/office/drawing/2014/main" id="{ECD977A9-F69D-25BC-D84E-B403965B0A72}"/>
+              </a:ext>
+            </a:extLst>
+          </p:cNvPr>
+          <p:cNvSpPr/>
+          <p:nvPr/>
+        </p:nvSpPr>
+        <p:spPr>
+          <a:xfrm rot="10800000">
+            <a:off x="2888024" y="4877270"/>
+            <a:ext cx="357808" cy="214282"/>
+          </a:xfrm>
+          <a:prstGeom prst="rightArrow">
+            <a:avLst/>
+          </a:prstGeom>
+          <a:ln>
+            <a:noFill/>
+          </a:ln>
+        </p:spPr>
+        <p:style>
+          <a:lnRef idx="2">
+            <a:schemeClr val="accent1">
+              <a:shade val="15000"/>
+            </a:schemeClr>
+          </a:lnRef>
+          <a:fillRef idx="1">
+            <a:schemeClr val="accent1"/>
+          </a:fillRef>
+          <a:effectRef idx="0">
+            <a:schemeClr val="accent1"/>
+          </a:effectRef>
+          <a:fontRef idx="minor">
+            <a:schemeClr val="lt1"/>
+          </a:fontRef>
+        </p:style>
+        <p:txBody>
+          <a:bodyPr rtlCol="0" anchor="ctr"/>
+          <a:lstStyle/>
+          <a:p>
+            <a:pPr algn="ctr"/>
+            <a:endParaRPr lang="en-CA"/>
+          </a:p>
+        </p:txBody>
+      </p:sp>
+      <p:sp>
+        <p:nvSpPr>
+          <p:cNvPr id="74" name="Arrow: Right 73">
+            <a:extLst>
+              <a:ext uri="{FF2B5EF4-FFF2-40B4-BE49-F238E27FC236}">
+                <a16:creationId xmlns:a16="http://schemas.microsoft.com/office/drawing/2014/main" id="{D0B548FB-D56A-7E28-7D5D-52064FFF5BBD}"/>
+              </a:ext>
+            </a:extLst>
+          </p:cNvPr>
+          <p:cNvSpPr/>
+          <p:nvPr/>
+        </p:nvSpPr>
+        <p:spPr>
+          <a:xfrm>
+            <a:off x="1252007" y="2892367"/>
+            <a:ext cx="357808" cy="214282"/>
+          </a:xfrm>
+          <a:prstGeom prst="rightArrow">
+            <a:avLst/>
+          </a:prstGeom>
+          <a:ln>
+            <a:noFill/>
+          </a:ln>
+        </p:spPr>
+        <p:style>
+          <a:lnRef idx="2">
+            <a:schemeClr val="accent1">
+              <a:shade val="15000"/>
+            </a:schemeClr>
+          </a:lnRef>
+          <a:fillRef idx="1">
+            <a:schemeClr val="accent1"/>
+          </a:fillRef>
+          <a:effectRef idx="0">
+            <a:schemeClr val="accent1"/>
+          </a:effectRef>
+          <a:fontRef idx="minor">
+            <a:schemeClr val="lt1"/>
+          </a:fontRef>
+        </p:style>
+        <p:txBody>
+          <a:bodyPr rtlCol="0" anchor="ctr"/>
+          <a:lstStyle/>
+          <a:p>
+            <a:pPr algn="ctr"/>
+            <a:endParaRPr lang="en-CA"/>
+          </a:p>
+        </p:txBody>
+      </p:sp>
+      <p:sp>
+        <p:nvSpPr>
+          <p:cNvPr id="76" name="Arrow: Right 75">
+            <a:extLst>
+              <a:ext uri="{FF2B5EF4-FFF2-40B4-BE49-F238E27FC236}">
+                <a16:creationId xmlns:a16="http://schemas.microsoft.com/office/drawing/2014/main" id="{7F6A79C0-F8C5-5355-D14B-F1F9461819B4}"/>
+              </a:ext>
+            </a:extLst>
+          </p:cNvPr>
+          <p:cNvSpPr/>
+          <p:nvPr/>
+        </p:nvSpPr>
+        <p:spPr>
+          <a:xfrm rot="10800000">
+            <a:off x="6690308" y="4877270"/>
+            <a:ext cx="357808" cy="214282"/>
+          </a:xfrm>
+          <a:prstGeom prst="rightArrow">
+            <a:avLst/>
+          </a:prstGeom>
+          <a:ln>
+            <a:noFill/>
+          </a:ln>
+        </p:spPr>
+        <p:style>
+          <a:lnRef idx="2">
+            <a:schemeClr val="accent1">
+              <a:shade val="15000"/>
+            </a:schemeClr>
+          </a:lnRef>
+          <a:fillRef idx="1">
+            <a:schemeClr val="accent1"/>
+          </a:fillRef>
+          <a:effectRef idx="0">
+            <a:schemeClr val="accent1"/>
+          </a:effectRef>
+          <a:fontRef idx="minor">
+            <a:schemeClr val="lt1"/>
+          </a:fontRef>
+        </p:style>
+        <p:txBody>
+          <a:bodyPr rtlCol="0" anchor="ctr"/>
+          <a:lstStyle/>
+          <a:p>
+            <a:pPr algn="ctr"/>
+            <a:endParaRPr lang="en-CA"/>
+          </a:p>
+        </p:txBody>
+      </p:sp>
+      <p:sp>
+        <p:nvSpPr>
+          <p:cNvPr id="80" name="TextBox 79">
+            <a:extLst>
+              <a:ext uri="{FF2B5EF4-FFF2-40B4-BE49-F238E27FC236}">
+                <a16:creationId xmlns:a16="http://schemas.microsoft.com/office/drawing/2014/main" id="{2A64BCF1-BF6B-AA60-EABD-CF6436697AFA}"/>
               </a:ext>
             </a:extLst>
           </p:cNvPr>
@@ -7751,8 +8077,8 @@
         </p:nvSpPr>
         <p:spPr>
           <a:xfrm>
-            <a:off x="6457289" y="3997446"/>
-            <a:ext cx="1466022" cy="369332"/>
+            <a:off x="5312348" y="574723"/>
+            <a:ext cx="2610385" cy="461665"/>
           </a:xfrm>
           <a:prstGeom prst="rect">
             <a:avLst/>
@@ -7766,18 +8092,244 @@
           <a:lstStyle/>
           <a:p>
             <a:r>
-              <a:rPr lang="en-CA" dirty="0"/>
-              <a:t>INCREMENT</a:t>
-            </a:r>
-          </a:p>
-        </p:txBody>
-      </p:sp>
-      <p:sp>
-        <p:nvSpPr>
-          <p:cNvPr id="4" name="TextBox 3">
-            <a:extLst>
-              <a:ext uri="{FF2B5EF4-FFF2-40B4-BE49-F238E27FC236}">
-                <a16:creationId xmlns:a16="http://schemas.microsoft.com/office/drawing/2014/main" id="{94478DCB-C78A-7590-98BB-FE252ABD5A3C}"/>
+              <a:rPr lang="en-CA" sz="2400" b="1" dirty="0"/>
+              <a:t>RxCounter </a:t>
+            </a:r>
+          </a:p>
+        </p:txBody>
+      </p:sp>
+      <p:pic>
+        <p:nvPicPr>
+          <p:cNvPr id="81" name="Picture 80" descr="A screenshot of a computer&#10;&#10;Description automatically generated">
+            <a:extLst>
+              <a:ext uri="{FF2B5EF4-FFF2-40B4-BE49-F238E27FC236}">
+                <a16:creationId xmlns:a16="http://schemas.microsoft.com/office/drawing/2014/main" id="{3F3E745F-DACC-7807-C626-20C91F3F7735}"/>
+              </a:ext>
+            </a:extLst>
+          </p:cNvPr>
+          <p:cNvPicPr>
+            <a:picLocks noChangeAspect="1"/>
+          </p:cNvPicPr>
+          <p:nvPr/>
+        </p:nvPicPr>
+        <p:blipFill>
+          <a:blip r:embed="rId2">
+            <a:extLst>
+              <a:ext uri="{28A0092B-C50C-407E-A947-70E740481C1C}">
+                <a14:useLocalDpi xmlns:a14="http://schemas.microsoft.com/office/drawing/2010/main" val="0"/>
+              </a:ext>
+            </a:extLst>
+          </a:blip>
+          <a:stretch>
+            <a:fillRect/>
+          </a:stretch>
+        </p:blipFill>
+        <p:spPr>
+          <a:xfrm>
+            <a:off x="9354342" y="1790072"/>
+            <a:ext cx="2834609" cy="2777053"/>
+          </a:xfrm>
+          <a:prstGeom prst="rect">
+            <a:avLst/>
+          </a:prstGeom>
+          <a:ln>
+            <a:solidFill>
+              <a:schemeClr val="accent1">
+                <a:shade val="15000"/>
+              </a:schemeClr>
+            </a:solidFill>
+          </a:ln>
+        </p:spPr>
+      </p:pic>
+      <p:cxnSp>
+        <p:nvCxnSpPr>
+          <p:cNvPr id="63" name="Connector: Elbow 9">
+            <a:extLst>
+              <a:ext uri="{FF2B5EF4-FFF2-40B4-BE49-F238E27FC236}">
+                <a16:creationId xmlns:a16="http://schemas.microsoft.com/office/drawing/2014/main" id="{5B4EF035-4115-F63C-9076-0C6B8D133003}"/>
+              </a:ext>
+            </a:extLst>
+          </p:cNvPr>
+          <p:cNvCxnSpPr>
+            <a:cxnSpLocks/>
+            <a:endCxn id="49" idx="2"/>
+          </p:cNvCxnSpPr>
+          <p:nvPr/>
+        </p:nvCxnSpPr>
+        <p:spPr>
+          <a:xfrm rot="10800000">
+            <a:off x="508001" y="3002549"/>
+            <a:ext cx="8469043" cy="1981867"/>
+          </a:xfrm>
+          <a:prstGeom prst="bentConnector3">
+            <a:avLst>
+              <a:gd name="adj1" fmla="val 102699"/>
+            </a:avLst>
+          </a:prstGeom>
+          <a:ln w="38100">
+            <a:solidFill>
+              <a:schemeClr val="accent1"/>
+            </a:solidFill>
+            <a:tailEnd type="triangle"/>
+          </a:ln>
+        </p:spPr>
+        <p:style>
+          <a:lnRef idx="1">
+            <a:schemeClr val="accent1"/>
+          </a:lnRef>
+          <a:fillRef idx="0">
+            <a:schemeClr val="accent1"/>
+          </a:fillRef>
+          <a:effectRef idx="0">
+            <a:schemeClr val="accent1"/>
+          </a:effectRef>
+          <a:fontRef idx="minor">
+            <a:schemeClr val="tx1"/>
+          </a:fontRef>
+        </p:style>
+      </p:cxnSp>
+      <p:sp>
+        <p:nvSpPr>
+          <p:cNvPr id="64" name="Oval 63">
+            <a:extLst>
+              <a:ext uri="{FF2B5EF4-FFF2-40B4-BE49-F238E27FC236}">
+                <a16:creationId xmlns:a16="http://schemas.microsoft.com/office/drawing/2014/main" id="{BC045F53-8F81-6C53-CA97-DE40F4C31D9E}"/>
+              </a:ext>
+            </a:extLst>
+          </p:cNvPr>
+          <p:cNvSpPr/>
+          <p:nvPr/>
+        </p:nvSpPr>
+        <p:spPr>
+          <a:xfrm>
+            <a:off x="4431145" y="4767385"/>
+            <a:ext cx="465463" cy="446027"/>
+          </a:xfrm>
+          <a:prstGeom prst="ellipse">
+            <a:avLst/>
+          </a:prstGeom>
+          <a:solidFill>
+            <a:schemeClr val="accent2">
+              <a:lumMod val="40000"/>
+              <a:lumOff val="60000"/>
+            </a:schemeClr>
+          </a:solidFill>
+          <a:ln>
+            <a:solidFill>
+              <a:schemeClr val="accent1">
+                <a:shade val="15000"/>
+                <a:alpha val="92000"/>
+              </a:schemeClr>
+            </a:solidFill>
+          </a:ln>
+        </p:spPr>
+        <p:style>
+          <a:lnRef idx="2">
+            <a:schemeClr val="accent1">
+              <a:shade val="15000"/>
+            </a:schemeClr>
+          </a:lnRef>
+          <a:fillRef idx="1">
+            <a:schemeClr val="accent1"/>
+          </a:fillRef>
+          <a:effectRef idx="0">
+            <a:schemeClr val="accent1"/>
+          </a:effectRef>
+          <a:fontRef idx="minor">
+            <a:schemeClr val="lt1"/>
+          </a:fontRef>
+        </p:style>
+        <p:txBody>
+          <a:bodyPr rtlCol="0" anchor="ctr"/>
+          <a:lstStyle/>
+          <a:p>
+            <a:pPr algn="ctr" defTabSz="521208">
+              <a:spcAft>
+                <a:spcPts val="600"/>
+              </a:spcAft>
+            </a:pPr>
+            <a:endParaRPr lang="en-CA" sz="1200" dirty="0">
+              <a:solidFill>
+                <a:schemeClr val="tx1"/>
+              </a:solidFill>
+            </a:endParaRPr>
+          </a:p>
+        </p:txBody>
+      </p:sp>
+      <p:sp>
+        <p:nvSpPr>
+          <p:cNvPr id="68" name="Oval 67">
+            <a:extLst>
+              <a:ext uri="{FF2B5EF4-FFF2-40B4-BE49-F238E27FC236}">
+                <a16:creationId xmlns:a16="http://schemas.microsoft.com/office/drawing/2014/main" id="{2387ED21-307D-4760-743E-7CD438B27246}"/>
+              </a:ext>
+            </a:extLst>
+          </p:cNvPr>
+          <p:cNvSpPr/>
+          <p:nvPr/>
+        </p:nvSpPr>
+        <p:spPr>
+          <a:xfrm>
+            <a:off x="1004515" y="4767385"/>
+            <a:ext cx="465463" cy="446027"/>
+          </a:xfrm>
+          <a:prstGeom prst="ellipse">
+            <a:avLst/>
+          </a:prstGeom>
+          <a:solidFill>
+            <a:schemeClr val="accent6">
+              <a:lumMod val="40000"/>
+              <a:lumOff val="60000"/>
+            </a:schemeClr>
+          </a:solidFill>
+          <a:ln>
+            <a:solidFill>
+              <a:schemeClr val="accent1">
+                <a:shade val="15000"/>
+                <a:alpha val="92000"/>
+              </a:schemeClr>
+            </a:solidFill>
+          </a:ln>
+        </p:spPr>
+        <p:style>
+          <a:lnRef idx="2">
+            <a:schemeClr val="accent1">
+              <a:shade val="15000"/>
+            </a:schemeClr>
+          </a:lnRef>
+          <a:fillRef idx="1">
+            <a:schemeClr val="accent1"/>
+          </a:fillRef>
+          <a:effectRef idx="0">
+            <a:schemeClr val="accent1"/>
+          </a:effectRef>
+          <a:fontRef idx="minor">
+            <a:schemeClr val="lt1"/>
+          </a:fontRef>
+        </p:style>
+        <p:txBody>
+          <a:bodyPr rtlCol="0" anchor="ctr"/>
+          <a:lstStyle/>
+          <a:p>
+            <a:pPr algn="ctr" defTabSz="521208">
+              <a:spcAft>
+                <a:spcPts val="600"/>
+              </a:spcAft>
+            </a:pPr>
+            <a:endParaRPr lang="en-CA" sz="1200" dirty="0">
+              <a:solidFill>
+                <a:schemeClr val="tx1"/>
+              </a:solidFill>
+            </a:endParaRPr>
+          </a:p>
+        </p:txBody>
+      </p:sp>
+      <p:sp>
+        <p:nvSpPr>
+          <p:cNvPr id="92" name="TextBox 91">
+            <a:extLst>
+              <a:ext uri="{FF2B5EF4-FFF2-40B4-BE49-F238E27FC236}">
+                <a16:creationId xmlns:a16="http://schemas.microsoft.com/office/drawing/2014/main" id="{F702A3DB-70D0-2245-D28A-01E60BB06CC2}"/>
               </a:ext>
             </a:extLst>
           </p:cNvPr>
@@ -7786,13 +8338,22 @@
         </p:nvSpPr>
         <p:spPr>
           <a:xfrm>
-            <a:off x="4388294" y="4052805"/>
-            <a:ext cx="1466022" cy="369332"/>
+            <a:off x="-3427567" y="2747191"/>
+            <a:ext cx="3267532" cy="1231106"/>
           </a:xfrm>
           <a:prstGeom prst="rect">
             <a:avLst/>
           </a:prstGeom>
-          <a:noFill/>
+          <a:solidFill>
+            <a:schemeClr val="bg1"/>
+          </a:solidFill>
+          <a:ln>
+            <a:solidFill>
+              <a:schemeClr val="accent1">
+                <a:shade val="15000"/>
+              </a:schemeClr>
+            </a:solidFill>
+          </a:ln>
         </p:spPr>
         <p:txBody>
           <a:bodyPr wrap="square" rtlCol="0">
@@ -7800,9 +8361,419 @@
           </a:bodyPr>
           <a:lstStyle/>
           <a:p>
-            <a:r>
-              <a:rPr lang="en-CA" dirty="0"/>
-              <a:t>RESET</a:t>
+            <a:pPr algn="ctr"/>
+            <a:r>
+              <a:rPr lang="en-CA" b="1" dirty="0"/>
+              <a:t>Actions</a:t>
+            </a:r>
+          </a:p>
+          <a:p>
+            <a:pPr marL="285750" indent="-285750">
+              <a:buFont typeface="Arial" panose="020B0604020202020204" pitchFamily="34" charset="0"/>
+              <a:buChar char="•"/>
+            </a:pPr>
+            <a:r>
+              <a:rPr lang="en-CA" sz="1400" dirty="0"/>
+              <a:t>Increment</a:t>
+            </a:r>
+          </a:p>
+          <a:p>
+            <a:pPr marL="742950" lvl="1" indent="-285750">
+              <a:buFont typeface="Arial" panose="020B0604020202020204" pitchFamily="34" charset="0"/>
+              <a:buChar char="•"/>
+            </a:pPr>
+            <a:r>
+              <a:rPr lang="en-CA" sz="1400" dirty="0"/>
+              <a:t>Should increment counter by 1</a:t>
+            </a:r>
+          </a:p>
+          <a:p>
+            <a:pPr marL="285750" indent="-285750">
+              <a:buFont typeface="Arial" panose="020B0604020202020204" pitchFamily="34" charset="0"/>
+              <a:buChar char="•"/>
+            </a:pPr>
+            <a:r>
+              <a:rPr lang="en-CA" sz="1400" dirty="0"/>
+              <a:t>Reset</a:t>
+            </a:r>
+          </a:p>
+          <a:p>
+            <a:pPr marL="742950" lvl="1" indent="-285750">
+              <a:buFont typeface="Arial" panose="020B0604020202020204" pitchFamily="34" charset="0"/>
+              <a:buChar char="•"/>
+            </a:pPr>
+            <a:r>
+              <a:rPr lang="en-CA" sz="1400" dirty="0"/>
+              <a:t>Should reset counter to 0</a:t>
+            </a:r>
+          </a:p>
+        </p:txBody>
+      </p:sp>
+      <p:sp>
+        <p:nvSpPr>
+          <p:cNvPr id="93" name="Oval 92">
+            <a:extLst>
+              <a:ext uri="{FF2B5EF4-FFF2-40B4-BE49-F238E27FC236}">
+                <a16:creationId xmlns:a16="http://schemas.microsoft.com/office/drawing/2014/main" id="{302D6764-7129-7178-6B65-397D2F5049EF}"/>
+              </a:ext>
+            </a:extLst>
+          </p:cNvPr>
+          <p:cNvSpPr/>
+          <p:nvPr/>
+        </p:nvSpPr>
+        <p:spPr>
+          <a:xfrm flipH="1" flipV="1">
+            <a:off x="-3327429" y="3091645"/>
+            <a:ext cx="173908" cy="173908"/>
+          </a:xfrm>
+          <a:prstGeom prst="ellipse">
+            <a:avLst/>
+          </a:prstGeom>
+          <a:solidFill>
+            <a:schemeClr val="accent6">
+              <a:lumMod val="60000"/>
+              <a:lumOff val="40000"/>
+            </a:schemeClr>
+          </a:solidFill>
+        </p:spPr>
+        <p:style>
+          <a:lnRef idx="2">
+            <a:schemeClr val="accent1">
+              <a:shade val="15000"/>
+            </a:schemeClr>
+          </a:lnRef>
+          <a:fillRef idx="1">
+            <a:schemeClr val="accent1"/>
+          </a:fillRef>
+          <a:effectRef idx="0">
+            <a:schemeClr val="accent1"/>
+          </a:effectRef>
+          <a:fontRef idx="minor">
+            <a:schemeClr val="lt1"/>
+          </a:fontRef>
+        </p:style>
+        <p:txBody>
+          <a:bodyPr rtlCol="0" anchor="ctr"/>
+          <a:lstStyle/>
+          <a:p>
+            <a:pPr algn="ctr"/>
+            <a:endParaRPr lang="en-CA"/>
+          </a:p>
+        </p:txBody>
+      </p:sp>
+      <p:sp>
+        <p:nvSpPr>
+          <p:cNvPr id="94" name="Oval 93">
+            <a:extLst>
+              <a:ext uri="{FF2B5EF4-FFF2-40B4-BE49-F238E27FC236}">
+                <a16:creationId xmlns:a16="http://schemas.microsoft.com/office/drawing/2014/main" id="{2EE16B2F-5928-B4EA-5F3C-276A9693EC86}"/>
+              </a:ext>
+            </a:extLst>
+          </p:cNvPr>
+          <p:cNvSpPr/>
+          <p:nvPr/>
+        </p:nvSpPr>
+        <p:spPr>
+          <a:xfrm flipH="1" flipV="1">
+            <a:off x="-3327429" y="3523053"/>
+            <a:ext cx="173908" cy="173908"/>
+          </a:xfrm>
+          <a:prstGeom prst="ellipse">
+            <a:avLst/>
+          </a:prstGeom>
+          <a:solidFill>
+            <a:schemeClr val="accent2">
+              <a:lumMod val="60000"/>
+              <a:lumOff val="40000"/>
+            </a:schemeClr>
+          </a:solidFill>
+        </p:spPr>
+        <p:style>
+          <a:lnRef idx="2">
+            <a:schemeClr val="accent1">
+              <a:shade val="15000"/>
+            </a:schemeClr>
+          </a:lnRef>
+          <a:fillRef idx="1">
+            <a:schemeClr val="accent1"/>
+          </a:fillRef>
+          <a:effectRef idx="0">
+            <a:schemeClr val="accent1"/>
+          </a:effectRef>
+          <a:fontRef idx="minor">
+            <a:schemeClr val="lt1"/>
+          </a:fontRef>
+        </p:style>
+        <p:txBody>
+          <a:bodyPr rtlCol="0" anchor="ctr"/>
+          <a:lstStyle/>
+          <a:p>
+            <a:pPr algn="ctr"/>
+            <a:endParaRPr lang="en-CA"/>
+          </a:p>
+        </p:txBody>
+      </p:sp>
+      <p:cxnSp>
+        <p:nvCxnSpPr>
+          <p:cNvPr id="8" name="Straight Arrow Connector 7">
+            <a:extLst>
+              <a:ext uri="{FF2B5EF4-FFF2-40B4-BE49-F238E27FC236}">
+                <a16:creationId xmlns:a16="http://schemas.microsoft.com/office/drawing/2014/main" id="{C8058626-A845-47F3-35C6-7C93277BB007}"/>
+              </a:ext>
+            </a:extLst>
+          </p:cNvPr>
+          <p:cNvCxnSpPr>
+            <a:cxnSpLocks/>
+          </p:cNvCxnSpPr>
+          <p:nvPr/>
+        </p:nvCxnSpPr>
+        <p:spPr>
+          <a:xfrm rot="5400000">
+            <a:off x="8997760" y="3713153"/>
+            <a:ext cx="1331950" cy="1210571"/>
+          </a:xfrm>
+          <a:prstGeom prst="bentConnector3">
+            <a:avLst>
+              <a:gd name="adj1" fmla="val 100139"/>
+            </a:avLst>
+          </a:prstGeom>
+          <a:ln w="22225">
+            <a:tailEnd type="triangle"/>
+          </a:ln>
+        </p:spPr>
+        <p:style>
+          <a:lnRef idx="1">
+            <a:schemeClr val="accent1"/>
+          </a:lnRef>
+          <a:fillRef idx="0">
+            <a:schemeClr val="accent1"/>
+          </a:fillRef>
+          <a:effectRef idx="0">
+            <a:schemeClr val="accent1"/>
+          </a:effectRef>
+          <a:fontRef idx="minor">
+            <a:schemeClr val="tx1"/>
+          </a:fontRef>
+        </p:style>
+      </p:cxnSp>
+      <p:cxnSp>
+        <p:nvCxnSpPr>
+          <p:cNvPr id="11" name="Straight Arrow Connector 10">
+            <a:extLst>
+              <a:ext uri="{FF2B5EF4-FFF2-40B4-BE49-F238E27FC236}">
+                <a16:creationId xmlns:a16="http://schemas.microsoft.com/office/drawing/2014/main" id="{9D5A7918-E28A-4BAE-890B-B08903FC09CD}"/>
+              </a:ext>
+            </a:extLst>
+          </p:cNvPr>
+          <p:cNvCxnSpPr>
+            <a:cxnSpLocks/>
+          </p:cNvCxnSpPr>
+          <p:nvPr/>
+        </p:nvCxnSpPr>
+        <p:spPr>
+          <a:xfrm rot="5400000">
+            <a:off x="8988209" y="4136311"/>
+            <a:ext cx="918792" cy="777413"/>
+          </a:xfrm>
+          <a:prstGeom prst="bentConnector3">
+            <a:avLst/>
+          </a:prstGeom>
+          <a:ln w="22225">
+            <a:tailEnd type="triangle"/>
+          </a:ln>
+        </p:spPr>
+        <p:style>
+          <a:lnRef idx="1">
+            <a:schemeClr val="accent1"/>
+          </a:lnRef>
+          <a:fillRef idx="0">
+            <a:schemeClr val="accent1"/>
+          </a:fillRef>
+          <a:effectRef idx="0">
+            <a:schemeClr val="accent1"/>
+          </a:effectRef>
+          <a:fontRef idx="minor">
+            <a:schemeClr val="tx1"/>
+          </a:fontRef>
+        </p:style>
+      </p:cxnSp>
+      <p:sp>
+        <p:nvSpPr>
+          <p:cNvPr id="13" name="Oval 12">
+            <a:extLst>
+              <a:ext uri="{FF2B5EF4-FFF2-40B4-BE49-F238E27FC236}">
+                <a16:creationId xmlns:a16="http://schemas.microsoft.com/office/drawing/2014/main" id="{1010171B-612C-BA57-7396-E6EE86B71F4B}"/>
+              </a:ext>
+            </a:extLst>
+          </p:cNvPr>
+          <p:cNvSpPr/>
+          <p:nvPr/>
+        </p:nvSpPr>
+        <p:spPr>
+          <a:xfrm>
+            <a:off x="9178788" y="4375829"/>
+            <a:ext cx="221267" cy="212028"/>
+          </a:xfrm>
+          <a:prstGeom prst="ellipse">
+            <a:avLst/>
+          </a:prstGeom>
+          <a:solidFill>
+            <a:schemeClr val="accent2">
+              <a:lumMod val="40000"/>
+              <a:lumOff val="60000"/>
+            </a:schemeClr>
+          </a:solidFill>
+          <a:ln>
+            <a:solidFill>
+              <a:schemeClr val="accent1">
+                <a:shade val="15000"/>
+                <a:alpha val="92000"/>
+              </a:schemeClr>
+            </a:solidFill>
+          </a:ln>
+        </p:spPr>
+        <p:style>
+          <a:lnRef idx="2">
+            <a:schemeClr val="accent1">
+              <a:shade val="15000"/>
+            </a:schemeClr>
+          </a:lnRef>
+          <a:fillRef idx="1">
+            <a:schemeClr val="accent1"/>
+          </a:fillRef>
+          <a:effectRef idx="0">
+            <a:schemeClr val="accent1"/>
+          </a:effectRef>
+          <a:fontRef idx="minor">
+            <a:schemeClr val="lt1"/>
+          </a:fontRef>
+        </p:style>
+        <p:txBody>
+          <a:bodyPr rtlCol="0" anchor="ctr"/>
+          <a:lstStyle/>
+          <a:p>
+            <a:pPr algn="ctr" defTabSz="521208">
+              <a:spcAft>
+                <a:spcPts val="600"/>
+              </a:spcAft>
+            </a:pPr>
+            <a:endParaRPr lang="en-CA" sz="1200" dirty="0">
+              <a:solidFill>
+                <a:schemeClr val="tx1"/>
+              </a:solidFill>
+            </a:endParaRPr>
+          </a:p>
+        </p:txBody>
+      </p:sp>
+      <p:sp>
+        <p:nvSpPr>
+          <p:cNvPr id="16" name="Oval 15">
+            <a:extLst>
+              <a:ext uri="{FF2B5EF4-FFF2-40B4-BE49-F238E27FC236}">
+                <a16:creationId xmlns:a16="http://schemas.microsoft.com/office/drawing/2014/main" id="{3634E547-A8D9-D6A8-2779-640F211F12B9}"/>
+              </a:ext>
+            </a:extLst>
+          </p:cNvPr>
+          <p:cNvSpPr/>
+          <p:nvPr/>
+        </p:nvSpPr>
+        <p:spPr>
+          <a:xfrm>
+            <a:off x="9917722" y="4859438"/>
+            <a:ext cx="221267" cy="212028"/>
+          </a:xfrm>
+          <a:prstGeom prst="ellipse">
+            <a:avLst/>
+          </a:prstGeom>
+          <a:solidFill>
+            <a:schemeClr val="accent6">
+              <a:lumMod val="40000"/>
+              <a:lumOff val="60000"/>
+            </a:schemeClr>
+          </a:solidFill>
+          <a:ln>
+            <a:solidFill>
+              <a:schemeClr val="accent1">
+                <a:shade val="15000"/>
+                <a:alpha val="92000"/>
+              </a:schemeClr>
+            </a:solidFill>
+          </a:ln>
+        </p:spPr>
+        <p:style>
+          <a:lnRef idx="2">
+            <a:schemeClr val="accent1">
+              <a:shade val="15000"/>
+            </a:schemeClr>
+          </a:lnRef>
+          <a:fillRef idx="1">
+            <a:schemeClr val="accent1"/>
+          </a:fillRef>
+          <a:effectRef idx="0">
+            <a:schemeClr val="accent1"/>
+          </a:effectRef>
+          <a:fontRef idx="minor">
+            <a:schemeClr val="lt1"/>
+          </a:fontRef>
+        </p:style>
+        <p:txBody>
+          <a:bodyPr rtlCol="0" anchor="ctr"/>
+          <a:lstStyle/>
+          <a:p>
+            <a:pPr algn="ctr" defTabSz="521208">
+              <a:spcAft>
+                <a:spcPts val="600"/>
+              </a:spcAft>
+            </a:pPr>
+            <a:endParaRPr lang="en-CA" sz="1200" dirty="0">
+              <a:solidFill>
+                <a:schemeClr val="tx1"/>
+              </a:solidFill>
+            </a:endParaRPr>
+          </a:p>
+        </p:txBody>
+      </p:sp>
+      <p:sp>
+        <p:nvSpPr>
+          <p:cNvPr id="43" name="TextBox 42">
+            <a:extLst>
+              <a:ext uri="{FF2B5EF4-FFF2-40B4-BE49-F238E27FC236}">
+                <a16:creationId xmlns:a16="http://schemas.microsoft.com/office/drawing/2014/main" id="{27426AC7-5EAB-AC07-1F80-CBC33202A73E}"/>
+              </a:ext>
+            </a:extLst>
+          </p:cNvPr>
+          <p:cNvSpPr txBox="1"/>
+          <p:nvPr/>
+        </p:nvSpPr>
+        <p:spPr>
+          <a:xfrm>
+            <a:off x="8001100" y="2809853"/>
+            <a:ext cx="1205295" cy="261610"/>
+          </a:xfrm>
+          <a:prstGeom prst="rect">
+            <a:avLst/>
+          </a:prstGeom>
+          <a:solidFill>
+            <a:schemeClr val="bg1"/>
+          </a:solidFill>
+          <a:ln>
+            <a:solidFill>
+              <a:schemeClr val="accent1">
+                <a:shade val="15000"/>
+              </a:schemeClr>
+            </a:solidFill>
+          </a:ln>
+        </p:spPr>
+        <p:txBody>
+          <a:bodyPr wrap="square" rtlCol="0">
+            <a:spAutoFit/>
+          </a:bodyPr>
+          <a:lstStyle/>
+          <a:p>
+            <a:pPr algn="ctr"/>
+            <a:r>
+              <a:rPr lang="en-CA" sz="1100" dirty="0"/>
+              <a:t>Update View</a:t>
             </a:r>
           </a:p>
         </p:txBody>
@@ -7823,6 +8794,14 @@
 <file path=ppt/slides/slide12.xml><?xml version="1.0" encoding="utf-8"?>
 <p:sld xmlns:a="http://schemas.openxmlformats.org/drawingml/2006/main" xmlns:r="http://schemas.openxmlformats.org/officeDocument/2006/relationships" xmlns:p="http://schemas.openxmlformats.org/presentationml/2006/main">
   <p:cSld>
+    <p:bg>
+      <p:bgPr>
+        <a:solidFill>
+          <a:schemeClr val="bg1"/>
+        </a:solidFill>
+        <a:effectLst/>
+      </p:bgPr>
+    </p:bg>
     <p:spTree>
       <p:nvGrpSpPr>
         <p:cNvPr id="1" name=""/>
@@ -7837,6 +8816,116 @@
           <a:chExt cx="0" cy="0"/>
         </a:xfrm>
       </p:grpSpPr>
+      <p:sp useBgFill="1">
+        <p:nvSpPr>
+          <p:cNvPr id="69" name="Rectangle 68">
+            <a:extLst>
+              <a:ext uri="{FF2B5EF4-FFF2-40B4-BE49-F238E27FC236}">
+                <a16:creationId xmlns:a16="http://schemas.microsoft.com/office/drawing/2014/main" id="{A419ADC7-DE7C-464E-9F88-6CAB6F61BC3F}"/>
+              </a:ext>
+              <a:ext uri="{C183D7F6-B498-43B3-948B-1728B52AA6E4}">
+                <adec:decorative xmlns:adec="http://schemas.microsoft.com/office/drawing/2017/decorative" val="1"/>
+              </a:ext>
+            </a:extLst>
+          </p:cNvPr>
+          <p:cNvSpPr>
+            <a:spLocks noGrp="1" noRot="1" noChangeAspect="1" noMove="1" noResize="1" noEditPoints="1" noAdjustHandles="1" noChangeArrowheads="1" noChangeShapeType="1" noTextEdit="1"/>
+          </p:cNvSpPr>
+          <p:nvPr>
+            <p:extLst>
+              <p:ext uri="{386F3935-93C4-4BCD-93E2-E3B085C9AB24}">
+                <p16:designElem xmlns:p16="http://schemas.microsoft.com/office/powerpoint/2015/main" val="1"/>
+              </p:ext>
+            </p:extLst>
+          </p:nvPr>
+        </p:nvSpPr>
+        <p:spPr>
+          <a:xfrm>
+            <a:off x="-1" y="0"/>
+            <a:ext cx="12188952" cy="6858000"/>
+          </a:xfrm>
+          <a:prstGeom prst="rect">
+            <a:avLst/>
+          </a:prstGeom>
+          <a:ln>
+            <a:noFill/>
+          </a:ln>
+        </p:spPr>
+        <p:style>
+          <a:lnRef idx="2">
+            <a:schemeClr val="accent1">
+              <a:shade val="50000"/>
+            </a:schemeClr>
+          </a:lnRef>
+          <a:fillRef idx="1">
+            <a:schemeClr val="accent1"/>
+          </a:fillRef>
+          <a:effectRef idx="0">
+            <a:schemeClr val="accent1"/>
+          </a:effectRef>
+          <a:fontRef idx="minor">
+            <a:schemeClr val="lt1"/>
+          </a:fontRef>
+        </p:style>
+        <p:txBody>
+          <a:bodyPr rtlCol="0" anchor="ctr"/>
+          <a:lstStyle/>
+          <a:p>
+            <a:pPr algn="ctr"/>
+            <a:endParaRPr lang="en-US"/>
+          </a:p>
+        </p:txBody>
+      </p:sp>
+      <p:sp>
+        <p:nvSpPr>
+          <p:cNvPr id="11" name="Rectangle 10">
+            <a:extLst>
+              <a:ext uri="{FF2B5EF4-FFF2-40B4-BE49-F238E27FC236}">
+                <a16:creationId xmlns:a16="http://schemas.microsoft.com/office/drawing/2014/main" id="{E9A4B9C8-593A-939A-36A1-98BFDF6AB8E9}"/>
+              </a:ext>
+            </a:extLst>
+          </p:cNvPr>
+          <p:cNvSpPr/>
+          <p:nvPr/>
+        </p:nvSpPr>
+        <p:spPr>
+          <a:xfrm>
+            <a:off x="3414117" y="-115583"/>
+            <a:ext cx="5162031" cy="805556"/>
+          </a:xfrm>
+          <a:prstGeom prst="rect">
+            <a:avLst/>
+          </a:prstGeom>
+          <a:noFill/>
+          <a:ln>
+            <a:noFill/>
+          </a:ln>
+        </p:spPr>
+        <p:style>
+          <a:lnRef idx="2">
+            <a:schemeClr val="accent1">
+              <a:shade val="15000"/>
+            </a:schemeClr>
+          </a:lnRef>
+          <a:fillRef idx="1">
+            <a:schemeClr val="accent1"/>
+          </a:fillRef>
+          <a:effectRef idx="0">
+            <a:schemeClr val="accent1"/>
+          </a:effectRef>
+          <a:fontRef idx="minor">
+            <a:schemeClr val="lt1"/>
+          </a:fontRef>
+        </p:style>
+        <p:txBody>
+          <a:bodyPr rtlCol="0" anchor="ctr"/>
+          <a:lstStyle/>
+          <a:p>
+            <a:pPr algn="ctr"/>
+            <a:endParaRPr lang="en-CA"/>
+          </a:p>
+        </p:txBody>
+      </p:sp>
       <p:cxnSp>
         <p:nvCxnSpPr>
           <p:cNvPr id="5" name="Straight Arrow Connector 4">
@@ -7848,19 +8937,20 @@
           </p:cNvPr>
           <p:cNvCxnSpPr>
             <a:cxnSpLocks/>
-            <a:endCxn id="7" idx="1"/>
+            <a:stCxn id="16" idx="2"/>
+            <a:endCxn id="16" idx="6"/>
           </p:cNvCxnSpPr>
           <p:nvPr/>
         </p:nvCxnSpPr>
         <p:spPr>
           <a:xfrm>
-            <a:off x="714375" y="3216392"/>
-            <a:ext cx="9628505" cy="0"/>
+            <a:off x="443562" y="2929937"/>
+            <a:ext cx="4580501" cy="0"/>
           </a:xfrm>
           <a:prstGeom prst="straightConnector1">
             <a:avLst/>
           </a:prstGeom>
-          <a:ln w="57150">
+          <a:ln w="38100">
             <a:tailEnd type="arrow"/>
           </a:ln>
         </p:spPr>
@@ -7881,10 +8971,10 @@
       </p:cxnSp>
       <p:sp>
         <p:nvSpPr>
-          <p:cNvPr id="7" name="Rectangle: Rounded Corners 6">
-            <a:extLst>
-              <a:ext uri="{FF2B5EF4-FFF2-40B4-BE49-F238E27FC236}">
-                <a16:creationId xmlns:a16="http://schemas.microsoft.com/office/drawing/2014/main" id="{5212D68A-7D3D-67A8-D6E8-310B59CC5D21}"/>
+          <p:cNvPr id="16" name="Oval 15">
+            <a:extLst>
+              <a:ext uri="{FF2B5EF4-FFF2-40B4-BE49-F238E27FC236}">
+                <a16:creationId xmlns:a16="http://schemas.microsoft.com/office/drawing/2014/main" id="{2CFA347A-8CC0-A2A4-962B-390CE3D6DDA6}"/>
               </a:ext>
             </a:extLst>
           </p:cNvPr>
@@ -7893,67 +8983,8 @@
         </p:nvSpPr>
         <p:spPr>
           <a:xfrm>
-            <a:off x="10342880" y="2713472"/>
-            <a:ext cx="1849120" cy="1005839"/>
-          </a:xfrm>
-          <a:prstGeom prst="roundRect">
-            <a:avLst/>
-          </a:prstGeom>
-          <a:solidFill>
-            <a:schemeClr val="accent4">
-              <a:lumMod val="20000"/>
-              <a:lumOff val="80000"/>
-            </a:schemeClr>
-          </a:solidFill>
-        </p:spPr>
-        <p:style>
-          <a:lnRef idx="2">
-            <a:schemeClr val="accent1">
-              <a:shade val="15000"/>
-            </a:schemeClr>
-          </a:lnRef>
-          <a:fillRef idx="1">
-            <a:schemeClr val="accent1"/>
-          </a:fillRef>
-          <a:effectRef idx="0">
-            <a:schemeClr val="accent1"/>
-          </a:effectRef>
-          <a:fontRef idx="minor">
-            <a:schemeClr val="lt1"/>
-          </a:fontRef>
-        </p:style>
-        <p:txBody>
-          <a:bodyPr rtlCol="0" anchor="ctr"/>
-          <a:lstStyle/>
-          <a:p>
-            <a:pPr algn="ctr"/>
-            <a:r>
-              <a:rPr lang="en-CA" sz="2400" dirty="0">
-                <a:solidFill>
-                  <a:schemeClr val="tx1"/>
-                </a:solidFill>
-              </a:rPr>
-              <a:t>Store</a:t>
-            </a:r>
-          </a:p>
-        </p:txBody>
-      </p:sp>
-      <p:sp>
-        <p:nvSpPr>
-          <p:cNvPr id="16" name="Oval 15">
-            <a:extLst>
-              <a:ext uri="{FF2B5EF4-FFF2-40B4-BE49-F238E27FC236}">
-                <a16:creationId xmlns:a16="http://schemas.microsoft.com/office/drawing/2014/main" id="{2CFA347A-8CC0-A2A4-962B-390CE3D6DDA6}"/>
-              </a:ext>
-            </a:extLst>
-          </p:cNvPr>
-          <p:cNvSpPr/>
-          <p:nvPr/>
-        </p:nvSpPr>
-        <p:spPr>
-          <a:xfrm>
-            <a:off x="990600" y="967661"/>
-            <a:ext cx="8864596" cy="4497457"/>
+            <a:off x="443562" y="1172915"/>
+            <a:ext cx="4580501" cy="3514043"/>
           </a:xfrm>
           <a:prstGeom prst="ellipse">
             <a:avLst/>
@@ -7990,322 +9021,10 @@
       </p:sp>
       <p:sp>
         <p:nvSpPr>
-          <p:cNvPr id="27" name="Oval 26">
-            <a:extLst>
-              <a:ext uri="{FF2B5EF4-FFF2-40B4-BE49-F238E27FC236}">
-                <a16:creationId xmlns:a16="http://schemas.microsoft.com/office/drawing/2014/main" id="{514B41B0-4BF6-3B8F-6513-CDE036CFB98E}"/>
-              </a:ext>
-            </a:extLst>
-          </p:cNvPr>
-          <p:cNvSpPr/>
-          <p:nvPr/>
-        </p:nvSpPr>
-        <p:spPr>
-          <a:xfrm>
-            <a:off x="1757198" y="2862326"/>
-            <a:ext cx="655495" cy="655495"/>
-          </a:xfrm>
-          <a:prstGeom prst="ellipse">
-            <a:avLst/>
-          </a:prstGeom>
-          <a:solidFill>
-            <a:schemeClr val="accent2">
-              <a:alpha val="50000"/>
-            </a:schemeClr>
-          </a:solidFill>
-        </p:spPr>
-        <p:style>
-          <a:lnRef idx="2">
-            <a:schemeClr val="accent1">
-              <a:shade val="15000"/>
-            </a:schemeClr>
-          </a:lnRef>
-          <a:fillRef idx="1">
-            <a:schemeClr val="accent1"/>
-          </a:fillRef>
-          <a:effectRef idx="0">
-            <a:schemeClr val="accent1"/>
-          </a:effectRef>
-          <a:fontRef idx="minor">
-            <a:schemeClr val="lt1"/>
-          </a:fontRef>
-        </p:style>
-        <p:txBody>
-          <a:bodyPr rtlCol="0" anchor="ctr"/>
-          <a:lstStyle/>
-          <a:p>
-            <a:pPr algn="ctr"/>
-            <a:endParaRPr lang="en-CA"/>
-          </a:p>
-        </p:txBody>
-      </p:sp>
-      <p:sp>
-        <p:nvSpPr>
-          <p:cNvPr id="28" name="Oval 27">
-            <a:extLst>
-              <a:ext uri="{FF2B5EF4-FFF2-40B4-BE49-F238E27FC236}">
-                <a16:creationId xmlns:a16="http://schemas.microsoft.com/office/drawing/2014/main" id="{F4E3AD08-8E9F-7B85-0D10-C01DB2BE4B9A}"/>
-              </a:ext>
-            </a:extLst>
-          </p:cNvPr>
-          <p:cNvSpPr/>
-          <p:nvPr/>
-        </p:nvSpPr>
-        <p:spPr>
-          <a:xfrm>
-            <a:off x="1490018" y="2862369"/>
-            <a:ext cx="655495" cy="655495"/>
-          </a:xfrm>
-          <a:prstGeom prst="ellipse">
-            <a:avLst/>
-          </a:prstGeom>
-          <a:solidFill>
-            <a:schemeClr val="accent2">
-              <a:alpha val="50000"/>
-            </a:schemeClr>
-          </a:solidFill>
-        </p:spPr>
-        <p:style>
-          <a:lnRef idx="2">
-            <a:schemeClr val="accent1">
-              <a:shade val="15000"/>
-            </a:schemeClr>
-          </a:lnRef>
-          <a:fillRef idx="1">
-            <a:schemeClr val="accent1"/>
-          </a:fillRef>
-          <a:effectRef idx="0">
-            <a:schemeClr val="accent1"/>
-          </a:effectRef>
-          <a:fontRef idx="minor">
-            <a:schemeClr val="lt1"/>
-          </a:fontRef>
-        </p:style>
-        <p:txBody>
-          <a:bodyPr rtlCol="0" anchor="ctr"/>
-          <a:lstStyle/>
-          <a:p>
-            <a:pPr algn="ctr"/>
-            <a:endParaRPr lang="en-CA"/>
-          </a:p>
-        </p:txBody>
-      </p:sp>
-      <p:sp>
-        <p:nvSpPr>
-          <p:cNvPr id="33" name="Arc 32">
-            <a:extLst>
-              <a:ext uri="{FF2B5EF4-FFF2-40B4-BE49-F238E27FC236}">
-                <a16:creationId xmlns:a16="http://schemas.microsoft.com/office/drawing/2014/main" id="{332FFE7B-C361-FC63-030B-BFF9C1C84E71}"/>
-              </a:ext>
-            </a:extLst>
-          </p:cNvPr>
-          <p:cNvSpPr/>
-          <p:nvPr/>
-        </p:nvSpPr>
-        <p:spPr>
-          <a:xfrm flipV="1">
-            <a:off x="1579880" y="2489004"/>
-            <a:ext cx="8864596" cy="1615363"/>
-          </a:xfrm>
-          <a:prstGeom prst="arc">
-            <a:avLst>
-              <a:gd name="adj1" fmla="val 10769572"/>
-              <a:gd name="adj2" fmla="val 21373139"/>
-            </a:avLst>
-          </a:prstGeom>
-          <a:ln w="57150">
-            <a:solidFill>
-              <a:schemeClr val="accent2"/>
-            </a:solidFill>
-            <a:tailEnd type="arrow"/>
-          </a:ln>
-        </p:spPr>
-        <p:style>
-          <a:lnRef idx="1">
-            <a:schemeClr val="accent1"/>
-          </a:lnRef>
-          <a:fillRef idx="0">
-            <a:schemeClr val="accent1"/>
-          </a:fillRef>
-          <a:effectRef idx="0">
-            <a:schemeClr val="accent1"/>
-          </a:effectRef>
-          <a:fontRef idx="minor">
-            <a:schemeClr val="tx1"/>
-          </a:fontRef>
-        </p:style>
-        <p:txBody>
-          <a:bodyPr rtlCol="0" anchor="ctr"/>
-          <a:lstStyle/>
-          <a:p>
-            <a:pPr algn="ctr"/>
-            <a:endParaRPr lang="en-CA"/>
-          </a:p>
-        </p:txBody>
-      </p:sp>
-      <p:sp>
-        <p:nvSpPr>
-          <p:cNvPr id="35" name="Arc 34">
-            <a:extLst>
-              <a:ext uri="{FF2B5EF4-FFF2-40B4-BE49-F238E27FC236}">
-                <a16:creationId xmlns:a16="http://schemas.microsoft.com/office/drawing/2014/main" id="{219CA8B1-EBA7-F130-31B2-715D0FD356E4}"/>
-              </a:ext>
-            </a:extLst>
-          </p:cNvPr>
-          <p:cNvSpPr/>
-          <p:nvPr/>
-        </p:nvSpPr>
-        <p:spPr>
-          <a:xfrm>
-            <a:off x="1597427" y="1747381"/>
-            <a:ext cx="8864596" cy="2681871"/>
-          </a:xfrm>
-          <a:prstGeom prst="arc">
-            <a:avLst>
-              <a:gd name="adj1" fmla="val 10769572"/>
-              <a:gd name="adj2" fmla="val 21373139"/>
-            </a:avLst>
-          </a:prstGeom>
-          <a:ln w="57150">
-            <a:solidFill>
-              <a:schemeClr val="accent2"/>
-            </a:solidFill>
-            <a:tailEnd type="arrow"/>
-          </a:ln>
-        </p:spPr>
-        <p:style>
-          <a:lnRef idx="1">
-            <a:schemeClr val="accent1"/>
-          </a:lnRef>
-          <a:fillRef idx="0">
-            <a:schemeClr val="accent1"/>
-          </a:fillRef>
-          <a:effectRef idx="0">
-            <a:schemeClr val="accent1"/>
-          </a:effectRef>
-          <a:fontRef idx="minor">
-            <a:schemeClr val="tx1"/>
-          </a:fontRef>
-        </p:style>
-        <p:txBody>
-          <a:bodyPr rtlCol="0" anchor="ctr"/>
-          <a:lstStyle/>
-          <a:p>
-            <a:pPr algn="ctr"/>
-            <a:endParaRPr lang="en-CA"/>
-          </a:p>
-        </p:txBody>
-      </p:sp>
-      <p:sp>
-        <p:nvSpPr>
-          <p:cNvPr id="38" name="Oval 37">
-            <a:extLst>
-              <a:ext uri="{FF2B5EF4-FFF2-40B4-BE49-F238E27FC236}">
-                <a16:creationId xmlns:a16="http://schemas.microsoft.com/office/drawing/2014/main" id="{44639066-94DF-F17D-4DD8-5936189C1732}"/>
-              </a:ext>
-            </a:extLst>
-          </p:cNvPr>
-          <p:cNvSpPr/>
-          <p:nvPr/>
-        </p:nvSpPr>
-        <p:spPr>
-          <a:xfrm>
-            <a:off x="7336663" y="2918371"/>
-            <a:ext cx="655495" cy="655495"/>
-          </a:xfrm>
-          <a:prstGeom prst="ellipse">
-            <a:avLst/>
-          </a:prstGeom>
-          <a:solidFill>
-            <a:schemeClr val="accent2"/>
-          </a:solidFill>
-        </p:spPr>
-        <p:style>
-          <a:lnRef idx="2">
-            <a:schemeClr val="accent1">
-              <a:shade val="15000"/>
-            </a:schemeClr>
-          </a:lnRef>
-          <a:fillRef idx="1">
-            <a:schemeClr val="accent1"/>
-          </a:fillRef>
-          <a:effectRef idx="0">
-            <a:schemeClr val="accent1"/>
-          </a:effectRef>
-          <a:fontRef idx="minor">
-            <a:schemeClr val="lt1"/>
-          </a:fontRef>
-        </p:style>
-        <p:txBody>
-          <a:bodyPr rtlCol="0" anchor="ctr"/>
-          <a:lstStyle/>
-          <a:p>
-            <a:pPr algn="ctr"/>
-            <a:r>
-              <a:rPr lang="en-CA" sz="1200" dirty="0"/>
-              <a:t>id: 2</a:t>
-            </a:r>
-          </a:p>
-        </p:txBody>
-      </p:sp>
-      <p:sp>
-        <p:nvSpPr>
-          <p:cNvPr id="39" name="Oval 38">
-            <a:extLst>
-              <a:ext uri="{FF2B5EF4-FFF2-40B4-BE49-F238E27FC236}">
-                <a16:creationId xmlns:a16="http://schemas.microsoft.com/office/drawing/2014/main" id="{20446432-E406-C4A9-CD78-8064AF5BF0A6}"/>
-              </a:ext>
-            </a:extLst>
-          </p:cNvPr>
-          <p:cNvSpPr/>
-          <p:nvPr/>
-        </p:nvSpPr>
-        <p:spPr>
-          <a:xfrm>
-            <a:off x="8183449" y="2888643"/>
-            <a:ext cx="655495" cy="655495"/>
-          </a:xfrm>
-          <a:prstGeom prst="ellipse">
-            <a:avLst/>
-          </a:prstGeom>
-          <a:solidFill>
-            <a:schemeClr val="accent2"/>
-          </a:solidFill>
-        </p:spPr>
-        <p:style>
-          <a:lnRef idx="2">
-            <a:schemeClr val="accent1">
-              <a:shade val="15000"/>
-            </a:schemeClr>
-          </a:lnRef>
-          <a:fillRef idx="1">
-            <a:schemeClr val="accent1"/>
-          </a:fillRef>
-          <a:effectRef idx="0">
-            <a:schemeClr val="accent1"/>
-          </a:effectRef>
-          <a:fontRef idx="minor">
-            <a:schemeClr val="lt1"/>
-          </a:fontRef>
-        </p:style>
-        <p:txBody>
-          <a:bodyPr rtlCol="0" anchor="ctr"/>
-          <a:lstStyle/>
-          <a:p>
-            <a:pPr algn="ctr"/>
-            <a:r>
-              <a:rPr lang="en-CA" sz="1200" dirty="0"/>
-              <a:t>id: 1</a:t>
-            </a:r>
-          </a:p>
-        </p:txBody>
-      </p:sp>
-      <p:sp>
-        <p:nvSpPr>
-          <p:cNvPr id="42" name="TextBox 41">
-            <a:extLst>
-              <a:ext uri="{FF2B5EF4-FFF2-40B4-BE49-F238E27FC236}">
-                <a16:creationId xmlns:a16="http://schemas.microsoft.com/office/drawing/2014/main" id="{564C71DB-E709-6C43-3252-6C5608045901}"/>
+          <p:cNvPr id="64" name="TextBox 63">
+            <a:extLst>
+              <a:ext uri="{FF2B5EF4-FFF2-40B4-BE49-F238E27FC236}">
+                <a16:creationId xmlns:a16="http://schemas.microsoft.com/office/drawing/2014/main" id="{33D52A14-49C2-146E-C898-4F406B2B537A}"/>
               </a:ext>
             </a:extLst>
           </p:cNvPr>
@@ -8314,275 +9033,8 @@
         </p:nvSpPr>
         <p:spPr>
           <a:xfrm>
-            <a:off x="3521525" y="3887598"/>
-            <a:ext cx="1983925" cy="646331"/>
-          </a:xfrm>
-          <a:prstGeom prst="rect">
-            <a:avLst/>
-          </a:prstGeom>
-          <a:solidFill>
-            <a:schemeClr val="bg1"/>
-          </a:solidFill>
-          <a:ln>
-            <a:solidFill>
-              <a:schemeClr val="tx1"/>
-            </a:solidFill>
-          </a:ln>
-        </p:spPr>
-        <p:txBody>
-          <a:bodyPr wrap="square" rtlCol="0">
-            <a:spAutoFit/>
-          </a:bodyPr>
-          <a:lstStyle/>
-          <a:p>
-            <a:pPr algn="ctr"/>
-            <a:r>
-              <a:rPr lang="en-CA" dirty="0" err="1"/>
-              <a:t>updateTodoEffect</a:t>
-            </a:r>
-            <a:r>
-              <a:rPr lang="en-CA" dirty="0"/>
-              <a:t>${ id: 1}</a:t>
-            </a:r>
-          </a:p>
-        </p:txBody>
-      </p:sp>
-      <p:sp>
-        <p:nvSpPr>
-          <p:cNvPr id="43" name="TextBox 42">
-            <a:extLst>
-              <a:ext uri="{FF2B5EF4-FFF2-40B4-BE49-F238E27FC236}">
-                <a16:creationId xmlns:a16="http://schemas.microsoft.com/office/drawing/2014/main" id="{19413BF1-7244-7BAA-DE92-3D3C31DB0AA9}"/>
-              </a:ext>
-            </a:extLst>
-          </p:cNvPr>
-          <p:cNvSpPr txBox="1"/>
-          <p:nvPr/>
-        </p:nvSpPr>
-        <p:spPr>
-          <a:xfrm>
-            <a:off x="4213896" y="1299547"/>
-            <a:ext cx="1983925" cy="646331"/>
-          </a:xfrm>
-          <a:prstGeom prst="rect">
-            <a:avLst/>
-          </a:prstGeom>
-          <a:solidFill>
-            <a:schemeClr val="bg1"/>
-          </a:solidFill>
-          <a:ln>
-            <a:solidFill>
-              <a:schemeClr val="tx1"/>
-            </a:solidFill>
-          </a:ln>
-        </p:spPr>
-        <p:txBody>
-          <a:bodyPr wrap="square" rtlCol="0">
-            <a:spAutoFit/>
-          </a:bodyPr>
-          <a:lstStyle/>
-          <a:p>
-            <a:pPr algn="ctr"/>
-            <a:r>
-              <a:rPr lang="en-CA" dirty="0" err="1"/>
-              <a:t>updateTodoEffect</a:t>
-            </a:r>
-            <a:r>
-              <a:rPr lang="en-CA" dirty="0"/>
-              <a:t>$</a:t>
-            </a:r>
-          </a:p>
-          <a:p>
-            <a:pPr algn="ctr"/>
-            <a:r>
-              <a:rPr lang="en-CA" dirty="0"/>
-              <a:t>{ id: 2 }</a:t>
-            </a:r>
-          </a:p>
-        </p:txBody>
-      </p:sp>
-      <p:sp>
-        <p:nvSpPr>
-          <p:cNvPr id="44" name="Oval 43">
-            <a:extLst>
-              <a:ext uri="{FF2B5EF4-FFF2-40B4-BE49-F238E27FC236}">
-                <a16:creationId xmlns:a16="http://schemas.microsoft.com/office/drawing/2014/main" id="{6D1B5850-42F6-F016-38E9-79264A6AC1B4}"/>
-              </a:ext>
-            </a:extLst>
-          </p:cNvPr>
-          <p:cNvSpPr/>
-          <p:nvPr/>
-        </p:nvSpPr>
-        <p:spPr>
-          <a:xfrm>
-            <a:off x="5932125" y="3759519"/>
-            <a:ext cx="655495" cy="655495"/>
-          </a:xfrm>
-          <a:prstGeom prst="ellipse">
-            <a:avLst/>
-          </a:prstGeom>
-          <a:solidFill>
-            <a:schemeClr val="accent3">
-              <a:lumMod val="60000"/>
-              <a:lumOff val="40000"/>
-            </a:schemeClr>
-          </a:solidFill>
-        </p:spPr>
-        <p:style>
-          <a:lnRef idx="2">
-            <a:schemeClr val="accent1">
-              <a:shade val="15000"/>
-            </a:schemeClr>
-          </a:lnRef>
-          <a:fillRef idx="1">
-            <a:schemeClr val="accent1"/>
-          </a:fillRef>
-          <a:effectRef idx="0">
-            <a:schemeClr val="accent1"/>
-          </a:effectRef>
-          <a:fontRef idx="minor">
-            <a:schemeClr val="lt1"/>
-          </a:fontRef>
-        </p:style>
-        <p:txBody>
-          <a:bodyPr rtlCol="0" anchor="ctr"/>
-          <a:lstStyle/>
-          <a:p>
-            <a:pPr algn="ctr"/>
-            <a:r>
-              <a:rPr lang="en-CA" sz="1200"/>
-              <a:t>id: 1</a:t>
-            </a:r>
-            <a:endParaRPr lang="en-CA" sz="1200" dirty="0"/>
-          </a:p>
-        </p:txBody>
-      </p:sp>
-      <p:sp>
-        <p:nvSpPr>
-          <p:cNvPr id="47" name="Oval 46">
-            <a:extLst>
-              <a:ext uri="{FF2B5EF4-FFF2-40B4-BE49-F238E27FC236}">
-                <a16:creationId xmlns:a16="http://schemas.microsoft.com/office/drawing/2014/main" id="{2897976E-A03D-81E8-C241-49843C9B18AF}"/>
-              </a:ext>
-            </a:extLst>
-          </p:cNvPr>
-          <p:cNvSpPr/>
-          <p:nvPr/>
-        </p:nvSpPr>
-        <p:spPr>
-          <a:xfrm>
-            <a:off x="7272302" y="1522862"/>
-            <a:ext cx="655495" cy="655495"/>
-          </a:xfrm>
-          <a:prstGeom prst="ellipse">
-            <a:avLst/>
-          </a:prstGeom>
-          <a:solidFill>
-            <a:schemeClr val="accent3">
-              <a:lumMod val="60000"/>
-              <a:lumOff val="40000"/>
-            </a:schemeClr>
-          </a:solidFill>
-        </p:spPr>
-        <p:style>
-          <a:lnRef idx="2">
-            <a:schemeClr val="accent1">
-              <a:shade val="15000"/>
-            </a:schemeClr>
-          </a:lnRef>
-          <a:fillRef idx="1">
-            <a:schemeClr val="accent1"/>
-          </a:fillRef>
-          <a:effectRef idx="0">
-            <a:schemeClr val="accent1"/>
-          </a:effectRef>
-          <a:fontRef idx="minor">
-            <a:schemeClr val="lt1"/>
-          </a:fontRef>
-        </p:style>
-        <p:txBody>
-          <a:bodyPr rtlCol="0" anchor="ctr"/>
-          <a:lstStyle/>
-          <a:p>
-            <a:pPr algn="ctr"/>
-            <a:r>
-              <a:rPr lang="en-CA" sz="1200" dirty="0"/>
-              <a:t>id: 2</a:t>
-            </a:r>
-          </a:p>
-        </p:txBody>
-      </p:sp>
-      <p:sp>
-        <p:nvSpPr>
-          <p:cNvPr id="48" name="Oval 47">
-            <a:extLst>
-              <a:ext uri="{FF2B5EF4-FFF2-40B4-BE49-F238E27FC236}">
-                <a16:creationId xmlns:a16="http://schemas.microsoft.com/office/drawing/2014/main" id="{DB987F8C-D0E7-2922-A134-DC0FD8227A79}"/>
-              </a:ext>
-            </a:extLst>
-          </p:cNvPr>
-          <p:cNvSpPr/>
-          <p:nvPr/>
-        </p:nvSpPr>
-        <p:spPr>
-          <a:xfrm>
-            <a:off x="2483449" y="3506632"/>
-            <a:ext cx="655495" cy="655495"/>
-          </a:xfrm>
-          <a:prstGeom prst="ellipse">
-            <a:avLst/>
-          </a:prstGeom>
-          <a:solidFill>
-            <a:schemeClr val="accent2">
-              <a:alpha val="50000"/>
-            </a:schemeClr>
-          </a:solidFill>
-        </p:spPr>
-        <p:style>
-          <a:lnRef idx="2">
-            <a:schemeClr val="accent1">
-              <a:shade val="15000"/>
-            </a:schemeClr>
-          </a:lnRef>
-          <a:fillRef idx="1">
-            <a:schemeClr val="accent1"/>
-          </a:fillRef>
-          <a:effectRef idx="0">
-            <a:schemeClr val="accent1"/>
-          </a:effectRef>
-          <a:fontRef idx="minor">
-            <a:schemeClr val="lt1"/>
-          </a:fontRef>
-        </p:style>
-        <p:txBody>
-          <a:bodyPr rtlCol="0" anchor="ctr"/>
-          <a:lstStyle/>
-          <a:p>
-            <a:pPr algn="ctr"/>
-            <a:r>
-              <a:rPr lang="en-CA" sz="1200"/>
-              <a:t>id: 1</a:t>
-            </a:r>
-            <a:endParaRPr lang="en-CA" sz="1200" dirty="0"/>
-          </a:p>
-        </p:txBody>
-      </p:sp>
-      <p:sp>
-        <p:nvSpPr>
-          <p:cNvPr id="64" name="TextBox 63">
-            <a:extLst>
-              <a:ext uri="{FF2B5EF4-FFF2-40B4-BE49-F238E27FC236}">
-                <a16:creationId xmlns:a16="http://schemas.microsoft.com/office/drawing/2014/main" id="{33D52A14-49C2-146E-C898-4F406B2B537A}"/>
-              </a:ext>
-            </a:extLst>
-          </p:cNvPr>
-          <p:cNvSpPr txBox="1"/>
-          <p:nvPr/>
-        </p:nvSpPr>
-        <p:spPr>
-          <a:xfrm>
-            <a:off x="5205859" y="3035641"/>
-            <a:ext cx="1381761" cy="369332"/>
+            <a:off x="2544902" y="2817539"/>
+            <a:ext cx="900038" cy="250197"/>
           </a:xfrm>
           <a:prstGeom prst="rect">
             <a:avLst/>
@@ -8604,82 +9056,284 @@
           </a:bodyPr>
           <a:lstStyle/>
           <a:p>
+            <a:pPr algn="ctr" defTabSz="521208">
+              <a:spcAft>
+                <a:spcPts val="600"/>
+              </a:spcAft>
+            </a:pPr>
+            <a:r>
+              <a:rPr lang="en-CA" sz="1026" kern="1200" dirty="0">
+                <a:solidFill>
+                  <a:schemeClr val="tx1"/>
+                </a:solidFill>
+                <a:latin typeface="+mn-lt"/>
+                <a:ea typeface="+mn-ea"/>
+                <a:cs typeface="+mn-cs"/>
+              </a:rPr>
+              <a:t>dispatcher$</a:t>
+            </a:r>
+            <a:endParaRPr lang="en-CA" dirty="0"/>
+          </a:p>
+        </p:txBody>
+      </p:sp>
+      <p:sp>
+        <p:nvSpPr>
+          <p:cNvPr id="14" name="Rectangle: Rounded Corners 13">
+            <a:extLst>
+              <a:ext uri="{FF2B5EF4-FFF2-40B4-BE49-F238E27FC236}">
+                <a16:creationId xmlns:a16="http://schemas.microsoft.com/office/drawing/2014/main" id="{9764D30E-3B78-7975-3684-EE456375460E}"/>
+              </a:ext>
+            </a:extLst>
+          </p:cNvPr>
+          <p:cNvSpPr/>
+          <p:nvPr/>
+        </p:nvSpPr>
+        <p:spPr>
+          <a:xfrm>
+            <a:off x="5045149" y="1048558"/>
+            <a:ext cx="2632573" cy="3797642"/>
+          </a:xfrm>
+          <a:prstGeom prst="roundRect">
+            <a:avLst/>
+          </a:prstGeom>
+          <a:solidFill>
+            <a:schemeClr val="accent4">
+              <a:lumMod val="20000"/>
+              <a:lumOff val="80000"/>
+            </a:schemeClr>
+          </a:solidFill>
+        </p:spPr>
+        <p:style>
+          <a:lnRef idx="2">
+            <a:schemeClr val="accent1">
+              <a:shade val="15000"/>
+            </a:schemeClr>
+          </a:lnRef>
+          <a:fillRef idx="1">
+            <a:schemeClr val="accent1"/>
+          </a:fillRef>
+          <a:effectRef idx="0">
+            <a:schemeClr val="accent1"/>
+          </a:effectRef>
+          <a:fontRef idx="minor">
+            <a:schemeClr val="lt1"/>
+          </a:fontRef>
+        </p:style>
+        <p:txBody>
+          <a:bodyPr rtlCol="0" anchor="ctr"/>
+          <a:lstStyle/>
+          <a:p>
             <a:pPr algn="ctr"/>
             <a:r>
-              <a:rPr lang="en-CA" dirty="0"/>
-              <a:t>dispatcher$</a:t>
-            </a:r>
-          </a:p>
-        </p:txBody>
-      </p:sp>
-      <p:sp>
-        <p:nvSpPr>
-          <p:cNvPr id="2" name="TextBox 1">
-            <a:extLst>
-              <a:ext uri="{FF2B5EF4-FFF2-40B4-BE49-F238E27FC236}">
-                <a16:creationId xmlns:a16="http://schemas.microsoft.com/office/drawing/2014/main" id="{A7D61732-33D3-88FD-B5EB-9CAA2308384B}"/>
-              </a:ext>
-            </a:extLst>
-          </p:cNvPr>
-          <p:cNvSpPr txBox="1"/>
-          <p:nvPr/>
-        </p:nvSpPr>
-        <p:spPr>
-          <a:xfrm>
-            <a:off x="925706" y="4727273"/>
-            <a:ext cx="1599411" cy="830997"/>
-          </a:xfrm>
-          <a:prstGeom prst="rect">
-            <a:avLst/>
-          </a:prstGeom>
-          <a:noFill/>
-        </p:spPr>
-        <p:txBody>
-          <a:bodyPr wrap="square" rtlCol="0">
-            <a:spAutoFit/>
-          </a:bodyPr>
-          <a:lstStyle/>
-          <a:p>
-            <a:r>
-              <a:rPr lang="en-CA" sz="2400" b="1" dirty="0"/>
-              <a:t>Scoped</a:t>
-            </a:r>
-            <a:r>
-              <a:rPr lang="en-CA" sz="2400" dirty="0"/>
-              <a:t> </a:t>
-            </a:r>
-            <a:r>
-              <a:rPr lang="en-CA" sz="2400" b="1" dirty="0"/>
-              <a:t>Effects</a:t>
-            </a:r>
+              <a:rPr lang="en-CA" sz="1400" b="1" dirty="0">
+                <a:solidFill>
+                  <a:schemeClr val="tx1"/>
+                </a:solidFill>
+              </a:rPr>
+              <a:t>State: </a:t>
+            </a:r>
+          </a:p>
+          <a:p>
+            <a:r>
+              <a:rPr lang="en-CA" sz="1200" dirty="0">
+                <a:solidFill>
+                  <a:schemeClr val="tx1"/>
+                </a:solidFill>
+              </a:rPr>
+              <a:t>{</a:t>
+            </a:r>
+          </a:p>
+          <a:p>
+            <a:r>
+              <a:rPr lang="en-CA" sz="1200" dirty="0">
+                <a:solidFill>
+                  <a:schemeClr val="tx1"/>
+                </a:solidFill>
+              </a:rPr>
+              <a:t>  todos: [</a:t>
+            </a:r>
+          </a:p>
+          <a:p>
+            <a:r>
+              <a:rPr lang="en-CA" sz="1200" dirty="0">
+                <a:solidFill>
+                  <a:schemeClr val="tx1"/>
+                </a:solidFill>
+              </a:rPr>
+              <a:t>    {</a:t>
+            </a:r>
+          </a:p>
+          <a:p>
+            <a:r>
+              <a:rPr lang="en-CA" sz="1200" dirty="0">
+                <a:solidFill>
+                  <a:schemeClr val="tx1"/>
+                </a:solidFill>
+              </a:rPr>
+              <a:t>      id: 1,</a:t>
+            </a:r>
+          </a:p>
+          <a:p>
+            <a:r>
+              <a:rPr lang="en-CA" sz="1200" dirty="0">
+                <a:solidFill>
+                  <a:schemeClr val="tx1"/>
+                </a:solidFill>
+              </a:rPr>
+              <a:t>      description: 'Pick Up Bart',</a:t>
+            </a:r>
+          </a:p>
+          <a:p>
+            <a:r>
+              <a:rPr lang="en-CA" sz="1200" dirty="0">
+                <a:solidFill>
+                  <a:schemeClr val="tx1"/>
+                </a:solidFill>
+              </a:rPr>
+              <a:t>      status: 'incomplete',</a:t>
+            </a:r>
+          </a:p>
+          <a:p>
+            <a:r>
+              <a:rPr lang="en-CA" sz="1200" dirty="0">
+                <a:solidFill>
+                  <a:schemeClr val="tx1"/>
+                </a:solidFill>
+              </a:rPr>
+              <a:t>      updating: false,</a:t>
+            </a:r>
+          </a:p>
+          <a:p>
+            <a:r>
+              <a:rPr lang="en-CA" sz="1200" dirty="0">
+                <a:solidFill>
+                  <a:schemeClr val="tx1"/>
+                </a:solidFill>
+              </a:rPr>
+              <a:t>    },</a:t>
+            </a:r>
+          </a:p>
+          <a:p>
+            <a:r>
+              <a:rPr lang="en-CA" sz="1200" dirty="0">
+                <a:solidFill>
+                  <a:schemeClr val="tx1"/>
+                </a:solidFill>
+              </a:rPr>
+              <a:t>    {</a:t>
+            </a:r>
+          </a:p>
+          <a:p>
+            <a:r>
+              <a:rPr lang="en-CA" sz="1200" dirty="0">
+                <a:solidFill>
+                  <a:schemeClr val="tx1"/>
+                </a:solidFill>
+              </a:rPr>
+              <a:t>      id: 2,</a:t>
+            </a:r>
+          </a:p>
+          <a:p>
+            <a:r>
+              <a:rPr lang="en-CA" sz="1200" dirty="0">
+                <a:solidFill>
+                  <a:schemeClr val="tx1"/>
+                </a:solidFill>
+              </a:rPr>
+              <a:t>      description: 'Moe the lawn',</a:t>
+            </a:r>
+          </a:p>
+          <a:p>
+            <a:r>
+              <a:rPr lang="en-CA" sz="1200" dirty="0">
+                <a:solidFill>
+                  <a:schemeClr val="tx1"/>
+                </a:solidFill>
+              </a:rPr>
+              <a:t>      status: 'incomplete',</a:t>
+            </a:r>
+          </a:p>
+          <a:p>
+            <a:r>
+              <a:rPr lang="en-CA" sz="1200" dirty="0">
+                <a:solidFill>
+                  <a:schemeClr val="tx1"/>
+                </a:solidFill>
+              </a:rPr>
+              <a:t>      updating: false,</a:t>
+            </a:r>
+          </a:p>
+          <a:p>
+            <a:r>
+              <a:rPr lang="en-CA" sz="1200" dirty="0">
+                <a:solidFill>
+                  <a:schemeClr val="tx1"/>
+                </a:solidFill>
+              </a:rPr>
+              <a:t>    },</a:t>
+            </a:r>
+          </a:p>
+          <a:p>
+            <a:r>
+              <a:rPr lang="en-CA" sz="1200" dirty="0">
+                <a:solidFill>
+                  <a:schemeClr val="tx1"/>
+                </a:solidFill>
+              </a:rPr>
+              <a:t>  ],</a:t>
+            </a:r>
+          </a:p>
+          <a:p>
+            <a:r>
+              <a:rPr lang="en-CA" sz="1200" dirty="0">
+                <a:solidFill>
+                  <a:schemeClr val="tx1"/>
+                </a:solidFill>
+              </a:rPr>
+              <a:t>}</a:t>
+            </a:r>
+          </a:p>
+          <a:p>
+            <a:pPr algn="ctr"/>
+            <a:endParaRPr lang="en-CA" sz="1200" dirty="0">
+              <a:solidFill>
+                <a:schemeClr val="tx1"/>
+              </a:solidFill>
+            </a:endParaRPr>
           </a:p>
         </p:txBody>
       </p:sp>
       <p:cxnSp>
         <p:nvCxnSpPr>
-          <p:cNvPr id="4" name="Straight Arrow Connector 3">
-            <a:extLst>
-              <a:ext uri="{FF2B5EF4-FFF2-40B4-BE49-F238E27FC236}">
-                <a16:creationId xmlns:a16="http://schemas.microsoft.com/office/drawing/2014/main" id="{958E179C-8F70-4823-BD02-E5CB52FB3800}"/>
+          <p:cNvPr id="17" name="Connector: Curved 16">
+            <a:extLst>
+              <a:ext uri="{FF2B5EF4-FFF2-40B4-BE49-F238E27FC236}">
+                <a16:creationId xmlns:a16="http://schemas.microsoft.com/office/drawing/2014/main" id="{D89DC5C7-8768-A106-E600-FE37925A9840}"/>
               </a:ext>
             </a:extLst>
           </p:cNvPr>
           <p:cNvCxnSpPr>
             <a:cxnSpLocks/>
+            <a:stCxn id="16" idx="2"/>
+            <a:endCxn id="16" idx="6"/>
           </p:cNvCxnSpPr>
           <p:nvPr/>
         </p:nvCxnSpPr>
         <p:spPr>
-          <a:xfrm flipV="1">
-            <a:off x="1991324" y="4533929"/>
-            <a:ext cx="1472463" cy="338613"/>
-          </a:xfrm>
-          <a:prstGeom prst="straightConnector1">
-            <a:avLst/>
-          </a:prstGeom>
-          <a:ln w="31750">
+          <a:xfrm rot="10800000" flipH="1">
+            <a:off x="443561" y="2929937"/>
+            <a:ext cx="4580501" cy="12700"/>
+          </a:xfrm>
+          <a:prstGeom prst="curvedConnector5">
+            <a:avLst>
+              <a:gd name="adj1" fmla="val 18000"/>
+              <a:gd name="adj2" fmla="val 8758402"/>
+              <a:gd name="adj3" fmla="val 88505"/>
+            </a:avLst>
+          </a:prstGeom>
+          <a:ln w="38100">
             <a:solidFill>
-              <a:schemeClr val="tx1"/>
+              <a:schemeClr val="accent2"/>
             </a:solidFill>
             <a:tailEnd type="triangle"/>
           </a:ln>
@@ -8699,111 +9353,12 @@
           </a:fontRef>
         </p:style>
       </p:cxnSp>
-      <p:cxnSp>
-        <p:nvCxnSpPr>
-          <p:cNvPr id="8" name="Straight Arrow Connector 7">
-            <a:extLst>
-              <a:ext uri="{FF2B5EF4-FFF2-40B4-BE49-F238E27FC236}">
-                <a16:creationId xmlns:a16="http://schemas.microsoft.com/office/drawing/2014/main" id="{1FD1B516-9FF4-D419-FC4D-9B5D062F11BA}"/>
-              </a:ext>
-            </a:extLst>
-          </p:cNvPr>
-          <p:cNvCxnSpPr>
-            <a:cxnSpLocks/>
-            <a:stCxn id="2" idx="0"/>
-          </p:cNvCxnSpPr>
-          <p:nvPr/>
-        </p:nvCxnSpPr>
-        <p:spPr>
-          <a:xfrm flipV="1">
-            <a:off x="1725412" y="2115090"/>
-            <a:ext cx="2573262" cy="2612183"/>
-          </a:xfrm>
-          <a:prstGeom prst="straightConnector1">
-            <a:avLst/>
-          </a:prstGeom>
-          <a:ln w="31750">
-            <a:solidFill>
-              <a:schemeClr val="tx1"/>
-            </a:solidFill>
-            <a:tailEnd type="triangle"/>
-          </a:ln>
-        </p:spPr>
-        <p:style>
-          <a:lnRef idx="1">
-            <a:schemeClr val="accent1"/>
-          </a:lnRef>
-          <a:fillRef idx="0">
-            <a:schemeClr val="accent1"/>
-          </a:fillRef>
-          <a:effectRef idx="0">
-            <a:schemeClr val="accent1"/>
-          </a:effectRef>
-          <a:fontRef idx="minor">
-            <a:schemeClr val="tx1"/>
-          </a:fontRef>
-        </p:style>
-      </p:cxnSp>
-      <p:sp>
-        <p:nvSpPr>
-          <p:cNvPr id="51" name="Oval 50">
-            <a:extLst>
-              <a:ext uri="{FF2B5EF4-FFF2-40B4-BE49-F238E27FC236}">
-                <a16:creationId xmlns:a16="http://schemas.microsoft.com/office/drawing/2014/main" id="{660D3C66-BD7B-081E-8232-73B6906D34D6}"/>
-              </a:ext>
-            </a:extLst>
-          </p:cNvPr>
-          <p:cNvSpPr/>
-          <p:nvPr/>
-        </p:nvSpPr>
-        <p:spPr>
-          <a:xfrm>
-            <a:off x="2666685" y="1834475"/>
-            <a:ext cx="655495" cy="655495"/>
-          </a:xfrm>
-          <a:prstGeom prst="ellipse">
-            <a:avLst/>
-          </a:prstGeom>
-          <a:solidFill>
-            <a:schemeClr val="accent2">
-              <a:alpha val="50000"/>
-            </a:schemeClr>
-          </a:solidFill>
-        </p:spPr>
-        <p:style>
-          <a:lnRef idx="2">
-            <a:schemeClr val="accent1">
-              <a:shade val="15000"/>
-            </a:schemeClr>
-          </a:lnRef>
-          <a:fillRef idx="1">
-            <a:schemeClr val="accent1"/>
-          </a:fillRef>
-          <a:effectRef idx="0">
-            <a:schemeClr val="accent1"/>
-          </a:effectRef>
-          <a:fontRef idx="minor">
-            <a:schemeClr val="lt1"/>
-          </a:fontRef>
-        </p:style>
-        <p:txBody>
-          <a:bodyPr rtlCol="0" anchor="ctr"/>
-          <a:lstStyle/>
-          <a:p>
-            <a:pPr algn="ctr"/>
-            <a:r>
-              <a:rPr lang="en-CA" sz="1200" dirty="0"/>
-              <a:t>id: 2</a:t>
-            </a:r>
-          </a:p>
-        </p:txBody>
-      </p:sp>
-      <p:sp>
-        <p:nvSpPr>
-          <p:cNvPr id="60" name="TextBox 59">
-            <a:extLst>
-              <a:ext uri="{FF2B5EF4-FFF2-40B4-BE49-F238E27FC236}">
-                <a16:creationId xmlns:a16="http://schemas.microsoft.com/office/drawing/2014/main" id="{B5E2890C-957D-7464-D965-99921E92C017}"/>
+      <p:sp>
+        <p:nvSpPr>
+          <p:cNvPr id="43" name="TextBox 42">
+            <a:extLst>
+              <a:ext uri="{FF2B5EF4-FFF2-40B4-BE49-F238E27FC236}">
+                <a16:creationId xmlns:a16="http://schemas.microsoft.com/office/drawing/2014/main" id="{19413BF1-7244-7BAA-DE92-3D3C31DB0AA9}"/>
               </a:ext>
             </a:extLst>
           </p:cNvPr>
@@ -8812,8 +9367,8 @@
         </p:nvSpPr>
         <p:spPr>
           <a:xfrm>
-            <a:off x="7389635" y="4972378"/>
-            <a:ext cx="3774177" cy="923330"/>
+            <a:off x="2387563" y="1752721"/>
+            <a:ext cx="1148942" cy="250197"/>
           </a:xfrm>
           <a:prstGeom prst="rect">
             <a:avLst/>
@@ -8833,39 +9388,32 @@
           </a:bodyPr>
           <a:lstStyle/>
           <a:p>
-            <a:r>
-              <a:rPr lang="en-CA" b="1" u="sng" dirty="0">
-                <a:latin typeface="Menlo"/>
+            <a:pPr algn="ctr" defTabSz="521208">
+              <a:spcAft>
+                <a:spcPts val="600"/>
+              </a:spcAft>
+            </a:pPr>
+            <a:r>
+              <a:rPr lang="en-CA" sz="1026" kern="1200" dirty="0">
+                <a:solidFill>
+                  <a:schemeClr val="tx1"/>
+                </a:solidFill>
+                <a:latin typeface="+mn-lt"/>
+                <a:ea typeface="+mn-ea"/>
+                <a:cs typeface="+mn-cs"/>
               </a:rPr>
-              <a:t>ACTIONS:</a:t>
-            </a:r>
-          </a:p>
-          <a:p>
-            <a:r>
-              <a:rPr lang="en-CA" b="0" dirty="0">
-                <a:effectLst/>
-                <a:latin typeface="Menlo"/>
-              </a:rPr>
-              <a:t>SEND_TODO_STATUS_UPDATE</a:t>
-            </a:r>
-          </a:p>
-          <a:p>
-            <a:r>
-              <a:rPr lang="en-CA" b="0" dirty="0">
-                <a:effectLst/>
-                <a:latin typeface="Menlo"/>
-              </a:rPr>
-              <a:t>TODO_STATUS_UPDATE_SUCCESS</a:t>
-            </a:r>
-          </a:p>
-        </p:txBody>
-      </p:sp>
-      <p:sp>
-        <p:nvSpPr>
-          <p:cNvPr id="9" name="Oval 8">
-            <a:extLst>
-              <a:ext uri="{FF2B5EF4-FFF2-40B4-BE49-F238E27FC236}">
-                <a16:creationId xmlns:a16="http://schemas.microsoft.com/office/drawing/2014/main" id="{FD0112D8-3EE8-6323-DB30-45F8C325E88E}"/>
+              <a:t>Update Todo Api</a:t>
+            </a:r>
+            <a:endParaRPr lang="en-CA" dirty="0"/>
+          </a:p>
+        </p:txBody>
+      </p:sp>
+      <p:sp>
+        <p:nvSpPr>
+          <p:cNvPr id="51" name="Oval 50">
+            <a:extLst>
+              <a:ext uri="{FF2B5EF4-FFF2-40B4-BE49-F238E27FC236}">
+                <a16:creationId xmlns:a16="http://schemas.microsoft.com/office/drawing/2014/main" id="{660D3C66-BD7B-081E-8232-73B6906D34D6}"/>
               </a:ext>
             </a:extLst>
           </p:cNvPr>
@@ -8874,15 +9422,27 @@
         </p:nvSpPr>
         <p:spPr>
           <a:xfrm>
-            <a:off x="10772713" y="5307399"/>
-            <a:ext cx="200088" cy="200088"/>
+            <a:off x="1511940" y="1773154"/>
+            <a:ext cx="465463" cy="446027"/>
           </a:xfrm>
           <a:prstGeom prst="ellipse">
             <a:avLst/>
           </a:prstGeom>
           <a:solidFill>
-            <a:schemeClr val="accent2"/>
+            <a:schemeClr val="accent6">
+              <a:lumMod val="40000"/>
+              <a:lumOff val="60000"/>
+              <a:alpha val="50000"/>
+            </a:schemeClr>
           </a:solidFill>
+          <a:ln>
+            <a:solidFill>
+              <a:schemeClr val="accent1">
+                <a:shade val="15000"/>
+                <a:alpha val="92000"/>
+              </a:schemeClr>
+            </a:solidFill>
+          </a:ln>
         </p:spPr>
         <p:style>
           <a:lnRef idx="2">
@@ -8904,17 +9464,44 @@
           <a:bodyPr rtlCol="0" anchor="ctr"/>
           <a:lstStyle/>
           <a:p>
-            <a:pPr algn="ctr"/>
-            <a:endParaRPr lang="en-CA" sz="1200" dirty="0"/>
-          </a:p>
-        </p:txBody>
-      </p:sp>
-      <p:sp>
-        <p:nvSpPr>
-          <p:cNvPr id="10" name="Oval 9">
-            <a:extLst>
-              <a:ext uri="{FF2B5EF4-FFF2-40B4-BE49-F238E27FC236}">
-                <a16:creationId xmlns:a16="http://schemas.microsoft.com/office/drawing/2014/main" id="{DFCBB72A-06CD-31DA-0874-F1CC80797C85}"/>
+            <a:pPr algn="ctr" defTabSz="521208">
+              <a:spcAft>
+                <a:spcPts val="600"/>
+              </a:spcAft>
+            </a:pPr>
+            <a:r>
+              <a:rPr lang="en-CA" sz="1200" dirty="0">
+                <a:solidFill>
+                  <a:schemeClr val="tx1"/>
+                </a:solidFill>
+              </a:rPr>
+              <a:t>i</a:t>
+            </a:r>
+            <a:r>
+              <a:rPr lang="en-CA" sz="1200" kern="1200" dirty="0">
+                <a:solidFill>
+                  <a:schemeClr val="tx1"/>
+                </a:solidFill>
+                <a:latin typeface="+mn-lt"/>
+                <a:ea typeface="+mn-ea"/>
+                <a:cs typeface="+mn-cs"/>
+              </a:rPr>
+              <a:t>d:1</a:t>
+            </a:r>
+            <a:endParaRPr lang="en-CA" sz="1200" dirty="0">
+              <a:solidFill>
+                <a:schemeClr val="tx1"/>
+              </a:solidFill>
+            </a:endParaRPr>
+          </a:p>
+        </p:txBody>
+      </p:sp>
+      <p:sp>
+        <p:nvSpPr>
+          <p:cNvPr id="47" name="Oval 46">
+            <a:extLst>
+              <a:ext uri="{FF2B5EF4-FFF2-40B4-BE49-F238E27FC236}">
+                <a16:creationId xmlns:a16="http://schemas.microsoft.com/office/drawing/2014/main" id="{2897976E-A03D-81E8-C241-49843C9B18AF}"/>
               </a:ext>
             </a:extLst>
           </p:cNvPr>
@@ -8923,14 +9510,14 @@
         </p:nvSpPr>
         <p:spPr>
           <a:xfrm>
-            <a:off x="10772712" y="5601553"/>
-            <a:ext cx="200089" cy="200089"/>
+            <a:off x="3976707" y="1829541"/>
+            <a:ext cx="500948" cy="500948"/>
           </a:xfrm>
           <a:prstGeom prst="ellipse">
             <a:avLst/>
           </a:prstGeom>
           <a:solidFill>
-            <a:schemeClr val="accent3">
+            <a:schemeClr val="accent4">
               <a:lumMod val="60000"/>
               <a:lumOff val="40000"/>
             </a:schemeClr>
@@ -8956,17 +9543,141 @@
           <a:bodyPr rtlCol="0" anchor="ctr"/>
           <a:lstStyle/>
           <a:p>
-            <a:pPr algn="ctr"/>
-            <a:endParaRPr lang="en-CA" sz="1200" dirty="0"/>
-          </a:p>
-        </p:txBody>
-      </p:sp>
-      <p:sp>
-        <p:nvSpPr>
-          <p:cNvPr id="11" name="Rectangle 10">
-            <a:extLst>
-              <a:ext uri="{FF2B5EF4-FFF2-40B4-BE49-F238E27FC236}">
-                <a16:creationId xmlns:a16="http://schemas.microsoft.com/office/drawing/2014/main" id="{E9A4B9C8-593A-939A-36A1-98BFDF6AB8E9}"/>
+            <a:pPr algn="ctr" defTabSz="521208">
+              <a:spcAft>
+                <a:spcPts val="600"/>
+              </a:spcAft>
+            </a:pPr>
+            <a:r>
+              <a:rPr lang="en-CA" sz="1200" kern="1200" dirty="0">
+                <a:solidFill>
+                  <a:schemeClr val="tx1"/>
+                </a:solidFill>
+                <a:latin typeface="+mn-lt"/>
+                <a:ea typeface="+mn-ea"/>
+                <a:cs typeface="+mn-cs"/>
+              </a:rPr>
+              <a:t>id: 1</a:t>
+            </a:r>
+            <a:endParaRPr lang="en-CA" sz="1200" dirty="0">
+              <a:solidFill>
+                <a:schemeClr val="tx1"/>
+              </a:solidFill>
+            </a:endParaRPr>
+          </a:p>
+        </p:txBody>
+      </p:sp>
+      <p:cxnSp>
+        <p:nvCxnSpPr>
+          <p:cNvPr id="52" name="Connector: Curved 51">
+            <a:extLst>
+              <a:ext uri="{FF2B5EF4-FFF2-40B4-BE49-F238E27FC236}">
+                <a16:creationId xmlns:a16="http://schemas.microsoft.com/office/drawing/2014/main" id="{91160C81-93AE-9D9A-B778-5F88A03B6F91}"/>
+              </a:ext>
+            </a:extLst>
+          </p:cNvPr>
+          <p:cNvCxnSpPr>
+            <a:cxnSpLocks/>
+            <a:stCxn id="16" idx="2"/>
+            <a:endCxn id="16" idx="6"/>
+          </p:cNvCxnSpPr>
+          <p:nvPr/>
+        </p:nvCxnSpPr>
+        <p:spPr>
+          <a:xfrm rot="10800000" flipH="1">
+            <a:off x="443561" y="2929937"/>
+            <a:ext cx="4580501" cy="12700"/>
+          </a:xfrm>
+          <a:prstGeom prst="curvedConnector5">
+            <a:avLst>
+              <a:gd name="adj1" fmla="val 16430"/>
+              <a:gd name="adj2" fmla="val -8189906"/>
+              <a:gd name="adj3" fmla="val 93664"/>
+            </a:avLst>
+          </a:prstGeom>
+          <a:ln w="38100">
+            <a:solidFill>
+              <a:schemeClr val="accent2"/>
+            </a:solidFill>
+            <a:tailEnd type="triangle" w="lg" len="lg"/>
+          </a:ln>
+        </p:spPr>
+        <p:style>
+          <a:lnRef idx="1">
+            <a:schemeClr val="accent1"/>
+          </a:lnRef>
+          <a:fillRef idx="0">
+            <a:schemeClr val="accent1"/>
+          </a:fillRef>
+          <a:effectRef idx="0">
+            <a:schemeClr val="accent1"/>
+          </a:effectRef>
+          <a:fontRef idx="minor">
+            <a:schemeClr val="tx1"/>
+          </a:fontRef>
+        </p:style>
+      </p:cxnSp>
+      <p:sp>
+        <p:nvSpPr>
+          <p:cNvPr id="65" name="TextBox 64">
+            <a:extLst>
+              <a:ext uri="{FF2B5EF4-FFF2-40B4-BE49-F238E27FC236}">
+                <a16:creationId xmlns:a16="http://schemas.microsoft.com/office/drawing/2014/main" id="{9EEE3271-D1C1-A708-436E-416F86DB213C}"/>
+              </a:ext>
+            </a:extLst>
+          </p:cNvPr>
+          <p:cNvSpPr txBox="1"/>
+          <p:nvPr/>
+        </p:nvSpPr>
+        <p:spPr>
+          <a:xfrm>
+            <a:off x="2435949" y="3762910"/>
+            <a:ext cx="1148942" cy="250197"/>
+          </a:xfrm>
+          <a:prstGeom prst="rect">
+            <a:avLst/>
+          </a:prstGeom>
+          <a:solidFill>
+            <a:schemeClr val="bg1"/>
+          </a:solidFill>
+          <a:ln>
+            <a:solidFill>
+              <a:schemeClr val="tx1"/>
+            </a:solidFill>
+          </a:ln>
+        </p:spPr>
+        <p:txBody>
+          <a:bodyPr wrap="square" rtlCol="0">
+            <a:spAutoFit/>
+          </a:bodyPr>
+          <a:lstStyle/>
+          <a:p>
+            <a:pPr algn="ctr" defTabSz="521208">
+              <a:spcAft>
+                <a:spcPts val="600"/>
+              </a:spcAft>
+            </a:pPr>
+            <a:r>
+              <a:rPr lang="en-CA" sz="1026" kern="1200" dirty="0">
+                <a:solidFill>
+                  <a:schemeClr val="tx1"/>
+                </a:solidFill>
+                <a:latin typeface="+mn-lt"/>
+                <a:ea typeface="+mn-ea"/>
+                <a:cs typeface="+mn-cs"/>
+              </a:rPr>
+              <a:t>Update Todo Api</a:t>
+            </a:r>
+            <a:endParaRPr lang="en-CA" dirty="0"/>
+          </a:p>
+        </p:txBody>
+      </p:sp>
+      <p:sp>
+        <p:nvSpPr>
+          <p:cNvPr id="67" name="Oval 66">
+            <a:extLst>
+              <a:ext uri="{FF2B5EF4-FFF2-40B4-BE49-F238E27FC236}">
+                <a16:creationId xmlns:a16="http://schemas.microsoft.com/office/drawing/2014/main" id="{97E0CD5F-D97A-0635-AC5C-3F0C298D4FAF}"/>
               </a:ext>
             </a:extLst>
           </p:cNvPr>
@@ -8975,13 +9686,655 @@
         </p:nvSpPr>
         <p:spPr>
           <a:xfrm>
-            <a:off x="3271321" y="203752"/>
-            <a:ext cx="5162031" cy="805556"/>
+            <a:off x="4080136" y="3458058"/>
+            <a:ext cx="500948" cy="500948"/>
+          </a:xfrm>
+          <a:prstGeom prst="ellipse">
+            <a:avLst/>
+          </a:prstGeom>
+          <a:solidFill>
+            <a:schemeClr val="accent4">
+              <a:lumMod val="60000"/>
+              <a:lumOff val="40000"/>
+            </a:schemeClr>
+          </a:solidFill>
+        </p:spPr>
+        <p:style>
+          <a:lnRef idx="2">
+            <a:schemeClr val="accent1">
+              <a:shade val="15000"/>
+            </a:schemeClr>
+          </a:lnRef>
+          <a:fillRef idx="1">
+            <a:schemeClr val="accent1"/>
+          </a:fillRef>
+          <a:effectRef idx="0">
+            <a:schemeClr val="accent1"/>
+          </a:effectRef>
+          <a:fontRef idx="minor">
+            <a:schemeClr val="lt1"/>
+          </a:fontRef>
+        </p:style>
+        <p:txBody>
+          <a:bodyPr rtlCol="0" anchor="ctr"/>
+          <a:lstStyle/>
+          <a:p>
+            <a:pPr algn="ctr" defTabSz="521208">
+              <a:spcAft>
+                <a:spcPts val="600"/>
+              </a:spcAft>
+            </a:pPr>
+            <a:r>
+              <a:rPr lang="en-CA" sz="1200" kern="1200" dirty="0">
+                <a:solidFill>
+                  <a:schemeClr val="tx1"/>
+                </a:solidFill>
+                <a:latin typeface="+mn-lt"/>
+                <a:ea typeface="+mn-ea"/>
+                <a:cs typeface="+mn-cs"/>
+              </a:rPr>
+              <a:t>id: 2</a:t>
+            </a:r>
+            <a:endParaRPr lang="en-CA" sz="1200" dirty="0">
+              <a:solidFill>
+                <a:schemeClr val="tx1"/>
+              </a:solidFill>
+            </a:endParaRPr>
+          </a:p>
+        </p:txBody>
+      </p:sp>
+      <p:sp>
+        <p:nvSpPr>
+          <p:cNvPr id="68" name="Oval 67">
+            <a:extLst>
+              <a:ext uri="{FF2B5EF4-FFF2-40B4-BE49-F238E27FC236}">
+                <a16:creationId xmlns:a16="http://schemas.microsoft.com/office/drawing/2014/main" id="{C195BD5A-665D-E72E-DD61-4AFEF5F58FC1}"/>
+              </a:ext>
+            </a:extLst>
+          </p:cNvPr>
+          <p:cNvSpPr/>
+          <p:nvPr/>
+        </p:nvSpPr>
+        <p:spPr>
+          <a:xfrm>
+            <a:off x="1511940" y="3579084"/>
+            <a:ext cx="465463" cy="446027"/>
+          </a:xfrm>
+          <a:prstGeom prst="ellipse">
+            <a:avLst/>
+          </a:prstGeom>
+          <a:solidFill>
+            <a:schemeClr val="accent6">
+              <a:lumMod val="40000"/>
+              <a:lumOff val="60000"/>
+              <a:alpha val="50000"/>
+            </a:schemeClr>
+          </a:solidFill>
+          <a:ln>
+            <a:solidFill>
+              <a:schemeClr val="accent1">
+                <a:shade val="15000"/>
+                <a:alpha val="92000"/>
+              </a:schemeClr>
+            </a:solidFill>
+          </a:ln>
+        </p:spPr>
+        <p:style>
+          <a:lnRef idx="2">
+            <a:schemeClr val="accent1">
+              <a:shade val="15000"/>
+            </a:schemeClr>
+          </a:lnRef>
+          <a:fillRef idx="1">
+            <a:schemeClr val="accent1"/>
+          </a:fillRef>
+          <a:effectRef idx="0">
+            <a:schemeClr val="accent1"/>
+          </a:effectRef>
+          <a:fontRef idx="minor">
+            <a:schemeClr val="lt1"/>
+          </a:fontRef>
+        </p:style>
+        <p:txBody>
+          <a:bodyPr rtlCol="0" anchor="ctr"/>
+          <a:lstStyle/>
+          <a:p>
+            <a:pPr algn="ctr" defTabSz="521208">
+              <a:spcAft>
+                <a:spcPts val="600"/>
+              </a:spcAft>
+            </a:pPr>
+            <a:r>
+              <a:rPr lang="en-CA" sz="1200" dirty="0">
+                <a:solidFill>
+                  <a:schemeClr val="tx1"/>
+                </a:solidFill>
+              </a:rPr>
+              <a:t>i</a:t>
+            </a:r>
+            <a:r>
+              <a:rPr lang="en-CA" sz="1200" kern="1200" dirty="0">
+                <a:solidFill>
+                  <a:schemeClr val="tx1"/>
+                </a:solidFill>
+                <a:latin typeface="+mn-lt"/>
+                <a:ea typeface="+mn-ea"/>
+                <a:cs typeface="+mn-cs"/>
+              </a:rPr>
+              <a:t>d:2</a:t>
+            </a:r>
+            <a:endParaRPr lang="en-CA" sz="1200" dirty="0">
+              <a:solidFill>
+                <a:schemeClr val="tx1"/>
+              </a:solidFill>
+            </a:endParaRPr>
+          </a:p>
+        </p:txBody>
+      </p:sp>
+      <p:pic>
+        <p:nvPicPr>
+          <p:cNvPr id="70" name="Picture 69" descr="A screenshot of a computer&#10;&#10;Description automatically generated">
+            <a:extLst>
+              <a:ext uri="{FF2B5EF4-FFF2-40B4-BE49-F238E27FC236}">
+                <a16:creationId xmlns:a16="http://schemas.microsoft.com/office/drawing/2014/main" id="{67CB755D-69BE-7F18-3079-2E0EA0B3BA0D}"/>
+              </a:ext>
+            </a:extLst>
+          </p:cNvPr>
+          <p:cNvPicPr>
+            <a:picLocks noChangeAspect="1"/>
+          </p:cNvPicPr>
+          <p:nvPr/>
+        </p:nvPicPr>
+        <p:blipFill>
+          <a:blip r:embed="rId2">
+            <a:extLst>
+              <a:ext uri="{28A0092B-C50C-407E-A947-70E740481C1C}">
+                <a14:useLocalDpi xmlns:a14="http://schemas.microsoft.com/office/drawing/2010/main" val="0"/>
+              </a:ext>
+            </a:extLst>
+          </a:blip>
+          <a:stretch>
+            <a:fillRect/>
+          </a:stretch>
+        </p:blipFill>
+        <p:spPr>
+          <a:xfrm>
+            <a:off x="8927526" y="1842479"/>
+            <a:ext cx="3429000" cy="2209800"/>
           </a:xfrm>
           <a:prstGeom prst="rect">
             <a:avLst/>
           </a:prstGeom>
-          <a:noFill/>
+          <a:ln>
+            <a:solidFill>
+              <a:schemeClr val="tx1"/>
+            </a:solidFill>
+          </a:ln>
+        </p:spPr>
+      </p:pic>
+      <p:sp>
+        <p:nvSpPr>
+          <p:cNvPr id="72" name="Oval 71">
+            <a:extLst>
+              <a:ext uri="{FF2B5EF4-FFF2-40B4-BE49-F238E27FC236}">
+                <a16:creationId xmlns:a16="http://schemas.microsoft.com/office/drawing/2014/main" id="{A96F13DE-B413-A818-9131-E1770225036C}"/>
+              </a:ext>
+            </a:extLst>
+          </p:cNvPr>
+          <p:cNvSpPr/>
+          <p:nvPr/>
+        </p:nvSpPr>
+        <p:spPr>
+          <a:xfrm>
+            <a:off x="4244923" y="2703885"/>
+            <a:ext cx="465463" cy="446027"/>
+          </a:xfrm>
+          <a:prstGeom prst="ellipse">
+            <a:avLst/>
+          </a:prstGeom>
+          <a:solidFill>
+            <a:schemeClr val="accent6">
+              <a:lumMod val="40000"/>
+              <a:lumOff val="60000"/>
+            </a:schemeClr>
+          </a:solidFill>
+          <a:ln>
+            <a:solidFill>
+              <a:schemeClr val="accent1">
+                <a:shade val="15000"/>
+                <a:alpha val="92000"/>
+              </a:schemeClr>
+            </a:solidFill>
+          </a:ln>
+        </p:spPr>
+        <p:style>
+          <a:lnRef idx="2">
+            <a:schemeClr val="accent1">
+              <a:shade val="15000"/>
+            </a:schemeClr>
+          </a:lnRef>
+          <a:fillRef idx="1">
+            <a:schemeClr val="accent1"/>
+          </a:fillRef>
+          <a:effectRef idx="0">
+            <a:schemeClr val="accent1"/>
+          </a:effectRef>
+          <a:fontRef idx="minor">
+            <a:schemeClr val="lt1"/>
+          </a:fontRef>
+        </p:style>
+        <p:txBody>
+          <a:bodyPr rtlCol="0" anchor="ctr"/>
+          <a:lstStyle/>
+          <a:p>
+            <a:pPr algn="ctr" defTabSz="521208">
+              <a:spcAft>
+                <a:spcPts val="600"/>
+              </a:spcAft>
+            </a:pPr>
+            <a:r>
+              <a:rPr lang="en-CA" sz="1200" dirty="0">
+                <a:solidFill>
+                  <a:schemeClr val="tx1"/>
+                </a:solidFill>
+              </a:rPr>
+              <a:t>i</a:t>
+            </a:r>
+            <a:r>
+              <a:rPr lang="en-CA" sz="1200" kern="1200" dirty="0">
+                <a:solidFill>
+                  <a:schemeClr val="tx1"/>
+                </a:solidFill>
+                <a:latin typeface="+mn-lt"/>
+                <a:ea typeface="+mn-ea"/>
+                <a:cs typeface="+mn-cs"/>
+              </a:rPr>
+              <a:t>d:1</a:t>
+            </a:r>
+            <a:endParaRPr lang="en-CA" sz="1200" dirty="0">
+              <a:solidFill>
+                <a:schemeClr val="tx1"/>
+              </a:solidFill>
+            </a:endParaRPr>
+          </a:p>
+        </p:txBody>
+      </p:sp>
+      <p:sp>
+        <p:nvSpPr>
+          <p:cNvPr id="76" name="Oval 75">
+            <a:extLst>
+              <a:ext uri="{FF2B5EF4-FFF2-40B4-BE49-F238E27FC236}">
+                <a16:creationId xmlns:a16="http://schemas.microsoft.com/office/drawing/2014/main" id="{EAE37393-9373-D486-3C7C-B51852809B79}"/>
+              </a:ext>
+            </a:extLst>
+          </p:cNvPr>
+          <p:cNvSpPr/>
+          <p:nvPr/>
+        </p:nvSpPr>
+        <p:spPr>
+          <a:xfrm>
+            <a:off x="3909774" y="2703884"/>
+            <a:ext cx="465463" cy="446027"/>
+          </a:xfrm>
+          <a:prstGeom prst="ellipse">
+            <a:avLst/>
+          </a:prstGeom>
+          <a:solidFill>
+            <a:schemeClr val="accent6">
+              <a:lumMod val="40000"/>
+              <a:lumOff val="60000"/>
+            </a:schemeClr>
+          </a:solidFill>
+          <a:ln>
+            <a:solidFill>
+              <a:schemeClr val="accent1">
+                <a:shade val="15000"/>
+                <a:alpha val="92000"/>
+              </a:schemeClr>
+            </a:solidFill>
+          </a:ln>
+        </p:spPr>
+        <p:style>
+          <a:lnRef idx="2">
+            <a:schemeClr val="accent1">
+              <a:shade val="15000"/>
+            </a:schemeClr>
+          </a:lnRef>
+          <a:fillRef idx="1">
+            <a:schemeClr val="accent1"/>
+          </a:fillRef>
+          <a:effectRef idx="0">
+            <a:schemeClr val="accent1"/>
+          </a:effectRef>
+          <a:fontRef idx="minor">
+            <a:schemeClr val="lt1"/>
+          </a:fontRef>
+        </p:style>
+        <p:txBody>
+          <a:bodyPr rtlCol="0" anchor="ctr"/>
+          <a:lstStyle/>
+          <a:p>
+            <a:pPr algn="ctr" defTabSz="521208">
+              <a:spcAft>
+                <a:spcPts val="600"/>
+              </a:spcAft>
+            </a:pPr>
+            <a:r>
+              <a:rPr lang="en-CA" sz="1200" dirty="0">
+                <a:solidFill>
+                  <a:schemeClr val="tx1"/>
+                </a:solidFill>
+              </a:rPr>
+              <a:t>i</a:t>
+            </a:r>
+            <a:r>
+              <a:rPr lang="en-CA" sz="1200" kern="1200" dirty="0">
+                <a:solidFill>
+                  <a:schemeClr val="tx1"/>
+                </a:solidFill>
+                <a:latin typeface="+mn-lt"/>
+                <a:ea typeface="+mn-ea"/>
+                <a:cs typeface="+mn-cs"/>
+              </a:rPr>
+              <a:t>d:2</a:t>
+            </a:r>
+            <a:endParaRPr lang="en-CA" sz="1200" dirty="0">
+              <a:solidFill>
+                <a:schemeClr val="tx1"/>
+              </a:solidFill>
+            </a:endParaRPr>
+          </a:p>
+        </p:txBody>
+      </p:sp>
+      <p:cxnSp>
+        <p:nvCxnSpPr>
+          <p:cNvPr id="77" name="Connector: Elbow 9">
+            <a:extLst>
+              <a:ext uri="{FF2B5EF4-FFF2-40B4-BE49-F238E27FC236}">
+                <a16:creationId xmlns:a16="http://schemas.microsoft.com/office/drawing/2014/main" id="{885BF932-7479-63CE-ADFC-63C74BD4B7E3}"/>
+              </a:ext>
+            </a:extLst>
+          </p:cNvPr>
+          <p:cNvCxnSpPr>
+            <a:cxnSpLocks/>
+            <a:endCxn id="16" idx="2"/>
+          </p:cNvCxnSpPr>
+          <p:nvPr/>
+        </p:nvCxnSpPr>
+        <p:spPr>
+          <a:xfrm rot="10800000">
+            <a:off x="443562" y="2929937"/>
+            <a:ext cx="9393944" cy="2684040"/>
+          </a:xfrm>
+          <a:prstGeom prst="bentConnector3">
+            <a:avLst>
+              <a:gd name="adj1" fmla="val 102433"/>
+            </a:avLst>
+          </a:prstGeom>
+          <a:ln w="38100">
+            <a:solidFill>
+              <a:schemeClr val="accent1"/>
+            </a:solidFill>
+            <a:tailEnd type="triangle"/>
+          </a:ln>
+        </p:spPr>
+        <p:style>
+          <a:lnRef idx="1">
+            <a:schemeClr val="accent1"/>
+          </a:lnRef>
+          <a:fillRef idx="0">
+            <a:schemeClr val="accent1"/>
+          </a:fillRef>
+          <a:effectRef idx="0">
+            <a:schemeClr val="accent1"/>
+          </a:effectRef>
+          <a:fontRef idx="minor">
+            <a:schemeClr val="tx1"/>
+          </a:fontRef>
+        </p:style>
+      </p:cxnSp>
+      <p:sp>
+        <p:nvSpPr>
+          <p:cNvPr id="82" name="Oval 81">
+            <a:extLst>
+              <a:ext uri="{FF2B5EF4-FFF2-40B4-BE49-F238E27FC236}">
+                <a16:creationId xmlns:a16="http://schemas.microsoft.com/office/drawing/2014/main" id="{4BC4E3A3-C83A-EF4B-B080-962FFD0D6DA6}"/>
+              </a:ext>
+            </a:extLst>
+          </p:cNvPr>
+          <p:cNvSpPr/>
+          <p:nvPr/>
+        </p:nvSpPr>
+        <p:spPr>
+          <a:xfrm>
+            <a:off x="1637025" y="5333062"/>
+            <a:ext cx="465463" cy="446027"/>
+          </a:xfrm>
+          <a:prstGeom prst="ellipse">
+            <a:avLst/>
+          </a:prstGeom>
+          <a:solidFill>
+            <a:schemeClr val="accent6">
+              <a:lumMod val="40000"/>
+              <a:lumOff val="60000"/>
+            </a:schemeClr>
+          </a:solidFill>
+          <a:ln>
+            <a:solidFill>
+              <a:schemeClr val="accent1">
+                <a:shade val="15000"/>
+                <a:alpha val="92000"/>
+              </a:schemeClr>
+            </a:solidFill>
+          </a:ln>
+        </p:spPr>
+        <p:style>
+          <a:lnRef idx="2">
+            <a:schemeClr val="accent1">
+              <a:shade val="15000"/>
+            </a:schemeClr>
+          </a:lnRef>
+          <a:fillRef idx="1">
+            <a:schemeClr val="accent1"/>
+          </a:fillRef>
+          <a:effectRef idx="0">
+            <a:schemeClr val="accent1"/>
+          </a:effectRef>
+          <a:fontRef idx="minor">
+            <a:schemeClr val="lt1"/>
+          </a:fontRef>
+        </p:style>
+        <p:txBody>
+          <a:bodyPr rtlCol="0" anchor="ctr"/>
+          <a:lstStyle/>
+          <a:p>
+            <a:pPr algn="ctr" defTabSz="521208">
+              <a:spcAft>
+                <a:spcPts val="600"/>
+              </a:spcAft>
+            </a:pPr>
+            <a:r>
+              <a:rPr lang="en-CA" sz="1200" dirty="0">
+                <a:solidFill>
+                  <a:schemeClr val="tx1"/>
+                </a:solidFill>
+              </a:rPr>
+              <a:t>i</a:t>
+            </a:r>
+            <a:r>
+              <a:rPr lang="en-CA" sz="1200" kern="1200" dirty="0">
+                <a:solidFill>
+                  <a:schemeClr val="tx1"/>
+                </a:solidFill>
+                <a:latin typeface="+mn-lt"/>
+                <a:ea typeface="+mn-ea"/>
+                <a:cs typeface="+mn-cs"/>
+              </a:rPr>
+              <a:t>d:2</a:t>
+            </a:r>
+            <a:endParaRPr lang="en-CA" sz="1200" dirty="0">
+              <a:solidFill>
+                <a:schemeClr val="tx1"/>
+              </a:solidFill>
+            </a:endParaRPr>
+          </a:p>
+        </p:txBody>
+      </p:sp>
+      <p:cxnSp>
+        <p:nvCxnSpPr>
+          <p:cNvPr id="83" name="Straight Arrow Connector 82">
+            <a:extLst>
+              <a:ext uri="{FF2B5EF4-FFF2-40B4-BE49-F238E27FC236}">
+                <a16:creationId xmlns:a16="http://schemas.microsoft.com/office/drawing/2014/main" id="{CE035A0A-AD67-173A-7E77-E2853D331F53}"/>
+              </a:ext>
+            </a:extLst>
+          </p:cNvPr>
+          <p:cNvCxnSpPr>
+            <a:cxnSpLocks/>
+            <a:stCxn id="14" idx="3"/>
+            <a:endCxn id="70" idx="1"/>
+          </p:cNvCxnSpPr>
+          <p:nvPr/>
+        </p:nvCxnSpPr>
+        <p:spPr>
+          <a:xfrm>
+            <a:off x="7677722" y="2947379"/>
+            <a:ext cx="1249804" cy="12700"/>
+          </a:xfrm>
+          <a:prstGeom prst="bentConnector3">
+            <a:avLst>
+              <a:gd name="adj1" fmla="val 50000"/>
+            </a:avLst>
+          </a:prstGeom>
+          <a:ln w="38100">
+            <a:solidFill>
+              <a:srgbClr val="C00000"/>
+            </a:solidFill>
+            <a:tailEnd type="triangle"/>
+          </a:ln>
+        </p:spPr>
+        <p:style>
+          <a:lnRef idx="1">
+            <a:schemeClr val="accent1"/>
+          </a:lnRef>
+          <a:fillRef idx="0">
+            <a:schemeClr val="accent1"/>
+          </a:fillRef>
+          <a:effectRef idx="0">
+            <a:schemeClr val="accent1"/>
+          </a:effectRef>
+          <a:fontRef idx="minor">
+            <a:schemeClr val="tx1"/>
+          </a:fontRef>
+        </p:style>
+      </p:cxnSp>
+      <p:sp>
+        <p:nvSpPr>
+          <p:cNvPr id="95" name="Oval 94">
+            <a:extLst>
+              <a:ext uri="{FF2B5EF4-FFF2-40B4-BE49-F238E27FC236}">
+                <a16:creationId xmlns:a16="http://schemas.microsoft.com/office/drawing/2014/main" id="{E2771188-1118-2180-F7B5-E48EBF3D3709}"/>
+              </a:ext>
+            </a:extLst>
+          </p:cNvPr>
+          <p:cNvSpPr/>
+          <p:nvPr/>
+        </p:nvSpPr>
+        <p:spPr>
+          <a:xfrm>
+            <a:off x="4244923" y="5360700"/>
+            <a:ext cx="465463" cy="446027"/>
+          </a:xfrm>
+          <a:prstGeom prst="ellipse">
+            <a:avLst/>
+          </a:prstGeom>
+          <a:solidFill>
+            <a:schemeClr val="accent6">
+              <a:lumMod val="40000"/>
+              <a:lumOff val="60000"/>
+            </a:schemeClr>
+          </a:solidFill>
+          <a:ln>
+            <a:solidFill>
+              <a:schemeClr val="accent1">
+                <a:shade val="15000"/>
+                <a:alpha val="92000"/>
+              </a:schemeClr>
+            </a:solidFill>
+          </a:ln>
+        </p:spPr>
+        <p:style>
+          <a:lnRef idx="2">
+            <a:schemeClr val="accent1">
+              <a:shade val="15000"/>
+            </a:schemeClr>
+          </a:lnRef>
+          <a:fillRef idx="1">
+            <a:schemeClr val="accent1"/>
+          </a:fillRef>
+          <a:effectRef idx="0">
+            <a:schemeClr val="accent1"/>
+          </a:effectRef>
+          <a:fontRef idx="minor">
+            <a:schemeClr val="lt1"/>
+          </a:fontRef>
+        </p:style>
+        <p:txBody>
+          <a:bodyPr rtlCol="0" anchor="ctr"/>
+          <a:lstStyle/>
+          <a:p>
+            <a:pPr algn="ctr" defTabSz="521208">
+              <a:spcAft>
+                <a:spcPts val="600"/>
+              </a:spcAft>
+            </a:pPr>
+            <a:r>
+              <a:rPr lang="en-CA" sz="1200" dirty="0">
+                <a:solidFill>
+                  <a:schemeClr val="tx1"/>
+                </a:solidFill>
+              </a:rPr>
+              <a:t>id</a:t>
+            </a:r>
+            <a:r>
+              <a:rPr lang="en-CA" sz="1200" kern="1200" dirty="0">
+                <a:solidFill>
+                  <a:schemeClr val="tx1"/>
+                </a:solidFill>
+                <a:latin typeface="+mn-lt"/>
+                <a:ea typeface="+mn-ea"/>
+                <a:cs typeface="+mn-cs"/>
+              </a:rPr>
+              <a:t>:1</a:t>
+            </a:r>
+            <a:endParaRPr lang="en-CA" sz="1200" dirty="0">
+              <a:solidFill>
+                <a:schemeClr val="tx1"/>
+              </a:solidFill>
+            </a:endParaRPr>
+          </a:p>
+        </p:txBody>
+      </p:sp>
+      <p:sp>
+        <p:nvSpPr>
+          <p:cNvPr id="100" name="Arrow: Right 99">
+            <a:extLst>
+              <a:ext uri="{FF2B5EF4-FFF2-40B4-BE49-F238E27FC236}">
+                <a16:creationId xmlns:a16="http://schemas.microsoft.com/office/drawing/2014/main" id="{3C477DD5-D88B-5419-6203-865E33A9F512}"/>
+              </a:ext>
+            </a:extLst>
+          </p:cNvPr>
+          <p:cNvSpPr/>
+          <p:nvPr/>
+        </p:nvSpPr>
+        <p:spPr>
+          <a:xfrm rot="10800000">
+            <a:off x="3058118" y="5519042"/>
+            <a:ext cx="357808" cy="214282"/>
+          </a:xfrm>
+          <a:prstGeom prst="rightArrow">
+            <a:avLst/>
+          </a:prstGeom>
           <a:ln>
             <a:noFill/>
           </a:ln>
@@ -9013,10 +10366,108 @@
       </p:sp>
       <p:sp>
         <p:nvSpPr>
-          <p:cNvPr id="12" name="TextBox 11">
-            <a:extLst>
-              <a:ext uri="{FF2B5EF4-FFF2-40B4-BE49-F238E27FC236}">
-                <a16:creationId xmlns:a16="http://schemas.microsoft.com/office/drawing/2014/main" id="{CB738077-26B8-619E-BCCD-0F6F63CDC0A0}"/>
+          <p:cNvPr id="101" name="Arrow: Right 100">
+            <a:extLst>
+              <a:ext uri="{FF2B5EF4-FFF2-40B4-BE49-F238E27FC236}">
+                <a16:creationId xmlns:a16="http://schemas.microsoft.com/office/drawing/2014/main" id="{DF011D5F-F055-89FA-7968-C846EDC14FC8}"/>
+              </a:ext>
+            </a:extLst>
+          </p:cNvPr>
+          <p:cNvSpPr/>
+          <p:nvPr/>
+        </p:nvSpPr>
+        <p:spPr>
+          <a:xfrm>
+            <a:off x="1565767" y="2819756"/>
+            <a:ext cx="357808" cy="214282"/>
+          </a:xfrm>
+          <a:prstGeom prst="rightArrow">
+            <a:avLst/>
+          </a:prstGeom>
+          <a:ln>
+            <a:noFill/>
+          </a:ln>
+        </p:spPr>
+        <p:style>
+          <a:lnRef idx="2">
+            <a:schemeClr val="accent1">
+              <a:shade val="15000"/>
+            </a:schemeClr>
+          </a:lnRef>
+          <a:fillRef idx="1">
+            <a:schemeClr val="accent1"/>
+          </a:fillRef>
+          <a:effectRef idx="0">
+            <a:schemeClr val="accent1"/>
+          </a:effectRef>
+          <a:fontRef idx="minor">
+            <a:schemeClr val="lt1"/>
+          </a:fontRef>
+        </p:style>
+        <p:txBody>
+          <a:bodyPr rtlCol="0" anchor="ctr"/>
+          <a:lstStyle/>
+          <a:p>
+            <a:pPr algn="ctr"/>
+            <a:endParaRPr lang="en-CA"/>
+          </a:p>
+        </p:txBody>
+      </p:sp>
+      <p:sp>
+        <p:nvSpPr>
+          <p:cNvPr id="103" name="Arrow: Right 102">
+            <a:extLst>
+              <a:ext uri="{FF2B5EF4-FFF2-40B4-BE49-F238E27FC236}">
+                <a16:creationId xmlns:a16="http://schemas.microsoft.com/office/drawing/2014/main" id="{380B67C3-AAB2-6FE4-83CB-A7F985B9DA5C}"/>
+              </a:ext>
+            </a:extLst>
+          </p:cNvPr>
+          <p:cNvSpPr/>
+          <p:nvPr/>
+        </p:nvSpPr>
+        <p:spPr>
+          <a:xfrm rot="10800000">
+            <a:off x="6852821" y="5519042"/>
+            <a:ext cx="357808" cy="214282"/>
+          </a:xfrm>
+          <a:prstGeom prst="rightArrow">
+            <a:avLst/>
+          </a:prstGeom>
+          <a:ln>
+            <a:noFill/>
+          </a:ln>
+        </p:spPr>
+        <p:style>
+          <a:lnRef idx="2">
+            <a:schemeClr val="accent1">
+              <a:shade val="15000"/>
+            </a:schemeClr>
+          </a:lnRef>
+          <a:fillRef idx="1">
+            <a:schemeClr val="accent1"/>
+          </a:fillRef>
+          <a:effectRef idx="0">
+            <a:schemeClr val="accent1"/>
+          </a:effectRef>
+          <a:fontRef idx="minor">
+            <a:schemeClr val="lt1"/>
+          </a:fontRef>
+        </p:style>
+        <p:txBody>
+          <a:bodyPr rtlCol="0" anchor="ctr"/>
+          <a:lstStyle/>
+          <a:p>
+            <a:pPr algn="ctr"/>
+            <a:endParaRPr lang="en-CA"/>
+          </a:p>
+        </p:txBody>
+      </p:sp>
+      <p:sp>
+        <p:nvSpPr>
+          <p:cNvPr id="105" name="TextBox 104">
+            <a:extLst>
+              <a:ext uri="{FF2B5EF4-FFF2-40B4-BE49-F238E27FC236}">
+                <a16:creationId xmlns:a16="http://schemas.microsoft.com/office/drawing/2014/main" id="{62203FED-86D6-84F3-9E4E-FA2E7E39C60B}"/>
               </a:ext>
             </a:extLst>
           </p:cNvPr>
@@ -9025,13 +10476,22 @@
         </p:nvSpPr>
         <p:spPr>
           <a:xfrm>
-            <a:off x="1982997" y="263257"/>
-            <a:ext cx="7091260" cy="523220"/>
+            <a:off x="-3452054" y="2419349"/>
+            <a:ext cx="3267532" cy="1661993"/>
           </a:xfrm>
           <a:prstGeom prst="rect">
             <a:avLst/>
           </a:prstGeom>
-          <a:noFill/>
+          <a:solidFill>
+            <a:schemeClr val="bg1"/>
+          </a:solidFill>
+          <a:ln>
+            <a:solidFill>
+              <a:schemeClr val="accent1">
+                <a:shade val="15000"/>
+              </a:schemeClr>
+            </a:solidFill>
+          </a:ln>
         </p:spPr>
         <p:txBody>
           <a:bodyPr wrap="square" rtlCol="0">
@@ -9039,9 +10499,505 @@
           </a:bodyPr>
           <a:lstStyle/>
           <a:p>
-            <a:r>
-              <a:rPr lang="en-CA" sz="2800" dirty="0"/>
-              <a:t>Scoped Effects Example – Todo Status Updates</a:t>
+            <a:pPr algn="ctr"/>
+            <a:r>
+              <a:rPr lang="en-CA" b="1" dirty="0"/>
+              <a:t>Actions</a:t>
+            </a:r>
+          </a:p>
+          <a:p>
+            <a:pPr marL="285750" indent="-285750">
+              <a:buFont typeface="Arial" panose="020B0604020202020204" pitchFamily="34" charset="0"/>
+              <a:buChar char="•"/>
+            </a:pPr>
+            <a:r>
+              <a:rPr lang="en-CA" sz="1400" dirty="0"/>
+              <a:t>Send Todo Status Update</a:t>
+            </a:r>
+          </a:p>
+          <a:p>
+            <a:pPr marL="742950" lvl="1" indent="-285750">
+              <a:buFont typeface="Arial" panose="020B0604020202020204" pitchFamily="34" charset="0"/>
+              <a:buChar char="•"/>
+            </a:pPr>
+            <a:r>
+              <a:rPr lang="en-CA" sz="1400" dirty="0"/>
+              <a:t>Change Todo `updating` to true</a:t>
+            </a:r>
+          </a:p>
+          <a:p>
+            <a:pPr marL="1200150" lvl="2" indent="-285750">
+              <a:buFont typeface="Arial" panose="020B0604020202020204" pitchFamily="34" charset="0"/>
+              <a:buChar char="•"/>
+            </a:pPr>
+            <a:endParaRPr lang="en-CA" sz="1400" dirty="0"/>
+          </a:p>
+          <a:p>
+            <a:pPr marL="285750" indent="-285750">
+              <a:buFont typeface="Arial" panose="020B0604020202020204" pitchFamily="34" charset="0"/>
+              <a:buChar char="•"/>
+            </a:pPr>
+            <a:r>
+              <a:rPr lang="en-CA" sz="1400" dirty="0"/>
+              <a:t>Todo Status Update Success</a:t>
+            </a:r>
+          </a:p>
+          <a:p>
+            <a:pPr marL="742950" lvl="1" indent="-285750">
+              <a:buFont typeface="Arial" panose="020B0604020202020204" pitchFamily="34" charset="0"/>
+              <a:buChar char="•"/>
+            </a:pPr>
+            <a:r>
+              <a:rPr lang="en-CA" sz="1400" dirty="0"/>
+              <a:t>Update Todo `status` and change `updating` to false.</a:t>
+            </a:r>
+          </a:p>
+        </p:txBody>
+      </p:sp>
+      <p:sp>
+        <p:nvSpPr>
+          <p:cNvPr id="106" name="Oval 105">
+            <a:extLst>
+              <a:ext uri="{FF2B5EF4-FFF2-40B4-BE49-F238E27FC236}">
+                <a16:creationId xmlns:a16="http://schemas.microsoft.com/office/drawing/2014/main" id="{268A1858-8300-BA30-825A-CE4D869C1E07}"/>
+              </a:ext>
+            </a:extLst>
+          </p:cNvPr>
+          <p:cNvSpPr/>
+          <p:nvPr/>
+        </p:nvSpPr>
+        <p:spPr>
+          <a:xfrm flipH="1" flipV="1">
+            <a:off x="-3351916" y="2763803"/>
+            <a:ext cx="173908" cy="173908"/>
+          </a:xfrm>
+          <a:prstGeom prst="ellipse">
+            <a:avLst/>
+          </a:prstGeom>
+          <a:solidFill>
+            <a:schemeClr val="accent6">
+              <a:lumMod val="60000"/>
+              <a:lumOff val="40000"/>
+            </a:schemeClr>
+          </a:solidFill>
+        </p:spPr>
+        <p:style>
+          <a:lnRef idx="2">
+            <a:schemeClr val="accent1">
+              <a:shade val="15000"/>
+            </a:schemeClr>
+          </a:lnRef>
+          <a:fillRef idx="1">
+            <a:schemeClr val="accent1"/>
+          </a:fillRef>
+          <a:effectRef idx="0">
+            <a:schemeClr val="accent1"/>
+          </a:effectRef>
+          <a:fontRef idx="minor">
+            <a:schemeClr val="lt1"/>
+          </a:fontRef>
+        </p:style>
+        <p:txBody>
+          <a:bodyPr rtlCol="0" anchor="ctr"/>
+          <a:lstStyle/>
+          <a:p>
+            <a:pPr algn="ctr"/>
+            <a:endParaRPr lang="en-CA"/>
+          </a:p>
+        </p:txBody>
+      </p:sp>
+      <p:sp>
+        <p:nvSpPr>
+          <p:cNvPr id="107" name="Oval 106">
+            <a:extLst>
+              <a:ext uri="{FF2B5EF4-FFF2-40B4-BE49-F238E27FC236}">
+                <a16:creationId xmlns:a16="http://schemas.microsoft.com/office/drawing/2014/main" id="{A47F9BBC-23B8-EFDD-745E-5A2FE0C3BB88}"/>
+              </a:ext>
+            </a:extLst>
+          </p:cNvPr>
+          <p:cNvSpPr/>
+          <p:nvPr/>
+        </p:nvSpPr>
+        <p:spPr>
+          <a:xfrm flipH="1" flipV="1">
+            <a:off x="-3351916" y="3422572"/>
+            <a:ext cx="173908" cy="173908"/>
+          </a:xfrm>
+          <a:prstGeom prst="ellipse">
+            <a:avLst/>
+          </a:prstGeom>
+          <a:solidFill>
+            <a:schemeClr val="accent4">
+              <a:lumMod val="60000"/>
+              <a:lumOff val="40000"/>
+            </a:schemeClr>
+          </a:solidFill>
+        </p:spPr>
+        <p:style>
+          <a:lnRef idx="2">
+            <a:schemeClr val="accent1">
+              <a:shade val="15000"/>
+            </a:schemeClr>
+          </a:lnRef>
+          <a:fillRef idx="1">
+            <a:schemeClr val="accent1"/>
+          </a:fillRef>
+          <a:effectRef idx="0">
+            <a:schemeClr val="accent1"/>
+          </a:effectRef>
+          <a:fontRef idx="minor">
+            <a:schemeClr val="lt1"/>
+          </a:fontRef>
+        </p:style>
+        <p:txBody>
+          <a:bodyPr rtlCol="0" anchor="ctr"/>
+          <a:lstStyle/>
+          <a:p>
+            <a:pPr algn="ctr"/>
+            <a:endParaRPr lang="en-CA"/>
+          </a:p>
+        </p:txBody>
+      </p:sp>
+      <p:sp>
+        <p:nvSpPr>
+          <p:cNvPr id="108" name="TextBox 107">
+            <a:extLst>
+              <a:ext uri="{FF2B5EF4-FFF2-40B4-BE49-F238E27FC236}">
+                <a16:creationId xmlns:a16="http://schemas.microsoft.com/office/drawing/2014/main" id="{CBD4289E-65D0-B57E-A7EA-6360534C1EB8}"/>
+              </a:ext>
+            </a:extLst>
+          </p:cNvPr>
+          <p:cNvSpPr txBox="1"/>
+          <p:nvPr/>
+        </p:nvSpPr>
+        <p:spPr>
+          <a:xfrm>
+            <a:off x="3976707" y="574723"/>
+            <a:ext cx="2610385" cy="461665"/>
+          </a:xfrm>
+          <a:prstGeom prst="rect">
+            <a:avLst/>
+          </a:prstGeom>
+          <a:noFill/>
+        </p:spPr>
+        <p:txBody>
+          <a:bodyPr wrap="square" rtlCol="0">
+            <a:spAutoFit/>
+          </a:bodyPr>
+          <a:lstStyle/>
+          <a:p>
+            <a:r>
+              <a:rPr lang="en-CA" sz="2400" b="1" dirty="0"/>
+              <a:t>RxTodoUpdates</a:t>
+            </a:r>
+            <a:r>
+              <a:rPr lang="en-CA" sz="2400" dirty="0"/>
+              <a:t> </a:t>
+            </a:r>
+          </a:p>
+        </p:txBody>
+      </p:sp>
+      <p:cxnSp>
+        <p:nvCxnSpPr>
+          <p:cNvPr id="3" name="Straight Arrow Connector 2">
+            <a:extLst>
+              <a:ext uri="{FF2B5EF4-FFF2-40B4-BE49-F238E27FC236}">
+                <a16:creationId xmlns:a16="http://schemas.microsoft.com/office/drawing/2014/main" id="{6F1CB41D-02E2-BB82-3F73-43161576E3AC}"/>
+              </a:ext>
+            </a:extLst>
+          </p:cNvPr>
+          <p:cNvCxnSpPr>
+            <a:cxnSpLocks/>
+          </p:cNvCxnSpPr>
+          <p:nvPr/>
+        </p:nvCxnSpPr>
+        <p:spPr>
+          <a:xfrm rot="5400000">
+            <a:off x="9512861" y="3975895"/>
+            <a:ext cx="1962728" cy="1313438"/>
+          </a:xfrm>
+          <a:prstGeom prst="bentConnector3">
+            <a:avLst>
+              <a:gd name="adj1" fmla="val 50000"/>
+            </a:avLst>
+          </a:prstGeom>
+          <a:ln w="22225">
+            <a:tailEnd type="triangle"/>
+          </a:ln>
+        </p:spPr>
+        <p:style>
+          <a:lnRef idx="1">
+            <a:schemeClr val="accent1"/>
+          </a:lnRef>
+          <a:fillRef idx="0">
+            <a:schemeClr val="accent1"/>
+          </a:fillRef>
+          <a:effectRef idx="0">
+            <a:schemeClr val="accent1"/>
+          </a:effectRef>
+          <a:fontRef idx="minor">
+            <a:schemeClr val="tx1"/>
+          </a:fontRef>
+        </p:style>
+      </p:cxnSp>
+      <p:cxnSp>
+        <p:nvCxnSpPr>
+          <p:cNvPr id="7" name="Straight Arrow Connector 2">
+            <a:extLst>
+              <a:ext uri="{FF2B5EF4-FFF2-40B4-BE49-F238E27FC236}">
+                <a16:creationId xmlns:a16="http://schemas.microsoft.com/office/drawing/2014/main" id="{6280A87D-9F6A-61E3-1AB2-7E1319014487}"/>
+              </a:ext>
+            </a:extLst>
+          </p:cNvPr>
+          <p:cNvCxnSpPr>
+            <a:cxnSpLocks/>
+          </p:cNvCxnSpPr>
+          <p:nvPr/>
+        </p:nvCxnSpPr>
+        <p:spPr>
+          <a:xfrm rot="5400000">
+            <a:off x="9385109" y="3303154"/>
+            <a:ext cx="2763221" cy="1858426"/>
+          </a:xfrm>
+          <a:prstGeom prst="bentConnector3">
+            <a:avLst>
+              <a:gd name="adj1" fmla="val 100327"/>
+            </a:avLst>
+          </a:prstGeom>
+          <a:ln w="22225">
+            <a:tailEnd type="triangle"/>
+          </a:ln>
+        </p:spPr>
+        <p:style>
+          <a:lnRef idx="1">
+            <a:schemeClr val="accent1"/>
+          </a:lnRef>
+          <a:fillRef idx="0">
+            <a:schemeClr val="accent1"/>
+          </a:fillRef>
+          <a:effectRef idx="0">
+            <a:schemeClr val="accent1"/>
+          </a:effectRef>
+          <a:fontRef idx="minor">
+            <a:schemeClr val="tx1"/>
+          </a:fontRef>
+        </p:style>
+      </p:cxnSp>
+      <p:sp>
+        <p:nvSpPr>
+          <p:cNvPr id="15" name="Oval 14">
+            <a:extLst>
+              <a:ext uri="{FF2B5EF4-FFF2-40B4-BE49-F238E27FC236}">
+                <a16:creationId xmlns:a16="http://schemas.microsoft.com/office/drawing/2014/main" id="{D32D7702-00B2-6234-D3FB-AD6DF8C142B9}"/>
+              </a:ext>
+            </a:extLst>
+          </p:cNvPr>
+          <p:cNvSpPr/>
+          <p:nvPr/>
+        </p:nvSpPr>
+        <p:spPr>
+          <a:xfrm>
+            <a:off x="11435566" y="4837542"/>
+            <a:ext cx="465463" cy="446027"/>
+          </a:xfrm>
+          <a:prstGeom prst="ellipse">
+            <a:avLst/>
+          </a:prstGeom>
+          <a:solidFill>
+            <a:schemeClr val="accent6">
+              <a:lumMod val="40000"/>
+              <a:lumOff val="60000"/>
+            </a:schemeClr>
+          </a:solidFill>
+          <a:ln>
+            <a:solidFill>
+              <a:schemeClr val="accent1">
+                <a:shade val="15000"/>
+                <a:alpha val="92000"/>
+              </a:schemeClr>
+            </a:solidFill>
+          </a:ln>
+        </p:spPr>
+        <p:style>
+          <a:lnRef idx="2">
+            <a:schemeClr val="accent1">
+              <a:shade val="15000"/>
+            </a:schemeClr>
+          </a:lnRef>
+          <a:fillRef idx="1">
+            <a:schemeClr val="accent1"/>
+          </a:fillRef>
+          <a:effectRef idx="0">
+            <a:schemeClr val="accent1"/>
+          </a:effectRef>
+          <a:fontRef idx="minor">
+            <a:schemeClr val="lt1"/>
+          </a:fontRef>
+        </p:style>
+        <p:txBody>
+          <a:bodyPr rtlCol="0" anchor="ctr"/>
+          <a:lstStyle/>
+          <a:p>
+            <a:pPr algn="ctr" defTabSz="521208">
+              <a:spcAft>
+                <a:spcPts val="600"/>
+              </a:spcAft>
+            </a:pPr>
+            <a:r>
+              <a:rPr lang="en-CA" sz="1200" dirty="0">
+                <a:solidFill>
+                  <a:schemeClr val="tx1"/>
+                </a:solidFill>
+              </a:rPr>
+              <a:t>i</a:t>
+            </a:r>
+            <a:r>
+              <a:rPr lang="en-CA" sz="1200" kern="1200" dirty="0">
+                <a:solidFill>
+                  <a:schemeClr val="tx1"/>
+                </a:solidFill>
+                <a:latin typeface="+mn-lt"/>
+                <a:ea typeface="+mn-ea"/>
+                <a:cs typeface="+mn-cs"/>
+              </a:rPr>
+              <a:t>d:1</a:t>
+            </a:r>
+            <a:endParaRPr lang="en-CA" sz="1200" dirty="0">
+              <a:solidFill>
+                <a:schemeClr val="tx1"/>
+              </a:solidFill>
+            </a:endParaRPr>
+          </a:p>
+        </p:txBody>
+      </p:sp>
+      <p:sp>
+        <p:nvSpPr>
+          <p:cNvPr id="18" name="Oval 17">
+            <a:extLst>
+              <a:ext uri="{FF2B5EF4-FFF2-40B4-BE49-F238E27FC236}">
+                <a16:creationId xmlns:a16="http://schemas.microsoft.com/office/drawing/2014/main" id="{D4D2B4AB-9A7E-A9D4-7B0D-A11DEF3003D8}"/>
+              </a:ext>
+            </a:extLst>
+          </p:cNvPr>
+          <p:cNvSpPr/>
+          <p:nvPr/>
+        </p:nvSpPr>
+        <p:spPr>
+          <a:xfrm>
+            <a:off x="10275162" y="4370689"/>
+            <a:ext cx="465463" cy="446027"/>
+          </a:xfrm>
+          <a:prstGeom prst="ellipse">
+            <a:avLst/>
+          </a:prstGeom>
+          <a:solidFill>
+            <a:schemeClr val="accent6">
+              <a:lumMod val="40000"/>
+              <a:lumOff val="60000"/>
+            </a:schemeClr>
+          </a:solidFill>
+          <a:ln>
+            <a:solidFill>
+              <a:schemeClr val="accent1">
+                <a:shade val="15000"/>
+                <a:alpha val="92000"/>
+              </a:schemeClr>
+            </a:solidFill>
+          </a:ln>
+        </p:spPr>
+        <p:style>
+          <a:lnRef idx="2">
+            <a:schemeClr val="accent1">
+              <a:shade val="15000"/>
+            </a:schemeClr>
+          </a:lnRef>
+          <a:fillRef idx="1">
+            <a:schemeClr val="accent1"/>
+          </a:fillRef>
+          <a:effectRef idx="0">
+            <a:schemeClr val="accent1"/>
+          </a:effectRef>
+          <a:fontRef idx="minor">
+            <a:schemeClr val="lt1"/>
+          </a:fontRef>
+        </p:style>
+        <p:txBody>
+          <a:bodyPr rtlCol="0" anchor="ctr"/>
+          <a:lstStyle/>
+          <a:p>
+            <a:pPr algn="ctr" defTabSz="521208">
+              <a:spcAft>
+                <a:spcPts val="600"/>
+              </a:spcAft>
+            </a:pPr>
+            <a:r>
+              <a:rPr lang="en-CA" sz="1200" dirty="0">
+                <a:solidFill>
+                  <a:schemeClr val="tx1"/>
+                </a:solidFill>
+              </a:rPr>
+              <a:t>i</a:t>
+            </a:r>
+            <a:r>
+              <a:rPr lang="en-CA" sz="1200" kern="1200" dirty="0">
+                <a:solidFill>
+                  <a:schemeClr val="tx1"/>
+                </a:solidFill>
+                <a:latin typeface="+mn-lt"/>
+                <a:ea typeface="+mn-ea"/>
+                <a:cs typeface="+mn-cs"/>
+              </a:rPr>
+              <a:t>d:2</a:t>
+            </a:r>
+            <a:endParaRPr lang="en-CA" sz="1200" dirty="0">
+              <a:solidFill>
+                <a:schemeClr val="tx1"/>
+              </a:solidFill>
+            </a:endParaRPr>
+          </a:p>
+        </p:txBody>
+      </p:sp>
+      <p:sp>
+        <p:nvSpPr>
+          <p:cNvPr id="26" name="TextBox 25">
+            <a:extLst>
+              <a:ext uri="{FF2B5EF4-FFF2-40B4-BE49-F238E27FC236}">
+                <a16:creationId xmlns:a16="http://schemas.microsoft.com/office/drawing/2014/main" id="{D53C5468-9C4B-F7F8-3D9B-82016F46C26A}"/>
+              </a:ext>
+            </a:extLst>
+          </p:cNvPr>
+          <p:cNvSpPr txBox="1"/>
+          <p:nvPr/>
+        </p:nvSpPr>
+        <p:spPr>
+          <a:xfrm>
+            <a:off x="7767146" y="2497173"/>
+            <a:ext cx="1058278" cy="261610"/>
+          </a:xfrm>
+          <a:prstGeom prst="rect">
+            <a:avLst/>
+          </a:prstGeom>
+          <a:solidFill>
+            <a:schemeClr val="bg1"/>
+          </a:solidFill>
+          <a:ln>
+            <a:solidFill>
+              <a:schemeClr val="accent1">
+                <a:shade val="15000"/>
+              </a:schemeClr>
+            </a:solidFill>
+          </a:ln>
+        </p:spPr>
+        <p:txBody>
+          <a:bodyPr wrap="square" rtlCol="0">
+            <a:spAutoFit/>
+          </a:bodyPr>
+          <a:lstStyle/>
+          <a:p>
+            <a:pPr algn="ctr"/>
+            <a:r>
+              <a:rPr lang="en-CA" sz="1100" dirty="0"/>
+              <a:t>Update View</a:t>
             </a:r>
           </a:p>
         </p:txBody>
@@ -9078,10 +11034,10 @@
       </p:grpSpPr>
       <p:sp>
         <p:nvSpPr>
-          <p:cNvPr id="106" name="Rectangle: Rounded Corners 105">
-            <a:extLst>
-              <a:ext uri="{FF2B5EF4-FFF2-40B4-BE49-F238E27FC236}">
-                <a16:creationId xmlns:a16="http://schemas.microsoft.com/office/drawing/2014/main" id="{522C20D7-71E7-4B9E-4B83-48DDC36B85DB}"/>
+          <p:cNvPr id="40" name="Rectangle: Rounded Corners 39">
+            <a:extLst>
+              <a:ext uri="{FF2B5EF4-FFF2-40B4-BE49-F238E27FC236}">
+                <a16:creationId xmlns:a16="http://schemas.microsoft.com/office/drawing/2014/main" id="{8E086B6F-71B7-4D46-89D4-113CE772AAE6}"/>
               </a:ext>
             </a:extLst>
           </p:cNvPr>
@@ -9090,60 +11046,8 @@
         </p:nvSpPr>
         <p:spPr>
           <a:xfrm>
-            <a:off x="9310139" y="779969"/>
-            <a:ext cx="2684930" cy="4911626"/>
-          </a:xfrm>
-          <a:prstGeom prst="roundRect">
-            <a:avLst/>
-          </a:prstGeom>
-          <a:solidFill>
-            <a:schemeClr val="accent6">
-              <a:lumMod val="20000"/>
-              <a:lumOff val="80000"/>
-              <a:alpha val="50000"/>
-            </a:schemeClr>
-          </a:solidFill>
-        </p:spPr>
-        <p:style>
-          <a:lnRef idx="2">
-            <a:schemeClr val="accent1">
-              <a:shade val="15000"/>
-            </a:schemeClr>
-          </a:lnRef>
-          <a:fillRef idx="1">
-            <a:schemeClr val="accent1"/>
-          </a:fillRef>
-          <a:effectRef idx="0">
-            <a:schemeClr val="accent1"/>
-          </a:effectRef>
-          <a:fontRef idx="minor">
-            <a:schemeClr val="lt1"/>
-          </a:fontRef>
-        </p:style>
-        <p:txBody>
-          <a:bodyPr rtlCol="0" anchor="ctr"/>
-          <a:lstStyle/>
-          <a:p>
-            <a:endParaRPr lang="en-CA" dirty="0"/>
-          </a:p>
-        </p:txBody>
-      </p:sp>
-      <p:sp>
-        <p:nvSpPr>
-          <p:cNvPr id="40" name="Rectangle: Rounded Corners 39">
-            <a:extLst>
-              <a:ext uri="{FF2B5EF4-FFF2-40B4-BE49-F238E27FC236}">
-                <a16:creationId xmlns:a16="http://schemas.microsoft.com/office/drawing/2014/main" id="{8E086B6F-71B7-4D46-89D4-113CE772AAE6}"/>
-              </a:ext>
-            </a:extLst>
-          </p:cNvPr>
-          <p:cNvSpPr/>
-          <p:nvPr/>
-        </p:nvSpPr>
-        <p:spPr>
-          <a:xfrm>
-            <a:off x="9744394" y="2604021"/>
-            <a:ext cx="2106592" cy="1549542"/>
+            <a:off x="4789682" y="4088000"/>
+            <a:ext cx="2870130" cy="2427967"/>
           </a:xfrm>
           <a:prstGeom prst="roundRect">
             <a:avLst/>
@@ -9177,12 +11081,92 @@
           <a:p>
             <a:pPr algn="ctr"/>
             <a:r>
-              <a:rPr lang="en-CA" sz="2000" dirty="0">
+              <a:rPr lang="en-CA" b="1" dirty="0">
                 <a:solidFill>
                   <a:schemeClr val="tx1"/>
                 </a:solidFill>
               </a:rPr>
-              <a:t>Store Event Tickets State</a:t>
+              <a:t>State:</a:t>
+            </a:r>
+          </a:p>
+          <a:p>
+            <a:r>
+              <a:rPr lang="en-CA" sz="1400" dirty="0">
+                <a:solidFill>
+                  <a:schemeClr val="tx1"/>
+                </a:solidFill>
+              </a:rPr>
+              <a:t>{</a:t>
+            </a:r>
+          </a:p>
+          <a:p>
+            <a:r>
+              <a:rPr lang="en-CA" sz="1400" dirty="0">
+                <a:solidFill>
+                  <a:schemeClr val="tx1"/>
+                </a:solidFill>
+              </a:rPr>
+              <a:t>  controls: {</a:t>
+            </a:r>
+          </a:p>
+          <a:p>
+            <a:r>
+              <a:rPr lang="en-CA" sz="1400" dirty="0">
+                <a:solidFill>
+                  <a:schemeClr val="tx1"/>
+                </a:solidFill>
+              </a:rPr>
+              <a:t>    selectedEvent: 'Chili Cook Off',</a:t>
+            </a:r>
+          </a:p>
+          <a:p>
+            <a:r>
+              <a:rPr lang="en-CA" sz="1400" dirty="0">
+                <a:solidFill>
+                  <a:schemeClr val="tx1"/>
+                </a:solidFill>
+              </a:rPr>
+              <a:t>    qty: 6,</a:t>
+            </a:r>
+          </a:p>
+          <a:p>
+            <a:r>
+              <a:rPr lang="en-CA" sz="1400" dirty="0">
+                <a:solidFill>
+                  <a:schemeClr val="tx1"/>
+                </a:solidFill>
+              </a:rPr>
+              <a:t>  },</a:t>
+            </a:r>
+          </a:p>
+          <a:p>
+            <a:r>
+              <a:rPr lang="en-CA" sz="1400" dirty="0">
+                <a:solidFill>
+                  <a:schemeClr val="tx1"/>
+                </a:solidFill>
+              </a:rPr>
+              <a:t>  calculating: false,</a:t>
+            </a:r>
+          </a:p>
+          <a:p>
+            <a:r>
+              <a:rPr lang="en-CA" sz="1400" dirty="0">
+                <a:solidFill>
+                  <a:schemeClr val="tx1"/>
+                </a:solidFill>
+              </a:rPr>
+              <a:t>  price: 120,</a:t>
+            </a:r>
+          </a:p>
+          <a:p>
+            <a:r>
+              <a:rPr lang="en-CA" sz="1400" dirty="0">
+                <a:solidFill>
+                  <a:schemeClr val="tx1"/>
+                </a:solidFill>
+              </a:rPr>
+              <a:t>}</a:t>
             </a:r>
           </a:p>
         </p:txBody>
@@ -9201,8 +11185,8 @@
         </p:nvSpPr>
         <p:spPr>
           <a:xfrm>
-            <a:off x="3358697" y="2604021"/>
-            <a:ext cx="2396672" cy="1549542"/>
+            <a:off x="4089223" y="1455552"/>
+            <a:ext cx="2870130" cy="1549542"/>
           </a:xfrm>
           <a:prstGeom prst="roundRect">
             <a:avLst/>
@@ -9236,12 +11220,52 @@
           <a:p>
             <a:pPr algn="ctr"/>
             <a:r>
-              <a:rPr lang="en-CA" sz="2000" dirty="0">
+              <a:rPr lang="en-CA" sz="1400" b="1" dirty="0">
                 <a:solidFill>
                   <a:schemeClr val="tx1"/>
                 </a:solidFill>
               </a:rPr>
-              <a:t>Store for User Controls State</a:t>
+              <a:t>State:</a:t>
+            </a:r>
+          </a:p>
+          <a:p>
+            <a:r>
+              <a:rPr lang="en-CA" sz="1400" dirty="0">
+                <a:solidFill>
+                  <a:schemeClr val="tx1"/>
+                </a:solidFill>
+              </a:rPr>
+              <a:t>  {</a:t>
+            </a:r>
+          </a:p>
+          <a:p>
+            <a:r>
+              <a:rPr lang="en-CA" sz="1400" dirty="0">
+                <a:solidFill>
+                  <a:schemeClr val="tx1"/>
+                </a:solidFill>
+              </a:rPr>
+              <a:t>    selectedEvent: 'Chili Cook Off',</a:t>
+            </a:r>
+          </a:p>
+          <a:p>
+            <a:r>
+              <a:rPr lang="en-CA" sz="1400" dirty="0">
+                <a:solidFill>
+                  <a:schemeClr val="tx1"/>
+                </a:solidFill>
+              </a:rPr>
+              <a:t>    qty: 6,</a:t>
+            </a:r>
+          </a:p>
+          <a:p>
+            <a:r>
+              <a:rPr lang="en-CA" sz="1400" dirty="0">
+                <a:solidFill>
+                  <a:schemeClr val="tx1"/>
+                </a:solidFill>
+              </a:rPr>
+              <a:t>  }</a:t>
             </a:r>
           </a:p>
         </p:txBody>
@@ -9257,13 +11281,15 @@
           </p:cNvPr>
           <p:cNvCxnSpPr>
             <a:cxnSpLocks/>
+            <a:stCxn id="6" idx="2"/>
+            <a:endCxn id="6" idx="6"/>
           </p:cNvCxnSpPr>
           <p:nvPr/>
         </p:nvCxnSpPr>
         <p:spPr>
           <a:xfrm>
-            <a:off x="297180" y="3378792"/>
-            <a:ext cx="3502660" cy="14329"/>
+            <a:off x="931523" y="2223435"/>
+            <a:ext cx="3113155" cy="0"/>
           </a:xfrm>
           <a:prstGeom prst="straightConnector1">
             <a:avLst/>
@@ -9301,7 +11327,7 @@
         </p:nvSpPr>
         <p:spPr>
           <a:xfrm>
-            <a:off x="2487276" y="3178224"/>
+            <a:off x="3217802" y="2029755"/>
             <a:ext cx="353536" cy="353536"/>
           </a:xfrm>
           <a:prstGeom prst="ellipse">
@@ -9341,41 +11367,6 @@
       </p:sp>
       <p:sp>
         <p:nvSpPr>
-          <p:cNvPr id="5" name="TextBox 4">
-            <a:extLst>
-              <a:ext uri="{FF2B5EF4-FFF2-40B4-BE49-F238E27FC236}">
-                <a16:creationId xmlns:a16="http://schemas.microsoft.com/office/drawing/2014/main" id="{7E441CD8-4EF4-F3D2-CE95-D1348DBD1DF7}"/>
-              </a:ext>
-            </a:extLst>
-          </p:cNvPr>
-          <p:cNvSpPr txBox="1"/>
-          <p:nvPr/>
-        </p:nvSpPr>
-        <p:spPr>
-          <a:xfrm>
-            <a:off x="2523575" y="278885"/>
-            <a:ext cx="7770258" cy="523220"/>
-          </a:xfrm>
-          <a:prstGeom prst="rect">
-            <a:avLst/>
-          </a:prstGeom>
-          <a:noFill/>
-        </p:spPr>
-        <p:txBody>
-          <a:bodyPr wrap="square" rtlCol="0">
-            <a:spAutoFit/>
-          </a:bodyPr>
-          <a:lstStyle/>
-          <a:p>
-            <a:r>
-              <a:rPr lang="en-CA" sz="2800" dirty="0"/>
-              <a:t>Connecting Multiple Hubs Example – Event Prices</a:t>
-            </a:r>
-          </a:p>
-        </p:txBody>
-      </p:sp>
-      <p:sp>
-        <p:nvSpPr>
           <p:cNvPr id="6" name="Oval 5">
             <a:extLst>
               <a:ext uri="{FF2B5EF4-FFF2-40B4-BE49-F238E27FC236}">
@@ -9388,7 +11379,7 @@
         </p:nvSpPr>
         <p:spPr>
           <a:xfrm>
-            <a:off x="177452" y="2289946"/>
+            <a:off x="931523" y="1147417"/>
             <a:ext cx="3113155" cy="2152036"/>
           </a:xfrm>
           <a:prstGeom prst="ellipse">
@@ -9426,10 +11417,162 @@
       </p:sp>
       <p:sp>
         <p:nvSpPr>
-          <p:cNvPr id="9" name="TextBox 8">
-            <a:extLst>
-              <a:ext uri="{FF2B5EF4-FFF2-40B4-BE49-F238E27FC236}">
-                <a16:creationId xmlns:a16="http://schemas.microsoft.com/office/drawing/2014/main" id="{B07FF30A-5260-F5B2-71A9-8AF2C7E14F6D}"/>
+          <p:cNvPr id="12" name="Oval 11">
+            <a:extLst>
+              <a:ext uri="{FF2B5EF4-FFF2-40B4-BE49-F238E27FC236}">
+                <a16:creationId xmlns:a16="http://schemas.microsoft.com/office/drawing/2014/main" id="{98E8350D-B40F-136C-9B26-A5FF6B9CEFD3}"/>
+              </a:ext>
+            </a:extLst>
+          </p:cNvPr>
+          <p:cNvSpPr/>
+          <p:nvPr/>
+        </p:nvSpPr>
+        <p:spPr>
+          <a:xfrm>
+            <a:off x="1293532" y="2029755"/>
+            <a:ext cx="355106" cy="355106"/>
+          </a:xfrm>
+          <a:prstGeom prst="ellipse">
+            <a:avLst/>
+          </a:prstGeom>
+          <a:solidFill>
+            <a:schemeClr val="bg2"/>
+          </a:solidFill>
+        </p:spPr>
+        <p:style>
+          <a:lnRef idx="2">
+            <a:schemeClr val="accent1">
+              <a:shade val="15000"/>
+            </a:schemeClr>
+          </a:lnRef>
+          <a:fillRef idx="1">
+            <a:schemeClr val="accent1"/>
+          </a:fillRef>
+          <a:effectRef idx="0">
+            <a:schemeClr val="accent1"/>
+          </a:effectRef>
+          <a:fontRef idx="minor">
+            <a:schemeClr val="lt1"/>
+          </a:fontRef>
+        </p:style>
+        <p:txBody>
+          <a:bodyPr rtlCol="0" anchor="ctr"/>
+          <a:lstStyle/>
+          <a:p>
+            <a:pPr algn="ctr"/>
+            <a:endParaRPr lang="en-CA"/>
+          </a:p>
+        </p:txBody>
+      </p:sp>
+      <p:cxnSp>
+        <p:nvCxnSpPr>
+          <p:cNvPr id="35" name="Straight Arrow Connector 34">
+            <a:extLst>
+              <a:ext uri="{FF2B5EF4-FFF2-40B4-BE49-F238E27FC236}">
+                <a16:creationId xmlns:a16="http://schemas.microsoft.com/office/drawing/2014/main" id="{F5770EE1-A1D0-3016-EBC2-8E30A07EA51A}"/>
+              </a:ext>
+            </a:extLst>
+          </p:cNvPr>
+          <p:cNvCxnSpPr>
+            <a:cxnSpLocks/>
+            <a:stCxn id="3" idx="3"/>
+            <a:endCxn id="37" idx="2"/>
+          </p:cNvCxnSpPr>
+          <p:nvPr/>
+        </p:nvCxnSpPr>
+        <p:spPr>
+          <a:xfrm flipH="1">
+            <a:off x="1165492" y="2230323"/>
+            <a:ext cx="5793861" cy="3104625"/>
+          </a:xfrm>
+          <a:prstGeom prst="bentConnector5">
+            <a:avLst>
+              <a:gd name="adj1" fmla="val -3946"/>
+              <a:gd name="adj2" fmla="val 43264"/>
+              <a:gd name="adj3" fmla="val 103946"/>
+            </a:avLst>
+          </a:prstGeom>
+          <a:ln w="34925">
+            <a:solidFill>
+              <a:schemeClr val="accent6">
+                <a:lumMod val="60000"/>
+                <a:lumOff val="40000"/>
+              </a:schemeClr>
+            </a:solidFill>
+            <a:tailEnd type="arrow"/>
+          </a:ln>
+        </p:spPr>
+        <p:style>
+          <a:lnRef idx="1">
+            <a:schemeClr val="accent1"/>
+          </a:lnRef>
+          <a:fillRef idx="0">
+            <a:schemeClr val="accent1"/>
+          </a:fillRef>
+          <a:effectRef idx="0">
+            <a:schemeClr val="accent1"/>
+          </a:effectRef>
+          <a:fontRef idx="minor">
+            <a:schemeClr val="tx1"/>
+          </a:fontRef>
+        </p:style>
+      </p:cxnSp>
+      <p:sp>
+        <p:nvSpPr>
+          <p:cNvPr id="37" name="Oval 36">
+            <a:extLst>
+              <a:ext uri="{FF2B5EF4-FFF2-40B4-BE49-F238E27FC236}">
+                <a16:creationId xmlns:a16="http://schemas.microsoft.com/office/drawing/2014/main" id="{32A74E61-AAB7-331B-13A6-0FFC63FC63D6}"/>
+              </a:ext>
+            </a:extLst>
+          </p:cNvPr>
+          <p:cNvSpPr/>
+          <p:nvPr/>
+        </p:nvSpPr>
+        <p:spPr>
+          <a:xfrm>
+            <a:off x="1165492" y="4141933"/>
+            <a:ext cx="3596756" cy="2386029"/>
+          </a:xfrm>
+          <a:prstGeom prst="ellipse">
+            <a:avLst/>
+          </a:prstGeom>
+          <a:noFill/>
+          <a:ln w="38100">
+            <a:prstDash val="lgDash"/>
+          </a:ln>
+        </p:spPr>
+        <p:style>
+          <a:lnRef idx="2">
+            <a:schemeClr val="accent1">
+              <a:shade val="15000"/>
+            </a:schemeClr>
+          </a:lnRef>
+          <a:fillRef idx="1">
+            <a:schemeClr val="accent1"/>
+          </a:fillRef>
+          <a:effectRef idx="0">
+            <a:schemeClr val="accent1"/>
+          </a:effectRef>
+          <a:fontRef idx="minor">
+            <a:schemeClr val="lt1"/>
+          </a:fontRef>
+        </p:style>
+        <p:txBody>
+          <a:bodyPr rtlCol="0" anchor="ctr"/>
+          <a:lstStyle/>
+          <a:p>
+            <a:pPr algn="ctr"/>
+            <a:endParaRPr lang="en-CA"/>
+          </a:p>
+        </p:txBody>
+      </p:sp>
+      <p:sp>
+        <p:nvSpPr>
+          <p:cNvPr id="60" name="TextBox 59">
+            <a:extLst>
+              <a:ext uri="{FF2B5EF4-FFF2-40B4-BE49-F238E27FC236}">
+                <a16:creationId xmlns:a16="http://schemas.microsoft.com/office/drawing/2014/main" id="{CE614C56-C033-600E-FCF9-11D9B8C46C63}"/>
               </a:ext>
             </a:extLst>
           </p:cNvPr>
@@ -9438,8 +11581,8 @@
         </p:nvSpPr>
         <p:spPr>
           <a:xfrm>
-            <a:off x="544126" y="4624233"/>
-            <a:ext cx="2558362" cy="800219"/>
+            <a:off x="1929195" y="2057258"/>
+            <a:ext cx="1117812" cy="307777"/>
           </a:xfrm>
           <a:prstGeom prst="rect">
             <a:avLst/>
@@ -9463,105 +11606,45 @@
           <a:p>
             <a:pPr algn="ctr"/>
             <a:r>
-              <a:rPr lang="en-CA" dirty="0"/>
-              <a:t>Dispatcher (User) Actions</a:t>
-            </a:r>
-            <a:endParaRPr lang="en-CA" sz="1400" dirty="0"/>
-          </a:p>
-          <a:p>
-            <a:r>
               <a:rPr lang="en-CA" sz="1400" dirty="0"/>
-              <a:t>SELECT_EVENT</a:t>
-            </a:r>
-          </a:p>
-          <a:p>
-            <a:r>
-              <a:rPr lang="en-CA" sz="1400" dirty="0"/>
-              <a:t>SET_QTY</a:t>
-            </a:r>
-          </a:p>
-        </p:txBody>
-      </p:sp>
-      <p:sp>
-        <p:nvSpPr>
-          <p:cNvPr id="12" name="Oval 11">
-            <a:extLst>
-              <a:ext uri="{FF2B5EF4-FFF2-40B4-BE49-F238E27FC236}">
-                <a16:creationId xmlns:a16="http://schemas.microsoft.com/office/drawing/2014/main" id="{98E8350D-B40F-136C-9B26-A5FF6B9CEFD3}"/>
-              </a:ext>
-            </a:extLst>
-          </p:cNvPr>
-          <p:cNvSpPr/>
-          <p:nvPr/>
-        </p:nvSpPr>
-        <p:spPr>
-          <a:xfrm>
-            <a:off x="563006" y="3178224"/>
-            <a:ext cx="355106" cy="355106"/>
-          </a:xfrm>
-          <a:prstGeom prst="ellipse">
-            <a:avLst/>
-          </a:prstGeom>
-          <a:solidFill>
-            <a:schemeClr val="bg2"/>
-          </a:solidFill>
-        </p:spPr>
-        <p:style>
-          <a:lnRef idx="2">
-            <a:schemeClr val="accent1">
-              <a:shade val="15000"/>
-            </a:schemeClr>
-          </a:lnRef>
-          <a:fillRef idx="1">
-            <a:schemeClr val="accent1"/>
-          </a:fillRef>
-          <a:effectRef idx="0">
-            <a:schemeClr val="accent1"/>
-          </a:effectRef>
-          <a:fontRef idx="minor">
-            <a:schemeClr val="lt1"/>
-          </a:fontRef>
-        </p:style>
-        <p:txBody>
-          <a:bodyPr rtlCol="0" anchor="ctr"/>
-          <a:lstStyle/>
-          <a:p>
-            <a:pPr algn="ctr"/>
-            <a:endParaRPr lang="en-CA"/>
+              <a:t>dispatcher$</a:t>
+            </a:r>
           </a:p>
         </p:txBody>
       </p:sp>
       <p:cxnSp>
         <p:nvCxnSpPr>
-          <p:cNvPr id="35" name="Straight Arrow Connector 34">
-            <a:extLst>
-              <a:ext uri="{FF2B5EF4-FFF2-40B4-BE49-F238E27FC236}">
-                <a16:creationId xmlns:a16="http://schemas.microsoft.com/office/drawing/2014/main" id="{F5770EE1-A1D0-3016-EBC2-8E30A07EA51A}"/>
+          <p:cNvPr id="17" name="Connector: Curved 16">
+            <a:extLst>
+              <a:ext uri="{FF2B5EF4-FFF2-40B4-BE49-F238E27FC236}">
+                <a16:creationId xmlns:a16="http://schemas.microsoft.com/office/drawing/2014/main" id="{3577EB99-F80B-208E-C64E-63763347A447}"/>
               </a:ext>
             </a:extLst>
           </p:cNvPr>
           <p:cNvCxnSpPr>
             <a:cxnSpLocks/>
-            <a:stCxn id="3" idx="3"/>
+            <a:stCxn id="37" idx="2"/>
+            <a:endCxn id="37" idx="6"/>
           </p:cNvCxnSpPr>
           <p:nvPr/>
         </p:nvCxnSpPr>
         <p:spPr>
-          <a:xfrm>
-            <a:off x="5755369" y="3378792"/>
-            <a:ext cx="4709431" cy="23860"/>
-          </a:xfrm>
-          <a:prstGeom prst="straightConnector1">
-            <a:avLst/>
-          </a:prstGeom>
-          <a:ln w="34925">
+          <a:xfrm rot="10800000" flipH="1">
+            <a:off x="1165492" y="5334948"/>
+            <a:ext cx="3596756" cy="12700"/>
+          </a:xfrm>
+          <a:prstGeom prst="curvedConnector5">
+            <a:avLst>
+              <a:gd name="adj1" fmla="val 16027"/>
+              <a:gd name="adj2" fmla="val 6967724"/>
+              <a:gd name="adj3" fmla="val 86460"/>
+            </a:avLst>
+          </a:prstGeom>
+          <a:ln w="38100">
             <a:solidFill>
-              <a:schemeClr val="accent6">
-                <a:lumMod val="60000"/>
-                <a:lumOff val="40000"/>
-              </a:schemeClr>
+              <a:schemeClr val="accent2"/>
             </a:solidFill>
-            <a:tailEnd type="arrow"/>
+            <a:tailEnd type="triangle"/>
           </a:ln>
         </p:spPr>
         <p:style>
@@ -9581,113 +11664,10 @@
       </p:cxnSp>
       <p:sp>
         <p:nvSpPr>
-          <p:cNvPr id="37" name="Oval 36">
-            <a:extLst>
-              <a:ext uri="{FF2B5EF4-FFF2-40B4-BE49-F238E27FC236}">
-                <a16:creationId xmlns:a16="http://schemas.microsoft.com/office/drawing/2014/main" id="{32A74E61-AAB7-331B-13A6-0FFC63FC63D6}"/>
-              </a:ext>
-            </a:extLst>
-          </p:cNvPr>
-          <p:cNvSpPr/>
-          <p:nvPr/>
-        </p:nvSpPr>
-        <p:spPr>
-          <a:xfrm>
-            <a:off x="6073829" y="2235200"/>
-            <a:ext cx="3168220" cy="2386029"/>
-          </a:xfrm>
-          <a:prstGeom prst="ellipse">
-            <a:avLst/>
-          </a:prstGeom>
-          <a:noFill/>
-          <a:ln w="38100">
-            <a:prstDash val="lgDash"/>
-          </a:ln>
-        </p:spPr>
-        <p:style>
-          <a:lnRef idx="2">
-            <a:schemeClr val="accent1">
-              <a:shade val="15000"/>
-            </a:schemeClr>
-          </a:lnRef>
-          <a:fillRef idx="1">
-            <a:schemeClr val="accent1"/>
-          </a:fillRef>
-          <a:effectRef idx="0">
-            <a:schemeClr val="accent1"/>
-          </a:effectRef>
-          <a:fontRef idx="minor">
-            <a:schemeClr val="lt1"/>
-          </a:fontRef>
-        </p:style>
-        <p:txBody>
-          <a:bodyPr rtlCol="0" anchor="ctr"/>
-          <a:lstStyle/>
-          <a:p>
-            <a:pPr algn="ctr"/>
-            <a:endParaRPr lang="en-CA"/>
-          </a:p>
-        </p:txBody>
-      </p:sp>
-      <p:sp>
-        <p:nvSpPr>
-          <p:cNvPr id="54" name="Oval 53">
-            <a:extLst>
-              <a:ext uri="{FF2B5EF4-FFF2-40B4-BE49-F238E27FC236}">
-                <a16:creationId xmlns:a16="http://schemas.microsoft.com/office/drawing/2014/main" id="{CE06762A-D69D-D849-D40D-FCB920C1E8D1}"/>
-              </a:ext>
-            </a:extLst>
-          </p:cNvPr>
-          <p:cNvSpPr/>
-          <p:nvPr/>
-        </p:nvSpPr>
-        <p:spPr>
-          <a:xfrm>
-            <a:off x="5911151" y="3217723"/>
-            <a:ext cx="350797" cy="350797"/>
-          </a:xfrm>
-          <a:prstGeom prst="ellipse">
-            <a:avLst/>
-          </a:prstGeom>
-          <a:solidFill>
-            <a:schemeClr val="accent1">
-              <a:lumMod val="60000"/>
-              <a:lumOff val="40000"/>
-              <a:alpha val="50000"/>
-            </a:schemeClr>
-          </a:solidFill>
-        </p:spPr>
-        <p:style>
-          <a:lnRef idx="2">
-            <a:schemeClr val="accent1">
-              <a:shade val="15000"/>
-            </a:schemeClr>
-          </a:lnRef>
-          <a:fillRef idx="1">
-            <a:schemeClr val="accent1"/>
-          </a:fillRef>
-          <a:effectRef idx="0">
-            <a:schemeClr val="accent1"/>
-          </a:effectRef>
-          <a:fontRef idx="minor">
-            <a:schemeClr val="lt1"/>
-          </a:fontRef>
-        </p:style>
-        <p:txBody>
-          <a:bodyPr rtlCol="0" anchor="ctr"/>
-          <a:lstStyle/>
-          <a:p>
-            <a:pPr algn="ctr"/>
-            <a:endParaRPr lang="en-CA"/>
-          </a:p>
-        </p:txBody>
-      </p:sp>
-      <p:sp>
-        <p:nvSpPr>
-          <p:cNvPr id="60" name="TextBox 59">
-            <a:extLst>
-              <a:ext uri="{FF2B5EF4-FFF2-40B4-BE49-F238E27FC236}">
-                <a16:creationId xmlns:a16="http://schemas.microsoft.com/office/drawing/2014/main" id="{CE614C56-C033-600E-FCF9-11D9B8C46C63}"/>
+          <p:cNvPr id="71" name="TextBox 70">
+            <a:extLst>
+              <a:ext uri="{FF2B5EF4-FFF2-40B4-BE49-F238E27FC236}">
+                <a16:creationId xmlns:a16="http://schemas.microsoft.com/office/drawing/2014/main" id="{C579B0D2-2BD0-E83C-9123-C28538FCAEB5}"/>
               </a:ext>
             </a:extLst>
           </p:cNvPr>
@@ -9696,8 +11676,8 @@
         </p:nvSpPr>
         <p:spPr>
           <a:xfrm>
-            <a:off x="1198669" y="3205727"/>
-            <a:ext cx="1117812" cy="307777"/>
+            <a:off x="2007043" y="4406288"/>
+            <a:ext cx="1805311" cy="307778"/>
           </a:xfrm>
           <a:prstGeom prst="rect">
             <a:avLst/>
@@ -9722,8 +11702,208 @@
             <a:pPr algn="ctr"/>
             <a:r>
               <a:rPr lang="en-CA" sz="1400" dirty="0"/>
-              <a:t>dispatcher$</a:t>
-            </a:r>
+              <a:t>Get Price Api</a:t>
+            </a:r>
+          </a:p>
+        </p:txBody>
+      </p:sp>
+      <p:sp>
+        <p:nvSpPr>
+          <p:cNvPr id="76" name="Oval 75">
+            <a:extLst>
+              <a:ext uri="{FF2B5EF4-FFF2-40B4-BE49-F238E27FC236}">
+                <a16:creationId xmlns:a16="http://schemas.microsoft.com/office/drawing/2014/main" id="{6E4A664F-40FB-2CE2-04D7-454257BF1103}"/>
+              </a:ext>
+            </a:extLst>
+          </p:cNvPr>
+          <p:cNvSpPr/>
+          <p:nvPr/>
+        </p:nvSpPr>
+        <p:spPr>
+          <a:xfrm>
+            <a:off x="3987752" y="4602497"/>
+            <a:ext cx="350797" cy="350797"/>
+          </a:xfrm>
+          <a:prstGeom prst="ellipse">
+            <a:avLst/>
+          </a:prstGeom>
+          <a:solidFill>
+            <a:srgbClr val="FFFF00"/>
+          </a:solidFill>
+        </p:spPr>
+        <p:style>
+          <a:lnRef idx="2">
+            <a:schemeClr val="accent1">
+              <a:shade val="15000"/>
+            </a:schemeClr>
+          </a:lnRef>
+          <a:fillRef idx="1">
+            <a:schemeClr val="accent1"/>
+          </a:fillRef>
+          <a:effectRef idx="0">
+            <a:schemeClr val="accent1"/>
+          </a:effectRef>
+          <a:fontRef idx="minor">
+            <a:schemeClr val="lt1"/>
+          </a:fontRef>
+        </p:style>
+        <p:txBody>
+          <a:bodyPr rtlCol="0" anchor="ctr"/>
+          <a:lstStyle/>
+          <a:p>
+            <a:pPr algn="ctr"/>
+            <a:endParaRPr lang="en-CA"/>
+          </a:p>
+        </p:txBody>
+      </p:sp>
+      <p:sp>
+        <p:nvSpPr>
+          <p:cNvPr id="11" name="Oval 10">
+            <a:extLst>
+              <a:ext uri="{FF2B5EF4-FFF2-40B4-BE49-F238E27FC236}">
+                <a16:creationId xmlns:a16="http://schemas.microsoft.com/office/drawing/2014/main" id="{8F47BE55-760D-0884-D768-373A4B7E4955}"/>
+              </a:ext>
+            </a:extLst>
+          </p:cNvPr>
+          <p:cNvSpPr/>
+          <p:nvPr/>
+        </p:nvSpPr>
+        <p:spPr>
+          <a:xfrm>
+            <a:off x="1628812" y="4647193"/>
+            <a:ext cx="350797" cy="350797"/>
+          </a:xfrm>
+          <a:prstGeom prst="ellipse">
+            <a:avLst/>
+          </a:prstGeom>
+          <a:solidFill>
+            <a:schemeClr val="accent1">
+              <a:lumMod val="60000"/>
+              <a:lumOff val="40000"/>
+              <a:alpha val="50000"/>
+            </a:schemeClr>
+          </a:solidFill>
+        </p:spPr>
+        <p:style>
+          <a:lnRef idx="2">
+            <a:schemeClr val="accent1">
+              <a:shade val="15000"/>
+            </a:schemeClr>
+          </a:lnRef>
+          <a:fillRef idx="1">
+            <a:schemeClr val="accent1"/>
+          </a:fillRef>
+          <a:effectRef idx="0">
+            <a:schemeClr val="accent1"/>
+          </a:effectRef>
+          <a:fontRef idx="minor">
+            <a:schemeClr val="lt1"/>
+          </a:fontRef>
+        </p:style>
+        <p:txBody>
+          <a:bodyPr rtlCol="0" anchor="ctr"/>
+          <a:lstStyle/>
+          <a:p>
+            <a:pPr algn="ctr"/>
+            <a:endParaRPr lang="en-CA"/>
+          </a:p>
+        </p:txBody>
+      </p:sp>
+      <p:cxnSp>
+        <p:nvCxnSpPr>
+          <p:cNvPr id="43" name="Straight Arrow Connector 42">
+            <a:extLst>
+              <a:ext uri="{FF2B5EF4-FFF2-40B4-BE49-F238E27FC236}">
+                <a16:creationId xmlns:a16="http://schemas.microsoft.com/office/drawing/2014/main" id="{838E0860-9EC8-3A30-0523-58B80C75B96F}"/>
+              </a:ext>
+            </a:extLst>
+          </p:cNvPr>
+          <p:cNvCxnSpPr>
+            <a:cxnSpLocks/>
+            <a:stCxn id="37" idx="2"/>
+            <a:endCxn id="37" idx="6"/>
+          </p:cNvCxnSpPr>
+          <p:nvPr/>
+        </p:nvCxnSpPr>
+        <p:spPr>
+          <a:xfrm>
+            <a:off x="1165492" y="5334948"/>
+            <a:ext cx="3596756" cy="0"/>
+          </a:xfrm>
+          <a:prstGeom prst="straightConnector1">
+            <a:avLst/>
+          </a:prstGeom>
+          <a:ln w="34925">
+            <a:solidFill>
+              <a:schemeClr val="accent6"/>
+            </a:solidFill>
+            <a:tailEnd type="arrow"/>
+          </a:ln>
+        </p:spPr>
+        <p:style>
+          <a:lnRef idx="1">
+            <a:schemeClr val="accent1"/>
+          </a:lnRef>
+          <a:fillRef idx="0">
+            <a:schemeClr val="accent1"/>
+          </a:fillRef>
+          <a:effectRef idx="0">
+            <a:schemeClr val="accent1"/>
+          </a:effectRef>
+          <a:fontRef idx="minor">
+            <a:schemeClr val="tx1"/>
+          </a:fontRef>
+        </p:style>
+      </p:cxnSp>
+      <p:sp>
+        <p:nvSpPr>
+          <p:cNvPr id="64" name="Oval 63">
+            <a:extLst>
+              <a:ext uri="{FF2B5EF4-FFF2-40B4-BE49-F238E27FC236}">
+                <a16:creationId xmlns:a16="http://schemas.microsoft.com/office/drawing/2014/main" id="{4373DEC7-662F-A21D-0B7C-865151BBD5A6}"/>
+              </a:ext>
+            </a:extLst>
+          </p:cNvPr>
+          <p:cNvSpPr/>
+          <p:nvPr/>
+        </p:nvSpPr>
+        <p:spPr>
+          <a:xfrm>
+            <a:off x="4133879" y="5159548"/>
+            <a:ext cx="350797" cy="350797"/>
+          </a:xfrm>
+          <a:prstGeom prst="ellipse">
+            <a:avLst/>
+          </a:prstGeom>
+          <a:solidFill>
+            <a:schemeClr val="accent1">
+              <a:lumMod val="60000"/>
+              <a:lumOff val="40000"/>
+            </a:schemeClr>
+          </a:solidFill>
+        </p:spPr>
+        <p:style>
+          <a:lnRef idx="2">
+            <a:schemeClr val="accent1">
+              <a:shade val="15000"/>
+            </a:schemeClr>
+          </a:lnRef>
+          <a:fillRef idx="1">
+            <a:schemeClr val="accent1"/>
+          </a:fillRef>
+          <a:effectRef idx="0">
+            <a:schemeClr val="accent1"/>
+          </a:effectRef>
+          <a:fontRef idx="minor">
+            <a:schemeClr val="lt1"/>
+          </a:fontRef>
+        </p:style>
+        <p:txBody>
+          <a:bodyPr rtlCol="0" anchor="ctr"/>
+          <a:lstStyle/>
+          <a:p>
+            <a:pPr algn="ctr"/>
+            <a:endParaRPr lang="en-CA"/>
           </a:p>
         </p:txBody>
       </p:sp>
@@ -9741,7 +11921,7 @@
         </p:nvSpPr>
         <p:spPr>
           <a:xfrm>
-            <a:off x="6842720" y="3216827"/>
+            <a:off x="1848524" y="5211063"/>
             <a:ext cx="2051386" cy="307777"/>
           </a:xfrm>
           <a:prstGeom prst="rect">
@@ -9767,99 +11947,58 @@
             <a:pPr algn="ctr"/>
             <a:r>
               <a:rPr lang="en-CA" sz="1400" dirty="0"/>
-              <a:t>sourceForHub2$</a:t>
-            </a:r>
-          </a:p>
-        </p:txBody>
-      </p:sp>
-      <p:sp>
-        <p:nvSpPr>
-          <p:cNvPr id="65" name="TextBox 64">
-            <a:extLst>
-              <a:ext uri="{FF2B5EF4-FFF2-40B4-BE49-F238E27FC236}">
-                <a16:creationId xmlns:a16="http://schemas.microsoft.com/office/drawing/2014/main" id="{A72DD2CC-A92D-90EB-3CC1-EB6AFC05D83A}"/>
-              </a:ext>
-            </a:extLst>
-          </p:cNvPr>
-          <p:cNvSpPr txBox="1"/>
-          <p:nvPr/>
-        </p:nvSpPr>
-        <p:spPr>
-          <a:xfrm>
-            <a:off x="5990817" y="1722972"/>
-            <a:ext cx="3069863" cy="369332"/>
+              <a:t>Source</a:t>
+            </a:r>
+          </a:p>
+        </p:txBody>
+      </p:sp>
+      <p:pic>
+        <p:nvPicPr>
+          <p:cNvPr id="49" name="Picture 48" descr="A close-up of a web page&#10;&#10;Description automatically generated">
+            <a:extLst>
+              <a:ext uri="{FF2B5EF4-FFF2-40B4-BE49-F238E27FC236}">
+                <a16:creationId xmlns:a16="http://schemas.microsoft.com/office/drawing/2014/main" id="{A2433B50-1C70-2357-0274-9CFA3829867F}"/>
+              </a:ext>
+            </a:extLst>
+          </p:cNvPr>
+          <p:cNvPicPr>
+            <a:picLocks noChangeAspect="1"/>
+          </p:cNvPicPr>
+          <p:nvPr/>
+        </p:nvPicPr>
+        <p:blipFill>
+          <a:blip r:embed="rId2">
+            <a:extLst>
+              <a:ext uri="{28A0092B-C50C-407E-A947-70E740481C1C}">
+                <a14:useLocalDpi xmlns:a14="http://schemas.microsoft.com/office/drawing/2010/main" val="0"/>
+              </a:ext>
+            </a:extLst>
+          </a:blip>
+          <a:stretch>
+            <a:fillRect/>
+          </a:stretch>
+        </p:blipFill>
+        <p:spPr>
+          <a:xfrm>
+            <a:off x="7958250" y="2556702"/>
+            <a:ext cx="3956455" cy="2440670"/>
           </a:xfrm>
           <a:prstGeom prst="rect">
             <a:avLst/>
           </a:prstGeom>
-          <a:noFill/>
-        </p:spPr>
-        <p:txBody>
-          <a:bodyPr wrap="square" rtlCol="0">
-            <a:spAutoFit/>
-          </a:bodyPr>
-          <a:lstStyle/>
-          <a:p>
-            <a:r>
-              <a:rPr lang="en-CA" dirty="0"/>
-              <a:t>Hub 2 – Fetch Price for Event</a:t>
-            </a:r>
-          </a:p>
-        </p:txBody>
-      </p:sp>
-      <p:sp>
-        <p:nvSpPr>
-          <p:cNvPr id="66" name="TextBox 65">
-            <a:extLst>
-              <a:ext uri="{FF2B5EF4-FFF2-40B4-BE49-F238E27FC236}">
-                <a16:creationId xmlns:a16="http://schemas.microsoft.com/office/drawing/2014/main" id="{A0FE41AB-6FF8-F3EA-DDAC-BE7405DFE942}"/>
-              </a:ext>
-            </a:extLst>
-          </p:cNvPr>
-          <p:cNvSpPr txBox="1"/>
-          <p:nvPr/>
-        </p:nvSpPr>
-        <p:spPr>
-          <a:xfrm>
-            <a:off x="496177" y="1196246"/>
-            <a:ext cx="2910052" cy="923330"/>
-          </a:xfrm>
-          <a:prstGeom prst="rect">
-            <a:avLst/>
-          </a:prstGeom>
-          <a:noFill/>
-        </p:spPr>
-        <p:txBody>
-          <a:bodyPr wrap="square" rtlCol="0">
-            <a:spAutoFit/>
-          </a:bodyPr>
-          <a:lstStyle/>
-          <a:p>
-            <a:r>
-              <a:rPr lang="en-CA" dirty="0"/>
-              <a:t>Hub 1 – User Controls </a:t>
-            </a:r>
-          </a:p>
-          <a:p>
-            <a:r>
-              <a:rPr lang="en-CA" dirty="0"/>
-              <a:t>Event Selection </a:t>
-            </a:r>
-          </a:p>
-          <a:p>
-            <a:r>
-              <a:rPr lang="en-CA" dirty="0"/>
-              <a:t>Ticket Quantity</a:t>
-            </a:r>
-          </a:p>
-        </p:txBody>
-      </p:sp>
-      <p:sp>
-        <p:nvSpPr>
-          <p:cNvPr id="68" name="Arc 67">
-            <a:extLst>
-              <a:ext uri="{FF2B5EF4-FFF2-40B4-BE49-F238E27FC236}">
-                <a16:creationId xmlns:a16="http://schemas.microsoft.com/office/drawing/2014/main" id="{42C32F68-CA99-AFD5-7EF4-F87048816E7E}"/>
+          <a:ln>
+            <a:solidFill>
+              <a:schemeClr val="tx1"/>
+            </a:solidFill>
+          </a:ln>
+        </p:spPr>
+      </p:pic>
+      <p:sp>
+        <p:nvSpPr>
+          <p:cNvPr id="52" name="Oval 51">
+            <a:extLst>
+              <a:ext uri="{FF2B5EF4-FFF2-40B4-BE49-F238E27FC236}">
+                <a16:creationId xmlns:a16="http://schemas.microsoft.com/office/drawing/2014/main" id="{797CFDA3-4A43-88DC-ACD4-ADD3AA80CBC5}"/>
               </a:ext>
             </a:extLst>
           </p:cNvPr>
@@ -9868,34 +12007,33 @@
         </p:nvSpPr>
         <p:spPr>
           <a:xfrm>
-            <a:off x="6194061" y="2738000"/>
-            <a:ext cx="3523791" cy="1086710"/>
-          </a:xfrm>
-          <a:prstGeom prst="arc">
-            <a:avLst>
-              <a:gd name="adj1" fmla="val 10769572"/>
-              <a:gd name="adj2" fmla="val 21448792"/>
-            </a:avLst>
-          </a:prstGeom>
-          <a:ln w="34925">
-            <a:solidFill>
-              <a:schemeClr val="accent2"/>
-            </a:solidFill>
-            <a:tailEnd type="arrow"/>
-          </a:ln>
-        </p:spPr>
-        <p:style>
-          <a:lnRef idx="1">
-            <a:schemeClr val="accent1"/>
-          </a:lnRef>
-          <a:fillRef idx="0">
-            <a:schemeClr val="accent1"/>
-          </a:fillRef>
-          <a:effectRef idx="0">
-            <a:schemeClr val="accent1"/>
-          </a:effectRef>
-          <a:fontRef idx="minor">
-            <a:schemeClr val="tx1"/>
+            <a:off x="756124" y="3912601"/>
+            <a:ext cx="350797" cy="350797"/>
+          </a:xfrm>
+          <a:prstGeom prst="ellipse">
+            <a:avLst/>
+          </a:prstGeom>
+          <a:solidFill>
+            <a:schemeClr val="accent1">
+              <a:lumMod val="60000"/>
+              <a:lumOff val="40000"/>
+            </a:schemeClr>
+          </a:solidFill>
+        </p:spPr>
+        <p:style>
+          <a:lnRef idx="2">
+            <a:schemeClr val="accent1">
+              <a:shade val="15000"/>
+            </a:schemeClr>
+          </a:lnRef>
+          <a:fillRef idx="1">
+            <a:schemeClr val="accent1"/>
+          </a:fillRef>
+          <a:effectRef idx="0">
+            <a:schemeClr val="accent1"/>
+          </a:effectRef>
+          <a:fontRef idx="minor">
+            <a:schemeClr val="lt1"/>
           </a:fontRef>
         </p:style>
         <p:txBody>
@@ -9909,10 +12047,458 @@
       </p:sp>
       <p:sp>
         <p:nvSpPr>
-          <p:cNvPr id="71" name="TextBox 70">
-            <a:extLst>
-              <a:ext uri="{FF2B5EF4-FFF2-40B4-BE49-F238E27FC236}">
-                <a16:creationId xmlns:a16="http://schemas.microsoft.com/office/drawing/2014/main" id="{C579B0D2-2BD0-E83C-9123-C28538FCAEB5}"/>
+          <p:cNvPr id="53" name="Arrow: Right 52">
+            <a:extLst>
+              <a:ext uri="{FF2B5EF4-FFF2-40B4-BE49-F238E27FC236}">
+                <a16:creationId xmlns:a16="http://schemas.microsoft.com/office/drawing/2014/main" id="{FA514C74-D5DB-9BB9-4390-009D71EAD96A}"/>
+              </a:ext>
+            </a:extLst>
+          </p:cNvPr>
+          <p:cNvSpPr/>
+          <p:nvPr/>
+        </p:nvSpPr>
+        <p:spPr>
+          <a:xfrm rot="10800000">
+            <a:off x="3865774" y="3466825"/>
+            <a:ext cx="357808" cy="214282"/>
+          </a:xfrm>
+          <a:prstGeom prst="rightArrow">
+            <a:avLst/>
+          </a:prstGeom>
+          <a:solidFill>
+            <a:schemeClr val="accent6">
+              <a:lumMod val="60000"/>
+              <a:lumOff val="40000"/>
+            </a:schemeClr>
+          </a:solidFill>
+          <a:ln>
+            <a:noFill/>
+          </a:ln>
+        </p:spPr>
+        <p:style>
+          <a:lnRef idx="2">
+            <a:schemeClr val="accent1">
+              <a:shade val="15000"/>
+            </a:schemeClr>
+          </a:lnRef>
+          <a:fillRef idx="1">
+            <a:schemeClr val="accent1"/>
+          </a:fillRef>
+          <a:effectRef idx="0">
+            <a:schemeClr val="accent1"/>
+          </a:effectRef>
+          <a:fontRef idx="minor">
+            <a:schemeClr val="lt1"/>
+          </a:fontRef>
+        </p:style>
+        <p:txBody>
+          <a:bodyPr rtlCol="0" anchor="ctr"/>
+          <a:lstStyle/>
+          <a:p>
+            <a:pPr algn="ctr"/>
+            <a:endParaRPr lang="en-CA"/>
+          </a:p>
+        </p:txBody>
+      </p:sp>
+      <p:sp>
+        <p:nvSpPr>
+          <p:cNvPr id="56" name="Arrow: Right 55">
+            <a:extLst>
+              <a:ext uri="{FF2B5EF4-FFF2-40B4-BE49-F238E27FC236}">
+                <a16:creationId xmlns:a16="http://schemas.microsoft.com/office/drawing/2014/main" id="{19DF50B0-1D60-4C46-5686-B298D3FC8F90}"/>
+              </a:ext>
+            </a:extLst>
+          </p:cNvPr>
+          <p:cNvSpPr/>
+          <p:nvPr/>
+        </p:nvSpPr>
+        <p:spPr>
+          <a:xfrm rot="5400000">
+            <a:off x="762463" y="4614644"/>
+            <a:ext cx="357808" cy="214282"/>
+          </a:xfrm>
+          <a:prstGeom prst="rightArrow">
+            <a:avLst/>
+          </a:prstGeom>
+          <a:solidFill>
+            <a:schemeClr val="accent6">
+              <a:lumMod val="60000"/>
+              <a:lumOff val="40000"/>
+            </a:schemeClr>
+          </a:solidFill>
+          <a:ln>
+            <a:noFill/>
+          </a:ln>
+        </p:spPr>
+        <p:style>
+          <a:lnRef idx="2">
+            <a:schemeClr val="accent1">
+              <a:shade val="15000"/>
+            </a:schemeClr>
+          </a:lnRef>
+          <a:fillRef idx="1">
+            <a:schemeClr val="accent1"/>
+          </a:fillRef>
+          <a:effectRef idx="0">
+            <a:schemeClr val="accent1"/>
+          </a:effectRef>
+          <a:fontRef idx="minor">
+            <a:schemeClr val="lt1"/>
+          </a:fontRef>
+        </p:style>
+        <p:txBody>
+          <a:bodyPr rtlCol="0" anchor="ctr"/>
+          <a:lstStyle/>
+          <a:p>
+            <a:pPr algn="ctr"/>
+            <a:endParaRPr lang="en-CA"/>
+          </a:p>
+        </p:txBody>
+      </p:sp>
+      <p:sp>
+        <p:nvSpPr>
+          <p:cNvPr id="57" name="Arrow: Right 56">
+            <a:extLst>
+              <a:ext uri="{FF2B5EF4-FFF2-40B4-BE49-F238E27FC236}">
+                <a16:creationId xmlns:a16="http://schemas.microsoft.com/office/drawing/2014/main" id="{4C8939AC-9E1B-9E57-D1B2-089DC3785B11}"/>
+              </a:ext>
+            </a:extLst>
+          </p:cNvPr>
+          <p:cNvSpPr/>
+          <p:nvPr/>
+        </p:nvSpPr>
+        <p:spPr>
+          <a:xfrm rot="5400000">
+            <a:off x="7004574" y="2873117"/>
+            <a:ext cx="357808" cy="214282"/>
+          </a:xfrm>
+          <a:prstGeom prst="rightArrow">
+            <a:avLst/>
+          </a:prstGeom>
+          <a:solidFill>
+            <a:schemeClr val="accent6">
+              <a:lumMod val="60000"/>
+              <a:lumOff val="40000"/>
+            </a:schemeClr>
+          </a:solidFill>
+          <a:ln>
+            <a:noFill/>
+          </a:ln>
+        </p:spPr>
+        <p:style>
+          <a:lnRef idx="2">
+            <a:schemeClr val="accent1">
+              <a:shade val="15000"/>
+            </a:schemeClr>
+          </a:lnRef>
+          <a:fillRef idx="1">
+            <a:schemeClr val="accent1"/>
+          </a:fillRef>
+          <a:effectRef idx="0">
+            <a:schemeClr val="accent1"/>
+          </a:effectRef>
+          <a:fontRef idx="minor">
+            <a:schemeClr val="lt1"/>
+          </a:fontRef>
+        </p:style>
+        <p:txBody>
+          <a:bodyPr rtlCol="0" anchor="ctr"/>
+          <a:lstStyle/>
+          <a:p>
+            <a:pPr algn="ctr"/>
+            <a:endParaRPr lang="en-CA"/>
+          </a:p>
+        </p:txBody>
+      </p:sp>
+      <p:cxnSp>
+        <p:nvCxnSpPr>
+          <p:cNvPr id="58" name="Connector: Elbow 9">
+            <a:extLst>
+              <a:ext uri="{FF2B5EF4-FFF2-40B4-BE49-F238E27FC236}">
+                <a16:creationId xmlns:a16="http://schemas.microsoft.com/office/drawing/2014/main" id="{E283FB8D-C506-023A-5CB0-92EFC0C4D505}"/>
+              </a:ext>
+            </a:extLst>
+          </p:cNvPr>
+          <p:cNvCxnSpPr>
+            <a:cxnSpLocks/>
+            <a:stCxn id="49" idx="0"/>
+            <a:endCxn id="6" idx="2"/>
+          </p:cNvCxnSpPr>
+          <p:nvPr/>
+        </p:nvCxnSpPr>
+        <p:spPr>
+          <a:xfrm rot="16200000" flipV="1">
+            <a:off x="5267368" y="-2112409"/>
+            <a:ext cx="333267" cy="9004955"/>
+          </a:xfrm>
+          <a:prstGeom prst="bentConnector4">
+            <a:avLst>
+              <a:gd name="adj1" fmla="val 491463"/>
+              <a:gd name="adj2" fmla="val 102539"/>
+            </a:avLst>
+          </a:prstGeom>
+          <a:ln w="38100">
+            <a:solidFill>
+              <a:schemeClr val="accent1"/>
+            </a:solidFill>
+            <a:tailEnd type="triangle" w="lg" len="lg"/>
+          </a:ln>
+        </p:spPr>
+        <p:style>
+          <a:lnRef idx="1">
+            <a:schemeClr val="accent1"/>
+          </a:lnRef>
+          <a:fillRef idx="0">
+            <a:schemeClr val="accent1"/>
+          </a:fillRef>
+          <a:effectRef idx="0">
+            <a:schemeClr val="accent1"/>
+          </a:effectRef>
+          <a:fontRef idx="minor">
+            <a:schemeClr val="tx1"/>
+          </a:fontRef>
+        </p:style>
+      </p:cxnSp>
+      <p:cxnSp>
+        <p:nvCxnSpPr>
+          <p:cNvPr id="87" name="Straight Arrow Connector 86">
+            <a:extLst>
+              <a:ext uri="{FF2B5EF4-FFF2-40B4-BE49-F238E27FC236}">
+                <a16:creationId xmlns:a16="http://schemas.microsoft.com/office/drawing/2014/main" id="{085F3B9D-9052-9B2E-30DF-4C15A4707846}"/>
+              </a:ext>
+            </a:extLst>
+          </p:cNvPr>
+          <p:cNvCxnSpPr>
+            <a:cxnSpLocks/>
+            <a:stCxn id="40" idx="3"/>
+            <a:endCxn id="49" idx="2"/>
+          </p:cNvCxnSpPr>
+          <p:nvPr/>
+        </p:nvCxnSpPr>
+        <p:spPr>
+          <a:xfrm flipV="1">
+            <a:off x="7659812" y="4997372"/>
+            <a:ext cx="2276666" cy="304612"/>
+          </a:xfrm>
+          <a:prstGeom prst="bentConnector2">
+            <a:avLst/>
+          </a:prstGeom>
+          <a:ln w="38100">
+            <a:solidFill>
+              <a:srgbClr val="C00000"/>
+            </a:solidFill>
+            <a:tailEnd type="triangle"/>
+          </a:ln>
+        </p:spPr>
+        <p:style>
+          <a:lnRef idx="1">
+            <a:schemeClr val="accent1"/>
+          </a:lnRef>
+          <a:fillRef idx="0">
+            <a:schemeClr val="accent1"/>
+          </a:fillRef>
+          <a:effectRef idx="0">
+            <a:schemeClr val="accent1"/>
+          </a:effectRef>
+          <a:fontRef idx="minor">
+            <a:schemeClr val="tx1"/>
+          </a:fontRef>
+        </p:style>
+      </p:cxnSp>
+      <p:cxnSp>
+        <p:nvCxnSpPr>
+          <p:cNvPr id="108" name="Straight Arrow Connector 86">
+            <a:extLst>
+              <a:ext uri="{FF2B5EF4-FFF2-40B4-BE49-F238E27FC236}">
+                <a16:creationId xmlns:a16="http://schemas.microsoft.com/office/drawing/2014/main" id="{510474C7-ED5E-EB4B-F99A-6780060433EA}"/>
+              </a:ext>
+            </a:extLst>
+          </p:cNvPr>
+          <p:cNvCxnSpPr>
+            <a:cxnSpLocks/>
+            <a:endCxn id="49" idx="0"/>
+          </p:cNvCxnSpPr>
+          <p:nvPr/>
+        </p:nvCxnSpPr>
+        <p:spPr>
+          <a:xfrm rot="10800000">
+            <a:off x="9936479" y="2556703"/>
+            <a:ext cx="1023559" cy="985263"/>
+          </a:xfrm>
+          <a:prstGeom prst="bentConnector4">
+            <a:avLst>
+              <a:gd name="adj1" fmla="val -1413"/>
+              <a:gd name="adj2" fmla="val 98711"/>
+            </a:avLst>
+          </a:prstGeom>
+          <a:ln w="22225">
+            <a:tailEnd type="triangle"/>
+          </a:ln>
+        </p:spPr>
+        <p:style>
+          <a:lnRef idx="1">
+            <a:schemeClr val="accent1"/>
+          </a:lnRef>
+          <a:fillRef idx="0">
+            <a:schemeClr val="accent1"/>
+          </a:fillRef>
+          <a:effectRef idx="0">
+            <a:schemeClr val="accent1"/>
+          </a:effectRef>
+          <a:fontRef idx="minor">
+            <a:schemeClr val="tx1"/>
+          </a:fontRef>
+        </p:style>
+      </p:cxnSp>
+      <p:sp>
+        <p:nvSpPr>
+          <p:cNvPr id="114" name="Oval 113">
+            <a:extLst>
+              <a:ext uri="{FF2B5EF4-FFF2-40B4-BE49-F238E27FC236}">
+                <a16:creationId xmlns:a16="http://schemas.microsoft.com/office/drawing/2014/main" id="{BB57C374-7578-C3D9-D7B5-C8602E95B106}"/>
+              </a:ext>
+            </a:extLst>
+          </p:cNvPr>
+          <p:cNvSpPr/>
+          <p:nvPr/>
+        </p:nvSpPr>
+        <p:spPr>
+          <a:xfrm>
+            <a:off x="10838126" y="2761270"/>
+            <a:ext cx="243824" cy="243824"/>
+          </a:xfrm>
+          <a:prstGeom prst="ellipse">
+            <a:avLst/>
+          </a:prstGeom>
+          <a:solidFill>
+            <a:schemeClr val="accent6">
+              <a:lumMod val="40000"/>
+              <a:lumOff val="60000"/>
+            </a:schemeClr>
+          </a:solidFill>
+        </p:spPr>
+        <p:style>
+          <a:lnRef idx="2">
+            <a:schemeClr val="accent1">
+              <a:shade val="15000"/>
+            </a:schemeClr>
+          </a:lnRef>
+          <a:fillRef idx="1">
+            <a:schemeClr val="accent1"/>
+          </a:fillRef>
+          <a:effectRef idx="0">
+            <a:schemeClr val="accent1"/>
+          </a:effectRef>
+          <a:fontRef idx="minor">
+            <a:schemeClr val="lt1"/>
+          </a:fontRef>
+        </p:style>
+        <p:txBody>
+          <a:bodyPr rtlCol="0" anchor="ctr"/>
+          <a:lstStyle/>
+          <a:p>
+            <a:pPr algn="ctr"/>
+            <a:endParaRPr lang="en-CA"/>
+          </a:p>
+        </p:txBody>
+      </p:sp>
+      <p:cxnSp>
+        <p:nvCxnSpPr>
+          <p:cNvPr id="116" name="Straight Arrow Connector 86">
+            <a:extLst>
+              <a:ext uri="{FF2B5EF4-FFF2-40B4-BE49-F238E27FC236}">
+                <a16:creationId xmlns:a16="http://schemas.microsoft.com/office/drawing/2014/main" id="{2CD77C3A-6C37-C7A1-0D7B-38486BD8FBF2}"/>
+              </a:ext>
+            </a:extLst>
+          </p:cNvPr>
+          <p:cNvCxnSpPr>
+            <a:cxnSpLocks/>
+            <a:endCxn id="49" idx="0"/>
+          </p:cNvCxnSpPr>
+          <p:nvPr/>
+        </p:nvCxnSpPr>
+        <p:spPr>
+          <a:xfrm flipV="1">
+            <a:off x="9936478" y="2556702"/>
+            <a:ext cx="0" cy="1531298"/>
+          </a:xfrm>
+          <a:prstGeom prst="straightConnector1">
+            <a:avLst/>
+          </a:prstGeom>
+          <a:ln w="22225">
+            <a:tailEnd type="triangle"/>
+          </a:ln>
+        </p:spPr>
+        <p:style>
+          <a:lnRef idx="1">
+            <a:schemeClr val="accent1"/>
+          </a:lnRef>
+          <a:fillRef idx="0">
+            <a:schemeClr val="accent1"/>
+          </a:fillRef>
+          <a:effectRef idx="0">
+            <a:schemeClr val="accent1"/>
+          </a:effectRef>
+          <a:fontRef idx="minor">
+            <a:schemeClr val="tx1"/>
+          </a:fontRef>
+        </p:style>
+      </p:cxnSp>
+      <p:sp>
+        <p:nvSpPr>
+          <p:cNvPr id="117" name="Oval 116">
+            <a:extLst>
+              <a:ext uri="{FF2B5EF4-FFF2-40B4-BE49-F238E27FC236}">
+                <a16:creationId xmlns:a16="http://schemas.microsoft.com/office/drawing/2014/main" id="{F0B52146-C846-2DC0-E83E-1847E27C1086}"/>
+              </a:ext>
+            </a:extLst>
+          </p:cNvPr>
+          <p:cNvSpPr/>
+          <p:nvPr/>
+        </p:nvSpPr>
+        <p:spPr>
+          <a:xfrm>
+            <a:off x="9814565" y="3668777"/>
+            <a:ext cx="243824" cy="243824"/>
+          </a:xfrm>
+          <a:prstGeom prst="ellipse">
+            <a:avLst/>
+          </a:prstGeom>
+          <a:solidFill>
+            <a:schemeClr val="bg2"/>
+          </a:solidFill>
+        </p:spPr>
+        <p:style>
+          <a:lnRef idx="2">
+            <a:schemeClr val="accent1">
+              <a:shade val="15000"/>
+            </a:schemeClr>
+          </a:lnRef>
+          <a:fillRef idx="1">
+            <a:schemeClr val="accent1"/>
+          </a:fillRef>
+          <a:effectRef idx="0">
+            <a:schemeClr val="accent1"/>
+          </a:effectRef>
+          <a:fontRef idx="minor">
+            <a:schemeClr val="lt1"/>
+          </a:fontRef>
+        </p:style>
+        <p:txBody>
+          <a:bodyPr rtlCol="0" anchor="ctr"/>
+          <a:lstStyle/>
+          <a:p>
+            <a:pPr algn="ctr"/>
+            <a:endParaRPr lang="en-CA"/>
+          </a:p>
+        </p:txBody>
+      </p:sp>
+      <p:sp>
+        <p:nvSpPr>
+          <p:cNvPr id="126" name="TextBox 125">
+            <a:extLst>
+              <a:ext uri="{FF2B5EF4-FFF2-40B4-BE49-F238E27FC236}">
+                <a16:creationId xmlns:a16="http://schemas.microsoft.com/office/drawing/2014/main" id="{34048DD8-6F70-D1BB-5DCB-C4B81C3C3A22}"/>
               </a:ext>
             </a:extLst>
           </p:cNvPr>
@@ -9921,8 +12507,8 @@
         </p:nvSpPr>
         <p:spPr>
           <a:xfrm>
-            <a:off x="6833895" y="2643235"/>
-            <a:ext cx="2051387" cy="307777"/>
+            <a:off x="7958250" y="5159548"/>
+            <a:ext cx="1288730" cy="307777"/>
           </a:xfrm>
           <a:prstGeom prst="rect">
             <a:avLst/>
@@ -9946,123 +12532,18 @@
           <a:p>
             <a:pPr algn="ctr"/>
             <a:r>
-              <a:rPr lang="en-CA" sz="1400" dirty="0" err="1"/>
-              <a:t>getPriceEffect</a:t>
-            </a:r>
-            <a:r>
               <a:rPr lang="en-CA" sz="1400" dirty="0"/>
-              <a:t>$</a:t>
-            </a:r>
-          </a:p>
-        </p:txBody>
-      </p:sp>
-      <p:sp>
-        <p:nvSpPr>
-          <p:cNvPr id="76" name="Oval 75">
-            <a:extLst>
-              <a:ext uri="{FF2B5EF4-FFF2-40B4-BE49-F238E27FC236}">
-                <a16:creationId xmlns:a16="http://schemas.microsoft.com/office/drawing/2014/main" id="{6E4A664F-40FB-2CE2-04D7-454257BF1103}"/>
-              </a:ext>
-            </a:extLst>
-          </p:cNvPr>
-          <p:cNvSpPr/>
-          <p:nvPr/>
-        </p:nvSpPr>
-        <p:spPr>
-          <a:xfrm>
-            <a:off x="8938753" y="2662976"/>
-            <a:ext cx="350797" cy="350797"/>
-          </a:xfrm>
-          <a:prstGeom prst="ellipse">
-            <a:avLst/>
-          </a:prstGeom>
-          <a:solidFill>
-            <a:srgbClr val="92D050"/>
-          </a:solidFill>
-        </p:spPr>
-        <p:style>
-          <a:lnRef idx="2">
-            <a:schemeClr val="accent1">
-              <a:shade val="15000"/>
-            </a:schemeClr>
-          </a:lnRef>
-          <a:fillRef idx="1">
-            <a:schemeClr val="accent1"/>
-          </a:fillRef>
-          <a:effectRef idx="0">
-            <a:schemeClr val="accent1"/>
-          </a:effectRef>
-          <a:fontRef idx="minor">
-            <a:schemeClr val="lt1"/>
-          </a:fontRef>
-        </p:style>
-        <p:txBody>
-          <a:bodyPr rtlCol="0" anchor="ctr"/>
-          <a:lstStyle/>
-          <a:p>
-            <a:pPr algn="ctr"/>
-            <a:endParaRPr lang="en-CA"/>
-          </a:p>
-        </p:txBody>
-      </p:sp>
-      <p:sp>
-        <p:nvSpPr>
-          <p:cNvPr id="64" name="Oval 63">
-            <a:extLst>
-              <a:ext uri="{FF2B5EF4-FFF2-40B4-BE49-F238E27FC236}">
-                <a16:creationId xmlns:a16="http://schemas.microsoft.com/office/drawing/2014/main" id="{4373DEC7-662F-A21D-0B7C-865151BBD5A6}"/>
-              </a:ext>
-            </a:extLst>
-          </p:cNvPr>
-          <p:cNvSpPr/>
-          <p:nvPr/>
-        </p:nvSpPr>
-        <p:spPr>
-          <a:xfrm>
-            <a:off x="9743847" y="3241595"/>
-            <a:ext cx="350797" cy="350797"/>
-          </a:xfrm>
-          <a:prstGeom prst="ellipse">
-            <a:avLst/>
-          </a:prstGeom>
-          <a:solidFill>
-            <a:schemeClr val="accent1">
-              <a:lumMod val="60000"/>
-              <a:lumOff val="40000"/>
-            </a:schemeClr>
-          </a:solidFill>
-        </p:spPr>
-        <p:style>
-          <a:lnRef idx="2">
-            <a:schemeClr val="accent1">
-              <a:shade val="15000"/>
-            </a:schemeClr>
-          </a:lnRef>
-          <a:fillRef idx="1">
-            <a:schemeClr val="accent1"/>
-          </a:fillRef>
-          <a:effectRef idx="0">
-            <a:schemeClr val="accent1"/>
-          </a:effectRef>
-          <a:fontRef idx="minor">
-            <a:schemeClr val="lt1"/>
-          </a:fontRef>
-        </p:style>
-        <p:txBody>
-          <a:bodyPr rtlCol="0" anchor="ctr"/>
-          <a:lstStyle/>
-          <a:p>
-            <a:pPr algn="ctr"/>
-            <a:endParaRPr lang="en-CA"/>
-          </a:p>
-        </p:txBody>
-      </p:sp>
-      <p:sp>
-        <p:nvSpPr>
-          <p:cNvPr id="100" name="TextBox 99">
-            <a:extLst>
-              <a:ext uri="{FF2B5EF4-FFF2-40B4-BE49-F238E27FC236}">
-                <a16:creationId xmlns:a16="http://schemas.microsoft.com/office/drawing/2014/main" id="{A8AE2161-5D45-3218-CE95-260C443B8A74}"/>
+              <a:t>Update View</a:t>
+            </a:r>
+          </a:p>
+        </p:txBody>
+      </p:sp>
+      <p:sp>
+        <p:nvSpPr>
+          <p:cNvPr id="132" name="TextBox 131">
+            <a:extLst>
+              <a:ext uri="{FF2B5EF4-FFF2-40B4-BE49-F238E27FC236}">
+                <a16:creationId xmlns:a16="http://schemas.microsoft.com/office/drawing/2014/main" id="{C0CEF6B7-E969-3BF8-B789-BA5F02325A01}"/>
               </a:ext>
             </a:extLst>
           </p:cNvPr>
@@ -10071,8 +12552,8 @@
         </p:nvSpPr>
         <p:spPr>
           <a:xfrm>
-            <a:off x="5299843" y="4758426"/>
-            <a:ext cx="3881203" cy="800219"/>
+            <a:off x="-3438014" y="2057258"/>
+            <a:ext cx="3267532" cy="1877437"/>
           </a:xfrm>
           <a:prstGeom prst="rect">
             <a:avLst/>
@@ -10096,30 +12577,67 @@
           <a:p>
             <a:pPr algn="ctr"/>
             <a:r>
-              <a:rPr lang="en-CA" dirty="0"/>
-              <a:t>Source For Hub 2 Actions</a:t>
-            </a:r>
-          </a:p>
-          <a:p>
+              <a:rPr lang="en-CA" b="1" dirty="0"/>
+              <a:t>Actions</a:t>
+            </a:r>
+          </a:p>
+          <a:p>
+            <a:pPr marL="285750" indent="-285750">
+              <a:buFont typeface="Arial" panose="020B0604020202020204" pitchFamily="34" charset="0"/>
+              <a:buChar char="•"/>
+            </a:pPr>
             <a:r>
               <a:rPr lang="en-CA" sz="1400" dirty="0"/>
-              <a:t>CONTROL_CHANGE</a:t>
-            </a:r>
-          </a:p>
-          <a:p>
+              <a:t>Select Event</a:t>
+            </a:r>
+          </a:p>
+          <a:p>
+            <a:endParaRPr lang="en-CA" sz="1400" dirty="0"/>
+          </a:p>
+          <a:p>
+            <a:pPr marL="285750" indent="-285750">
+              <a:buFont typeface="Arial" panose="020B0604020202020204" pitchFamily="34" charset="0"/>
+              <a:buChar char="•"/>
+            </a:pPr>
             <a:r>
               <a:rPr lang="en-CA" sz="1400" dirty="0"/>
-              <a:t>FETCH_PRICE SUCCESS</a:t>
-            </a:r>
-          </a:p>
-        </p:txBody>
-      </p:sp>
-      <p:sp>
-        <p:nvSpPr>
-          <p:cNvPr id="101" name="Oval 100">
-            <a:extLst>
-              <a:ext uri="{FF2B5EF4-FFF2-40B4-BE49-F238E27FC236}">
-                <a16:creationId xmlns:a16="http://schemas.microsoft.com/office/drawing/2014/main" id="{72684D0B-F2B2-EBDD-1D6C-9FA485818925}"/>
+              <a:t>Set Quantity</a:t>
+            </a:r>
+          </a:p>
+          <a:p>
+            <a:endParaRPr lang="en-CA" sz="1400" dirty="0"/>
+          </a:p>
+          <a:p>
+            <a:pPr marL="285750" indent="-285750">
+              <a:buFont typeface="Arial" panose="020B0604020202020204" pitchFamily="34" charset="0"/>
+              <a:buChar char="•"/>
+            </a:pPr>
+            <a:r>
+              <a:rPr lang="en-CA" sz="1400" dirty="0"/>
+              <a:t>Controls Change</a:t>
+            </a:r>
+          </a:p>
+          <a:p>
+            <a:endParaRPr lang="en-CA" sz="1400" dirty="0"/>
+          </a:p>
+          <a:p>
+            <a:pPr marL="285750" indent="-285750">
+              <a:buFont typeface="Arial" panose="020B0604020202020204" pitchFamily="34" charset="0"/>
+              <a:buChar char="•"/>
+            </a:pPr>
+            <a:r>
+              <a:rPr lang="en-CA" sz="1400" dirty="0"/>
+              <a:t>Fetch Price Success</a:t>
+            </a:r>
+          </a:p>
+        </p:txBody>
+      </p:sp>
+      <p:sp>
+        <p:nvSpPr>
+          <p:cNvPr id="133" name="Oval 132">
+            <a:extLst>
+              <a:ext uri="{FF2B5EF4-FFF2-40B4-BE49-F238E27FC236}">
+                <a16:creationId xmlns:a16="http://schemas.microsoft.com/office/drawing/2014/main" id="{54BEFD5A-F716-8856-F0F5-D1B4AE7640EE}"/>
               </a:ext>
             </a:extLst>
           </p:cNvPr>
@@ -10127,9 +12645,61 @@
           <p:nvPr/>
         </p:nvSpPr>
         <p:spPr>
-          <a:xfrm>
-            <a:off x="2834870" y="5201106"/>
-            <a:ext cx="179850" cy="177553"/>
+          <a:xfrm flipH="1" flipV="1">
+            <a:off x="-3337876" y="2401712"/>
+            <a:ext cx="173908" cy="173908"/>
+          </a:xfrm>
+          <a:prstGeom prst="ellipse">
+            <a:avLst/>
+          </a:prstGeom>
+          <a:solidFill>
+            <a:schemeClr val="accent6">
+              <a:lumMod val="60000"/>
+              <a:lumOff val="40000"/>
+            </a:schemeClr>
+          </a:solidFill>
+        </p:spPr>
+        <p:style>
+          <a:lnRef idx="2">
+            <a:schemeClr val="accent1">
+              <a:shade val="15000"/>
+            </a:schemeClr>
+          </a:lnRef>
+          <a:fillRef idx="1">
+            <a:schemeClr val="accent1"/>
+          </a:fillRef>
+          <a:effectRef idx="0">
+            <a:schemeClr val="accent1"/>
+          </a:effectRef>
+          <a:fontRef idx="minor">
+            <a:schemeClr val="lt1"/>
+          </a:fontRef>
+        </p:style>
+        <p:txBody>
+          <a:bodyPr rtlCol="0" anchor="ctr"/>
+          <a:lstStyle/>
+          <a:p>
+            <a:pPr algn="ctr"/>
+            <a:endParaRPr lang="en-CA"/>
+          </a:p>
+        </p:txBody>
+      </p:sp>
+      <p:sp>
+        <p:nvSpPr>
+          <p:cNvPr id="134" name="Oval 133">
+            <a:extLst>
+              <a:ext uri="{FF2B5EF4-FFF2-40B4-BE49-F238E27FC236}">
+                <a16:creationId xmlns:a16="http://schemas.microsoft.com/office/drawing/2014/main" id="{30574444-4B80-B0D5-62A0-10A17B2C2547}"/>
+              </a:ext>
+            </a:extLst>
+          </p:cNvPr>
+          <p:cNvSpPr/>
+          <p:nvPr/>
+        </p:nvSpPr>
+        <p:spPr>
+          <a:xfrm flipH="1" flipV="1">
+            <a:off x="-3337876" y="2808651"/>
+            <a:ext cx="173908" cy="173908"/>
           </a:xfrm>
           <a:prstGeom prst="ellipse">
             <a:avLst/>
@@ -10165,10 +12735,10 @@
       </p:sp>
       <p:sp>
         <p:nvSpPr>
-          <p:cNvPr id="102" name="Oval 101">
-            <a:extLst>
-              <a:ext uri="{FF2B5EF4-FFF2-40B4-BE49-F238E27FC236}">
-                <a16:creationId xmlns:a16="http://schemas.microsoft.com/office/drawing/2014/main" id="{81D6EC26-8AB9-7F3A-2935-C3BCF43BB796}"/>
+          <p:cNvPr id="135" name="Oval 134">
+            <a:extLst>
+              <a:ext uri="{FF2B5EF4-FFF2-40B4-BE49-F238E27FC236}">
+                <a16:creationId xmlns:a16="http://schemas.microsoft.com/office/drawing/2014/main" id="{CCBB4B22-2FB2-7932-4F2E-0768EEB9F633}"/>
               </a:ext>
             </a:extLst>
           </p:cNvPr>
@@ -10177,109 +12747,8 @@
         </p:nvSpPr>
         <p:spPr>
           <a:xfrm flipH="1" flipV="1">
-            <a:off x="2840812" y="4958748"/>
+            <a:off x="-3337876" y="3260771"/>
             <a:ext cx="173908" cy="173908"/>
-          </a:xfrm>
-          <a:prstGeom prst="ellipse">
-            <a:avLst/>
-          </a:prstGeom>
-          <a:solidFill>
-            <a:schemeClr val="accent6">
-              <a:lumMod val="40000"/>
-              <a:lumOff val="60000"/>
-            </a:schemeClr>
-          </a:solidFill>
-        </p:spPr>
-        <p:style>
-          <a:lnRef idx="2">
-            <a:schemeClr val="accent1">
-              <a:shade val="15000"/>
-            </a:schemeClr>
-          </a:lnRef>
-          <a:fillRef idx="1">
-            <a:schemeClr val="accent1"/>
-          </a:fillRef>
-          <a:effectRef idx="0">
-            <a:schemeClr val="accent1"/>
-          </a:effectRef>
-          <a:fontRef idx="minor">
-            <a:schemeClr val="lt1"/>
-          </a:fontRef>
-        </p:style>
-        <p:txBody>
-          <a:bodyPr rtlCol="0" anchor="ctr"/>
-          <a:lstStyle/>
-          <a:p>
-            <a:pPr algn="ctr"/>
-            <a:endParaRPr lang="en-CA"/>
-          </a:p>
-        </p:txBody>
-      </p:sp>
-      <p:sp>
-        <p:nvSpPr>
-          <p:cNvPr id="103" name="Oval 102">
-            <a:extLst>
-              <a:ext uri="{FF2B5EF4-FFF2-40B4-BE49-F238E27FC236}">
-                <a16:creationId xmlns:a16="http://schemas.microsoft.com/office/drawing/2014/main" id="{D2983791-687E-10D4-C378-F850E7694B18}"/>
-              </a:ext>
-            </a:extLst>
-          </p:cNvPr>
-          <p:cNvSpPr/>
-          <p:nvPr/>
-        </p:nvSpPr>
-        <p:spPr>
-          <a:xfrm>
-            <a:off x="8891131" y="5304085"/>
-            <a:ext cx="169549" cy="169549"/>
-          </a:xfrm>
-          <a:prstGeom prst="ellipse">
-            <a:avLst/>
-          </a:prstGeom>
-          <a:solidFill>
-            <a:srgbClr val="92D050"/>
-          </a:solidFill>
-        </p:spPr>
-        <p:style>
-          <a:lnRef idx="2">
-            <a:schemeClr val="accent1">
-              <a:shade val="15000"/>
-            </a:schemeClr>
-          </a:lnRef>
-          <a:fillRef idx="1">
-            <a:schemeClr val="accent1"/>
-          </a:fillRef>
-          <a:effectRef idx="0">
-            <a:schemeClr val="accent1"/>
-          </a:effectRef>
-          <a:fontRef idx="minor">
-            <a:schemeClr val="lt1"/>
-          </a:fontRef>
-        </p:style>
-        <p:txBody>
-          <a:bodyPr rtlCol="0" anchor="ctr"/>
-          <a:lstStyle/>
-          <a:p>
-            <a:pPr algn="ctr"/>
-            <a:endParaRPr lang="en-CA"/>
-          </a:p>
-        </p:txBody>
-      </p:sp>
-      <p:sp>
-        <p:nvSpPr>
-          <p:cNvPr id="105" name="Oval 104">
-            <a:extLst>
-              <a:ext uri="{FF2B5EF4-FFF2-40B4-BE49-F238E27FC236}">
-                <a16:creationId xmlns:a16="http://schemas.microsoft.com/office/drawing/2014/main" id="{5BA2E242-00C5-D801-8A26-6DEF84C7509B}"/>
-              </a:ext>
-            </a:extLst>
-          </p:cNvPr>
-          <p:cNvSpPr/>
-          <p:nvPr/>
-        </p:nvSpPr>
-        <p:spPr>
-          <a:xfrm>
-            <a:off x="8894106" y="5065797"/>
-            <a:ext cx="171597" cy="171597"/>
           </a:xfrm>
           <a:prstGeom prst="ellipse">
             <a:avLst/>
@@ -10318,10 +12787,59 @@
       </p:sp>
       <p:sp>
         <p:nvSpPr>
-          <p:cNvPr id="107" name="TextBox 106">
-            <a:extLst>
-              <a:ext uri="{FF2B5EF4-FFF2-40B4-BE49-F238E27FC236}">
-                <a16:creationId xmlns:a16="http://schemas.microsoft.com/office/drawing/2014/main" id="{CDB304A9-0ECB-5393-7F16-F3B9E68DF367}"/>
+          <p:cNvPr id="136" name="Oval 135">
+            <a:extLst>
+              <a:ext uri="{FF2B5EF4-FFF2-40B4-BE49-F238E27FC236}">
+                <a16:creationId xmlns:a16="http://schemas.microsoft.com/office/drawing/2014/main" id="{E274B82F-7148-EBEA-6FEC-061B2B425D20}"/>
+              </a:ext>
+            </a:extLst>
+          </p:cNvPr>
+          <p:cNvSpPr/>
+          <p:nvPr/>
+        </p:nvSpPr>
+        <p:spPr>
+          <a:xfrm flipH="1" flipV="1">
+            <a:off x="-3337876" y="3681634"/>
+            <a:ext cx="173908" cy="173908"/>
+          </a:xfrm>
+          <a:prstGeom prst="ellipse">
+            <a:avLst/>
+          </a:prstGeom>
+          <a:solidFill>
+            <a:srgbClr val="FFFF00"/>
+          </a:solidFill>
+        </p:spPr>
+        <p:style>
+          <a:lnRef idx="2">
+            <a:schemeClr val="accent1">
+              <a:shade val="15000"/>
+            </a:schemeClr>
+          </a:lnRef>
+          <a:fillRef idx="1">
+            <a:schemeClr val="accent1"/>
+          </a:fillRef>
+          <a:effectRef idx="0">
+            <a:schemeClr val="accent1"/>
+          </a:effectRef>
+          <a:fontRef idx="minor">
+            <a:schemeClr val="lt1"/>
+          </a:fontRef>
+        </p:style>
+        <p:txBody>
+          <a:bodyPr rtlCol="0" anchor="ctr"/>
+          <a:lstStyle/>
+          <a:p>
+            <a:pPr algn="ctr"/>
+            <a:endParaRPr lang="en-CA"/>
+          </a:p>
+        </p:txBody>
+      </p:sp>
+      <p:sp>
+        <p:nvSpPr>
+          <p:cNvPr id="5" name="TextBox 4">
+            <a:extLst>
+              <a:ext uri="{FF2B5EF4-FFF2-40B4-BE49-F238E27FC236}">
+                <a16:creationId xmlns:a16="http://schemas.microsoft.com/office/drawing/2014/main" id="{22BA469A-731B-3F9F-5ECF-183842D2FBDC}"/>
               </a:ext>
             </a:extLst>
           </p:cNvPr>
@@ -10330,8 +12848,8 @@
         </p:nvSpPr>
         <p:spPr>
           <a:xfrm>
-            <a:off x="9743847" y="1079820"/>
-            <a:ext cx="1915281" cy="400110"/>
+            <a:off x="4612811" y="228238"/>
+            <a:ext cx="2610385" cy="461665"/>
           </a:xfrm>
           <a:prstGeom prst="rect">
             <a:avLst/>
@@ -10344,324 +12862,17 @@
           </a:bodyPr>
           <a:lstStyle/>
           <a:p>
-            <a:pPr algn="ctr"/>
-            <a:r>
-              <a:rPr lang="en-CA" sz="2000" dirty="0"/>
-              <a:t>Event Tickets</a:t>
-            </a:r>
-          </a:p>
-        </p:txBody>
-      </p:sp>
-      <p:sp>
-        <p:nvSpPr>
-          <p:cNvPr id="109" name="Rectangle: Rounded Corners 108">
-            <a:extLst>
-              <a:ext uri="{FF2B5EF4-FFF2-40B4-BE49-F238E27FC236}">
-                <a16:creationId xmlns:a16="http://schemas.microsoft.com/office/drawing/2014/main" id="{A13AA74E-1F9D-FA33-8D2B-D7796AB14A28}"/>
-              </a:ext>
-            </a:extLst>
-          </p:cNvPr>
-          <p:cNvSpPr/>
-          <p:nvPr/>
-        </p:nvSpPr>
-        <p:spPr>
-          <a:xfrm>
-            <a:off x="10017208" y="1519349"/>
-            <a:ext cx="1329625" cy="280894"/>
-          </a:xfrm>
-          <a:prstGeom prst="roundRect">
-            <a:avLst/>
-          </a:prstGeom>
-          <a:noFill/>
-        </p:spPr>
-        <p:style>
-          <a:lnRef idx="2">
-            <a:schemeClr val="accent1">
-              <a:shade val="15000"/>
-            </a:schemeClr>
-          </a:lnRef>
-          <a:fillRef idx="1">
-            <a:schemeClr val="accent1"/>
-          </a:fillRef>
-          <a:effectRef idx="0">
-            <a:schemeClr val="accent1"/>
-          </a:effectRef>
-          <a:fontRef idx="minor">
-            <a:schemeClr val="lt1"/>
-          </a:fontRef>
-        </p:style>
-        <p:txBody>
-          <a:bodyPr rtlCol="0" anchor="ctr"/>
-          <a:lstStyle/>
-          <a:p>
-            <a:r>
-              <a:rPr lang="en-CA" sz="1400" dirty="0">
-                <a:solidFill>
-                  <a:schemeClr val="tx1"/>
-                </a:solidFill>
-              </a:rPr>
-              <a:t>Select Event</a:t>
-            </a:r>
-          </a:p>
-        </p:txBody>
-      </p:sp>
-      <p:sp>
-        <p:nvSpPr>
-          <p:cNvPr id="11" name="Oval 10">
-            <a:extLst>
-              <a:ext uri="{FF2B5EF4-FFF2-40B4-BE49-F238E27FC236}">
-                <a16:creationId xmlns:a16="http://schemas.microsoft.com/office/drawing/2014/main" id="{8F47BE55-760D-0884-D768-373A4B7E4955}"/>
-              </a:ext>
-            </a:extLst>
-          </p:cNvPr>
-          <p:cNvSpPr/>
-          <p:nvPr/>
-        </p:nvSpPr>
-        <p:spPr>
-          <a:xfrm>
-            <a:off x="6408704" y="2822698"/>
-            <a:ext cx="350797" cy="350797"/>
-          </a:xfrm>
-          <a:prstGeom prst="ellipse">
-            <a:avLst/>
-          </a:prstGeom>
-          <a:solidFill>
-            <a:schemeClr val="accent1">
-              <a:lumMod val="60000"/>
-              <a:lumOff val="40000"/>
-              <a:alpha val="50000"/>
-            </a:schemeClr>
-          </a:solidFill>
-        </p:spPr>
-        <p:style>
-          <a:lnRef idx="2">
-            <a:schemeClr val="accent1">
-              <a:shade val="15000"/>
-            </a:schemeClr>
-          </a:lnRef>
-          <a:fillRef idx="1">
-            <a:schemeClr val="accent1"/>
-          </a:fillRef>
-          <a:effectRef idx="0">
-            <a:schemeClr val="accent1"/>
-          </a:effectRef>
-          <a:fontRef idx="minor">
-            <a:schemeClr val="lt1"/>
-          </a:fontRef>
-        </p:style>
-        <p:txBody>
-          <a:bodyPr rtlCol="0" anchor="ctr"/>
-          <a:lstStyle/>
-          <a:p>
-            <a:pPr algn="ctr"/>
-            <a:endParaRPr lang="en-CA"/>
-          </a:p>
-        </p:txBody>
-      </p:sp>
-      <p:sp>
-        <p:nvSpPr>
-          <p:cNvPr id="14" name="Rectangle: Rounded Corners 13">
-            <a:extLst>
-              <a:ext uri="{FF2B5EF4-FFF2-40B4-BE49-F238E27FC236}">
-                <a16:creationId xmlns:a16="http://schemas.microsoft.com/office/drawing/2014/main" id="{057D6040-83A4-A92B-E6ED-6B158CFD85AE}"/>
-              </a:ext>
-            </a:extLst>
-          </p:cNvPr>
-          <p:cNvSpPr/>
-          <p:nvPr/>
-        </p:nvSpPr>
-        <p:spPr>
-          <a:xfrm>
-            <a:off x="10017208" y="1919303"/>
-            <a:ext cx="1546869" cy="260896"/>
-          </a:xfrm>
-          <a:prstGeom prst="roundRect">
-            <a:avLst/>
-          </a:prstGeom>
-          <a:noFill/>
-        </p:spPr>
-        <p:style>
-          <a:lnRef idx="2">
-            <a:schemeClr val="accent1">
-              <a:shade val="15000"/>
-            </a:schemeClr>
-          </a:lnRef>
-          <a:fillRef idx="1">
-            <a:schemeClr val="accent1"/>
-          </a:fillRef>
-          <a:effectRef idx="0">
-            <a:schemeClr val="accent1"/>
-          </a:effectRef>
-          <a:fontRef idx="minor">
-            <a:schemeClr val="lt1"/>
-          </a:fontRef>
-        </p:style>
-        <p:txBody>
-          <a:bodyPr rtlCol="0" anchor="ctr"/>
-          <a:lstStyle/>
-          <a:p>
-            <a:r>
-              <a:rPr lang="en-CA" sz="1400" dirty="0">
-                <a:solidFill>
-                  <a:schemeClr val="tx1"/>
-                </a:solidFill>
-              </a:rPr>
-              <a:t>Choose Quantity</a:t>
-            </a:r>
-          </a:p>
-        </p:txBody>
-      </p:sp>
-      <p:sp>
-        <p:nvSpPr>
-          <p:cNvPr id="8" name="Rectangle: Rounded Corners 7">
-            <a:extLst>
-              <a:ext uri="{FF2B5EF4-FFF2-40B4-BE49-F238E27FC236}">
-                <a16:creationId xmlns:a16="http://schemas.microsoft.com/office/drawing/2014/main" id="{8092EBFC-8A22-5D45-E8AA-66C4063D836A}"/>
-              </a:ext>
-            </a:extLst>
-          </p:cNvPr>
-          <p:cNvSpPr/>
-          <p:nvPr/>
-        </p:nvSpPr>
-        <p:spPr>
-          <a:xfrm>
-            <a:off x="9743847" y="4532288"/>
-            <a:ext cx="1546869" cy="260896"/>
-          </a:xfrm>
-          <a:prstGeom prst="roundRect">
-            <a:avLst/>
-          </a:prstGeom>
-          <a:noFill/>
-          <a:ln>
-            <a:noFill/>
-          </a:ln>
-        </p:spPr>
-        <p:style>
-          <a:lnRef idx="2">
-            <a:schemeClr val="accent1">
-              <a:shade val="15000"/>
-            </a:schemeClr>
-          </a:lnRef>
-          <a:fillRef idx="1">
-            <a:schemeClr val="accent1"/>
-          </a:fillRef>
-          <a:effectRef idx="0">
-            <a:schemeClr val="accent1"/>
-          </a:effectRef>
-          <a:fontRef idx="minor">
-            <a:schemeClr val="lt1"/>
-          </a:fontRef>
-        </p:style>
-        <p:txBody>
-          <a:bodyPr rtlCol="0" anchor="ctr"/>
-          <a:lstStyle/>
-          <a:p>
-            <a:r>
-              <a:rPr lang="en-CA" sz="1400" dirty="0">
-                <a:solidFill>
-                  <a:schemeClr val="tx1"/>
-                </a:solidFill>
-              </a:rPr>
-              <a:t>Price: $100</a:t>
-            </a:r>
-          </a:p>
-        </p:txBody>
-      </p:sp>
-      <p:cxnSp>
-        <p:nvCxnSpPr>
-          <p:cNvPr id="18" name="Connector: Curved 17">
-            <a:extLst>
-              <a:ext uri="{FF2B5EF4-FFF2-40B4-BE49-F238E27FC236}">
-                <a16:creationId xmlns:a16="http://schemas.microsoft.com/office/drawing/2014/main" id="{FC6D197E-7BFE-55CA-D51B-CB7F172FA6CF}"/>
-              </a:ext>
-            </a:extLst>
-          </p:cNvPr>
-          <p:cNvCxnSpPr>
-            <a:cxnSpLocks/>
-            <a:endCxn id="12" idx="0"/>
-          </p:cNvCxnSpPr>
-          <p:nvPr/>
-        </p:nvCxnSpPr>
-        <p:spPr>
-          <a:xfrm rot="10800000" flipV="1">
-            <a:off x="740559" y="1640160"/>
-            <a:ext cx="9030764" cy="1538064"/>
-          </a:xfrm>
-          <a:prstGeom prst="curvedConnector2">
-            <a:avLst/>
-          </a:prstGeom>
-          <a:ln w="31750">
-            <a:solidFill>
-              <a:schemeClr val="bg1">
-                <a:lumMod val="75000"/>
-              </a:schemeClr>
-            </a:solidFill>
-            <a:tailEnd type="triangle"/>
-          </a:ln>
-        </p:spPr>
-        <p:style>
-          <a:lnRef idx="1">
-            <a:schemeClr val="accent1"/>
-          </a:lnRef>
-          <a:fillRef idx="0">
-            <a:schemeClr val="accent1"/>
-          </a:fillRef>
-          <a:effectRef idx="0">
-            <a:schemeClr val="accent1"/>
-          </a:effectRef>
-          <a:fontRef idx="minor">
-            <a:schemeClr val="tx1"/>
-          </a:fontRef>
-        </p:style>
-      </p:cxnSp>
-      <p:cxnSp>
-        <p:nvCxnSpPr>
-          <p:cNvPr id="30" name="Connector: Curved 29">
-            <a:extLst>
-              <a:ext uri="{FF2B5EF4-FFF2-40B4-BE49-F238E27FC236}">
-                <a16:creationId xmlns:a16="http://schemas.microsoft.com/office/drawing/2014/main" id="{4BC0DDE2-A39F-88F6-6B50-2B174A9A29B3}"/>
-              </a:ext>
-            </a:extLst>
-          </p:cNvPr>
-          <p:cNvCxnSpPr>
-            <a:cxnSpLocks/>
-            <a:endCxn id="4" idx="7"/>
-          </p:cNvCxnSpPr>
-          <p:nvPr/>
-        </p:nvCxnSpPr>
-        <p:spPr>
-          <a:xfrm rot="10800000" flipV="1">
-            <a:off x="2789038" y="2034302"/>
-            <a:ext cx="7019432" cy="1195696"/>
-          </a:xfrm>
-          <a:prstGeom prst="curvedConnector2">
-            <a:avLst/>
-          </a:prstGeom>
-          <a:ln w="31750">
-            <a:solidFill>
-              <a:schemeClr val="accent6">
-                <a:lumMod val="60000"/>
-                <a:lumOff val="40000"/>
-              </a:schemeClr>
-            </a:solidFill>
-            <a:tailEnd type="triangle"/>
-          </a:ln>
-        </p:spPr>
-        <p:style>
-          <a:lnRef idx="1">
-            <a:schemeClr val="accent1"/>
-          </a:lnRef>
-          <a:fillRef idx="0">
-            <a:schemeClr val="accent1"/>
-          </a:fillRef>
-          <a:effectRef idx="0">
-            <a:schemeClr val="accent1"/>
-          </a:effectRef>
-          <a:fontRef idx="minor">
-            <a:schemeClr val="tx1"/>
-          </a:fontRef>
-        </p:style>
-      </p:cxnSp>
+            <a:r>
+              <a:rPr lang="en-CA" sz="2400" b="1" dirty="0"/>
+              <a:t>RxEventTickets</a:t>
+            </a:r>
+            <a:r>
+              <a:rPr lang="en-CA" sz="2400" dirty="0"/>
+              <a:t> </a:t>
+            </a:r>
+          </a:p>
+        </p:txBody>
+      </p:sp>
     </p:spTree>
     <p:extLst>
       <p:ext uri="{BB962C8B-B14F-4D97-AF65-F5344CB8AC3E}">
